--- a/x102.pptx
+++ b/x102.pptx
@@ -12,7 +12,7 @@
     <p:sldMasterId id="2147483739" r:id="rId8"/>
   </p:sldMasterIdLst>
   <p:notesMasterIdLst>
-    <p:notesMasterId r:id="rId55"/>
+    <p:notesMasterId r:id="rId54"/>
   </p:notesMasterIdLst>
   <p:sldIdLst>
     <p:sldId id="256" r:id="rId9"/>
@@ -47,20 +47,19 @@
     <p:sldId id="284" r:id="rId38"/>
     <p:sldId id="288" r:id="rId39"/>
     <p:sldId id="285" r:id="rId40"/>
-    <p:sldId id="286" r:id="rId41"/>
-    <p:sldId id="289" r:id="rId42"/>
-    <p:sldId id="290" r:id="rId43"/>
-    <p:sldId id="291" r:id="rId44"/>
-    <p:sldId id="299" r:id="rId45"/>
-    <p:sldId id="300" r:id="rId46"/>
-    <p:sldId id="301" r:id="rId47"/>
-    <p:sldId id="302" r:id="rId48"/>
-    <p:sldId id="303" r:id="rId49"/>
-    <p:sldId id="304" r:id="rId50"/>
-    <p:sldId id="305" r:id="rId51"/>
-    <p:sldId id="295" r:id="rId52"/>
-    <p:sldId id="296" r:id="rId53"/>
-    <p:sldId id="297" r:id="rId54"/>
+    <p:sldId id="289" r:id="rId41"/>
+    <p:sldId id="290" r:id="rId42"/>
+    <p:sldId id="291" r:id="rId43"/>
+    <p:sldId id="299" r:id="rId44"/>
+    <p:sldId id="300" r:id="rId45"/>
+    <p:sldId id="301" r:id="rId46"/>
+    <p:sldId id="302" r:id="rId47"/>
+    <p:sldId id="303" r:id="rId48"/>
+    <p:sldId id="304" r:id="rId49"/>
+    <p:sldId id="305" r:id="rId50"/>
+    <p:sldId id="295" r:id="rId51"/>
+    <p:sldId id="296" r:id="rId52"/>
+    <p:sldId id="297" r:id="rId53"/>
   </p:sldIdLst>
   <p:sldSz cx="12192000" cy="6858000"/>
   <p:notesSz cx="6858000" cy="9144000"/>
@@ -21086,7 +21085,7 @@
         <p:spPr>
           <a:xfrm>
             <a:off x="5735880" y="4149000"/>
-            <a:ext cx="2158920" cy="862560"/>
+            <a:ext cx="2158920" cy="648152"/>
           </a:xfrm>
           <a:prstGeom prst="rect">
             <a:avLst/>
@@ -21117,7 +21116,7 @@
               </a:lnSpc>
             </a:pPr>
             <a:r>
-              <a:rPr lang="pt-BR" sz="1600" b="0" strike="noStrike" spc="-1">
+              <a:rPr lang="pt-BR" sz="1600" b="0" strike="noStrike" spc="-1" dirty="0">
                 <a:solidFill>
                   <a:srgbClr val="000000"/>
                 </a:solidFill>
@@ -21131,7 +21130,7 @@
               </a:rPr>
               <a:t>Distribuição:</a:t>
             </a:r>
-            <a:endParaRPr lang="pt-BR" sz="1800" b="0" strike="noStrike" spc="-1">
+            <a:endParaRPr lang="pt-BR" sz="1800" b="0" strike="noStrike" spc="-1" dirty="0">
               <a:solidFill>
                 <a:srgbClr val="000000"/>
               </a:solidFill>
@@ -21155,7 +21154,7 @@
               <a:buChar char="•"/>
             </a:pPr>
             <a:r>
-              <a:rPr lang="pt-BR" sz="1600" b="0" strike="noStrike" spc="-1">
+              <a:rPr lang="pt-BR" sz="1600" b="0" strike="noStrike" spc="-1" dirty="0">
                 <a:solidFill>
                   <a:srgbClr val="000000"/>
                 </a:solidFill>
@@ -21167,33 +21166,10 @@
                 <a:latin typeface="Calibri"/>
                 <a:ea typeface="DejaVu Sans"/>
               </a:rPr>
-              <a:t>at (p) S</a:t>
+              <a:t>at (p) </a:t>
             </a:r>
-            <a:endParaRPr lang="pt-BR" sz="1800" b="0" strike="noStrike" spc="-1">
-              <a:solidFill>
-                <a:srgbClr val="000000"/>
-              </a:solidFill>
-              <a:uFill>
-                <a:solidFill>
-                  <a:srgbClr val="FFFFFF"/>
-                </a:solidFill>
-              </a:uFill>
-              <a:latin typeface="Arial"/>
-            </a:endParaRPr>
-          </a:p>
-          <a:p>
-            <a:pPr marL="285840" indent="-284400" algn="just">
-              <a:lnSpc>
-                <a:spcPct val="100000"/>
-              </a:lnSpc>
-              <a:buClr>
-                <a:srgbClr val="000000"/>
-              </a:buClr>
-              <a:buFont typeface="Arial"/>
-              <a:buChar char="•"/>
-            </a:pPr>
             <a:r>
-              <a:rPr lang="pt-BR" sz="1600" b="0" strike="noStrike" spc="-1">
+              <a:rPr lang="pt-BR" sz="1600" b="0" strike="noStrike" spc="-1" dirty="0" smtClean="0">
                 <a:solidFill>
                   <a:srgbClr val="000000"/>
                 </a:solidFill>
@@ -21205,9 +21181,9 @@
                 <a:latin typeface="Calibri"/>
                 <a:ea typeface="DejaVu Sans"/>
               </a:rPr>
-              <a:t>GlobalRef[T]</a:t>
+              <a:t>S</a:t>
             </a:r>
-            <a:endParaRPr lang="pt-BR" sz="1800" b="0" strike="noStrike" spc="-1">
+            <a:endParaRPr lang="pt-BR" sz="1800" b="0" strike="noStrike" spc="-1" dirty="0">
               <a:solidFill>
                 <a:srgbClr val="000000"/>
               </a:solidFill>
@@ -26966,29 +26942,6 @@
           <a:chExt cx="0" cy="0"/>
         </a:xfrm>
       </p:grpSpPr>
-      <p:pic>
-        <p:nvPicPr>
-          <p:cNvPr id="396" name="Picture 10"/>
-          <p:cNvPicPr/>
-          <p:nvPr/>
-        </p:nvPicPr>
-        <p:blipFill>
-          <a:blip r:embed="rId2"/>
-          <a:stretch/>
-        </p:blipFill>
-        <p:spPr>
-          <a:xfrm>
-            <a:off x="7104240" y="1600200"/>
-            <a:ext cx="4087800" cy="3870360"/>
-          </a:xfrm>
-          <a:prstGeom prst="rect">
-            <a:avLst/>
-          </a:prstGeom>
-          <a:ln>
-            <a:noFill/>
-          </a:ln>
-        </p:spPr>
-      </p:pic>
       <p:sp>
         <p:nvSpPr>
           <p:cNvPr id="397" name="CustomShape 1"/>
@@ -27091,9 +27044,63 @@
           </a:p>
         </p:txBody>
       </p:sp>
+      <p:pic>
+        <p:nvPicPr>
+          <p:cNvPr id="1026" name="Picture 2"/>
+          <p:cNvPicPr>
+            <a:picLocks noChangeAspect="1" noChangeArrowheads="1"/>
+          </p:cNvPicPr>
+          <p:nvPr/>
+        </p:nvPicPr>
+        <p:blipFill>
+          <a:blip r:embed="rId2">
+            <a:extLst>
+              <a:ext uri="{28A0092B-C50C-407E-A947-70E740481C1C}">
+                <a14:useLocalDpi xmlns:a14="http://schemas.microsoft.com/office/drawing/2010/main" val="0"/>
+              </a:ext>
+            </a:extLst>
+          </a:blip>
+          <a:srcRect/>
+          <a:stretch>
+            <a:fillRect/>
+          </a:stretch>
+        </p:blipFill>
+        <p:spPr bwMode="auto">
+          <a:xfrm>
+            <a:off x="6312024" y="1560984"/>
+            <a:ext cx="4953000" cy="4572000"/>
+          </a:xfrm>
+          <a:prstGeom prst="rect">
+            <a:avLst/>
+          </a:prstGeom>
+          <a:noFill/>
+          <a:ln>
+            <a:noFill/>
+          </a:ln>
+          <a:extLst>
+            <a:ext uri="{909E8E84-426E-40DD-AFC4-6F175D3DCCD1}">
+              <a14:hiddenFill xmlns:a14="http://schemas.microsoft.com/office/drawing/2010/main">
+                <a:solidFill>
+                  <a:schemeClr val="accent1"/>
+                </a:solidFill>
+              </a14:hiddenFill>
+            </a:ext>
+            <a:ext uri="{91240B29-F687-4F45-9708-019B960494DF}">
+              <a14:hiddenLine xmlns:a14="http://schemas.microsoft.com/office/drawing/2010/main" w="9525">
+                <a:solidFill>
+                  <a:schemeClr val="tx1"/>
+                </a:solidFill>
+                <a:miter lim="800000"/>
+                <a:headEnd/>
+                <a:tailEnd/>
+              </a14:hiddenLine>
+            </a:ext>
+          </a:extLst>
+        </p:spPr>
+      </p:pic>
       <p:sp>
         <p:nvSpPr>
-          <p:cNvPr id="398" name="CustomShape 2"/>
+          <p:cNvPr id="6" name="CustomShape 2"/>
           <p:cNvSpPr/>
           <p:nvPr/>
         </p:nvSpPr>
@@ -27126,70 +27133,15 @@
           <a:bodyPr lIns="90000" tIns="45000" rIns="90000" bIns="45000"/>
           <a:lstStyle/>
           <a:p>
-            <a:pPr>
+            <a:pPr marL="285750" indent="-285750">
               <a:lnSpc>
                 <a:spcPct val="100000"/>
               </a:lnSpc>
-            </a:pPr>
-            <a:endParaRPr lang="pt-BR" sz="1800" b="0" strike="noStrike" spc="-1">
-              <a:solidFill>
-                <a:srgbClr val="000000"/>
-              </a:solidFill>
-              <a:uFill>
-                <a:solidFill>
-                  <a:srgbClr val="FFFFFF"/>
-                </a:solidFill>
-              </a:uFill>
-              <a:latin typeface="Arial"/>
-            </a:endParaRPr>
-          </a:p>
-          <a:p>
-            <a:pPr>
-              <a:lnSpc>
-                <a:spcPct val="100000"/>
-              </a:lnSpc>
-            </a:pPr>
-            <a:endParaRPr lang="pt-BR" sz="1800" b="0" strike="noStrike" spc="-1">
-              <a:solidFill>
-                <a:srgbClr val="000000"/>
-              </a:solidFill>
-              <a:uFill>
-                <a:solidFill>
-                  <a:srgbClr val="FFFFFF"/>
-                </a:solidFill>
-              </a:uFill>
-              <a:latin typeface="Arial"/>
-            </a:endParaRPr>
-          </a:p>
-          <a:p>
-            <a:pPr>
-              <a:lnSpc>
-                <a:spcPct val="100000"/>
-              </a:lnSpc>
-            </a:pPr>
-            <a:endParaRPr lang="pt-BR" sz="1800" b="0" strike="noStrike" spc="-1">
-              <a:solidFill>
-                <a:srgbClr val="000000"/>
-              </a:solidFill>
-              <a:uFill>
-                <a:solidFill>
-                  <a:srgbClr val="FFFFFF"/>
-                </a:solidFill>
-              </a:uFill>
-              <a:latin typeface="Arial"/>
-            </a:endParaRPr>
-          </a:p>
-          <a:p>
-            <a:pPr>
-              <a:lnSpc>
-                <a:spcPct val="100000"/>
-              </a:lnSpc>
+              <a:buFont typeface="Arial" panose="020B0604020202020204" pitchFamily="34" charset="0"/>
+              <a:buChar char="•"/>
             </a:pPr>
             <a:r>
-              <a:rPr lang="pt-BR" sz="1400" b="0" strike="noStrike" spc="-1">
-                <a:solidFill>
-                  <a:srgbClr val="910F93"/>
-                </a:solidFill>
+              <a:rPr lang="pt-BR" sz="1400" spc="-1" dirty="0" smtClean="0">
                 <a:uFill>
                   <a:solidFill>
                     <a:srgbClr val="FFFFFF"/>
@@ -27198,13 +27150,37 @@
                 <a:latin typeface="Monaco"/>
                 <a:ea typeface="DejaVu Sans"/>
               </a:rPr>
-              <a:t>class</a:t>
+              <a:t>Cria uma referência galobal para um dado objeto</a:t>
             </a:r>
+          </a:p>
+          <a:p>
+            <a:pPr marL="285750" indent="-285750">
+              <a:lnSpc>
+                <a:spcPct val="100000"/>
+              </a:lnSpc>
+              <a:buFont typeface="Arial" panose="020B0604020202020204" pitchFamily="34" charset="0"/>
+              <a:buChar char="•"/>
+            </a:pPr>
+            <a:endParaRPr lang="pt-BR" sz="1400" b="0" strike="noStrike" spc="-1" dirty="0">
+              <a:uFill>
+                <a:solidFill>
+                  <a:srgbClr val="FFFFFF"/>
+                </a:solidFill>
+              </a:uFill>
+              <a:latin typeface="Monaco"/>
+              <a:ea typeface="DejaVu Sans"/>
+            </a:endParaRPr>
+          </a:p>
+          <a:p>
+            <a:pPr marL="285750" indent="-285750">
+              <a:lnSpc>
+                <a:spcPct val="100000"/>
+              </a:lnSpc>
+              <a:buFont typeface="Arial" panose="020B0604020202020204" pitchFamily="34" charset="0"/>
+              <a:buChar char="•"/>
+            </a:pPr>
             <a:r>
-              <a:rPr lang="pt-BR" sz="1400" b="0" strike="noStrike" spc="-1">
-                <a:solidFill>
-                  <a:srgbClr val="000000"/>
-                </a:solidFill>
+              <a:rPr lang="pt-BR" sz="1400" spc="-1" dirty="0" smtClean="0">
                 <a:uFill>
                   <a:solidFill>
                     <a:srgbClr val="FFFFFF"/>
@@ -27213,31 +27189,37 @@
                 <a:latin typeface="Monaco"/>
                 <a:ea typeface="DejaVu Sans"/>
               </a:rPr>
-              <a:t> Driver {</a:t>
+              <a:t>Possui um campo home, especificando aonde foi criado</a:t>
             </a:r>
-            <a:endParaRPr lang="pt-BR" sz="1800" b="0" strike="noStrike" spc="-1">
-              <a:solidFill>
-                <a:srgbClr val="000000"/>
-              </a:solidFill>
-              <a:uFill>
-                <a:solidFill>
-                  <a:srgbClr val="FFFFFF"/>
-                </a:solidFill>
-              </a:uFill>
-              <a:latin typeface="Arial"/>
-            </a:endParaRPr>
-          </a:p>
-          <a:p>
-            <a:pPr>
+          </a:p>
+          <a:p>
+            <a:pPr marL="285750" indent="-285750">
               <a:lnSpc>
                 <a:spcPct val="100000"/>
               </a:lnSpc>
+              <a:buFont typeface="Arial" panose="020B0604020202020204" pitchFamily="34" charset="0"/>
+              <a:buChar char="•"/>
+            </a:pPr>
+            <a:endParaRPr lang="pt-BR" sz="1400" b="0" strike="noStrike" spc="-1" dirty="0">
+              <a:uFill>
+                <a:solidFill>
+                  <a:srgbClr val="FFFFFF"/>
+                </a:solidFill>
+              </a:uFill>
+              <a:latin typeface="Monaco"/>
+              <a:ea typeface="DejaVu Sans"/>
+            </a:endParaRPr>
+          </a:p>
+          <a:p>
+            <a:pPr marL="285750" indent="-285750">
+              <a:lnSpc>
+                <a:spcPct val="100000"/>
+              </a:lnSpc>
+              <a:buFont typeface="Arial" panose="020B0604020202020204" pitchFamily="34" charset="0"/>
+              <a:buChar char="•"/>
             </a:pPr>
             <a:r>
-              <a:rPr lang="pt-BR" sz="1400" b="0" strike="noStrike" spc="-1">
-                <a:solidFill>
-                  <a:srgbClr val="000000"/>
-                </a:solidFill>
+              <a:rPr lang="pt-BR" sz="1400" spc="-1" dirty="0" smtClean="0">
                 <a:uFill>
                   <a:solidFill>
                     <a:srgbClr val="FFFFFF"/>
@@ -27246,906 +27228,9 @@
                 <a:latin typeface="Monaco"/>
                 <a:ea typeface="DejaVu Sans"/>
               </a:rPr>
-              <a:t>  </a:t>
+              <a:t>Só pode ser manipulado no seu Place de origem</a:t>
             </a:r>
-            <a:r>
-              <a:rPr lang="pt-BR" sz="1400" b="0" strike="noStrike" spc="-1">
-                <a:solidFill>
-                  <a:srgbClr val="910F93"/>
-                </a:solidFill>
-                <a:uFill>
-                  <a:solidFill>
-                    <a:srgbClr val="FFFFFF"/>
-                  </a:solidFill>
-                </a:uFill>
-                <a:latin typeface="Monaco"/>
-                <a:ea typeface="DejaVu Sans"/>
-              </a:rPr>
-              <a:t>public</a:t>
-            </a:r>
-            <a:r>
-              <a:rPr lang="pt-BR" sz="1400" b="0" strike="noStrike" spc="-1">
-                <a:solidFill>
-                  <a:srgbClr val="000000"/>
-                </a:solidFill>
-                <a:uFill>
-                  <a:solidFill>
-                    <a:srgbClr val="FFFFFF"/>
-                  </a:solidFill>
-                </a:uFill>
-                <a:latin typeface="Monaco"/>
-                <a:ea typeface="DejaVu Sans"/>
-              </a:rPr>
-              <a:t> </a:t>
-            </a:r>
-            <a:r>
-              <a:rPr lang="pt-BR" sz="1400" b="0" strike="noStrike" spc="-1">
-                <a:solidFill>
-                  <a:srgbClr val="910F93"/>
-                </a:solidFill>
-                <a:uFill>
-                  <a:solidFill>
-                    <a:srgbClr val="FFFFFF"/>
-                  </a:solidFill>
-                </a:uFill>
-                <a:latin typeface="Monaco"/>
-                <a:ea typeface="DejaVu Sans"/>
-              </a:rPr>
-              <a:t>static</a:t>
-            </a:r>
-            <a:r>
-              <a:rPr lang="pt-BR" sz="1400" b="0" strike="noStrike" spc="-1">
-                <a:solidFill>
-                  <a:srgbClr val="000000"/>
-                </a:solidFill>
-                <a:uFill>
-                  <a:solidFill>
-                    <a:srgbClr val="FFFFFF"/>
-                  </a:solidFill>
-                </a:uFill>
-                <a:latin typeface="Monaco"/>
-                <a:ea typeface="DejaVu Sans"/>
-              </a:rPr>
-              <a:t> </a:t>
-            </a:r>
-            <a:r>
-              <a:rPr lang="pt-BR" sz="1400" b="0" strike="noStrike" spc="-1">
-                <a:solidFill>
-                  <a:srgbClr val="910F93"/>
-                </a:solidFill>
-                <a:uFill>
-                  <a:solidFill>
-                    <a:srgbClr val="FFFFFF"/>
-                  </a:solidFill>
-                </a:uFill>
-                <a:latin typeface="Monaco"/>
-                <a:ea typeface="DejaVu Sans"/>
-              </a:rPr>
-              <a:t>def</a:t>
-            </a:r>
-            <a:r>
-              <a:rPr lang="pt-BR" sz="1400" b="0" strike="noStrike" spc="-1">
-                <a:solidFill>
-                  <a:srgbClr val="000000"/>
-                </a:solidFill>
-                <a:uFill>
-                  <a:solidFill>
-                    <a:srgbClr val="FFFFFF"/>
-                  </a:solidFill>
-                </a:uFill>
-                <a:latin typeface="Monaco"/>
-                <a:ea typeface="DejaVu Sans"/>
-              </a:rPr>
-              <a:t> main(args:Array[String](1)):Void {</a:t>
-            </a:r>
-            <a:endParaRPr lang="pt-BR" sz="1800" b="0" strike="noStrike" spc="-1">
-              <a:solidFill>
-                <a:srgbClr val="000000"/>
-              </a:solidFill>
-              <a:uFill>
-                <a:solidFill>
-                  <a:srgbClr val="FFFFFF"/>
-                </a:solidFill>
-              </a:uFill>
-              <a:latin typeface="Arial"/>
-            </a:endParaRPr>
-          </a:p>
-          <a:p>
-            <a:pPr>
-              <a:lnSpc>
-                <a:spcPct val="100000"/>
-              </a:lnSpc>
-            </a:pPr>
-            <a:r>
-              <a:rPr lang="pt-BR" sz="1400" b="0" strike="noStrike" spc="-1">
-                <a:solidFill>
-                  <a:srgbClr val="000000"/>
-                </a:solidFill>
-                <a:uFill>
-                  <a:solidFill>
-                    <a:srgbClr val="FFFFFF"/>
-                  </a:solidFill>
-                </a:uFill>
-                <a:latin typeface="Monaco"/>
-                <a:ea typeface="DejaVu Sans"/>
-              </a:rPr>
-              <a:t>    </a:t>
-            </a:r>
-            <a:r>
-              <a:rPr lang="pt-BR" sz="1400" b="0" strike="noStrike" spc="-1">
-                <a:solidFill>
-                  <a:srgbClr val="910F93"/>
-                </a:solidFill>
-                <a:uFill>
-                  <a:solidFill>
-                    <a:srgbClr val="FFFFFF"/>
-                  </a:solidFill>
-                </a:uFill>
-                <a:latin typeface="Monaco"/>
-                <a:ea typeface="DejaVu Sans"/>
-              </a:rPr>
-              <a:t>val</a:t>
-            </a:r>
-            <a:r>
-              <a:rPr lang="pt-BR" sz="1400" b="0" strike="noStrike" spc="-1">
-                <a:solidFill>
-                  <a:srgbClr val="000000"/>
-                </a:solidFill>
-                <a:uFill>
-                  <a:solidFill>
-                    <a:srgbClr val="FFFFFF"/>
-                  </a:solidFill>
-                </a:uFill>
-                <a:latin typeface="Monaco"/>
-                <a:ea typeface="DejaVu Sans"/>
-              </a:rPr>
-              <a:t> firstCounter = </a:t>
-            </a:r>
-            <a:r>
-              <a:rPr lang="pt-BR" sz="1400" b="0" strike="noStrike" spc="-1">
-                <a:solidFill>
-                  <a:srgbClr val="910F93"/>
-                </a:solidFill>
-                <a:uFill>
-                  <a:solidFill>
-                    <a:srgbClr val="FFFFFF"/>
-                  </a:solidFill>
-                </a:uFill>
-                <a:latin typeface="Monaco"/>
-                <a:ea typeface="DejaVu Sans"/>
-              </a:rPr>
-              <a:t>new</a:t>
-            </a:r>
-            <a:r>
-              <a:rPr lang="pt-BR" sz="1400" b="0" strike="noStrike" spc="-1">
-                <a:solidFill>
-                  <a:srgbClr val="000000"/>
-                </a:solidFill>
-                <a:uFill>
-                  <a:solidFill>
-                    <a:srgbClr val="FFFFFF"/>
-                  </a:solidFill>
-                </a:uFill>
-                <a:latin typeface="Monaco"/>
-                <a:ea typeface="DejaVu Sans"/>
-              </a:rPr>
-              <a:t> Counter();</a:t>
-            </a:r>
-            <a:endParaRPr lang="pt-BR" sz="1800" b="0" strike="noStrike" spc="-1">
-              <a:solidFill>
-                <a:srgbClr val="000000"/>
-              </a:solidFill>
-              <a:uFill>
-                <a:solidFill>
-                  <a:srgbClr val="FFFFFF"/>
-                </a:solidFill>
-              </a:uFill>
-              <a:latin typeface="Arial"/>
-            </a:endParaRPr>
-          </a:p>
-          <a:p>
-            <a:pPr>
-              <a:lnSpc>
-                <a:spcPct val="100000"/>
-              </a:lnSpc>
-            </a:pPr>
-            <a:r>
-              <a:rPr lang="pt-BR" sz="1400" b="0" strike="noStrike" spc="-1">
-                <a:solidFill>
-                  <a:srgbClr val="000000"/>
-                </a:solidFill>
-                <a:uFill>
-                  <a:solidFill>
-                    <a:srgbClr val="FFFFFF"/>
-                  </a:solidFill>
-                </a:uFill>
-                <a:latin typeface="Monaco"/>
-                <a:ea typeface="DejaVu Sans"/>
-              </a:rPr>
-              <a:t>    </a:t>
-            </a:r>
-            <a:r>
-              <a:rPr lang="pt-BR" sz="1400" b="0" strike="noStrike" spc="-1">
-                <a:solidFill>
-                  <a:srgbClr val="910F93"/>
-                </a:solidFill>
-                <a:uFill>
-                  <a:solidFill>
-                    <a:srgbClr val="FFFFFF"/>
-                  </a:solidFill>
-                </a:uFill>
-                <a:latin typeface="Monaco"/>
-                <a:ea typeface="DejaVu Sans"/>
-              </a:rPr>
-              <a:t>val</a:t>
-            </a:r>
-            <a:r>
-              <a:rPr lang="pt-BR" sz="1400" b="0" strike="noStrike" spc="-1">
-                <a:solidFill>
-                  <a:srgbClr val="000000"/>
-                </a:solidFill>
-                <a:uFill>
-                  <a:solidFill>
-                    <a:srgbClr val="FFFFFF"/>
-                  </a:solidFill>
-                </a:uFill>
-                <a:latin typeface="Monaco"/>
-                <a:ea typeface="DejaVu Sans"/>
-              </a:rPr>
-              <a:t> secondCounter = </a:t>
-            </a:r>
-            <a:r>
-              <a:rPr lang="pt-BR" sz="1400" b="0" strike="noStrike" spc="-1">
-                <a:solidFill>
-                  <a:srgbClr val="910F93"/>
-                </a:solidFill>
-                <a:uFill>
-                  <a:solidFill>
-                    <a:srgbClr val="FFFFFF"/>
-                  </a:solidFill>
-                </a:uFill>
-                <a:latin typeface="Monaco"/>
-                <a:ea typeface="DejaVu Sans"/>
-              </a:rPr>
-              <a:t>new</a:t>
-            </a:r>
-            <a:r>
-              <a:rPr lang="pt-BR" sz="1400" b="0" strike="noStrike" spc="-1">
-                <a:solidFill>
-                  <a:srgbClr val="000000"/>
-                </a:solidFill>
-                <a:uFill>
-                  <a:solidFill>
-                    <a:srgbClr val="FFFFFF"/>
-                  </a:solidFill>
-                </a:uFill>
-                <a:latin typeface="Monaco"/>
-                <a:ea typeface="DejaVu Sans"/>
-              </a:rPr>
-              <a:t> Counter(</a:t>
-            </a:r>
-            <a:r>
-              <a:rPr lang="pt-BR" sz="1400" b="0" strike="noStrike" spc="-1">
-                <a:solidFill>
-                  <a:srgbClr val="909200"/>
-                </a:solidFill>
-                <a:uFill>
-                  <a:solidFill>
-                    <a:srgbClr val="FFFFFF"/>
-                  </a:solidFill>
-                </a:uFill>
-                <a:latin typeface="Monaco"/>
-                <a:ea typeface="DejaVu Sans"/>
-              </a:rPr>
-              <a:t>5</a:t>
-            </a:r>
-            <a:r>
-              <a:rPr lang="pt-BR" sz="1400" b="0" strike="noStrike" spc="-1">
-                <a:solidFill>
-                  <a:srgbClr val="000000"/>
-                </a:solidFill>
-                <a:uFill>
-                  <a:solidFill>
-                    <a:srgbClr val="FFFFFF"/>
-                  </a:solidFill>
-                </a:uFill>
-                <a:latin typeface="Monaco"/>
-                <a:ea typeface="DejaVu Sans"/>
-              </a:rPr>
-              <a:t>);</a:t>
-            </a:r>
-            <a:endParaRPr lang="pt-BR" sz="1800" b="0" strike="noStrike" spc="-1">
-              <a:solidFill>
-                <a:srgbClr val="000000"/>
-              </a:solidFill>
-              <a:uFill>
-                <a:solidFill>
-                  <a:srgbClr val="FFFFFF"/>
-                </a:solidFill>
-              </a:uFill>
-              <a:latin typeface="Arial"/>
-            </a:endParaRPr>
-          </a:p>
-          <a:p>
-            <a:pPr>
-              <a:lnSpc>
-                <a:spcPct val="100000"/>
-              </a:lnSpc>
-            </a:pPr>
-            <a:r>
-              <a:rPr lang="pt-BR" sz="1400" b="0" strike="noStrike" spc="-1">
-                <a:solidFill>
-                  <a:srgbClr val="000000"/>
-                </a:solidFill>
-                <a:uFill>
-                  <a:solidFill>
-                    <a:srgbClr val="FFFFFF"/>
-                  </a:solidFill>
-                </a:uFill>
-                <a:latin typeface="Monaco"/>
-                <a:ea typeface="DejaVu Sans"/>
-              </a:rPr>
-              <a:t>    </a:t>
-            </a:r>
-            <a:r>
-              <a:rPr lang="pt-BR" sz="1400" b="0" strike="noStrike" spc="-1">
-                <a:solidFill>
-                  <a:srgbClr val="910F93"/>
-                </a:solidFill>
-                <a:uFill>
-                  <a:solidFill>
-                    <a:srgbClr val="FFFFFF"/>
-                  </a:solidFill>
-                </a:uFill>
-                <a:latin typeface="Monaco"/>
-                <a:ea typeface="DejaVu Sans"/>
-              </a:rPr>
-              <a:t>for</a:t>
-            </a:r>
-            <a:r>
-              <a:rPr lang="pt-BR" sz="1400" b="0" strike="noStrike" spc="-1">
-                <a:solidFill>
-                  <a:srgbClr val="000000"/>
-                </a:solidFill>
-                <a:uFill>
-                  <a:solidFill>
-                    <a:srgbClr val="FFFFFF"/>
-                  </a:solidFill>
-                </a:uFill>
-                <a:latin typeface="Monaco"/>
-                <a:ea typeface="DejaVu Sans"/>
-              </a:rPr>
-              <a:t> (</a:t>
-            </a:r>
-            <a:r>
-              <a:rPr lang="pt-BR" sz="1400" b="0" strike="noStrike" spc="-1">
-                <a:solidFill>
-                  <a:srgbClr val="910F93"/>
-                </a:solidFill>
-                <a:uFill>
-                  <a:solidFill>
-                    <a:srgbClr val="FFFFFF"/>
-                  </a:solidFill>
-                </a:uFill>
-                <a:latin typeface="Monaco"/>
-                <a:ea typeface="DejaVu Sans"/>
-              </a:rPr>
-              <a:t>var</a:t>
-            </a:r>
-            <a:r>
-              <a:rPr lang="pt-BR" sz="1400" b="0" strike="noStrike" spc="-1">
-                <a:solidFill>
-                  <a:srgbClr val="000000"/>
-                </a:solidFill>
-                <a:uFill>
-                  <a:solidFill>
-                    <a:srgbClr val="FFFFFF"/>
-                  </a:solidFill>
-                </a:uFill>
-                <a:latin typeface="Monaco"/>
-                <a:ea typeface="DejaVu Sans"/>
-              </a:rPr>
-              <a:t> i:Int=</a:t>
-            </a:r>
-            <a:r>
-              <a:rPr lang="pt-BR" sz="1400" b="0" strike="noStrike" spc="-1">
-                <a:solidFill>
-                  <a:srgbClr val="909200"/>
-                </a:solidFill>
-                <a:uFill>
-                  <a:solidFill>
-                    <a:srgbClr val="FFFFFF"/>
-                  </a:solidFill>
-                </a:uFill>
-                <a:latin typeface="Monaco"/>
-                <a:ea typeface="DejaVu Sans"/>
-              </a:rPr>
-              <a:t>0</a:t>
-            </a:r>
-            <a:r>
-              <a:rPr lang="pt-BR" sz="1400" b="0" strike="noStrike" spc="-1">
-                <a:solidFill>
-                  <a:srgbClr val="000000"/>
-                </a:solidFill>
-                <a:uFill>
-                  <a:solidFill>
-                    <a:srgbClr val="FFFFFF"/>
-                  </a:solidFill>
-                </a:uFill>
-                <a:latin typeface="Monaco"/>
-                <a:ea typeface="DejaVu Sans"/>
-              </a:rPr>
-              <a:t>; i&lt;</a:t>
-            </a:r>
-            <a:r>
-              <a:rPr lang="pt-BR" sz="1400" b="0" strike="noStrike" spc="-1">
-                <a:solidFill>
-                  <a:srgbClr val="909200"/>
-                </a:solidFill>
-                <a:uFill>
-                  <a:solidFill>
-                    <a:srgbClr val="FFFFFF"/>
-                  </a:solidFill>
-                </a:uFill>
-                <a:latin typeface="Monaco"/>
-                <a:ea typeface="DejaVu Sans"/>
-              </a:rPr>
-              <a:t>10</a:t>
-            </a:r>
-            <a:r>
-              <a:rPr lang="pt-BR" sz="1400" b="0" strike="noStrike" spc="-1">
-                <a:solidFill>
-                  <a:srgbClr val="000000"/>
-                </a:solidFill>
-                <a:uFill>
-                  <a:solidFill>
-                    <a:srgbClr val="FFFFFF"/>
-                  </a:solidFill>
-                </a:uFill>
-                <a:latin typeface="Monaco"/>
-                <a:ea typeface="DejaVu Sans"/>
-              </a:rPr>
-              <a:t>; i++) {</a:t>
-            </a:r>
-            <a:endParaRPr lang="pt-BR" sz="1800" b="0" strike="noStrike" spc="-1">
-              <a:solidFill>
-                <a:srgbClr val="000000"/>
-              </a:solidFill>
-              <a:uFill>
-                <a:solidFill>
-                  <a:srgbClr val="FFFFFF"/>
-                </a:solidFill>
-              </a:uFill>
-              <a:latin typeface="Arial"/>
-            </a:endParaRPr>
-          </a:p>
-          <a:p>
-            <a:pPr>
-              <a:lnSpc>
-                <a:spcPct val="100000"/>
-              </a:lnSpc>
-            </a:pPr>
-            <a:r>
-              <a:rPr lang="pt-BR" sz="1400" b="0" strike="noStrike" spc="-1">
-                <a:solidFill>
-                  <a:srgbClr val="000000"/>
-                </a:solidFill>
-                <a:uFill>
-                  <a:solidFill>
-                    <a:srgbClr val="FFFFFF"/>
-                  </a:solidFill>
-                </a:uFill>
-                <a:latin typeface="Monaco"/>
-                <a:ea typeface="DejaVu Sans"/>
-              </a:rPr>
-              <a:t>      firstCounter.count();</a:t>
-            </a:r>
-            <a:endParaRPr lang="pt-BR" sz="1800" b="0" strike="noStrike" spc="-1">
-              <a:solidFill>
-                <a:srgbClr val="000000"/>
-              </a:solidFill>
-              <a:uFill>
-                <a:solidFill>
-                  <a:srgbClr val="FFFFFF"/>
-                </a:solidFill>
-              </a:uFill>
-              <a:latin typeface="Arial"/>
-            </a:endParaRPr>
-          </a:p>
-          <a:p>
-            <a:pPr>
-              <a:lnSpc>
-                <a:spcPct val="100000"/>
-              </a:lnSpc>
-            </a:pPr>
-            <a:r>
-              <a:rPr lang="pt-BR" sz="1400" b="0" strike="noStrike" spc="-1">
-                <a:solidFill>
-                  <a:srgbClr val="000000"/>
-                </a:solidFill>
-                <a:uFill>
-                  <a:solidFill>
-                    <a:srgbClr val="FFFFFF"/>
-                  </a:solidFill>
-                </a:uFill>
-                <a:latin typeface="Monaco"/>
-                <a:ea typeface="DejaVu Sans"/>
-              </a:rPr>
-              <a:t>      secondCounter.count();</a:t>
-            </a:r>
-            <a:endParaRPr lang="pt-BR" sz="1800" b="0" strike="noStrike" spc="-1">
-              <a:solidFill>
-                <a:srgbClr val="000000"/>
-              </a:solidFill>
-              <a:uFill>
-                <a:solidFill>
-                  <a:srgbClr val="FFFFFF"/>
-                </a:solidFill>
-              </a:uFill>
-              <a:latin typeface="Arial"/>
-            </a:endParaRPr>
-          </a:p>
-          <a:p>
-            <a:pPr>
-              <a:lnSpc>
-                <a:spcPct val="100000"/>
-              </a:lnSpc>
-            </a:pPr>
-            <a:r>
-              <a:rPr lang="pt-BR" sz="1400" b="0" strike="noStrike" spc="-1">
-                <a:solidFill>
-                  <a:srgbClr val="000000"/>
-                </a:solidFill>
-                <a:uFill>
-                  <a:solidFill>
-                    <a:srgbClr val="FFFFFF"/>
-                  </a:solidFill>
-                </a:uFill>
-                <a:latin typeface="Monaco"/>
-                <a:ea typeface="DejaVu Sans"/>
-              </a:rPr>
-              <a:t>    }</a:t>
-            </a:r>
-            <a:endParaRPr lang="pt-BR" sz="1800" b="0" strike="noStrike" spc="-1">
-              <a:solidFill>
-                <a:srgbClr val="000000"/>
-              </a:solidFill>
-              <a:uFill>
-                <a:solidFill>
-                  <a:srgbClr val="FFFFFF"/>
-                </a:solidFill>
-              </a:uFill>
-              <a:latin typeface="Arial"/>
-            </a:endParaRPr>
-          </a:p>
-          <a:p>
-            <a:pPr>
-              <a:lnSpc>
-                <a:spcPct val="100000"/>
-              </a:lnSpc>
-            </a:pPr>
-            <a:r>
-              <a:rPr lang="pt-BR" sz="1400" b="0" strike="noStrike" spc="-1">
-                <a:solidFill>
-                  <a:srgbClr val="000000"/>
-                </a:solidFill>
-                <a:uFill>
-                  <a:solidFill>
-                    <a:srgbClr val="FFFFFF"/>
-                  </a:solidFill>
-                </a:uFill>
-                <a:latin typeface="Monaco"/>
-                <a:ea typeface="DejaVu Sans"/>
-              </a:rPr>
-              <a:t>    </a:t>
-            </a:r>
-            <a:r>
-              <a:rPr lang="pt-BR" sz="1400" b="0" strike="noStrike" spc="-1">
-                <a:solidFill>
-                  <a:srgbClr val="910F93"/>
-                </a:solidFill>
-                <a:uFill>
-                  <a:solidFill>
-                    <a:srgbClr val="FFFFFF"/>
-                  </a:solidFill>
-                </a:uFill>
-                <a:latin typeface="Monaco"/>
-                <a:ea typeface="DejaVu Sans"/>
-              </a:rPr>
-              <a:t>val</a:t>
-            </a:r>
-            <a:r>
-              <a:rPr lang="pt-BR" sz="1400" b="0" strike="noStrike" spc="-1">
-                <a:solidFill>
-                  <a:srgbClr val="000000"/>
-                </a:solidFill>
-                <a:uFill>
-                  <a:solidFill>
-                    <a:srgbClr val="FFFFFF"/>
-                  </a:solidFill>
-                </a:uFill>
-                <a:latin typeface="Monaco"/>
-                <a:ea typeface="DejaVu Sans"/>
-              </a:rPr>
-              <a:t> firstValue = firstCounter.getCount();</a:t>
-            </a:r>
-            <a:endParaRPr lang="pt-BR" sz="1800" b="0" strike="noStrike" spc="-1">
-              <a:solidFill>
-                <a:srgbClr val="000000"/>
-              </a:solidFill>
-              <a:uFill>
-                <a:solidFill>
-                  <a:srgbClr val="FFFFFF"/>
-                </a:solidFill>
-              </a:uFill>
-              <a:latin typeface="Arial"/>
-            </a:endParaRPr>
-          </a:p>
-          <a:p>
-            <a:pPr>
-              <a:lnSpc>
-                <a:spcPct val="100000"/>
-              </a:lnSpc>
-            </a:pPr>
-            <a:r>
-              <a:rPr lang="pt-BR" sz="1400" b="0" strike="noStrike" spc="-1">
-                <a:solidFill>
-                  <a:srgbClr val="000000"/>
-                </a:solidFill>
-                <a:uFill>
-                  <a:solidFill>
-                    <a:srgbClr val="FFFFFF"/>
-                  </a:solidFill>
-                </a:uFill>
-                <a:latin typeface="Monaco"/>
-                <a:ea typeface="DejaVu Sans"/>
-              </a:rPr>
-              <a:t>    </a:t>
-            </a:r>
-            <a:r>
-              <a:rPr lang="pt-BR" sz="1400" b="0" strike="noStrike" spc="-1">
-                <a:solidFill>
-                  <a:srgbClr val="910F93"/>
-                </a:solidFill>
-                <a:uFill>
-                  <a:solidFill>
-                    <a:srgbClr val="FFFFFF"/>
-                  </a:solidFill>
-                </a:uFill>
-                <a:latin typeface="Monaco"/>
-                <a:ea typeface="DejaVu Sans"/>
-              </a:rPr>
-              <a:t>val</a:t>
-            </a:r>
-            <a:r>
-              <a:rPr lang="pt-BR" sz="1400" b="0" strike="noStrike" spc="-1">
-                <a:solidFill>
-                  <a:srgbClr val="000000"/>
-                </a:solidFill>
-                <a:uFill>
-                  <a:solidFill>
-                    <a:srgbClr val="FFFFFF"/>
-                  </a:solidFill>
-                </a:uFill>
-                <a:latin typeface="Monaco"/>
-                <a:ea typeface="DejaVu Sans"/>
-              </a:rPr>
-              <a:t> secondValue = secondCounter.getCount();</a:t>
-            </a:r>
-            <a:endParaRPr lang="pt-BR" sz="1800" b="0" strike="noStrike" spc="-1">
-              <a:solidFill>
-                <a:srgbClr val="000000"/>
-              </a:solidFill>
-              <a:uFill>
-                <a:solidFill>
-                  <a:srgbClr val="FFFFFF"/>
-                </a:solidFill>
-              </a:uFill>
-              <a:latin typeface="Arial"/>
-            </a:endParaRPr>
-          </a:p>
-          <a:p>
-            <a:pPr>
-              <a:lnSpc>
-                <a:spcPct val="100000"/>
-              </a:lnSpc>
-            </a:pPr>
-            <a:r>
-              <a:rPr lang="pt-BR" sz="1400" b="0" strike="noStrike" spc="-1">
-                <a:solidFill>
-                  <a:srgbClr val="000000"/>
-                </a:solidFill>
-                <a:uFill>
-                  <a:solidFill>
-                    <a:srgbClr val="FFFFFF"/>
-                  </a:solidFill>
-                </a:uFill>
-                <a:latin typeface="Monaco"/>
-                <a:ea typeface="DejaVu Sans"/>
-              </a:rPr>
-              <a:t>    Console.OUT.println(</a:t>
-            </a:r>
-            <a:r>
-              <a:rPr lang="pt-BR" sz="1400" b="0" strike="noStrike" spc="-1">
-                <a:solidFill>
-                  <a:srgbClr val="190492"/>
-                </a:solidFill>
-                <a:uFill>
-                  <a:solidFill>
-                    <a:srgbClr val="FFFFFF"/>
-                  </a:solidFill>
-                </a:uFill>
-                <a:latin typeface="Monaco"/>
-                <a:ea typeface="DejaVu Sans"/>
-              </a:rPr>
-              <a:t>"First value = "</a:t>
-            </a:r>
-            <a:r>
-              <a:rPr lang="pt-BR" sz="1400" b="0" strike="noStrike" spc="-1">
-                <a:solidFill>
-                  <a:srgbClr val="000000"/>
-                </a:solidFill>
-                <a:uFill>
-                  <a:solidFill>
-                    <a:srgbClr val="FFFFFF"/>
-                  </a:solidFill>
-                </a:uFill>
-                <a:latin typeface="Monaco"/>
-                <a:ea typeface="DejaVu Sans"/>
-              </a:rPr>
-              <a:t>+firstValue);</a:t>
-            </a:r>
-            <a:endParaRPr lang="pt-BR" sz="1800" b="0" strike="noStrike" spc="-1">
-              <a:solidFill>
-                <a:srgbClr val="000000"/>
-              </a:solidFill>
-              <a:uFill>
-                <a:solidFill>
-                  <a:srgbClr val="FFFFFF"/>
-                </a:solidFill>
-              </a:uFill>
-              <a:latin typeface="Arial"/>
-            </a:endParaRPr>
-          </a:p>
-          <a:p>
-            <a:pPr>
-              <a:lnSpc>
-                <a:spcPct val="100000"/>
-              </a:lnSpc>
-            </a:pPr>
-            <a:r>
-              <a:rPr lang="pt-BR" sz="1400" b="0" strike="noStrike" spc="-1">
-                <a:solidFill>
-                  <a:srgbClr val="000000"/>
-                </a:solidFill>
-                <a:uFill>
-                  <a:solidFill>
-                    <a:srgbClr val="FFFFFF"/>
-                  </a:solidFill>
-                </a:uFill>
-                <a:latin typeface="Monaco"/>
-                <a:ea typeface="DejaVu Sans"/>
-              </a:rPr>
-              <a:t>    Console.OUT.println(</a:t>
-            </a:r>
-            <a:r>
-              <a:rPr lang="pt-BR" sz="1400" b="0" strike="noStrike" spc="-1">
-                <a:solidFill>
-                  <a:srgbClr val="190492"/>
-                </a:solidFill>
-                <a:uFill>
-                  <a:solidFill>
-                    <a:srgbClr val="FFFFFF"/>
-                  </a:solidFill>
-                </a:uFill>
-                <a:latin typeface="Monaco"/>
-                <a:ea typeface="DejaVu Sans"/>
-              </a:rPr>
-              <a:t>"Second value = "</a:t>
-            </a:r>
-            <a:r>
-              <a:rPr lang="pt-BR" sz="1400" b="0" strike="noStrike" spc="-1">
-                <a:solidFill>
-                  <a:srgbClr val="000000"/>
-                </a:solidFill>
-                <a:uFill>
-                  <a:solidFill>
-                    <a:srgbClr val="FFFFFF"/>
-                  </a:solidFill>
-                </a:uFill>
-                <a:latin typeface="Monaco"/>
-                <a:ea typeface="DejaVu Sans"/>
-              </a:rPr>
-              <a:t>+secondValue);</a:t>
-            </a:r>
-            <a:endParaRPr lang="pt-BR" sz="1800" b="0" strike="noStrike" spc="-1">
-              <a:solidFill>
-                <a:srgbClr val="000000"/>
-              </a:solidFill>
-              <a:uFill>
-                <a:solidFill>
-                  <a:srgbClr val="FFFFFF"/>
-                </a:solidFill>
-              </a:uFill>
-              <a:latin typeface="Arial"/>
-            </a:endParaRPr>
-          </a:p>
-          <a:p>
-            <a:pPr>
-              <a:lnSpc>
-                <a:spcPct val="100000"/>
-              </a:lnSpc>
-            </a:pPr>
-            <a:r>
-              <a:rPr lang="pt-BR" sz="1400" b="0" strike="noStrike" spc="-1">
-                <a:solidFill>
-                  <a:srgbClr val="000000"/>
-                </a:solidFill>
-                <a:uFill>
-                  <a:solidFill>
-                    <a:srgbClr val="FFFFFF"/>
-                  </a:solidFill>
-                </a:uFill>
-                <a:latin typeface="Monaco"/>
-                <a:ea typeface="DejaVu Sans"/>
-              </a:rPr>
-              <a:t>  }</a:t>
-            </a:r>
-            <a:endParaRPr lang="pt-BR" sz="1800" b="0" strike="noStrike" spc="-1">
-              <a:solidFill>
-                <a:srgbClr val="000000"/>
-              </a:solidFill>
-              <a:uFill>
-                <a:solidFill>
-                  <a:srgbClr val="FFFFFF"/>
-                </a:solidFill>
-              </a:uFill>
-              <a:latin typeface="Arial"/>
-            </a:endParaRPr>
-          </a:p>
-          <a:p>
-            <a:pPr>
-              <a:lnSpc>
-                <a:spcPct val="100000"/>
-              </a:lnSpc>
-            </a:pPr>
-            <a:r>
-              <a:rPr lang="pt-BR" sz="1400" b="0" strike="noStrike" spc="-1">
-                <a:solidFill>
-                  <a:srgbClr val="000000"/>
-                </a:solidFill>
-                <a:uFill>
-                  <a:solidFill>
-                    <a:srgbClr val="FFFFFF"/>
-                  </a:solidFill>
-                </a:uFill>
-                <a:latin typeface="Monaco"/>
-                <a:ea typeface="DejaVu Sans"/>
-              </a:rPr>
-              <a:t>}</a:t>
-            </a:r>
-            <a:endParaRPr lang="pt-BR" sz="1800" b="0" strike="noStrike" spc="-1">
-              <a:solidFill>
-                <a:srgbClr val="000000"/>
-              </a:solidFill>
-              <a:uFill>
-                <a:solidFill>
-                  <a:srgbClr val="FFFFFF"/>
-                </a:solidFill>
-              </a:uFill>
-              <a:latin typeface="Arial"/>
-            </a:endParaRPr>
-          </a:p>
-          <a:p>
-            <a:pPr>
-              <a:lnSpc>
-                <a:spcPct val="100000"/>
-              </a:lnSpc>
-            </a:pPr>
-            <a:endParaRPr lang="pt-BR" sz="1800" b="0" strike="noStrike" spc="-1">
-              <a:solidFill>
-                <a:srgbClr val="000000"/>
-              </a:solidFill>
+            <a:endParaRPr lang="pt-BR" sz="1800" b="0" strike="noStrike" spc="-1" dirty="0">
               <a:uFill>
                 <a:solidFill>
                   <a:srgbClr val="FFFFFF"/>
@@ -28208,39 +27293,16 @@
           <a:chExt cx="0" cy="0"/>
         </a:xfrm>
       </p:grpSpPr>
-      <p:pic>
-        <p:nvPicPr>
-          <p:cNvPr id="399" name="Picture 8"/>
-          <p:cNvPicPr/>
-          <p:nvPr/>
-        </p:nvPicPr>
-        <p:blipFill>
-          <a:blip r:embed="rId2"/>
-          <a:stretch/>
-        </p:blipFill>
-        <p:spPr>
-          <a:xfrm>
-            <a:off x="7536240" y="1675440"/>
-            <a:ext cx="3494160" cy="4373640"/>
-          </a:xfrm>
-          <a:prstGeom prst="rect">
-            <a:avLst/>
-          </a:prstGeom>
-          <a:ln>
-            <a:noFill/>
-          </a:ln>
-        </p:spPr>
-      </p:pic>
       <p:sp>
         <p:nvSpPr>
-          <p:cNvPr id="400" name="CustomShape 1"/>
+          <p:cNvPr id="410" name="CustomShape 1"/>
           <p:cNvSpPr/>
           <p:nvPr/>
         </p:nvSpPr>
         <p:spPr>
           <a:xfrm>
-            <a:off x="609480" y="274680"/>
-            <a:ext cx="10971360" cy="1141560"/>
+            <a:off x="609480" y="273600"/>
+            <a:ext cx="10971720" cy="1144080"/>
           </a:xfrm>
           <a:prstGeom prst="rect">
             <a:avLst/>
@@ -28263,12 +27325,12 @@
           <a:fontRef idx="minor"/>
         </p:style>
         <p:txBody>
-          <a:bodyPr lIns="90000" tIns="45000" rIns="90000" bIns="45000" anchor="ctr"/>
+          <a:bodyPr lIns="0" tIns="0" rIns="0" bIns="0" anchor="ctr"/>
           <a:lstStyle/>
           <a:p>
             <a:pPr>
               <a:lnSpc>
-                <a:spcPct val="100000"/>
+                <a:spcPct val="90000"/>
               </a:lnSpc>
             </a:pPr>
             <a:r>
@@ -28281,68 +27343,119 @@
                     <a:srgbClr val="FFFFFF"/>
                   </a:solidFill>
                 </a:uFill>
-                <a:latin typeface="Calibri"/>
+                <a:latin typeface="Calibri" panose="020F0502020204030204" pitchFamily="34" charset="0"/>
                 <a:ea typeface="DejaVu Sans"/>
+                <a:cs typeface="Calibri" panose="020F0502020204030204" pitchFamily="34" charset="0"/>
               </a:rPr>
-              <a:t>Classes</a:t>
+              <a:t>PlaceLocalHandle</a:t>
             </a:r>
-            <a:endParaRPr lang="pt-BR" sz="1800" b="0" strike="noStrike" spc="-1" dirty="0">
-              <a:solidFill>
-                <a:srgbClr val="000000"/>
-              </a:solidFill>
-              <a:uFill>
-                <a:solidFill>
-                  <a:srgbClr val="FFFFFF"/>
-                </a:solidFill>
-              </a:uFill>
-              <a:latin typeface="Arial"/>
-            </a:endParaRPr>
-          </a:p>
-          <a:p>
-            <a:pPr>
-              <a:lnSpc>
-                <a:spcPct val="100000"/>
-              </a:lnSpc>
-            </a:pPr>
-            <a:r>
-              <a:rPr lang="pt-BR" sz="1800" b="0" i="1" strike="noStrike" spc="-1" dirty="0">
-                <a:solidFill>
-                  <a:srgbClr val="000000"/>
-                </a:solidFill>
-                <a:uFill>
-                  <a:solidFill>
-                    <a:srgbClr val="FFFFFF"/>
-                  </a:solidFill>
-                </a:uFill>
-                <a:latin typeface="Calibri"/>
-                <a:ea typeface="DejaVu Sans"/>
-              </a:rPr>
-              <a:t>GlobalRef</a:t>
-            </a:r>
-            <a:endParaRPr lang="pt-BR" sz="1800" b="0" strike="noStrike" spc="-1" dirty="0">
-              <a:solidFill>
-                <a:srgbClr val="000000"/>
-              </a:solidFill>
-              <a:uFill>
-                <a:solidFill>
-                  <a:srgbClr val="FFFFFF"/>
-                </a:solidFill>
-              </a:uFill>
-              <a:latin typeface="Arial"/>
+            <a:endParaRPr lang="pt-BR" sz="2400" b="0" strike="noStrike" spc="-1" dirty="0">
+              <a:solidFill>
+                <a:srgbClr val="000000"/>
+              </a:solidFill>
+              <a:uFill>
+                <a:solidFill>
+                  <a:srgbClr val="FFFFFF"/>
+                </a:solidFill>
+              </a:uFill>
+              <a:latin typeface="Calibri" panose="020F0502020204030204" pitchFamily="34" charset="0"/>
+              <a:cs typeface="Calibri" panose="020F0502020204030204" pitchFamily="34" charset="0"/>
             </a:endParaRPr>
           </a:p>
         </p:txBody>
       </p:sp>
       <p:sp>
         <p:nvSpPr>
-          <p:cNvPr id="401" name="CustomShape 2"/>
+          <p:cNvPr id="411" name="CustomShape 2"/>
           <p:cNvSpPr/>
           <p:nvPr/>
         </p:nvSpPr>
         <p:spPr>
           <a:xfrm>
-            <a:off x="609480" y="1600200"/>
-            <a:ext cx="10971360" cy="4524480"/>
+            <a:off x="6439680" y="273600"/>
+            <a:ext cx="5279400" cy="3976560"/>
+          </a:xfrm>
+          <a:prstGeom prst="rect">
+            <a:avLst/>
+          </a:prstGeom>
+          <a:noFill/>
+          <a:ln>
+            <a:noFill/>
+          </a:ln>
+        </p:spPr>
+        <p:style>
+          <a:lnRef idx="0">
+            <a:scrgbClr r="0" g="0" b="0"/>
+          </a:lnRef>
+          <a:fillRef idx="0">
+            <a:scrgbClr r="0" g="0" b="0"/>
+          </a:fillRef>
+          <a:effectRef idx="0">
+            <a:scrgbClr r="0" g="0" b="0"/>
+          </a:effectRef>
+          <a:fontRef idx="minor"/>
+        </p:style>
+        <p:txBody>
+          <a:bodyPr lIns="0" tIns="0" rIns="0" bIns="0" anchor="ctr"/>
+          <a:lstStyle/>
+          <a:p>
+            <a:pPr marL="228600" indent="-227880">
+              <a:lnSpc>
+                <a:spcPct val="90000"/>
+              </a:lnSpc>
+              <a:buClr>
+                <a:srgbClr val="000000"/>
+              </a:buClr>
+              <a:buFont typeface="Arial"/>
+              <a:buChar char="•"/>
+            </a:pPr>
+            <a:endParaRPr lang="pt-BR" sz="1100" b="0" strike="noStrike" spc="-1" dirty="0">
+              <a:solidFill>
+                <a:srgbClr val="000000"/>
+              </a:solidFill>
+              <a:uFill>
+                <a:solidFill>
+                  <a:srgbClr val="FFFFFF"/>
+                </a:solidFill>
+              </a:uFill>
+              <a:latin typeface="Arial"/>
+            </a:endParaRPr>
+          </a:p>
+        </p:txBody>
+      </p:sp>
+      <p:pic>
+        <p:nvPicPr>
+          <p:cNvPr id="412" name="Imagem 3"/>
+          <p:cNvPicPr/>
+          <p:nvPr/>
+        </p:nvPicPr>
+        <p:blipFill>
+          <a:blip r:embed="rId2"/>
+          <a:stretch/>
+        </p:blipFill>
+        <p:spPr>
+          <a:xfrm>
+            <a:off x="6080225" y="1124744"/>
+            <a:ext cx="5829480" cy="3371760"/>
+          </a:xfrm>
+          <a:prstGeom prst="rect">
+            <a:avLst/>
+          </a:prstGeom>
+          <a:ln>
+            <a:noFill/>
+          </a:ln>
+        </p:spPr>
+      </p:pic>
+      <p:sp>
+        <p:nvSpPr>
+          <p:cNvPr id="413" name="CustomShape 3"/>
+          <p:cNvSpPr/>
+          <p:nvPr/>
+        </p:nvSpPr>
+        <p:spPr>
+          <a:xfrm>
+            <a:off x="6062134" y="4496504"/>
+            <a:ext cx="4043880" cy="2036880"/>
           </a:xfrm>
           <a:prstGeom prst="rect">
             <a:avLst/>
@@ -28374,22 +27487,40 @@
               </a:lnSpc>
             </a:pPr>
             <a:r>
-              <a:rPr lang="pt-BR" sz="1400" b="0" strike="noStrike" spc="-1" dirty="0">
-                <a:solidFill>
-                  <a:srgbClr val="8F1493"/>
+              <a:rPr lang="pt-BR" sz="1200" b="0" strike="noStrike" spc="-1" dirty="0">
+                <a:solidFill>
+                  <a:srgbClr val="000000"/>
                 </a:solidFill>
                 <a:uFill>
                   <a:solidFill>
                     <a:srgbClr val="FFFFFF"/>
                   </a:solidFill>
                 </a:uFill>
-                <a:latin typeface="Monaco"/>
+                <a:latin typeface="Consolas"/>
                 <a:ea typeface="DejaVu Sans"/>
               </a:rPr>
-              <a:t>public</a:t>
+              <a:t>static</a:t>
             </a:r>
+            <a:endParaRPr lang="pt-BR" sz="1200" b="0" strike="noStrike" spc="-1" dirty="0">
+              <a:solidFill>
+                <a:srgbClr val="000000"/>
+              </a:solidFill>
+              <a:uFill>
+                <a:solidFill>
+                  <a:srgbClr val="FFFFFF"/>
+                </a:solidFill>
+              </a:uFill>
+              <a:latin typeface="Arial"/>
+            </a:endParaRPr>
+          </a:p>
+          <a:p>
+            <a:pPr>
+              <a:lnSpc>
+                <a:spcPct val="100000"/>
+              </a:lnSpc>
+            </a:pPr>
             <a:r>
-              <a:rPr lang="pt-BR" sz="1400" b="0" strike="noStrike" spc="-1" dirty="0">
+              <a:rPr lang="pt-BR" sz="1200" b="0" strike="noStrike" spc="-1" dirty="0">
                 <a:solidFill>
                   <a:srgbClr val="000000"/>
                 </a:solidFill>
@@ -28398,28 +27529,64 @@
                     <a:srgbClr val="FFFFFF"/>
                   </a:solidFill>
                 </a:uFill>
-                <a:latin typeface="Monaco"/>
+                <a:latin typeface="Consolas"/>
                 <a:ea typeface="DejaVu Sans"/>
               </a:rPr>
-              <a:t> </a:t>
+              <a:t>0 0</a:t>
             </a:r>
+            <a:endParaRPr lang="pt-BR" sz="1200" b="0" strike="noStrike" spc="-1" dirty="0">
+              <a:solidFill>
+                <a:srgbClr val="000000"/>
+              </a:solidFill>
+              <a:uFill>
+                <a:solidFill>
+                  <a:srgbClr val="FFFFFF"/>
+                </a:solidFill>
+              </a:uFill>
+              <a:latin typeface="Arial"/>
+            </a:endParaRPr>
+          </a:p>
+          <a:p>
+            <a:pPr>
+              <a:lnSpc>
+                <a:spcPct val="100000"/>
+              </a:lnSpc>
+            </a:pPr>
             <a:r>
-              <a:rPr lang="pt-BR" sz="1400" b="0" strike="noStrike" spc="-1" dirty="0">
-                <a:solidFill>
-                  <a:srgbClr val="8F1493"/>
+              <a:rPr lang="pt-BR" sz="1200" b="0" strike="noStrike" spc="-1" dirty="0">
+                <a:solidFill>
+                  <a:srgbClr val="000000"/>
                 </a:solidFill>
                 <a:uFill>
                   <a:solidFill>
                     <a:srgbClr val="FFFFFF"/>
                   </a:solidFill>
                 </a:uFill>
-                <a:latin typeface="Monaco"/>
+                <a:latin typeface="Consolas"/>
                 <a:ea typeface="DejaVu Sans"/>
               </a:rPr>
-              <a:t>static</a:t>
+              <a:t>1 1</a:t>
             </a:r>
+            <a:endParaRPr lang="pt-BR" sz="1200" b="0" strike="noStrike" spc="-1" dirty="0">
+              <a:solidFill>
+                <a:srgbClr val="000000"/>
+              </a:solidFill>
+              <a:uFill>
+                <a:solidFill>
+                  <a:srgbClr val="FFFFFF"/>
+                </a:solidFill>
+              </a:uFill>
+              <a:latin typeface="Arial"/>
+            </a:endParaRPr>
+          </a:p>
+          <a:p>
+            <a:pPr>
+              <a:lnSpc>
+                <a:spcPct val="100000"/>
+              </a:lnSpc>
+            </a:pPr>
             <a:r>
-              <a:rPr lang="pt-BR" sz="1400" b="0" strike="noStrike" spc="-1" dirty="0">
+              <a:rPr lang="pt-BR" sz="1200" b="0" strike="noStrike" spc="-1" dirty="0">
                 <a:solidFill>
                   <a:srgbClr val="000000"/>
                 </a:solidFill>
@@ -28428,28 +27595,64 @@
                     <a:srgbClr val="FFFFFF"/>
                   </a:solidFill>
                 </a:uFill>
-                <a:latin typeface="Monaco"/>
+                <a:latin typeface="Consolas"/>
                 <a:ea typeface="DejaVu Sans"/>
               </a:rPr>
-              <a:t> </a:t>
+              <a:t>2 2</a:t>
             </a:r>
+            <a:endParaRPr lang="pt-BR" sz="1200" b="0" strike="noStrike" spc="-1" dirty="0">
+              <a:solidFill>
+                <a:srgbClr val="000000"/>
+              </a:solidFill>
+              <a:uFill>
+                <a:solidFill>
+                  <a:srgbClr val="FFFFFF"/>
+                </a:solidFill>
+              </a:uFill>
+              <a:latin typeface="Arial"/>
+            </a:endParaRPr>
+          </a:p>
+          <a:p>
+            <a:pPr>
+              <a:lnSpc>
+                <a:spcPct val="100000"/>
+              </a:lnSpc>
+            </a:pPr>
             <a:r>
-              <a:rPr lang="pt-BR" sz="1400" b="0" strike="noStrike" spc="-1" dirty="0">
-                <a:solidFill>
-                  <a:srgbClr val="8F1493"/>
+              <a:rPr lang="pt-BR" sz="1200" b="0" strike="noStrike" spc="-1" dirty="0">
+                <a:solidFill>
+                  <a:srgbClr val="000000"/>
                 </a:solidFill>
                 <a:uFill>
                   <a:solidFill>
                     <a:srgbClr val="FFFFFF"/>
                   </a:solidFill>
                 </a:uFill>
-                <a:latin typeface="Monaco"/>
+                <a:latin typeface="Consolas"/>
                 <a:ea typeface="DejaVu Sans"/>
               </a:rPr>
-              <a:t>def</a:t>
+              <a:t>local</a:t>
             </a:r>
+            <a:endParaRPr lang="pt-BR" sz="1200" b="0" strike="noStrike" spc="-1" dirty="0">
+              <a:solidFill>
+                <a:srgbClr val="000000"/>
+              </a:solidFill>
+              <a:uFill>
+                <a:solidFill>
+                  <a:srgbClr val="FFFFFF"/>
+                </a:solidFill>
+              </a:uFill>
+              <a:latin typeface="Arial"/>
+            </a:endParaRPr>
+          </a:p>
+          <a:p>
+            <a:pPr>
+              <a:lnSpc>
+                <a:spcPct val="100000"/>
+              </a:lnSpc>
+            </a:pPr>
             <a:r>
-              <a:rPr lang="pt-BR" sz="1400" b="0" strike="noStrike" spc="-1" dirty="0">
+              <a:rPr lang="pt-BR" sz="1200" b="0" strike="noStrike" spc="-1" dirty="0">
                 <a:solidFill>
                   <a:srgbClr val="000000"/>
                 </a:solidFill>
@@ -28458,12 +27661,12 @@
                     <a:srgbClr val="FFFFFF"/>
                   </a:solidFill>
                 </a:uFill>
-                <a:latin typeface="Monaco"/>
+                <a:latin typeface="Consolas"/>
                 <a:ea typeface="DejaVu Sans"/>
               </a:rPr>
-              <a:t> main(args:Array[String](1)):Void {</a:t>
+              <a:t>0 0</a:t>
             </a:r>
-            <a:endParaRPr lang="pt-BR" sz="1800" b="0" strike="noStrike" spc="-1" dirty="0">
+            <a:endParaRPr lang="pt-BR" sz="1200" b="0" strike="noStrike" spc="-1" dirty="0">
               <a:solidFill>
                 <a:srgbClr val="000000"/>
               </a:solidFill>
@@ -28482,22 +27685,40 @@
               </a:lnSpc>
             </a:pPr>
             <a:r>
-              <a:rPr lang="pt-BR" sz="1400" b="0" strike="noStrike" spc="-1" dirty="0">
-                <a:solidFill>
-                  <a:srgbClr val="8F1493"/>
+              <a:rPr lang="pt-BR" sz="1200" b="0" strike="noStrike" spc="-1" dirty="0">
+                <a:solidFill>
+                  <a:srgbClr val="000000"/>
                 </a:solidFill>
                 <a:uFill>
                   <a:solidFill>
                     <a:srgbClr val="FFFFFF"/>
                   </a:solidFill>
                 </a:uFill>
-                <a:latin typeface="Monaco"/>
+                <a:latin typeface="Consolas"/>
                 <a:ea typeface="DejaVu Sans"/>
               </a:rPr>
-              <a:t>  val</a:t>
+              <a:t>1 -1</a:t>
             </a:r>
+            <a:endParaRPr lang="pt-BR" sz="1200" b="0" strike="noStrike" spc="-1" dirty="0">
+              <a:solidFill>
+                <a:srgbClr val="000000"/>
+              </a:solidFill>
+              <a:uFill>
+                <a:solidFill>
+                  <a:srgbClr val="FFFFFF"/>
+                </a:solidFill>
+              </a:uFill>
+              <a:latin typeface="Arial"/>
+            </a:endParaRPr>
+          </a:p>
+          <a:p>
+            <a:pPr>
+              <a:lnSpc>
+                <a:spcPct val="100000"/>
+              </a:lnSpc>
+            </a:pPr>
             <a:r>
-              <a:rPr lang="pt-BR" sz="1400" b="0" strike="noStrike" spc="-1" dirty="0">
+              <a:rPr lang="pt-BR" sz="1200" b="0" strike="noStrike" spc="-1" dirty="0">
                 <a:solidFill>
                   <a:srgbClr val="000000"/>
                 </a:solidFill>
@@ -28506,28 +27727,87 @@
                     <a:srgbClr val="FFFFFF"/>
                   </a:solidFill>
                 </a:uFill>
-                <a:latin typeface="Monaco"/>
+                <a:latin typeface="Consolas"/>
                 <a:ea typeface="DejaVu Sans"/>
               </a:rPr>
-              <a:t> secondCtr = (</a:t>
+              <a:t>2 -1</a:t>
             </a:r>
+            <a:endParaRPr lang="pt-BR" sz="1200" b="0" strike="noStrike" spc="-1" dirty="0">
+              <a:solidFill>
+                <a:srgbClr val="000000"/>
+              </a:solidFill>
+              <a:uFill>
+                <a:solidFill>
+                  <a:srgbClr val="FFFFFF"/>
+                </a:solidFill>
+              </a:uFill>
+              <a:latin typeface="Arial"/>
+            </a:endParaRPr>
+          </a:p>
+        </p:txBody>
+      </p:sp>
+      <p:sp>
+        <p:nvSpPr>
+          <p:cNvPr id="6" name="CustomShape 2"/>
+          <p:cNvSpPr/>
+          <p:nvPr/>
+        </p:nvSpPr>
+        <p:spPr>
+          <a:xfrm>
+            <a:off x="609480" y="1600200"/>
+            <a:ext cx="5198488" cy="4524480"/>
+          </a:xfrm>
+          <a:prstGeom prst="rect">
+            <a:avLst/>
+          </a:prstGeom>
+          <a:noFill/>
+          <a:ln>
+            <a:noFill/>
+          </a:ln>
+        </p:spPr>
+        <p:style>
+          <a:lnRef idx="0">
+            <a:scrgbClr r="0" g="0" b="0"/>
+          </a:lnRef>
+          <a:fillRef idx="0">
+            <a:scrgbClr r="0" g="0" b="0"/>
+          </a:fillRef>
+          <a:effectRef idx="0">
+            <a:scrgbClr r="0" g="0" b="0"/>
+          </a:effectRef>
+          <a:fontRef idx="minor"/>
+        </p:style>
+        <p:txBody>
+          <a:bodyPr lIns="90000" tIns="45000" rIns="90000" bIns="45000"/>
+          <a:lstStyle/>
+          <a:p>
+            <a:pPr marL="228600" indent="-227880">
+              <a:lnSpc>
+                <a:spcPct val="90000"/>
+              </a:lnSpc>
+              <a:buClr>
+                <a:srgbClr val="000000"/>
+              </a:buClr>
+              <a:buFont typeface="Arial"/>
+              <a:buChar char="•"/>
+            </a:pPr>
             <a:r>
-              <a:rPr lang="pt-BR" sz="1400" b="0" strike="noStrike" spc="-1" dirty="0">
-                <a:solidFill>
-                  <a:srgbClr val="8F1493"/>
+              <a:rPr lang="pt-BR" sz="1600" spc="-1" dirty="0">
+                <a:solidFill>
+                  <a:srgbClr val="000000"/>
                 </a:solidFill>
                 <a:uFill>
                   <a:solidFill>
                     <a:srgbClr val="FFFFFF"/>
                   </a:solidFill>
                 </a:uFill>
-                <a:latin typeface="Monaco"/>
-                <a:ea typeface="DejaVu Sans"/>
+                <a:latin typeface="Calibri" panose="020F0502020204030204" pitchFamily="34" charset="0"/>
+                <a:cs typeface="Calibri" panose="020F0502020204030204" pitchFamily="34" charset="0"/>
               </a:rPr>
-              <a:t>at</a:t>
+              <a:t>Usado para agrupar várias referências remotas para objetos em diferentes </a:t>
             </a:r>
             <a:r>
-              <a:rPr lang="pt-BR" sz="1400" b="0" strike="noStrike" spc="-1" dirty="0">
+              <a:rPr lang="pt-BR" sz="1600" spc="-1" dirty="0" smtClean="0">
                 <a:solidFill>
                   <a:srgbClr val="000000"/>
                 </a:solidFill>
@@ -28536,28 +27816,100 @@
                     <a:srgbClr val="FFFFFF"/>
                   </a:solidFill>
                 </a:uFill>
-                <a:latin typeface="Monaco"/>
-                <a:ea typeface="DejaVu Sans"/>
+                <a:latin typeface="Calibri" panose="020F0502020204030204" pitchFamily="34" charset="0"/>
+                <a:cs typeface="Calibri" panose="020F0502020204030204" pitchFamily="34" charset="0"/>
               </a:rPr>
-              <a:t> (Place.places(</a:t>
+              <a:t>places</a:t>
             </a:r>
+          </a:p>
+          <a:p>
+            <a:pPr marL="228600" indent="-227880">
+              <a:lnSpc>
+                <a:spcPct val="90000"/>
+              </a:lnSpc>
+              <a:buClr>
+                <a:srgbClr val="000000"/>
+              </a:buClr>
+              <a:buFont typeface="Arial"/>
+              <a:buChar char="•"/>
+            </a:pPr>
+            <a:endParaRPr lang="pt-BR" sz="1600" spc="-1" dirty="0">
+              <a:solidFill>
+                <a:srgbClr val="000000"/>
+              </a:solidFill>
+              <a:uFill>
+                <a:solidFill>
+                  <a:srgbClr val="FFFFFF"/>
+                </a:solidFill>
+              </a:uFill>
+              <a:latin typeface="Calibri" panose="020F0502020204030204" pitchFamily="34" charset="0"/>
+              <a:cs typeface="Calibri" panose="020F0502020204030204" pitchFamily="34" charset="0"/>
+            </a:endParaRPr>
+          </a:p>
+          <a:p>
+            <a:pPr marL="228600" indent="-227880">
+              <a:lnSpc>
+                <a:spcPct val="90000"/>
+              </a:lnSpc>
+              <a:buClr>
+                <a:srgbClr val="000000"/>
+              </a:buClr>
+              <a:buFont typeface="Arial"/>
+              <a:buChar char="•"/>
+            </a:pPr>
             <a:r>
-              <a:rPr lang="pt-BR" sz="1400" b="0" strike="noStrike" spc="-1" dirty="0">
-                <a:solidFill>
-                  <a:srgbClr val="929200"/>
+              <a:rPr lang="pt-BR" sz="1600" spc="-1" dirty="0" smtClean="0">
+                <a:solidFill>
+                  <a:srgbClr val="000000"/>
                 </a:solidFill>
                 <a:uFill>
                   <a:solidFill>
                     <a:srgbClr val="FFFFFF"/>
                   </a:solidFill>
                 </a:uFill>
-                <a:latin typeface="Monaco"/>
-                <a:ea typeface="DejaVu Sans"/>
+                <a:latin typeface="Calibri" panose="020F0502020204030204" pitchFamily="34" charset="0"/>
+                <a:cs typeface="Calibri" panose="020F0502020204030204" pitchFamily="34" charset="0"/>
               </a:rPr>
-              <a:t>1</a:t>
+              <a:t>Cada PLH também é manipulado apenas no seu local de origem, porém é criado um PLH para cada Place</a:t>
             </a:r>
+          </a:p>
+          <a:p>
+            <a:pPr marL="228600" indent="-227880">
+              <a:lnSpc>
+                <a:spcPct val="90000"/>
+              </a:lnSpc>
+              <a:buClr>
+                <a:srgbClr val="000000"/>
+              </a:buClr>
+              <a:buFont typeface="Arial"/>
+              <a:buChar char="•"/>
+            </a:pPr>
+            <a:endParaRPr lang="pt-BR" sz="1600" spc="-1" dirty="0">
+              <a:solidFill>
+                <a:srgbClr val="000000"/>
+              </a:solidFill>
+              <a:uFill>
+                <a:solidFill>
+                  <a:srgbClr val="FFFFFF"/>
+                </a:solidFill>
+              </a:uFill>
+              <a:latin typeface="Calibri" panose="020F0502020204030204" pitchFamily="34" charset="0"/>
+              <a:cs typeface="Calibri" panose="020F0502020204030204" pitchFamily="34" charset="0"/>
+            </a:endParaRPr>
+          </a:p>
+          <a:p>
+            <a:pPr marL="228600" indent="-227880">
+              <a:lnSpc>
+                <a:spcPct val="90000"/>
+              </a:lnSpc>
+              <a:buClr>
+                <a:srgbClr val="000000"/>
+              </a:buClr>
+              <a:buFont typeface="Arial"/>
+              <a:buChar char="•"/>
+            </a:pPr>
             <a:r>
-              <a:rPr lang="pt-BR" sz="1400" b="0" strike="noStrike" spc="-1" dirty="0">
+              <a:rPr lang="pt-BR" sz="1600" spc="-1" dirty="0" smtClean="0">
                 <a:solidFill>
                   <a:srgbClr val="000000"/>
                 </a:solidFill>
@@ -28566,603 +27918,22 @@
                     <a:srgbClr val="FFFFFF"/>
                   </a:solidFill>
                 </a:uFill>
-                <a:latin typeface="Monaco"/>
-                <a:ea typeface="DejaVu Sans"/>
+                <a:latin typeface="Calibri" panose="020F0502020204030204" pitchFamily="34" charset="0"/>
+                <a:cs typeface="Calibri" panose="020F0502020204030204" pitchFamily="34" charset="0"/>
               </a:rPr>
-              <a:t>)) GlobalRef[Counter](</a:t>
+              <a:t>Podem ser modificados dentro de um bloco at()</a:t>
             </a:r>
-            <a:r>
-              <a:rPr lang="pt-BR" sz="1400" b="0" strike="noStrike" spc="-1" dirty="0">
-                <a:solidFill>
-                  <a:srgbClr val="8F1493"/>
-                </a:solidFill>
-                <a:uFill>
-                  <a:solidFill>
-                    <a:srgbClr val="FFFFFF"/>
-                  </a:solidFill>
-                </a:uFill>
-                <a:latin typeface="Monaco"/>
-                <a:ea typeface="DejaVu Sans"/>
-              </a:rPr>
-              <a:t>new</a:t>
-            </a:r>
-            <a:r>
-              <a:rPr lang="pt-BR" sz="1400" b="0" strike="noStrike" spc="-1" dirty="0">
-                <a:solidFill>
-                  <a:srgbClr val="000000"/>
-                </a:solidFill>
-                <a:uFill>
-                  <a:solidFill>
-                    <a:srgbClr val="FFFFFF"/>
-                  </a:solidFill>
-                </a:uFill>
-                <a:latin typeface="Monaco"/>
-                <a:ea typeface="DejaVu Sans"/>
-              </a:rPr>
-              <a:t> Counter(</a:t>
-            </a:r>
-            <a:r>
-              <a:rPr lang="pt-BR" sz="1400" b="0" strike="noStrike" spc="-1" dirty="0">
-                <a:solidFill>
-                  <a:srgbClr val="929200"/>
-                </a:solidFill>
-                <a:uFill>
-                  <a:solidFill>
-                    <a:srgbClr val="FFFFFF"/>
-                  </a:solidFill>
-                </a:uFill>
-                <a:latin typeface="Monaco"/>
-                <a:ea typeface="DejaVu Sans"/>
-              </a:rPr>
-              <a:t>5</a:t>
-            </a:r>
-            <a:r>
-              <a:rPr lang="pt-BR" sz="1400" b="0" strike="noStrike" spc="-1" dirty="0">
-                <a:solidFill>
-                  <a:srgbClr val="000000"/>
-                </a:solidFill>
-                <a:uFill>
-                  <a:solidFill>
-                    <a:srgbClr val="FFFFFF"/>
-                  </a:solidFill>
-                </a:uFill>
-                <a:latin typeface="Monaco"/>
-                <a:ea typeface="DejaVu Sans"/>
-              </a:rPr>
-              <a:t>)));</a:t>
-            </a:r>
-            <a:endParaRPr lang="pt-BR" sz="1800" b="0" strike="noStrike" spc="-1" dirty="0">
-              <a:solidFill>
-                <a:srgbClr val="000000"/>
-              </a:solidFill>
-              <a:uFill>
-                <a:solidFill>
-                  <a:srgbClr val="FFFFFF"/>
-                </a:solidFill>
-              </a:uFill>
-              <a:latin typeface="Arial"/>
-            </a:endParaRPr>
-          </a:p>
-          <a:p>
-            <a:pPr>
-              <a:lnSpc>
-                <a:spcPct val="100000"/>
-              </a:lnSpc>
-            </a:pPr>
-            <a:r>
-              <a:rPr lang="pt-BR" sz="1400" b="0" strike="noStrike" spc="-1" dirty="0">
-                <a:solidFill>
-                  <a:srgbClr val="000000"/>
-                </a:solidFill>
-                <a:uFill>
-                  <a:solidFill>
-                    <a:srgbClr val="FFFFFF"/>
-                  </a:solidFill>
-                </a:uFill>
-                <a:latin typeface="Monaco"/>
-                <a:ea typeface="DejaVu Sans"/>
-              </a:rPr>
-              <a:t>  </a:t>
-            </a:r>
-            <a:r>
-              <a:rPr lang="pt-BR" sz="1400" b="0" strike="noStrike" spc="-1" dirty="0">
-                <a:solidFill>
-                  <a:srgbClr val="8F1493"/>
-                </a:solidFill>
-                <a:uFill>
-                  <a:solidFill>
-                    <a:srgbClr val="FFFFFF"/>
-                  </a:solidFill>
-                </a:uFill>
-                <a:latin typeface="Monaco"/>
-                <a:ea typeface="DejaVu Sans"/>
-              </a:rPr>
-              <a:t>for</a:t>
-            </a:r>
-            <a:r>
-              <a:rPr lang="pt-BR" sz="1400" b="0" strike="noStrike" spc="-1" dirty="0">
-                <a:solidFill>
-                  <a:srgbClr val="000000"/>
-                </a:solidFill>
-                <a:uFill>
-                  <a:solidFill>
-                    <a:srgbClr val="FFFFFF"/>
-                  </a:solidFill>
-                </a:uFill>
-                <a:latin typeface="Monaco"/>
-                <a:ea typeface="DejaVu Sans"/>
-              </a:rPr>
-              <a:t> (</a:t>
-            </a:r>
-            <a:r>
-              <a:rPr lang="pt-BR" sz="1400" b="0" strike="noStrike" spc="-1" dirty="0">
-                <a:solidFill>
-                  <a:srgbClr val="8F1493"/>
-                </a:solidFill>
-                <a:uFill>
-                  <a:solidFill>
-                    <a:srgbClr val="FFFFFF"/>
-                  </a:solidFill>
-                </a:uFill>
-                <a:latin typeface="Monaco"/>
-                <a:ea typeface="DejaVu Sans"/>
-              </a:rPr>
-              <a:t>var</a:t>
-            </a:r>
-            <a:r>
-              <a:rPr lang="pt-BR" sz="1400" b="0" strike="noStrike" spc="-1" dirty="0">
-                <a:solidFill>
-                  <a:srgbClr val="000000"/>
-                </a:solidFill>
-                <a:uFill>
-                  <a:solidFill>
-                    <a:srgbClr val="FFFFFF"/>
-                  </a:solidFill>
-                </a:uFill>
-                <a:latin typeface="Monaco"/>
-                <a:ea typeface="DejaVu Sans"/>
-              </a:rPr>
-              <a:t> i:Int=</a:t>
-            </a:r>
-            <a:r>
-              <a:rPr lang="pt-BR" sz="1400" b="0" strike="noStrike" spc="-1" dirty="0">
-                <a:solidFill>
-                  <a:srgbClr val="929200"/>
-                </a:solidFill>
-                <a:uFill>
-                  <a:solidFill>
-                    <a:srgbClr val="FFFFFF"/>
-                  </a:solidFill>
-                </a:uFill>
-                <a:latin typeface="Monaco"/>
-                <a:ea typeface="DejaVu Sans"/>
-              </a:rPr>
-              <a:t>0</a:t>
-            </a:r>
-            <a:r>
-              <a:rPr lang="pt-BR" sz="1400" b="0" strike="noStrike" spc="-1" dirty="0">
-                <a:solidFill>
-                  <a:srgbClr val="000000"/>
-                </a:solidFill>
-                <a:uFill>
-                  <a:solidFill>
-                    <a:srgbClr val="FFFFFF"/>
-                  </a:solidFill>
-                </a:uFill>
-                <a:latin typeface="Monaco"/>
-                <a:ea typeface="DejaVu Sans"/>
-              </a:rPr>
-              <a:t>; i&lt;</a:t>
-            </a:r>
-            <a:r>
-              <a:rPr lang="pt-BR" sz="1400" b="0" strike="noStrike" spc="-1" dirty="0">
-                <a:solidFill>
-                  <a:srgbClr val="929200"/>
-                </a:solidFill>
-                <a:uFill>
-                  <a:solidFill>
-                    <a:srgbClr val="FFFFFF"/>
-                  </a:solidFill>
-                </a:uFill>
-                <a:latin typeface="Monaco"/>
-                <a:ea typeface="DejaVu Sans"/>
-              </a:rPr>
-              <a:t>10</a:t>
-            </a:r>
-            <a:r>
-              <a:rPr lang="pt-BR" sz="1400" b="0" strike="noStrike" spc="-1" dirty="0">
-                <a:solidFill>
-                  <a:srgbClr val="000000"/>
-                </a:solidFill>
-                <a:uFill>
-                  <a:solidFill>
-                    <a:srgbClr val="FFFFFF"/>
-                  </a:solidFill>
-                </a:uFill>
-                <a:latin typeface="Monaco"/>
-                <a:ea typeface="DejaVu Sans"/>
-              </a:rPr>
-              <a:t>; i++) {</a:t>
-            </a:r>
-            <a:endParaRPr lang="pt-BR" sz="1800" b="0" strike="noStrike" spc="-1" dirty="0">
-              <a:solidFill>
-                <a:srgbClr val="000000"/>
-              </a:solidFill>
-              <a:uFill>
-                <a:solidFill>
-                  <a:srgbClr val="FFFFFF"/>
-                </a:solidFill>
-              </a:uFill>
-              <a:latin typeface="Arial"/>
-            </a:endParaRPr>
-          </a:p>
-          <a:p>
-            <a:pPr>
-              <a:lnSpc>
-                <a:spcPct val="100000"/>
-              </a:lnSpc>
-            </a:pPr>
-            <a:r>
-              <a:rPr lang="pt-BR" sz="1400" b="0" strike="noStrike" spc="-1" dirty="0">
-                <a:solidFill>
-                  <a:srgbClr val="8F1493"/>
-                </a:solidFill>
-                <a:uFill>
-                  <a:solidFill>
-                    <a:srgbClr val="FFFFFF"/>
-                  </a:solidFill>
-                </a:uFill>
-                <a:latin typeface="Monaco"/>
-                <a:ea typeface="DejaVu Sans"/>
-              </a:rPr>
-              <a:t>      at</a:t>
-            </a:r>
-            <a:r>
-              <a:rPr lang="pt-BR" sz="1400" b="0" strike="noStrike" spc="-1" dirty="0">
-                <a:solidFill>
-                  <a:srgbClr val="000000"/>
-                </a:solidFill>
-                <a:uFill>
-                  <a:solidFill>
-                    <a:srgbClr val="FFFFFF"/>
-                  </a:solidFill>
-                </a:uFill>
-                <a:latin typeface="Monaco"/>
-                <a:ea typeface="DejaVu Sans"/>
-              </a:rPr>
-              <a:t> (secondCtr.</a:t>
-            </a:r>
-            <a:r>
-              <a:rPr lang="pt-BR" sz="1400" b="1" strike="noStrike" spc="-1" dirty="0">
-                <a:solidFill>
-                  <a:srgbClr val="000000"/>
-                </a:solidFill>
-                <a:uFill>
-                  <a:solidFill>
-                    <a:srgbClr val="FFFFFF"/>
-                  </a:solidFill>
-                </a:uFill>
-                <a:latin typeface="Monaco"/>
-                <a:ea typeface="DejaVu Sans"/>
-              </a:rPr>
-              <a:t>home</a:t>
-            </a:r>
-            <a:r>
-              <a:rPr lang="pt-BR" sz="1400" b="0" strike="noStrike" spc="-1" dirty="0">
-                <a:solidFill>
-                  <a:srgbClr val="000000"/>
-                </a:solidFill>
-                <a:uFill>
-                  <a:solidFill>
-                    <a:srgbClr val="FFFFFF"/>
-                  </a:solidFill>
-                </a:uFill>
-                <a:latin typeface="Monaco"/>
-                <a:ea typeface="DejaVu Sans"/>
-              </a:rPr>
-              <a:t>) {</a:t>
-            </a:r>
-            <a:endParaRPr lang="pt-BR" sz="1800" b="0" strike="noStrike" spc="-1" dirty="0">
-              <a:solidFill>
-                <a:srgbClr val="000000"/>
-              </a:solidFill>
-              <a:uFill>
-                <a:solidFill>
-                  <a:srgbClr val="FFFFFF"/>
-                </a:solidFill>
-              </a:uFill>
-              <a:latin typeface="Arial"/>
-            </a:endParaRPr>
-          </a:p>
-          <a:p>
-            <a:pPr>
-              <a:lnSpc>
-                <a:spcPct val="100000"/>
-              </a:lnSpc>
-            </a:pPr>
-            <a:r>
-              <a:rPr lang="pt-BR" sz="1400" b="0" strike="noStrike" spc="-1" dirty="0">
-                <a:solidFill>
-                  <a:srgbClr val="000000"/>
-                </a:solidFill>
-                <a:uFill>
-                  <a:solidFill>
-                    <a:srgbClr val="FFFFFF"/>
-                  </a:solidFill>
-                </a:uFill>
-                <a:latin typeface="Monaco"/>
-                <a:ea typeface="DejaVu Sans"/>
-              </a:rPr>
-              <a:t>        secondCtr().count();</a:t>
-            </a:r>
-            <a:endParaRPr lang="pt-BR" sz="1800" b="0" strike="noStrike" spc="-1" dirty="0">
-              <a:solidFill>
-                <a:srgbClr val="000000"/>
-              </a:solidFill>
-              <a:uFill>
-                <a:solidFill>
-                  <a:srgbClr val="FFFFFF"/>
-                </a:solidFill>
-              </a:uFill>
-              <a:latin typeface="Arial"/>
-            </a:endParaRPr>
-          </a:p>
-          <a:p>
-            <a:pPr>
-              <a:lnSpc>
-                <a:spcPct val="100000"/>
-              </a:lnSpc>
-            </a:pPr>
-            <a:r>
-              <a:rPr lang="pt-BR" sz="1400" b="0" strike="noStrike" spc="-1" dirty="0">
-                <a:solidFill>
-                  <a:srgbClr val="000000"/>
-                </a:solidFill>
-                <a:uFill>
-                  <a:solidFill>
-                    <a:srgbClr val="FFFFFF"/>
-                  </a:solidFill>
-                </a:uFill>
-                <a:latin typeface="Monaco"/>
-                <a:ea typeface="DejaVu Sans"/>
-              </a:rPr>
-              <a:t>      }</a:t>
-            </a:r>
-            <a:endParaRPr lang="pt-BR" sz="1800" b="0" strike="noStrike" spc="-1" dirty="0">
-              <a:solidFill>
-                <a:srgbClr val="000000"/>
-              </a:solidFill>
-              <a:uFill>
-                <a:solidFill>
-                  <a:srgbClr val="FFFFFF"/>
-                </a:solidFill>
-              </a:uFill>
-              <a:latin typeface="Arial"/>
-            </a:endParaRPr>
-          </a:p>
-          <a:p>
-            <a:pPr>
-              <a:lnSpc>
-                <a:spcPct val="100000"/>
-              </a:lnSpc>
-            </a:pPr>
-            <a:r>
-              <a:rPr lang="pt-BR" sz="1400" b="0" strike="noStrike" spc="-1" dirty="0">
-                <a:solidFill>
-                  <a:srgbClr val="000000"/>
-                </a:solidFill>
-                <a:uFill>
-                  <a:solidFill>
-                    <a:srgbClr val="FFFFFF"/>
-                  </a:solidFill>
-                </a:uFill>
-                <a:latin typeface="Monaco"/>
-                <a:ea typeface="DejaVu Sans"/>
-              </a:rPr>
-              <a:t>    }</a:t>
-            </a:r>
-            <a:endParaRPr lang="pt-BR" sz="1800" b="0" strike="noStrike" spc="-1" dirty="0">
-              <a:solidFill>
-                <a:srgbClr val="000000"/>
-              </a:solidFill>
-              <a:uFill>
-                <a:solidFill>
-                  <a:srgbClr val="FFFFFF"/>
-                </a:solidFill>
-              </a:uFill>
-              <a:latin typeface="Arial"/>
-            </a:endParaRPr>
-          </a:p>
-          <a:p>
-            <a:pPr>
-              <a:lnSpc>
-                <a:spcPct val="100000"/>
-              </a:lnSpc>
-            </a:pPr>
-            <a:r>
-              <a:rPr lang="pt-BR" sz="1400" b="0" strike="noStrike" spc="-1" dirty="0">
-                <a:solidFill>
-                  <a:srgbClr val="8F1493"/>
-                </a:solidFill>
-                <a:uFill>
-                  <a:solidFill>
-                    <a:srgbClr val="FFFFFF"/>
-                  </a:solidFill>
-                </a:uFill>
-                <a:latin typeface="Monaco"/>
-                <a:ea typeface="DejaVu Sans"/>
-              </a:rPr>
-              <a:t>  val</a:t>
-            </a:r>
-            <a:r>
-              <a:rPr lang="pt-BR" sz="1400" b="0" strike="noStrike" spc="-1" dirty="0">
-                <a:solidFill>
-                  <a:srgbClr val="000000"/>
-                </a:solidFill>
-                <a:uFill>
-                  <a:solidFill>
-                    <a:srgbClr val="FFFFFF"/>
-                  </a:solidFill>
-                </a:uFill>
-                <a:latin typeface="Monaco"/>
-                <a:ea typeface="DejaVu Sans"/>
-              </a:rPr>
-              <a:t> secondValue = (</a:t>
-            </a:r>
-            <a:r>
-              <a:rPr lang="pt-BR" sz="1400" b="0" strike="noStrike" spc="-1" dirty="0">
-                <a:solidFill>
-                  <a:srgbClr val="8F1493"/>
-                </a:solidFill>
-                <a:uFill>
-                  <a:solidFill>
-                    <a:srgbClr val="FFFFFF"/>
-                  </a:solidFill>
-                </a:uFill>
-                <a:latin typeface="Monaco"/>
-                <a:ea typeface="DejaVu Sans"/>
-              </a:rPr>
-              <a:t>at</a:t>
-            </a:r>
-            <a:r>
-              <a:rPr lang="pt-BR" sz="1400" b="0" strike="noStrike" spc="-1" dirty="0">
-                <a:solidFill>
-                  <a:srgbClr val="000000"/>
-                </a:solidFill>
-                <a:uFill>
-                  <a:solidFill>
-                    <a:srgbClr val="FFFFFF"/>
-                  </a:solidFill>
-                </a:uFill>
-                <a:latin typeface="Monaco"/>
-                <a:ea typeface="DejaVu Sans"/>
-              </a:rPr>
-              <a:t> (secondCtr.home) secondCtr().getCount());</a:t>
-            </a:r>
-            <a:endParaRPr lang="pt-BR" sz="1800" b="0" strike="noStrike" spc="-1" dirty="0">
-              <a:solidFill>
-                <a:srgbClr val="000000"/>
-              </a:solidFill>
-              <a:uFill>
-                <a:solidFill>
-                  <a:srgbClr val="FFFFFF"/>
-                </a:solidFill>
-              </a:uFill>
-              <a:latin typeface="Arial"/>
-            </a:endParaRPr>
-          </a:p>
-          <a:p>
-            <a:pPr>
-              <a:lnSpc>
-                <a:spcPct val="100000"/>
-              </a:lnSpc>
-            </a:pPr>
-            <a:r>
-              <a:rPr lang="pt-BR" sz="1400" b="0" strike="noStrike" spc="-1" dirty="0">
-                <a:solidFill>
-                  <a:srgbClr val="000000"/>
-                </a:solidFill>
-                <a:uFill>
-                  <a:solidFill>
-                    <a:srgbClr val="FFFFFF"/>
-                  </a:solidFill>
-                </a:uFill>
-                <a:latin typeface="Monaco"/>
-                <a:ea typeface="DejaVu Sans"/>
-              </a:rPr>
-              <a:t>  Console.OUT.println(</a:t>
-            </a:r>
-            <a:r>
-              <a:rPr lang="pt-BR" sz="1400" b="0" strike="noStrike" spc="-1" dirty="0">
-                <a:solidFill>
-                  <a:srgbClr val="0B0493"/>
-                </a:solidFill>
-                <a:uFill>
-                  <a:solidFill>
-                    <a:srgbClr val="FFFFFF"/>
-                  </a:solidFill>
-                </a:uFill>
-                <a:latin typeface="Monaco"/>
-                <a:ea typeface="DejaVu Sans"/>
-              </a:rPr>
-              <a:t>"Second value = "</a:t>
-            </a:r>
-            <a:r>
-              <a:rPr lang="pt-BR" sz="1400" b="0" strike="noStrike" spc="-1" dirty="0">
-                <a:solidFill>
-                  <a:srgbClr val="000000"/>
-                </a:solidFill>
-                <a:uFill>
-                  <a:solidFill>
-                    <a:srgbClr val="FFFFFF"/>
-                  </a:solidFill>
-                </a:uFill>
-                <a:latin typeface="Monaco"/>
-                <a:ea typeface="DejaVu Sans"/>
-              </a:rPr>
-              <a:t>+secondValue);</a:t>
-            </a:r>
-            <a:endParaRPr lang="pt-BR" sz="1800" b="0" strike="noStrike" spc="-1" dirty="0">
-              <a:solidFill>
-                <a:srgbClr val="000000"/>
-              </a:solidFill>
-              <a:uFill>
-                <a:solidFill>
-                  <a:srgbClr val="FFFFFF"/>
-                </a:solidFill>
-              </a:uFill>
-              <a:latin typeface="Arial"/>
-            </a:endParaRPr>
-          </a:p>
-          <a:p>
-            <a:pPr>
-              <a:lnSpc>
-                <a:spcPct val="100000"/>
-              </a:lnSpc>
-            </a:pPr>
-            <a:r>
-              <a:rPr lang="pt-BR" sz="1400" b="0" strike="noStrike" spc="-1" dirty="0">
-                <a:solidFill>
-                  <a:srgbClr val="000000"/>
-                </a:solidFill>
-                <a:uFill>
-                  <a:solidFill>
-                    <a:srgbClr val="FFFFFF"/>
-                  </a:solidFill>
-                </a:uFill>
-                <a:latin typeface="Monaco"/>
-                <a:ea typeface="DejaVu Sans"/>
-              </a:rPr>
-              <a:t>}</a:t>
-            </a:r>
-            <a:endParaRPr lang="pt-BR" sz="1800" b="0" strike="noStrike" spc="-1" dirty="0">
-              <a:solidFill>
-                <a:srgbClr val="000000"/>
-              </a:solidFill>
-              <a:uFill>
-                <a:solidFill>
-                  <a:srgbClr val="FFFFFF"/>
-                </a:solidFill>
-              </a:uFill>
-              <a:latin typeface="Arial"/>
-            </a:endParaRPr>
-          </a:p>
-          <a:p>
-            <a:pPr>
-              <a:lnSpc>
-                <a:spcPct val="100000"/>
-              </a:lnSpc>
-            </a:pPr>
-            <a:endParaRPr lang="pt-BR" sz="1800" b="0" strike="noStrike" spc="-1" dirty="0">
-              <a:solidFill>
-                <a:srgbClr val="000000"/>
-              </a:solidFill>
-              <a:uFill>
-                <a:solidFill>
-                  <a:srgbClr val="FFFFFF"/>
-                </a:solidFill>
-              </a:uFill>
-              <a:latin typeface="Arial"/>
+            <a:endParaRPr lang="pt-BR" sz="1600" spc="-1" dirty="0" smtClean="0">
+              <a:solidFill>
+                <a:srgbClr val="000000"/>
+              </a:solidFill>
+              <a:uFill>
+                <a:solidFill>
+                  <a:srgbClr val="FFFFFF"/>
+                </a:solidFill>
+              </a:uFill>
+              <a:latin typeface="Calibri" panose="020F0502020204030204" pitchFamily="34" charset="0"/>
+              <a:cs typeface="Calibri" panose="020F0502020204030204" pitchFamily="34" charset="0"/>
             </a:endParaRPr>
           </a:p>
         </p:txBody>
@@ -29221,14 +27992,14 @@
       </p:grpSpPr>
       <p:sp>
         <p:nvSpPr>
-          <p:cNvPr id="410" name="CustomShape 1"/>
+          <p:cNvPr id="414" name="CustomShape 1"/>
           <p:cNvSpPr/>
           <p:nvPr/>
         </p:nvSpPr>
         <p:spPr>
           <a:xfrm>
-            <a:off x="609480" y="273600"/>
-            <a:ext cx="10971720" cy="1144080"/>
+            <a:off x="609480" y="274680"/>
+            <a:ext cx="10971360" cy="1141560"/>
           </a:xfrm>
           <a:prstGeom prst="rect">
             <a:avLst/>
@@ -29251,12 +28022,12 @@
           <a:fontRef idx="minor"/>
         </p:style>
         <p:txBody>
-          <a:bodyPr lIns="0" tIns="0" rIns="0" bIns="0" anchor="ctr"/>
+          <a:bodyPr lIns="90000" tIns="45000" rIns="90000" bIns="45000" anchor="ctr"/>
           <a:lstStyle/>
           <a:p>
             <a:pPr>
               <a:lnSpc>
-                <a:spcPct val="90000"/>
+                <a:spcPct val="100000"/>
               </a:lnSpc>
             </a:pPr>
             <a:r>
@@ -29269,37 +28040,35 @@
                     <a:srgbClr val="FFFFFF"/>
                   </a:solidFill>
                 </a:uFill>
-                <a:latin typeface="Calibri" panose="020F0502020204030204" pitchFamily="34" charset="0"/>
+                <a:latin typeface="Calibri"/>
                 <a:ea typeface="DejaVu Sans"/>
-                <a:cs typeface="Calibri" panose="020F0502020204030204" pitchFamily="34" charset="0"/>
               </a:rPr>
-              <a:t>PlaceLocalHandle</a:t>
+              <a:t>Busca em árvore com x10</a:t>
             </a:r>
-            <a:endParaRPr lang="pt-BR" sz="2400" b="0" strike="noStrike" spc="-1" dirty="0">
-              <a:solidFill>
-                <a:srgbClr val="000000"/>
-              </a:solidFill>
-              <a:uFill>
-                <a:solidFill>
-                  <a:srgbClr val="FFFFFF"/>
-                </a:solidFill>
-              </a:uFill>
-              <a:latin typeface="Calibri" panose="020F0502020204030204" pitchFamily="34" charset="0"/>
-              <a:cs typeface="Calibri" panose="020F0502020204030204" pitchFamily="34" charset="0"/>
+            <a:endParaRPr lang="pt-BR" sz="1800" b="0" strike="noStrike" spc="-1" dirty="0">
+              <a:solidFill>
+                <a:srgbClr val="000000"/>
+              </a:solidFill>
+              <a:uFill>
+                <a:solidFill>
+                  <a:srgbClr val="FFFFFF"/>
+                </a:solidFill>
+              </a:uFill>
+              <a:latin typeface="Arial"/>
             </a:endParaRPr>
           </a:p>
         </p:txBody>
       </p:sp>
       <p:sp>
         <p:nvSpPr>
-          <p:cNvPr id="411" name="CustomShape 2"/>
+          <p:cNvPr id="415" name="CustomShape 2"/>
           <p:cNvSpPr/>
           <p:nvPr/>
         </p:nvSpPr>
         <p:spPr>
           <a:xfrm>
-            <a:off x="6439680" y="273600"/>
-            <a:ext cx="5279400" cy="3976560"/>
+            <a:off x="609480" y="1600200"/>
+            <a:ext cx="10971360" cy="4524480"/>
           </a:xfrm>
           <a:prstGeom prst="rect">
             <a:avLst/>
@@ -29321,37 +28090,10 @@
           </a:effectRef>
           <a:fontRef idx="minor"/>
         </p:style>
-        <p:txBody>
-          <a:bodyPr lIns="0" tIns="0" rIns="0" bIns="0" anchor="ctr"/>
-          <a:lstStyle/>
-          <a:p>
-            <a:pPr marL="228600" indent="-227880">
-              <a:lnSpc>
-                <a:spcPct val="90000"/>
-              </a:lnSpc>
-              <a:buClr>
-                <a:srgbClr val="000000"/>
-              </a:buClr>
-              <a:buFont typeface="Arial"/>
-              <a:buChar char="•"/>
-            </a:pPr>
-            <a:endParaRPr lang="pt-BR" sz="1100" b="0" strike="noStrike" spc="-1" dirty="0">
-              <a:solidFill>
-                <a:srgbClr val="000000"/>
-              </a:solidFill>
-              <a:uFill>
-                <a:solidFill>
-                  <a:srgbClr val="FFFFFF"/>
-                </a:solidFill>
-              </a:uFill>
-              <a:latin typeface="Arial"/>
-            </a:endParaRPr>
-          </a:p>
-        </p:txBody>
       </p:sp>
       <p:pic>
         <p:nvPicPr>
-          <p:cNvPr id="412" name="Imagem 3"/>
+          <p:cNvPr id="416" name="Picture 4"/>
           <p:cNvPicPr/>
           <p:nvPr/>
         </p:nvPicPr>
@@ -29361,8 +28103,8 @@
         </p:blipFill>
         <p:spPr>
           <a:xfrm>
-            <a:off x="6080225" y="1124744"/>
-            <a:ext cx="5829480" cy="3371760"/>
+            <a:off x="3535200" y="1984680"/>
+            <a:ext cx="5120640" cy="3755880"/>
           </a:xfrm>
           <a:prstGeom prst="rect">
             <a:avLst/>
@@ -29372,381 +28114,6 @@
           </a:ln>
         </p:spPr>
       </p:pic>
-      <p:sp>
-        <p:nvSpPr>
-          <p:cNvPr id="413" name="CustomShape 3"/>
-          <p:cNvSpPr/>
-          <p:nvPr/>
-        </p:nvSpPr>
-        <p:spPr>
-          <a:xfrm>
-            <a:off x="6062134" y="4496504"/>
-            <a:ext cx="4043880" cy="2036880"/>
-          </a:xfrm>
-          <a:prstGeom prst="rect">
-            <a:avLst/>
-          </a:prstGeom>
-          <a:noFill/>
-          <a:ln>
-            <a:noFill/>
-          </a:ln>
-        </p:spPr>
-        <p:style>
-          <a:lnRef idx="0">
-            <a:scrgbClr r="0" g="0" b="0"/>
-          </a:lnRef>
-          <a:fillRef idx="0">
-            <a:scrgbClr r="0" g="0" b="0"/>
-          </a:fillRef>
-          <a:effectRef idx="0">
-            <a:scrgbClr r="0" g="0" b="0"/>
-          </a:effectRef>
-          <a:fontRef idx="minor"/>
-        </p:style>
-        <p:txBody>
-          <a:bodyPr lIns="90000" tIns="45000" rIns="90000" bIns="45000"/>
-          <a:lstStyle/>
-          <a:p>
-            <a:pPr>
-              <a:lnSpc>
-                <a:spcPct val="100000"/>
-              </a:lnSpc>
-            </a:pPr>
-            <a:r>
-              <a:rPr lang="pt-BR" sz="1200" b="0" strike="noStrike" spc="-1" dirty="0">
-                <a:solidFill>
-                  <a:srgbClr val="000000"/>
-                </a:solidFill>
-                <a:uFill>
-                  <a:solidFill>
-                    <a:srgbClr val="FFFFFF"/>
-                  </a:solidFill>
-                </a:uFill>
-                <a:latin typeface="Consolas"/>
-                <a:ea typeface="DejaVu Sans"/>
-              </a:rPr>
-              <a:t>static</a:t>
-            </a:r>
-            <a:endParaRPr lang="pt-BR" sz="1200" b="0" strike="noStrike" spc="-1" dirty="0">
-              <a:solidFill>
-                <a:srgbClr val="000000"/>
-              </a:solidFill>
-              <a:uFill>
-                <a:solidFill>
-                  <a:srgbClr val="FFFFFF"/>
-                </a:solidFill>
-              </a:uFill>
-              <a:latin typeface="Arial"/>
-            </a:endParaRPr>
-          </a:p>
-          <a:p>
-            <a:pPr>
-              <a:lnSpc>
-                <a:spcPct val="100000"/>
-              </a:lnSpc>
-            </a:pPr>
-            <a:r>
-              <a:rPr lang="pt-BR" sz="1200" b="0" strike="noStrike" spc="-1" dirty="0">
-                <a:solidFill>
-                  <a:srgbClr val="000000"/>
-                </a:solidFill>
-                <a:uFill>
-                  <a:solidFill>
-                    <a:srgbClr val="FFFFFF"/>
-                  </a:solidFill>
-                </a:uFill>
-                <a:latin typeface="Consolas"/>
-                <a:ea typeface="DejaVu Sans"/>
-              </a:rPr>
-              <a:t>0 0</a:t>
-            </a:r>
-            <a:endParaRPr lang="pt-BR" sz="1200" b="0" strike="noStrike" spc="-1" dirty="0">
-              <a:solidFill>
-                <a:srgbClr val="000000"/>
-              </a:solidFill>
-              <a:uFill>
-                <a:solidFill>
-                  <a:srgbClr val="FFFFFF"/>
-                </a:solidFill>
-              </a:uFill>
-              <a:latin typeface="Arial"/>
-            </a:endParaRPr>
-          </a:p>
-          <a:p>
-            <a:pPr>
-              <a:lnSpc>
-                <a:spcPct val="100000"/>
-              </a:lnSpc>
-            </a:pPr>
-            <a:r>
-              <a:rPr lang="pt-BR" sz="1200" b="0" strike="noStrike" spc="-1" dirty="0">
-                <a:solidFill>
-                  <a:srgbClr val="000000"/>
-                </a:solidFill>
-                <a:uFill>
-                  <a:solidFill>
-                    <a:srgbClr val="FFFFFF"/>
-                  </a:solidFill>
-                </a:uFill>
-                <a:latin typeface="Consolas"/>
-                <a:ea typeface="DejaVu Sans"/>
-              </a:rPr>
-              <a:t>1 1</a:t>
-            </a:r>
-            <a:endParaRPr lang="pt-BR" sz="1200" b="0" strike="noStrike" spc="-1" dirty="0">
-              <a:solidFill>
-                <a:srgbClr val="000000"/>
-              </a:solidFill>
-              <a:uFill>
-                <a:solidFill>
-                  <a:srgbClr val="FFFFFF"/>
-                </a:solidFill>
-              </a:uFill>
-              <a:latin typeface="Arial"/>
-            </a:endParaRPr>
-          </a:p>
-          <a:p>
-            <a:pPr>
-              <a:lnSpc>
-                <a:spcPct val="100000"/>
-              </a:lnSpc>
-            </a:pPr>
-            <a:r>
-              <a:rPr lang="pt-BR" sz="1200" b="0" strike="noStrike" spc="-1" dirty="0">
-                <a:solidFill>
-                  <a:srgbClr val="000000"/>
-                </a:solidFill>
-                <a:uFill>
-                  <a:solidFill>
-                    <a:srgbClr val="FFFFFF"/>
-                  </a:solidFill>
-                </a:uFill>
-                <a:latin typeface="Consolas"/>
-                <a:ea typeface="DejaVu Sans"/>
-              </a:rPr>
-              <a:t>2 2</a:t>
-            </a:r>
-            <a:endParaRPr lang="pt-BR" sz="1200" b="0" strike="noStrike" spc="-1" dirty="0">
-              <a:solidFill>
-                <a:srgbClr val="000000"/>
-              </a:solidFill>
-              <a:uFill>
-                <a:solidFill>
-                  <a:srgbClr val="FFFFFF"/>
-                </a:solidFill>
-              </a:uFill>
-              <a:latin typeface="Arial"/>
-            </a:endParaRPr>
-          </a:p>
-          <a:p>
-            <a:pPr>
-              <a:lnSpc>
-                <a:spcPct val="100000"/>
-              </a:lnSpc>
-            </a:pPr>
-            <a:r>
-              <a:rPr lang="pt-BR" sz="1200" b="0" strike="noStrike" spc="-1" dirty="0">
-                <a:solidFill>
-                  <a:srgbClr val="000000"/>
-                </a:solidFill>
-                <a:uFill>
-                  <a:solidFill>
-                    <a:srgbClr val="FFFFFF"/>
-                  </a:solidFill>
-                </a:uFill>
-                <a:latin typeface="Consolas"/>
-                <a:ea typeface="DejaVu Sans"/>
-              </a:rPr>
-              <a:t>local</a:t>
-            </a:r>
-            <a:endParaRPr lang="pt-BR" sz="1200" b="0" strike="noStrike" spc="-1" dirty="0">
-              <a:solidFill>
-                <a:srgbClr val="000000"/>
-              </a:solidFill>
-              <a:uFill>
-                <a:solidFill>
-                  <a:srgbClr val="FFFFFF"/>
-                </a:solidFill>
-              </a:uFill>
-              <a:latin typeface="Arial"/>
-            </a:endParaRPr>
-          </a:p>
-          <a:p>
-            <a:pPr>
-              <a:lnSpc>
-                <a:spcPct val="100000"/>
-              </a:lnSpc>
-            </a:pPr>
-            <a:r>
-              <a:rPr lang="pt-BR" sz="1200" b="0" strike="noStrike" spc="-1" dirty="0">
-                <a:solidFill>
-                  <a:srgbClr val="000000"/>
-                </a:solidFill>
-                <a:uFill>
-                  <a:solidFill>
-                    <a:srgbClr val="FFFFFF"/>
-                  </a:solidFill>
-                </a:uFill>
-                <a:latin typeface="Consolas"/>
-                <a:ea typeface="DejaVu Sans"/>
-              </a:rPr>
-              <a:t>0 0</a:t>
-            </a:r>
-            <a:endParaRPr lang="pt-BR" sz="1200" b="0" strike="noStrike" spc="-1" dirty="0">
-              <a:solidFill>
-                <a:srgbClr val="000000"/>
-              </a:solidFill>
-              <a:uFill>
-                <a:solidFill>
-                  <a:srgbClr val="FFFFFF"/>
-                </a:solidFill>
-              </a:uFill>
-              <a:latin typeface="Arial"/>
-            </a:endParaRPr>
-          </a:p>
-          <a:p>
-            <a:pPr>
-              <a:lnSpc>
-                <a:spcPct val="100000"/>
-              </a:lnSpc>
-            </a:pPr>
-            <a:r>
-              <a:rPr lang="pt-BR" sz="1200" b="0" strike="noStrike" spc="-1" dirty="0">
-                <a:solidFill>
-                  <a:srgbClr val="000000"/>
-                </a:solidFill>
-                <a:uFill>
-                  <a:solidFill>
-                    <a:srgbClr val="FFFFFF"/>
-                  </a:solidFill>
-                </a:uFill>
-                <a:latin typeface="Consolas"/>
-                <a:ea typeface="DejaVu Sans"/>
-              </a:rPr>
-              <a:t>1 -1</a:t>
-            </a:r>
-            <a:endParaRPr lang="pt-BR" sz="1200" b="0" strike="noStrike" spc="-1" dirty="0">
-              <a:solidFill>
-                <a:srgbClr val="000000"/>
-              </a:solidFill>
-              <a:uFill>
-                <a:solidFill>
-                  <a:srgbClr val="FFFFFF"/>
-                </a:solidFill>
-              </a:uFill>
-              <a:latin typeface="Arial"/>
-            </a:endParaRPr>
-          </a:p>
-          <a:p>
-            <a:pPr>
-              <a:lnSpc>
-                <a:spcPct val="100000"/>
-              </a:lnSpc>
-            </a:pPr>
-            <a:r>
-              <a:rPr lang="pt-BR" sz="1200" b="0" strike="noStrike" spc="-1" dirty="0">
-                <a:solidFill>
-                  <a:srgbClr val="000000"/>
-                </a:solidFill>
-                <a:uFill>
-                  <a:solidFill>
-                    <a:srgbClr val="FFFFFF"/>
-                  </a:solidFill>
-                </a:uFill>
-                <a:latin typeface="Consolas"/>
-                <a:ea typeface="DejaVu Sans"/>
-              </a:rPr>
-              <a:t>2 -1</a:t>
-            </a:r>
-            <a:endParaRPr lang="pt-BR" sz="1200" b="0" strike="noStrike" spc="-1" dirty="0">
-              <a:solidFill>
-                <a:srgbClr val="000000"/>
-              </a:solidFill>
-              <a:uFill>
-                <a:solidFill>
-                  <a:srgbClr val="FFFFFF"/>
-                </a:solidFill>
-              </a:uFill>
-              <a:latin typeface="Arial"/>
-            </a:endParaRPr>
-          </a:p>
-        </p:txBody>
-      </p:sp>
-      <p:sp>
-        <p:nvSpPr>
-          <p:cNvPr id="6" name="CustomShape 2"/>
-          <p:cNvSpPr/>
-          <p:nvPr/>
-        </p:nvSpPr>
-        <p:spPr>
-          <a:xfrm>
-            <a:off x="609480" y="1600200"/>
-            <a:ext cx="5198488" cy="4524480"/>
-          </a:xfrm>
-          <a:prstGeom prst="rect">
-            <a:avLst/>
-          </a:prstGeom>
-          <a:noFill/>
-          <a:ln>
-            <a:noFill/>
-          </a:ln>
-        </p:spPr>
-        <p:style>
-          <a:lnRef idx="0">
-            <a:scrgbClr r="0" g="0" b="0"/>
-          </a:lnRef>
-          <a:fillRef idx="0">
-            <a:scrgbClr r="0" g="0" b="0"/>
-          </a:fillRef>
-          <a:effectRef idx="0">
-            <a:scrgbClr r="0" g="0" b="0"/>
-          </a:effectRef>
-          <a:fontRef idx="minor"/>
-        </p:style>
-        <p:txBody>
-          <a:bodyPr lIns="90000" tIns="45000" rIns="90000" bIns="45000"/>
-          <a:lstStyle/>
-          <a:p>
-            <a:pPr marL="228600" indent="-227880">
-              <a:lnSpc>
-                <a:spcPct val="90000"/>
-              </a:lnSpc>
-              <a:buClr>
-                <a:srgbClr val="000000"/>
-              </a:buClr>
-              <a:buFont typeface="Arial"/>
-              <a:buChar char="•"/>
-            </a:pPr>
-            <a:r>
-              <a:rPr lang="pt-BR" sz="1600" spc="-1" dirty="0">
-                <a:solidFill>
-                  <a:srgbClr val="000000"/>
-                </a:solidFill>
-                <a:uFill>
-                  <a:solidFill>
-                    <a:srgbClr val="FFFFFF"/>
-                  </a:solidFill>
-                </a:uFill>
-                <a:latin typeface="Calibri" panose="020F0502020204030204" pitchFamily="34" charset="0"/>
-                <a:cs typeface="Calibri" panose="020F0502020204030204" pitchFamily="34" charset="0"/>
-              </a:rPr>
-              <a:t>Usado para agrupar várias referências remotas para objetos em diferentes places</a:t>
-            </a:r>
-            <a:endParaRPr lang="pt-BR" sz="1100" spc="-1" dirty="0">
-              <a:solidFill>
-                <a:srgbClr val="000000"/>
-              </a:solidFill>
-              <a:uFill>
-                <a:solidFill>
-                  <a:srgbClr val="FFFFFF"/>
-                </a:solidFill>
-              </a:uFill>
-              <a:latin typeface="Calibri" panose="020F0502020204030204" pitchFamily="34" charset="0"/>
-              <a:cs typeface="Calibri" panose="020F0502020204030204" pitchFamily="34" charset="0"/>
-            </a:endParaRPr>
-          </a:p>
-        </p:txBody>
-      </p:sp>
     </p:spTree>
   </p:cSld>
   <p:clrMapOvr>
@@ -29801,7 +28168,7 @@
       </p:grpSpPr>
       <p:sp>
         <p:nvSpPr>
-          <p:cNvPr id="414" name="CustomShape 1"/>
+          <p:cNvPr id="417" name="CustomShape 1"/>
           <p:cNvSpPr/>
           <p:nvPr/>
         </p:nvSpPr>
@@ -29870,7 +28237,7 @@
       </p:sp>
       <p:sp>
         <p:nvSpPr>
-          <p:cNvPr id="415" name="CustomShape 2"/>
+          <p:cNvPr id="418" name="CustomShape 2"/>
           <p:cNvSpPr/>
           <p:nvPr/>
         </p:nvSpPr>
@@ -29902,7 +28269,7 @@
       </p:sp>
       <p:pic>
         <p:nvPicPr>
-          <p:cNvPr id="416" name="Picture 4"/>
+          <p:cNvPr id="419" name="Picture 4"/>
           <p:cNvPicPr/>
           <p:nvPr/>
         </p:nvPicPr>
@@ -29912,8 +28279,8 @@
         </p:blipFill>
         <p:spPr>
           <a:xfrm>
-            <a:off x="3535200" y="1984680"/>
-            <a:ext cx="5120640" cy="3755880"/>
+            <a:off x="2144520" y="1628640"/>
+            <a:ext cx="8414280" cy="4492080"/>
           </a:xfrm>
           <a:prstGeom prst="rect">
             <a:avLst/>
@@ -29977,14 +28344,14 @@
       </p:grpSpPr>
       <p:sp>
         <p:nvSpPr>
-          <p:cNvPr id="417" name="CustomShape 1"/>
+          <p:cNvPr id="420" name="CustomShape 1"/>
           <p:cNvSpPr/>
           <p:nvPr/>
         </p:nvSpPr>
         <p:spPr>
           <a:xfrm>
-            <a:off x="609480" y="274680"/>
-            <a:ext cx="10971360" cy="1141560"/>
+            <a:off x="609480" y="273600"/>
+            <a:ext cx="10971720" cy="1144080"/>
           </a:xfrm>
           <a:prstGeom prst="rect">
             <a:avLst/>
@@ -30007,14 +28374,9 @@
           <a:fontRef idx="minor"/>
         </p:style>
         <p:txBody>
-          <a:bodyPr lIns="90000" tIns="45000" rIns="90000" bIns="45000" anchor="ctr"/>
+          <a:bodyPr lIns="0" tIns="0" rIns="0" bIns="0" anchor="ctr"/>
           <a:lstStyle/>
           <a:p>
-            <a:pPr>
-              <a:lnSpc>
-                <a:spcPct val="100000"/>
-              </a:lnSpc>
-            </a:pPr>
             <a:r>
               <a:rPr lang="pt-BR" sz="2400" b="0" strike="noStrike" spc="-1" dirty="0">
                 <a:solidFill>
@@ -30028,9 +28390,24 @@
                 <a:latin typeface="Calibri"/>
                 <a:ea typeface="DejaVu Sans"/>
               </a:rPr>
-              <a:t>Busca em árvore com x10</a:t>
+              <a:t>Busca em árvore com </a:t>
             </a:r>
-            <a:endParaRPr lang="pt-BR" sz="1800" b="0" strike="noStrike" spc="-1" dirty="0">
+            <a:r>
+              <a:rPr lang="pt-BR" sz="2400" b="0" strike="noStrike" spc="-1" dirty="0" smtClean="0">
+                <a:solidFill>
+                  <a:srgbClr val="000000"/>
+                </a:solidFill>
+                <a:uFill>
+                  <a:solidFill>
+                    <a:srgbClr val="FFFFFF"/>
+                  </a:solidFill>
+                </a:uFill>
+                <a:latin typeface="Calibri"/>
+                <a:ea typeface="DejaVu Sans"/>
+              </a:rPr>
+              <a:t>x10</a:t>
+            </a:r>
+            <a:endParaRPr lang="pt-BR" sz="2400" b="0" strike="noStrike" spc="-1" dirty="0">
               <a:solidFill>
                 <a:srgbClr val="000000"/>
               </a:solidFill>
@@ -30046,14 +28423,14 @@
       </p:sp>
       <p:sp>
         <p:nvSpPr>
-          <p:cNvPr id="418" name="CustomShape 2"/>
+          <p:cNvPr id="421" name="CustomShape 2"/>
           <p:cNvSpPr/>
           <p:nvPr/>
         </p:nvSpPr>
         <p:spPr>
           <a:xfrm>
-            <a:off x="609480" y="1600200"/>
-            <a:ext cx="10971360" cy="4524480"/>
+            <a:off x="609480" y="1604520"/>
+            <a:ext cx="10971720" cy="4560784"/>
           </a:xfrm>
           <a:prstGeom prst="rect">
             <a:avLst/>
@@ -30075,31 +28452,722 @@
           </a:effectRef>
           <a:fontRef idx="minor"/>
         </p:style>
+        <p:txBody>
+          <a:bodyPr lIns="0" tIns="0" rIns="0" bIns="0" anchor="t"/>
+          <a:lstStyle/>
+          <a:p>
+            <a:pPr marL="228600" indent="-227880">
+              <a:lnSpc>
+                <a:spcPct val="90000"/>
+              </a:lnSpc>
+              <a:buClr>
+                <a:srgbClr val="000000"/>
+              </a:buClr>
+              <a:buFont typeface="Arial"/>
+              <a:buChar char="•"/>
+            </a:pPr>
+            <a:r>
+              <a:rPr lang="pt-BR" sz="1600" b="0" strike="noStrike" spc="-1" dirty="0" smtClean="0">
+                <a:solidFill>
+                  <a:srgbClr val="000000"/>
+                </a:solidFill>
+                <a:uFill>
+                  <a:solidFill>
+                    <a:srgbClr val="FFFFFF"/>
+                  </a:solidFill>
+                </a:uFill>
+                <a:latin typeface="Calibri" panose="020F0502020204030204" pitchFamily="34" charset="0"/>
+                <a:ea typeface="DejaVu Sans"/>
+                <a:cs typeface="Calibri" panose="020F0502020204030204" pitchFamily="34" charset="0"/>
+              </a:rPr>
+              <a:t>Cada </a:t>
+            </a:r>
+            <a:r>
+              <a:rPr lang="pt-BR" sz="1600" b="0" strike="noStrike" spc="-1" dirty="0">
+                <a:solidFill>
+                  <a:srgbClr val="000000"/>
+                </a:solidFill>
+                <a:uFill>
+                  <a:solidFill>
+                    <a:srgbClr val="FFFFFF"/>
+                  </a:solidFill>
+                </a:uFill>
+                <a:latin typeface="Calibri" panose="020F0502020204030204" pitchFamily="34" charset="0"/>
+                <a:ea typeface="DejaVu Sans"/>
+                <a:cs typeface="Calibri" panose="020F0502020204030204" pitchFamily="34" charset="0"/>
+              </a:rPr>
+              <a:t>place </a:t>
+            </a:r>
+            <a:r>
+              <a:rPr lang="pt-BR" sz="1600" b="0" strike="noStrike" spc="-1" dirty="0" smtClean="0">
+                <a:solidFill>
+                  <a:srgbClr val="000000"/>
+                </a:solidFill>
+                <a:uFill>
+                  <a:solidFill>
+                    <a:srgbClr val="FFFFFF"/>
+                  </a:solidFill>
+                </a:uFill>
+                <a:latin typeface="Calibri" panose="020F0502020204030204" pitchFamily="34" charset="0"/>
+                <a:ea typeface="DejaVu Sans"/>
+                <a:cs typeface="Calibri" panose="020F0502020204030204" pitchFamily="34" charset="0"/>
+              </a:rPr>
+              <a:t>possui: (PlaceLocalHandle)</a:t>
+            </a:r>
+          </a:p>
+          <a:p>
+            <a:pPr marL="685800" lvl="1" indent="-227880">
+              <a:lnSpc>
+                <a:spcPct val="90000"/>
+              </a:lnSpc>
+              <a:buClr>
+                <a:srgbClr val="000000"/>
+              </a:buClr>
+              <a:buFont typeface="Arial"/>
+              <a:buChar char="•"/>
+            </a:pPr>
+            <a:r>
+              <a:rPr lang="pt-BR" sz="1400" spc="-1" dirty="0" smtClean="0">
+                <a:solidFill>
+                  <a:srgbClr val="000000"/>
+                </a:solidFill>
+                <a:uFill>
+                  <a:solidFill>
+                    <a:srgbClr val="FFFFFF"/>
+                  </a:solidFill>
+                </a:uFill>
+                <a:latin typeface="Calibri" panose="020F0502020204030204" pitchFamily="34" charset="0"/>
+                <a:cs typeface="Calibri" panose="020F0502020204030204" pitchFamily="34" charset="0"/>
+              </a:rPr>
+              <a:t>1 Pilha</a:t>
+            </a:r>
+          </a:p>
+          <a:p>
+            <a:pPr marL="685800" lvl="1" indent="-227880">
+              <a:lnSpc>
+                <a:spcPct val="90000"/>
+              </a:lnSpc>
+              <a:buClr>
+                <a:srgbClr val="000000"/>
+              </a:buClr>
+              <a:buFont typeface="Arial"/>
+              <a:buChar char="•"/>
+            </a:pPr>
+            <a:r>
+              <a:rPr lang="pt-BR" sz="1400" b="0" strike="noStrike" spc="-1" dirty="0" smtClean="0">
+                <a:solidFill>
+                  <a:srgbClr val="000000"/>
+                </a:solidFill>
+                <a:uFill>
+                  <a:solidFill>
+                    <a:srgbClr val="FFFFFF"/>
+                  </a:solidFill>
+                </a:uFill>
+                <a:latin typeface="Calibri" panose="020F0502020204030204" pitchFamily="34" charset="0"/>
+                <a:cs typeface="Calibri" panose="020F0502020204030204" pitchFamily="34" charset="0"/>
+              </a:rPr>
+              <a:t>1 valor de melhor custo de rota local</a:t>
+            </a:r>
+          </a:p>
+          <a:p>
+            <a:pPr marL="685800" lvl="1" indent="-227880">
+              <a:lnSpc>
+                <a:spcPct val="90000"/>
+              </a:lnSpc>
+              <a:buClr>
+                <a:srgbClr val="000000"/>
+              </a:buClr>
+              <a:buFont typeface="Arial"/>
+              <a:buChar char="•"/>
+            </a:pPr>
+            <a:r>
+              <a:rPr lang="pt-BR" sz="1400" b="0" strike="noStrike" spc="-1" dirty="0" smtClean="0">
+                <a:solidFill>
+                  <a:srgbClr val="000000"/>
+                </a:solidFill>
+                <a:uFill>
+                  <a:solidFill>
+                    <a:srgbClr val="FFFFFF"/>
+                  </a:solidFill>
+                </a:uFill>
+                <a:latin typeface="Calibri" panose="020F0502020204030204" pitchFamily="34" charset="0"/>
+                <a:cs typeface="Calibri" panose="020F0502020204030204" pitchFamily="34" charset="0"/>
+              </a:rPr>
+              <a:t>2 variáveis de estado (</a:t>
+            </a:r>
+            <a:r>
+              <a:rPr lang="pt-BR" sz="1400" b="0" i="1" strike="noStrike" spc="-1" dirty="0" smtClean="0">
+                <a:solidFill>
+                  <a:srgbClr val="000000"/>
+                </a:solidFill>
+                <a:uFill>
+                  <a:solidFill>
+                    <a:srgbClr val="FFFFFF"/>
+                  </a:solidFill>
+                </a:uFill>
+                <a:latin typeface="Calibri" panose="020F0502020204030204" pitchFamily="34" charset="0"/>
+                <a:cs typeface="Calibri" panose="020F0502020204030204" pitchFamily="34" charset="0"/>
+              </a:rPr>
+              <a:t>working </a:t>
+            </a:r>
+            <a:r>
+              <a:rPr lang="pt-BR" sz="1400" b="0" strike="noStrike" spc="-1" dirty="0" smtClean="0">
+                <a:solidFill>
+                  <a:srgbClr val="000000"/>
+                </a:solidFill>
+                <a:uFill>
+                  <a:solidFill>
+                    <a:srgbClr val="FFFFFF"/>
+                  </a:solidFill>
+                </a:uFill>
+                <a:latin typeface="Calibri" panose="020F0502020204030204" pitchFamily="34" charset="0"/>
+                <a:cs typeface="Calibri" panose="020F0502020204030204" pitchFamily="34" charset="0"/>
+              </a:rPr>
+              <a:t>e </a:t>
+            </a:r>
+            <a:r>
+              <a:rPr lang="pt-BR" sz="1400" b="0" i="1" strike="noStrike" spc="-1" dirty="0" smtClean="0">
+                <a:solidFill>
+                  <a:srgbClr val="000000"/>
+                </a:solidFill>
+                <a:uFill>
+                  <a:solidFill>
+                    <a:srgbClr val="FFFFFF"/>
+                  </a:solidFill>
+                </a:uFill>
+                <a:latin typeface="Calibri" panose="020F0502020204030204" pitchFamily="34" charset="0"/>
+                <a:cs typeface="Calibri" panose="020F0502020204030204" pitchFamily="34" charset="0"/>
+              </a:rPr>
+              <a:t>not_terminate</a:t>
+            </a:r>
+            <a:r>
+              <a:rPr lang="pt-BR" sz="1400" b="0" strike="noStrike" spc="-1" dirty="0" smtClean="0">
+                <a:solidFill>
+                  <a:srgbClr val="000000"/>
+                </a:solidFill>
+                <a:uFill>
+                  <a:solidFill>
+                    <a:srgbClr val="FFFFFF"/>
+                  </a:solidFill>
+                </a:uFill>
+                <a:latin typeface="Calibri" panose="020F0502020204030204" pitchFamily="34" charset="0"/>
+                <a:cs typeface="Calibri" panose="020F0502020204030204" pitchFamily="34" charset="0"/>
+              </a:rPr>
+              <a:t>)</a:t>
+            </a:r>
+          </a:p>
+          <a:p>
+            <a:pPr marL="685800" lvl="1" indent="-227880">
+              <a:lnSpc>
+                <a:spcPct val="90000"/>
+              </a:lnSpc>
+              <a:buClr>
+                <a:srgbClr val="000000"/>
+              </a:buClr>
+              <a:buFont typeface="Arial"/>
+              <a:buChar char="•"/>
+            </a:pPr>
+            <a:r>
+              <a:rPr lang="pt-BR" sz="1400" spc="-1" dirty="0" smtClean="0">
+                <a:solidFill>
+                  <a:srgbClr val="000000"/>
+                </a:solidFill>
+                <a:uFill>
+                  <a:solidFill>
+                    <a:srgbClr val="FFFFFF"/>
+                  </a:solidFill>
+                </a:uFill>
+                <a:latin typeface="Calibri" panose="020F0502020204030204" pitchFamily="34" charset="0"/>
+                <a:cs typeface="Calibri" panose="020F0502020204030204" pitchFamily="34" charset="0"/>
+              </a:rPr>
+              <a:t>2 variáveis para verificar se algum place está vazio e qual está vazio</a:t>
+            </a:r>
+          </a:p>
+          <a:p>
+            <a:pPr marL="228600" indent="-227880">
+              <a:lnSpc>
+                <a:spcPct val="90000"/>
+              </a:lnSpc>
+              <a:buClr>
+                <a:srgbClr val="000000"/>
+              </a:buClr>
+              <a:buFont typeface="Arial"/>
+              <a:buChar char="•"/>
+            </a:pPr>
+            <a:endParaRPr lang="pt-BR" sz="1600" b="0" strike="noStrike" spc="-1" dirty="0" smtClean="0">
+              <a:solidFill>
+                <a:srgbClr val="000000"/>
+              </a:solidFill>
+              <a:uFill>
+                <a:solidFill>
+                  <a:srgbClr val="FFFFFF"/>
+                </a:solidFill>
+              </a:uFill>
+              <a:latin typeface="Calibri" panose="020F0502020204030204" pitchFamily="34" charset="0"/>
+              <a:cs typeface="Calibri" panose="020F0502020204030204" pitchFamily="34" charset="0"/>
+            </a:endParaRPr>
+          </a:p>
+          <a:p>
+            <a:pPr marL="228600" indent="-227880">
+              <a:lnSpc>
+                <a:spcPct val="90000"/>
+              </a:lnSpc>
+              <a:buClr>
+                <a:srgbClr val="000000"/>
+              </a:buClr>
+              <a:buFont typeface="Arial"/>
+              <a:buChar char="•"/>
+            </a:pPr>
+            <a:r>
+              <a:rPr lang="pt-BR" sz="1600" b="0" strike="noStrike" spc="-1" dirty="0" smtClean="0">
+                <a:solidFill>
+                  <a:srgbClr val="000000"/>
+                </a:solidFill>
+                <a:uFill>
+                  <a:solidFill>
+                    <a:srgbClr val="FFFFFF"/>
+                  </a:solidFill>
+                </a:uFill>
+                <a:latin typeface="Calibri" panose="020F0502020204030204" pitchFamily="34" charset="0"/>
+                <a:cs typeface="Calibri" panose="020F0502020204030204" pitchFamily="34" charset="0"/>
+              </a:rPr>
+              <a:t>GlobalRef’s</a:t>
+            </a:r>
+          </a:p>
+          <a:p>
+            <a:pPr marL="685800" lvl="1" indent="-227880">
+              <a:lnSpc>
+                <a:spcPct val="90000"/>
+              </a:lnSpc>
+              <a:buClr>
+                <a:srgbClr val="000000"/>
+              </a:buClr>
+              <a:buFont typeface="Arial"/>
+              <a:buChar char="•"/>
+            </a:pPr>
+            <a:r>
+              <a:rPr lang="pt-BR" sz="1400" b="0" strike="noStrike" spc="-1" dirty="0" smtClean="0">
+                <a:solidFill>
+                  <a:srgbClr val="000000"/>
+                </a:solidFill>
+                <a:uFill>
+                  <a:solidFill>
+                    <a:srgbClr val="FFFFFF"/>
+                  </a:solidFill>
+                </a:uFill>
+                <a:latin typeface="Calibri" panose="020F0502020204030204" pitchFamily="34" charset="0"/>
+                <a:cs typeface="Calibri" panose="020F0502020204030204" pitchFamily="34" charset="0"/>
+              </a:rPr>
+              <a:t>Custo global da melhor rota</a:t>
+            </a:r>
+          </a:p>
+          <a:p>
+            <a:pPr marL="685800" lvl="1" indent="-227880">
+              <a:lnSpc>
+                <a:spcPct val="90000"/>
+              </a:lnSpc>
+              <a:buClr>
+                <a:srgbClr val="000000"/>
+              </a:buClr>
+              <a:buFont typeface="Arial"/>
+              <a:buChar char="•"/>
+            </a:pPr>
+            <a:r>
+              <a:rPr lang="pt-BR" sz="1400" spc="-1" dirty="0" smtClean="0">
+                <a:solidFill>
+                  <a:srgbClr val="000000"/>
+                </a:solidFill>
+                <a:uFill>
+                  <a:solidFill>
+                    <a:srgbClr val="FFFFFF"/>
+                  </a:solidFill>
+                </a:uFill>
+                <a:latin typeface="Calibri" panose="020F0502020204030204" pitchFamily="34" charset="0"/>
+                <a:cs typeface="Calibri" panose="020F0502020204030204" pitchFamily="34" charset="0"/>
+              </a:rPr>
+              <a:t>Rota com menor custo global</a:t>
+            </a:r>
+          </a:p>
+          <a:p>
+            <a:pPr marL="685800" lvl="1" indent="-227880">
+              <a:lnSpc>
+                <a:spcPct val="90000"/>
+              </a:lnSpc>
+              <a:buClr>
+                <a:srgbClr val="000000"/>
+              </a:buClr>
+              <a:buFont typeface="Arial"/>
+              <a:buChar char="•"/>
+            </a:pPr>
+            <a:r>
+              <a:rPr lang="pt-BR" sz="1400" b="0" strike="noStrike" spc="-1" dirty="0" smtClean="0">
+                <a:solidFill>
+                  <a:srgbClr val="000000"/>
+                </a:solidFill>
+                <a:uFill>
+                  <a:solidFill>
+                    <a:srgbClr val="FFFFFF"/>
+                  </a:solidFill>
+                </a:uFill>
+                <a:latin typeface="Calibri" panose="020F0502020204030204" pitchFamily="34" charset="0"/>
+                <a:cs typeface="Calibri" panose="020F0502020204030204" pitchFamily="34" charset="0"/>
+              </a:rPr>
+              <a:t>Array com os id’s dos places que estão esperando</a:t>
+            </a:r>
+          </a:p>
+          <a:p>
+            <a:pPr marL="685800" lvl="1" indent="-227880">
+              <a:lnSpc>
+                <a:spcPct val="90000"/>
+              </a:lnSpc>
+              <a:buClr>
+                <a:srgbClr val="000000"/>
+              </a:buClr>
+              <a:buFont typeface="Arial"/>
+              <a:buChar char="•"/>
+            </a:pPr>
+            <a:r>
+              <a:rPr lang="pt-BR" sz="1400" spc="-1" dirty="0" smtClean="0">
+                <a:solidFill>
+                  <a:srgbClr val="000000"/>
+                </a:solidFill>
+                <a:uFill>
+                  <a:solidFill>
+                    <a:srgbClr val="FFFFFF"/>
+                  </a:solidFill>
+                </a:uFill>
+                <a:latin typeface="Calibri" panose="020F0502020204030204" pitchFamily="34" charset="0"/>
+                <a:cs typeface="Calibri" panose="020F0502020204030204" pitchFamily="34" charset="0"/>
+              </a:rPr>
+              <a:t>Número de places que estão esperando novas rotas</a:t>
+            </a:r>
+          </a:p>
+          <a:p>
+            <a:pPr marL="685800" lvl="1" indent="-227880">
+              <a:lnSpc>
+                <a:spcPct val="90000"/>
+              </a:lnSpc>
+              <a:buClr>
+                <a:srgbClr val="000000"/>
+              </a:buClr>
+              <a:buFont typeface="Arial"/>
+              <a:buChar char="•"/>
+            </a:pPr>
+            <a:endParaRPr lang="pt-BR" sz="1600" b="0" strike="noStrike" spc="-1" dirty="0">
+              <a:solidFill>
+                <a:srgbClr val="000000"/>
+              </a:solidFill>
+              <a:uFill>
+                <a:solidFill>
+                  <a:srgbClr val="FFFFFF"/>
+                </a:solidFill>
+              </a:uFill>
+              <a:latin typeface="Calibri" panose="020F0502020204030204" pitchFamily="34" charset="0"/>
+              <a:cs typeface="Calibri" panose="020F0502020204030204" pitchFamily="34" charset="0"/>
+            </a:endParaRPr>
+          </a:p>
+          <a:p>
+            <a:pPr marL="228600" indent="-227880">
+              <a:lnSpc>
+                <a:spcPct val="90000"/>
+              </a:lnSpc>
+              <a:buClr>
+                <a:srgbClr val="000000"/>
+              </a:buClr>
+              <a:buFont typeface="Arial"/>
+              <a:buChar char="•"/>
+            </a:pPr>
+            <a:r>
+              <a:rPr lang="pt-BR" sz="1600" spc="-1" dirty="0" smtClean="0">
+                <a:solidFill>
+                  <a:srgbClr val="000000"/>
+                </a:solidFill>
+                <a:uFill>
+                  <a:solidFill>
+                    <a:srgbClr val="FFFFFF"/>
+                  </a:solidFill>
+                </a:uFill>
+                <a:latin typeface="Calibri" panose="020F0502020204030204" pitchFamily="34" charset="0"/>
+                <a:cs typeface="Calibri" panose="020F0502020204030204" pitchFamily="34" charset="0"/>
+              </a:rPr>
+              <a:t>1 DistArray que distribui o trabalho entre cada Place</a:t>
+            </a:r>
+            <a:endParaRPr lang="pt-BR" sz="1600" b="0" strike="noStrike" spc="-1" dirty="0">
+              <a:solidFill>
+                <a:srgbClr val="000000"/>
+              </a:solidFill>
+              <a:uFill>
+                <a:solidFill>
+                  <a:srgbClr val="FFFFFF"/>
+                </a:solidFill>
+              </a:uFill>
+              <a:latin typeface="Calibri" panose="020F0502020204030204" pitchFamily="34" charset="0"/>
+              <a:cs typeface="Calibri" panose="020F0502020204030204" pitchFamily="34" charset="0"/>
+            </a:endParaRPr>
+          </a:p>
+          <a:p>
+            <a:pPr>
+              <a:lnSpc>
+                <a:spcPct val="90000"/>
+              </a:lnSpc>
+            </a:pPr>
+            <a:endParaRPr lang="pt-BR" sz="1600" b="0" strike="noStrike" spc="-1" dirty="0">
+              <a:solidFill>
+                <a:srgbClr val="000000"/>
+              </a:solidFill>
+              <a:uFill>
+                <a:solidFill>
+                  <a:srgbClr val="FFFFFF"/>
+                </a:solidFill>
+              </a:uFill>
+              <a:latin typeface="Calibri" panose="020F0502020204030204" pitchFamily="34" charset="0"/>
+              <a:cs typeface="Calibri" panose="020F0502020204030204" pitchFamily="34" charset="0"/>
+            </a:endParaRPr>
+          </a:p>
+          <a:p>
+            <a:pPr marL="228600" indent="-227880">
+              <a:lnSpc>
+                <a:spcPct val="90000"/>
+              </a:lnSpc>
+              <a:buClr>
+                <a:srgbClr val="000000"/>
+              </a:buClr>
+              <a:buFont typeface="Arial"/>
+              <a:buChar char="•"/>
+            </a:pPr>
+            <a:r>
+              <a:rPr lang="pt-BR" sz="1600" b="0" strike="noStrike" spc="-1" dirty="0">
+                <a:solidFill>
+                  <a:srgbClr val="000000"/>
+                </a:solidFill>
+                <a:uFill>
+                  <a:solidFill>
+                    <a:srgbClr val="FFFFFF"/>
+                  </a:solidFill>
+                </a:uFill>
+                <a:latin typeface="Calibri" panose="020F0502020204030204" pitchFamily="34" charset="0"/>
+                <a:ea typeface="DejaVu Sans"/>
+                <a:cs typeface="Calibri" panose="020F0502020204030204" pitchFamily="34" charset="0"/>
+              </a:rPr>
+              <a:t>Cada </a:t>
+            </a:r>
+            <a:r>
+              <a:rPr lang="pt-BR" sz="1600" b="0" strike="noStrike" spc="-1" dirty="0" smtClean="0">
+                <a:solidFill>
+                  <a:srgbClr val="000000"/>
+                </a:solidFill>
+                <a:uFill>
+                  <a:solidFill>
+                    <a:srgbClr val="FFFFFF"/>
+                  </a:solidFill>
+                </a:uFill>
+                <a:latin typeface="Calibri" panose="020F0502020204030204" pitchFamily="34" charset="0"/>
+                <a:ea typeface="DejaVu Sans"/>
+                <a:cs typeface="Calibri" panose="020F0502020204030204" pitchFamily="34" charset="0"/>
+              </a:rPr>
+              <a:t>Place opera </a:t>
+            </a:r>
+            <a:r>
+              <a:rPr lang="pt-BR" sz="1600" b="0" strike="noStrike" spc="-1" dirty="0">
+                <a:solidFill>
+                  <a:srgbClr val="000000"/>
+                </a:solidFill>
+                <a:uFill>
+                  <a:solidFill>
+                    <a:srgbClr val="FFFFFF"/>
+                  </a:solidFill>
+                </a:uFill>
+                <a:latin typeface="Calibri" panose="020F0502020204030204" pitchFamily="34" charset="0"/>
+                <a:ea typeface="DejaVu Sans"/>
+                <a:cs typeface="Calibri" panose="020F0502020204030204" pitchFamily="34" charset="0"/>
+              </a:rPr>
+              <a:t>sobre sua pilha testando </a:t>
+            </a:r>
+            <a:r>
+              <a:rPr lang="pt-BR" sz="1600" spc="-1" dirty="0" smtClean="0">
+                <a:solidFill>
+                  <a:srgbClr val="000000"/>
+                </a:solidFill>
+                <a:uFill>
+                  <a:solidFill>
+                    <a:srgbClr val="FFFFFF"/>
+                  </a:solidFill>
+                </a:uFill>
+                <a:latin typeface="Calibri" panose="020F0502020204030204" pitchFamily="34" charset="0"/>
+                <a:ea typeface="DejaVu Sans"/>
+                <a:cs typeface="Calibri" panose="020F0502020204030204" pitchFamily="34" charset="0"/>
+              </a:rPr>
+              <a:t>a rota corrente</a:t>
+            </a:r>
+          </a:p>
+          <a:p>
+            <a:pPr marL="228600" indent="-227880">
+              <a:lnSpc>
+                <a:spcPct val="90000"/>
+              </a:lnSpc>
+              <a:buClr>
+                <a:srgbClr val="000000"/>
+              </a:buClr>
+              <a:buFont typeface="Arial"/>
+              <a:buChar char="•"/>
+            </a:pPr>
+            <a:endParaRPr lang="pt-BR" sz="1600" b="0" strike="noStrike" spc="-1" dirty="0" smtClean="0">
+              <a:solidFill>
+                <a:srgbClr val="000000"/>
+              </a:solidFill>
+              <a:uFill>
+                <a:solidFill>
+                  <a:srgbClr val="FFFFFF"/>
+                </a:solidFill>
+              </a:uFill>
+              <a:latin typeface="Calibri" panose="020F0502020204030204" pitchFamily="34" charset="0"/>
+              <a:ea typeface="DejaVu Sans"/>
+              <a:cs typeface="Calibri" panose="020F0502020204030204" pitchFamily="34" charset="0"/>
+            </a:endParaRPr>
+          </a:p>
+          <a:p>
+            <a:pPr marL="228600" indent="-227880">
+              <a:lnSpc>
+                <a:spcPct val="90000"/>
+              </a:lnSpc>
+              <a:buClr>
+                <a:srgbClr val="000000"/>
+              </a:buClr>
+              <a:buFont typeface="Arial"/>
+              <a:buChar char="•"/>
+            </a:pPr>
+            <a:r>
+              <a:rPr lang="pt-BR" sz="1600" b="0" strike="noStrike" spc="-1" dirty="0" smtClean="0">
+                <a:solidFill>
+                  <a:srgbClr val="000000"/>
+                </a:solidFill>
+                <a:uFill>
+                  <a:solidFill>
+                    <a:srgbClr val="FFFFFF"/>
+                  </a:solidFill>
+                </a:uFill>
+                <a:latin typeface="Calibri" panose="020F0502020204030204" pitchFamily="34" charset="0"/>
+                <a:ea typeface="DejaVu Sans"/>
+                <a:cs typeface="Calibri" panose="020F0502020204030204" pitchFamily="34" charset="0"/>
+              </a:rPr>
+              <a:t>A cada novo melhor custo global, transfere esse valor para todos os Places</a:t>
+            </a:r>
+          </a:p>
+          <a:p>
+            <a:pPr>
+              <a:lnSpc>
+                <a:spcPct val="90000"/>
+              </a:lnSpc>
+            </a:pPr>
+            <a:endParaRPr lang="pt-BR" sz="1600" b="0" strike="noStrike" spc="-1" dirty="0">
+              <a:solidFill>
+                <a:srgbClr val="000000"/>
+              </a:solidFill>
+              <a:uFill>
+                <a:solidFill>
+                  <a:srgbClr val="FFFFFF"/>
+                </a:solidFill>
+              </a:uFill>
+              <a:latin typeface="Calibri" panose="020F0502020204030204" pitchFamily="34" charset="0"/>
+              <a:cs typeface="Calibri" panose="020F0502020204030204" pitchFamily="34" charset="0"/>
+            </a:endParaRPr>
+          </a:p>
+          <a:p>
+            <a:pPr marL="228600" indent="-227880">
+              <a:lnSpc>
+                <a:spcPct val="90000"/>
+              </a:lnSpc>
+              <a:buClr>
+                <a:srgbClr val="000000"/>
+              </a:buClr>
+              <a:buFont typeface="Arial"/>
+              <a:buChar char="•"/>
+            </a:pPr>
+            <a:r>
+              <a:rPr lang="pt-BR" sz="1600" b="0" strike="noStrike" spc="-1" dirty="0">
+                <a:solidFill>
+                  <a:srgbClr val="000000"/>
+                </a:solidFill>
+                <a:uFill>
+                  <a:solidFill>
+                    <a:srgbClr val="FFFFFF"/>
+                  </a:solidFill>
+                </a:uFill>
+                <a:latin typeface="Calibri" panose="020F0502020204030204" pitchFamily="34" charset="0"/>
+                <a:ea typeface="DejaVu Sans"/>
+                <a:cs typeface="Calibri" panose="020F0502020204030204" pitchFamily="34" charset="0"/>
+              </a:rPr>
+              <a:t>Um objeto que esteja ocioso em um place deve requisitar a outro algum Tour para </a:t>
+            </a:r>
+            <a:r>
+              <a:rPr lang="pt-BR" sz="1600" b="0" strike="noStrike" spc="-1" dirty="0" smtClean="0">
+                <a:solidFill>
+                  <a:srgbClr val="000000"/>
+                </a:solidFill>
+                <a:uFill>
+                  <a:solidFill>
+                    <a:srgbClr val="FFFFFF"/>
+                  </a:solidFill>
+                </a:uFill>
+                <a:latin typeface="Calibri" panose="020F0502020204030204" pitchFamily="34" charset="0"/>
+                <a:ea typeface="DejaVu Sans"/>
+                <a:cs typeface="Calibri" panose="020F0502020204030204" pitchFamily="34" charset="0"/>
+              </a:rPr>
+              <a:t>operar, evitando desbalanceamento </a:t>
+            </a:r>
+            <a:r>
+              <a:rPr lang="pt-BR" sz="1600" b="0" strike="noStrike" spc="-1" dirty="0">
+                <a:solidFill>
+                  <a:srgbClr val="000000"/>
+                </a:solidFill>
+                <a:uFill>
+                  <a:solidFill>
+                    <a:srgbClr val="FFFFFF"/>
+                  </a:solidFill>
+                </a:uFill>
+                <a:latin typeface="Calibri" panose="020F0502020204030204" pitchFamily="34" charset="0"/>
+                <a:ea typeface="DejaVu Sans"/>
+                <a:cs typeface="Calibri" panose="020F0502020204030204" pitchFamily="34" charset="0"/>
+              </a:rPr>
+              <a:t>na busca onde o trabalho em um place pode terminar antes de </a:t>
+            </a:r>
+            <a:r>
+              <a:rPr lang="pt-BR" sz="1600" b="0" strike="noStrike" spc="-1" dirty="0" smtClean="0">
+                <a:solidFill>
+                  <a:srgbClr val="000000"/>
+                </a:solidFill>
+                <a:uFill>
+                  <a:solidFill>
+                    <a:srgbClr val="FFFFFF"/>
+                  </a:solidFill>
+                </a:uFill>
+                <a:latin typeface="Calibri" panose="020F0502020204030204" pitchFamily="34" charset="0"/>
+                <a:ea typeface="DejaVu Sans"/>
+                <a:cs typeface="Calibri" panose="020F0502020204030204" pitchFamily="34" charset="0"/>
+              </a:rPr>
+              <a:t>outro</a:t>
+            </a:r>
+            <a:endParaRPr lang="pt-BR" sz="1600" b="0" strike="noStrike" spc="-1" dirty="0">
+              <a:solidFill>
+                <a:srgbClr val="000000"/>
+              </a:solidFill>
+              <a:uFill>
+                <a:solidFill>
+                  <a:srgbClr val="FFFFFF"/>
+                </a:solidFill>
+              </a:uFill>
+              <a:latin typeface="Calibri" panose="020F0502020204030204" pitchFamily="34" charset="0"/>
+              <a:cs typeface="Calibri" panose="020F0502020204030204" pitchFamily="34" charset="0"/>
+            </a:endParaRPr>
+          </a:p>
+        </p:txBody>
       </p:sp>
-      <p:pic>
-        <p:nvPicPr>
-          <p:cNvPr id="419" name="Picture 4"/>
-          <p:cNvPicPr/>
-          <p:nvPr/>
-        </p:nvPicPr>
-        <p:blipFill>
-          <a:blip r:embed="rId2"/>
-          <a:stretch/>
-        </p:blipFill>
-        <p:spPr>
-          <a:xfrm>
-            <a:off x="2144520" y="1628640"/>
-            <a:ext cx="8414280" cy="4492080"/>
-          </a:xfrm>
-          <a:prstGeom prst="rect">
-            <a:avLst/>
-          </a:prstGeom>
-          <a:ln>
-            <a:noFill/>
-          </a:ln>
-        </p:spPr>
-      </p:pic>
     </p:spTree>
+    <p:extLst>
+      <p:ext uri="{BB962C8B-B14F-4D97-AF65-F5344CB8AC3E}">
+        <p14:creationId xmlns:p14="http://schemas.microsoft.com/office/powerpoint/2010/main" val="837446532"/>
+      </p:ext>
+    </p:extLst>
   </p:cSld>
   <p:clrMapOvr>
     <a:masterClrMapping/>
@@ -30153,7 +29221,7 @@
       </p:grpSpPr>
       <p:sp>
         <p:nvSpPr>
-          <p:cNvPr id="420" name="CustomShape 1"/>
+          <p:cNvPr id="422" name="CustomShape 1"/>
           <p:cNvSpPr/>
           <p:nvPr/>
         </p:nvSpPr>
@@ -30186,6 +29254,11 @@
           <a:bodyPr lIns="0" tIns="0" rIns="0" bIns="0" anchor="ctr"/>
           <a:lstStyle/>
           <a:p>
+            <a:pPr>
+              <a:lnSpc>
+                <a:spcPct val="90000"/>
+              </a:lnSpc>
+            </a:pPr>
             <a:r>
               <a:rPr lang="pt-BR" sz="2400" b="0" strike="noStrike" spc="-1" dirty="0">
                 <a:solidFill>
@@ -30199,22 +29272,7 @@
                 <a:latin typeface="Calibri"/>
                 <a:ea typeface="DejaVu Sans"/>
               </a:rPr>
-              <a:t>Busca em árvore com </a:t>
-            </a:r>
-            <a:r>
-              <a:rPr lang="pt-BR" sz="2400" b="0" strike="noStrike" spc="-1" dirty="0" smtClean="0">
-                <a:solidFill>
-                  <a:srgbClr val="000000"/>
-                </a:solidFill>
-                <a:uFill>
-                  <a:solidFill>
-                    <a:srgbClr val="FFFFFF"/>
-                  </a:solidFill>
-                </a:uFill>
-                <a:latin typeface="Calibri"/>
-                <a:ea typeface="DejaVu Sans"/>
-              </a:rPr>
-              <a:t>x10</a:t>
+              <a:t>Busca em árvore com x10</a:t>
             </a:r>
             <a:endParaRPr lang="pt-BR" sz="2400" b="0" strike="noStrike" spc="-1" dirty="0">
               <a:solidFill>
@@ -30230,16 +29288,31 @@
           </a:p>
         </p:txBody>
       </p:sp>
-      <p:sp>
-        <p:nvSpPr>
-          <p:cNvPr id="421" name="CustomShape 2"/>
-          <p:cNvSpPr/>
+      <p:pic>
+        <p:nvPicPr>
+          <p:cNvPr id="4" name="Picture 2"/>
+          <p:cNvPicPr>
+            <a:picLocks noChangeAspect="1" noChangeArrowheads="1"/>
+          </p:cNvPicPr>
           <p:nvPr/>
-        </p:nvSpPr>
-        <p:spPr>
-          <a:xfrm>
-            <a:off x="609480" y="1604520"/>
-            <a:ext cx="10971720" cy="4560784"/>
+        </p:nvPicPr>
+        <p:blipFill>
+          <a:blip r:embed="rId2">
+            <a:extLst>
+              <a:ext uri="{28A0092B-C50C-407E-A947-70E740481C1C}">
+                <a14:useLocalDpi xmlns:a14="http://schemas.microsoft.com/office/drawing/2010/main" val="0"/>
+              </a:ext>
+            </a:extLst>
+          </a:blip>
+          <a:srcRect/>
+          <a:stretch>
+            <a:fillRect/>
+          </a:stretch>
+        </p:blipFill>
+        <p:spPr bwMode="auto">
+          <a:xfrm>
+            <a:off x="1271464" y="2060848"/>
+            <a:ext cx="4391025" cy="3076575"/>
           </a:xfrm>
           <a:prstGeom prst="rect">
             <a:avLst/>
@@ -30248,733 +29321,31 @@
           <a:ln>
             <a:noFill/>
           </a:ln>
-        </p:spPr>
-        <p:style>
-          <a:lnRef idx="0">
-            <a:scrgbClr r="0" g="0" b="0"/>
-          </a:lnRef>
-          <a:fillRef idx="0">
-            <a:scrgbClr r="0" g="0" b="0"/>
-          </a:fillRef>
-          <a:effectRef idx="0">
-            <a:scrgbClr r="0" g="0" b="0"/>
-          </a:effectRef>
-          <a:fontRef idx="minor"/>
-        </p:style>
-        <p:txBody>
-          <a:bodyPr lIns="0" tIns="0" rIns="0" bIns="0" anchor="t"/>
-          <a:lstStyle/>
-          <a:p>
-            <a:pPr marL="228600" indent="-227880">
-              <a:lnSpc>
-                <a:spcPct val="90000"/>
-              </a:lnSpc>
-              <a:buClr>
-                <a:srgbClr val="000000"/>
-              </a:buClr>
-              <a:buFont typeface="Arial"/>
-              <a:buChar char="•"/>
-            </a:pPr>
-            <a:r>
-              <a:rPr lang="pt-BR" sz="1600" b="0" strike="noStrike" spc="-1" dirty="0" smtClean="0">
-                <a:solidFill>
-                  <a:srgbClr val="000000"/>
-                </a:solidFill>
-                <a:uFill>
-                  <a:solidFill>
-                    <a:srgbClr val="FFFFFF"/>
-                  </a:solidFill>
-                </a:uFill>
-                <a:latin typeface="Calibri" panose="020F0502020204030204" pitchFamily="34" charset="0"/>
-                <a:ea typeface="DejaVu Sans"/>
-                <a:cs typeface="Calibri" panose="020F0502020204030204" pitchFamily="34" charset="0"/>
-              </a:rPr>
-              <a:t>Cada </a:t>
-            </a:r>
-            <a:r>
-              <a:rPr lang="pt-BR" sz="1600" b="0" strike="noStrike" spc="-1" dirty="0">
-                <a:solidFill>
-                  <a:srgbClr val="000000"/>
-                </a:solidFill>
-                <a:uFill>
-                  <a:solidFill>
-                    <a:srgbClr val="FFFFFF"/>
-                  </a:solidFill>
-                </a:uFill>
-                <a:latin typeface="Calibri" panose="020F0502020204030204" pitchFamily="34" charset="0"/>
-                <a:ea typeface="DejaVu Sans"/>
-                <a:cs typeface="Calibri" panose="020F0502020204030204" pitchFamily="34" charset="0"/>
-              </a:rPr>
-              <a:t>place </a:t>
-            </a:r>
-            <a:r>
-              <a:rPr lang="pt-BR" sz="1600" b="0" strike="noStrike" spc="-1" dirty="0" smtClean="0">
-                <a:solidFill>
-                  <a:srgbClr val="000000"/>
-                </a:solidFill>
-                <a:uFill>
-                  <a:solidFill>
-                    <a:srgbClr val="FFFFFF"/>
-                  </a:solidFill>
-                </a:uFill>
-                <a:latin typeface="Calibri" panose="020F0502020204030204" pitchFamily="34" charset="0"/>
-                <a:ea typeface="DejaVu Sans"/>
-                <a:cs typeface="Calibri" panose="020F0502020204030204" pitchFamily="34" charset="0"/>
-              </a:rPr>
-              <a:t>possui: (PlaceLocalHandle)</a:t>
-            </a:r>
-          </a:p>
-          <a:p>
-            <a:pPr marL="685800" lvl="1" indent="-227880">
-              <a:lnSpc>
-                <a:spcPct val="90000"/>
-              </a:lnSpc>
-              <a:buClr>
-                <a:srgbClr val="000000"/>
-              </a:buClr>
-              <a:buFont typeface="Arial"/>
-              <a:buChar char="•"/>
-            </a:pPr>
-            <a:r>
-              <a:rPr lang="pt-BR" sz="1400" spc="-1" dirty="0" smtClean="0">
-                <a:solidFill>
-                  <a:srgbClr val="000000"/>
-                </a:solidFill>
-                <a:uFill>
-                  <a:solidFill>
-                    <a:srgbClr val="FFFFFF"/>
-                  </a:solidFill>
-                </a:uFill>
-                <a:latin typeface="Calibri" panose="020F0502020204030204" pitchFamily="34" charset="0"/>
-                <a:cs typeface="Calibri" panose="020F0502020204030204" pitchFamily="34" charset="0"/>
-              </a:rPr>
-              <a:t>1 Pilha</a:t>
-            </a:r>
-          </a:p>
-          <a:p>
-            <a:pPr marL="685800" lvl="1" indent="-227880">
-              <a:lnSpc>
-                <a:spcPct val="90000"/>
-              </a:lnSpc>
-              <a:buClr>
-                <a:srgbClr val="000000"/>
-              </a:buClr>
-              <a:buFont typeface="Arial"/>
-              <a:buChar char="•"/>
-            </a:pPr>
-            <a:r>
-              <a:rPr lang="pt-BR" sz="1400" b="0" strike="noStrike" spc="-1" dirty="0" smtClean="0">
-                <a:solidFill>
-                  <a:srgbClr val="000000"/>
-                </a:solidFill>
-                <a:uFill>
-                  <a:solidFill>
-                    <a:srgbClr val="FFFFFF"/>
-                  </a:solidFill>
-                </a:uFill>
-                <a:latin typeface="Calibri" panose="020F0502020204030204" pitchFamily="34" charset="0"/>
-                <a:cs typeface="Calibri" panose="020F0502020204030204" pitchFamily="34" charset="0"/>
-              </a:rPr>
-              <a:t>1 valor de melhor custo de rota local</a:t>
-            </a:r>
-          </a:p>
-          <a:p>
-            <a:pPr marL="685800" lvl="1" indent="-227880">
-              <a:lnSpc>
-                <a:spcPct val="90000"/>
-              </a:lnSpc>
-              <a:buClr>
-                <a:srgbClr val="000000"/>
-              </a:buClr>
-              <a:buFont typeface="Arial"/>
-              <a:buChar char="•"/>
-            </a:pPr>
-            <a:r>
-              <a:rPr lang="pt-BR" sz="1400" b="0" strike="noStrike" spc="-1" dirty="0" smtClean="0">
-                <a:solidFill>
-                  <a:srgbClr val="000000"/>
-                </a:solidFill>
-                <a:uFill>
-                  <a:solidFill>
-                    <a:srgbClr val="FFFFFF"/>
-                  </a:solidFill>
-                </a:uFill>
-                <a:latin typeface="Calibri" panose="020F0502020204030204" pitchFamily="34" charset="0"/>
-                <a:cs typeface="Calibri" panose="020F0502020204030204" pitchFamily="34" charset="0"/>
-              </a:rPr>
-              <a:t>2 variáveis de estado (</a:t>
-            </a:r>
-            <a:r>
-              <a:rPr lang="pt-BR" sz="1400" b="0" i="1" strike="noStrike" spc="-1" dirty="0" smtClean="0">
-                <a:solidFill>
-                  <a:srgbClr val="000000"/>
-                </a:solidFill>
-                <a:uFill>
-                  <a:solidFill>
-                    <a:srgbClr val="FFFFFF"/>
-                  </a:solidFill>
-                </a:uFill>
-                <a:latin typeface="Calibri" panose="020F0502020204030204" pitchFamily="34" charset="0"/>
-                <a:cs typeface="Calibri" panose="020F0502020204030204" pitchFamily="34" charset="0"/>
-              </a:rPr>
-              <a:t>working </a:t>
-            </a:r>
-            <a:r>
-              <a:rPr lang="pt-BR" sz="1400" b="0" strike="noStrike" spc="-1" dirty="0" smtClean="0">
-                <a:solidFill>
-                  <a:srgbClr val="000000"/>
-                </a:solidFill>
-                <a:uFill>
-                  <a:solidFill>
-                    <a:srgbClr val="FFFFFF"/>
-                  </a:solidFill>
-                </a:uFill>
-                <a:latin typeface="Calibri" panose="020F0502020204030204" pitchFamily="34" charset="0"/>
-                <a:cs typeface="Calibri" panose="020F0502020204030204" pitchFamily="34" charset="0"/>
-              </a:rPr>
-              <a:t>e </a:t>
-            </a:r>
-            <a:r>
-              <a:rPr lang="pt-BR" sz="1400" b="0" i="1" strike="noStrike" spc="-1" dirty="0" smtClean="0">
-                <a:solidFill>
-                  <a:srgbClr val="000000"/>
-                </a:solidFill>
-                <a:uFill>
-                  <a:solidFill>
-                    <a:srgbClr val="FFFFFF"/>
-                  </a:solidFill>
-                </a:uFill>
-                <a:latin typeface="Calibri" panose="020F0502020204030204" pitchFamily="34" charset="0"/>
-                <a:cs typeface="Calibri" panose="020F0502020204030204" pitchFamily="34" charset="0"/>
-              </a:rPr>
-              <a:t>not_terminate</a:t>
-            </a:r>
-            <a:r>
-              <a:rPr lang="pt-BR" sz="1400" b="0" strike="noStrike" spc="-1" dirty="0" smtClean="0">
-                <a:solidFill>
-                  <a:srgbClr val="000000"/>
-                </a:solidFill>
-                <a:uFill>
-                  <a:solidFill>
-                    <a:srgbClr val="FFFFFF"/>
-                  </a:solidFill>
-                </a:uFill>
-                <a:latin typeface="Calibri" panose="020F0502020204030204" pitchFamily="34" charset="0"/>
-                <a:cs typeface="Calibri" panose="020F0502020204030204" pitchFamily="34" charset="0"/>
-              </a:rPr>
-              <a:t>)</a:t>
-            </a:r>
-          </a:p>
-          <a:p>
-            <a:pPr marL="685800" lvl="1" indent="-227880">
-              <a:lnSpc>
-                <a:spcPct val="90000"/>
-              </a:lnSpc>
-              <a:buClr>
-                <a:srgbClr val="000000"/>
-              </a:buClr>
-              <a:buFont typeface="Arial"/>
-              <a:buChar char="•"/>
-            </a:pPr>
-            <a:r>
-              <a:rPr lang="pt-BR" sz="1400" spc="-1" dirty="0" smtClean="0">
-                <a:solidFill>
-                  <a:srgbClr val="000000"/>
-                </a:solidFill>
-                <a:uFill>
-                  <a:solidFill>
-                    <a:srgbClr val="FFFFFF"/>
-                  </a:solidFill>
-                </a:uFill>
-                <a:latin typeface="Calibri" panose="020F0502020204030204" pitchFamily="34" charset="0"/>
-                <a:cs typeface="Calibri" panose="020F0502020204030204" pitchFamily="34" charset="0"/>
-              </a:rPr>
-              <a:t>2 variáveis para verificar se algum place está vazio e qual está vazio</a:t>
-            </a:r>
-          </a:p>
-          <a:p>
-            <a:pPr marL="228600" indent="-227880">
-              <a:lnSpc>
-                <a:spcPct val="90000"/>
-              </a:lnSpc>
-              <a:buClr>
-                <a:srgbClr val="000000"/>
-              </a:buClr>
-              <a:buFont typeface="Arial"/>
-              <a:buChar char="•"/>
-            </a:pPr>
-            <a:endParaRPr lang="pt-BR" sz="1600" b="0" strike="noStrike" spc="-1" dirty="0" smtClean="0">
-              <a:solidFill>
-                <a:srgbClr val="000000"/>
-              </a:solidFill>
-              <a:uFill>
-                <a:solidFill>
-                  <a:srgbClr val="FFFFFF"/>
-                </a:solidFill>
-              </a:uFill>
-              <a:latin typeface="Calibri" panose="020F0502020204030204" pitchFamily="34" charset="0"/>
-              <a:cs typeface="Calibri" panose="020F0502020204030204" pitchFamily="34" charset="0"/>
-            </a:endParaRPr>
-          </a:p>
-          <a:p>
-            <a:pPr marL="228600" indent="-227880">
-              <a:lnSpc>
-                <a:spcPct val="90000"/>
-              </a:lnSpc>
-              <a:buClr>
-                <a:srgbClr val="000000"/>
-              </a:buClr>
-              <a:buFont typeface="Arial"/>
-              <a:buChar char="•"/>
-            </a:pPr>
-            <a:r>
-              <a:rPr lang="pt-BR" sz="1600" b="0" strike="noStrike" spc="-1" dirty="0" smtClean="0">
-                <a:solidFill>
-                  <a:srgbClr val="000000"/>
-                </a:solidFill>
-                <a:uFill>
-                  <a:solidFill>
-                    <a:srgbClr val="FFFFFF"/>
-                  </a:solidFill>
-                </a:uFill>
-                <a:latin typeface="Calibri" panose="020F0502020204030204" pitchFamily="34" charset="0"/>
-                <a:cs typeface="Calibri" panose="020F0502020204030204" pitchFamily="34" charset="0"/>
-              </a:rPr>
-              <a:t>GlobalRef’s</a:t>
-            </a:r>
-          </a:p>
-          <a:p>
-            <a:pPr marL="685800" lvl="1" indent="-227880">
-              <a:lnSpc>
-                <a:spcPct val="90000"/>
-              </a:lnSpc>
-              <a:buClr>
-                <a:srgbClr val="000000"/>
-              </a:buClr>
-              <a:buFont typeface="Arial"/>
-              <a:buChar char="•"/>
-            </a:pPr>
-            <a:r>
-              <a:rPr lang="pt-BR" sz="1400" b="0" strike="noStrike" spc="-1" dirty="0" smtClean="0">
-                <a:solidFill>
-                  <a:srgbClr val="000000"/>
-                </a:solidFill>
-                <a:uFill>
-                  <a:solidFill>
-                    <a:srgbClr val="FFFFFF"/>
-                  </a:solidFill>
-                </a:uFill>
-                <a:latin typeface="Calibri" panose="020F0502020204030204" pitchFamily="34" charset="0"/>
-                <a:cs typeface="Calibri" panose="020F0502020204030204" pitchFamily="34" charset="0"/>
-              </a:rPr>
-              <a:t>Custo global da melhor rota</a:t>
-            </a:r>
-          </a:p>
-          <a:p>
-            <a:pPr marL="685800" lvl="1" indent="-227880">
-              <a:lnSpc>
-                <a:spcPct val="90000"/>
-              </a:lnSpc>
-              <a:buClr>
-                <a:srgbClr val="000000"/>
-              </a:buClr>
-              <a:buFont typeface="Arial"/>
-              <a:buChar char="•"/>
-            </a:pPr>
-            <a:r>
-              <a:rPr lang="pt-BR" sz="1400" spc="-1" dirty="0" smtClean="0">
-                <a:solidFill>
-                  <a:srgbClr val="000000"/>
-                </a:solidFill>
-                <a:uFill>
-                  <a:solidFill>
-                    <a:srgbClr val="FFFFFF"/>
-                  </a:solidFill>
-                </a:uFill>
-                <a:latin typeface="Calibri" panose="020F0502020204030204" pitchFamily="34" charset="0"/>
-                <a:cs typeface="Calibri" panose="020F0502020204030204" pitchFamily="34" charset="0"/>
-              </a:rPr>
-              <a:t>Rota com menor custo global</a:t>
-            </a:r>
-          </a:p>
-          <a:p>
-            <a:pPr marL="685800" lvl="1" indent="-227880">
-              <a:lnSpc>
-                <a:spcPct val="90000"/>
-              </a:lnSpc>
-              <a:buClr>
-                <a:srgbClr val="000000"/>
-              </a:buClr>
-              <a:buFont typeface="Arial"/>
-              <a:buChar char="•"/>
-            </a:pPr>
-            <a:r>
-              <a:rPr lang="pt-BR" sz="1400" b="0" strike="noStrike" spc="-1" dirty="0" smtClean="0">
-                <a:solidFill>
-                  <a:srgbClr val="000000"/>
-                </a:solidFill>
-                <a:uFill>
-                  <a:solidFill>
-                    <a:srgbClr val="FFFFFF"/>
-                  </a:solidFill>
-                </a:uFill>
-                <a:latin typeface="Calibri" panose="020F0502020204030204" pitchFamily="34" charset="0"/>
-                <a:cs typeface="Calibri" panose="020F0502020204030204" pitchFamily="34" charset="0"/>
-              </a:rPr>
-              <a:t>Array com os id’s dos places que estão esperando</a:t>
-            </a:r>
-          </a:p>
-          <a:p>
-            <a:pPr marL="685800" lvl="1" indent="-227880">
-              <a:lnSpc>
-                <a:spcPct val="90000"/>
-              </a:lnSpc>
-              <a:buClr>
-                <a:srgbClr val="000000"/>
-              </a:buClr>
-              <a:buFont typeface="Arial"/>
-              <a:buChar char="•"/>
-            </a:pPr>
-            <a:r>
-              <a:rPr lang="pt-BR" sz="1400" spc="-1" dirty="0" smtClean="0">
-                <a:solidFill>
-                  <a:srgbClr val="000000"/>
-                </a:solidFill>
-                <a:uFill>
-                  <a:solidFill>
-                    <a:srgbClr val="FFFFFF"/>
-                  </a:solidFill>
-                </a:uFill>
-                <a:latin typeface="Calibri" panose="020F0502020204030204" pitchFamily="34" charset="0"/>
-                <a:cs typeface="Calibri" panose="020F0502020204030204" pitchFamily="34" charset="0"/>
-              </a:rPr>
-              <a:t>Número de places que estão esperando novas rotas</a:t>
-            </a:r>
-          </a:p>
-          <a:p>
-            <a:pPr marL="685800" lvl="1" indent="-227880">
-              <a:lnSpc>
-                <a:spcPct val="90000"/>
-              </a:lnSpc>
-              <a:buClr>
-                <a:srgbClr val="000000"/>
-              </a:buClr>
-              <a:buFont typeface="Arial"/>
-              <a:buChar char="•"/>
-            </a:pPr>
-            <a:endParaRPr lang="pt-BR" sz="1600" b="0" strike="noStrike" spc="-1" dirty="0">
-              <a:solidFill>
-                <a:srgbClr val="000000"/>
-              </a:solidFill>
-              <a:uFill>
-                <a:solidFill>
-                  <a:srgbClr val="FFFFFF"/>
-                </a:solidFill>
-              </a:uFill>
-              <a:latin typeface="Calibri" panose="020F0502020204030204" pitchFamily="34" charset="0"/>
-              <a:cs typeface="Calibri" panose="020F0502020204030204" pitchFamily="34" charset="0"/>
-            </a:endParaRPr>
-          </a:p>
-          <a:p>
-            <a:pPr marL="228600" indent="-227880">
-              <a:lnSpc>
-                <a:spcPct val="90000"/>
-              </a:lnSpc>
-              <a:buClr>
-                <a:srgbClr val="000000"/>
-              </a:buClr>
-              <a:buFont typeface="Arial"/>
-              <a:buChar char="•"/>
-            </a:pPr>
-            <a:r>
-              <a:rPr lang="pt-BR" sz="1600" spc="-1" dirty="0" smtClean="0">
-                <a:solidFill>
-                  <a:srgbClr val="000000"/>
-                </a:solidFill>
-                <a:uFill>
-                  <a:solidFill>
-                    <a:srgbClr val="FFFFFF"/>
-                  </a:solidFill>
-                </a:uFill>
-                <a:latin typeface="Calibri" panose="020F0502020204030204" pitchFamily="34" charset="0"/>
-                <a:cs typeface="Calibri" panose="020F0502020204030204" pitchFamily="34" charset="0"/>
-              </a:rPr>
-              <a:t>1 DistArray que distribui o trabalho entre cada Place</a:t>
-            </a:r>
-            <a:endParaRPr lang="pt-BR" sz="1600" b="0" strike="noStrike" spc="-1" dirty="0">
-              <a:solidFill>
-                <a:srgbClr val="000000"/>
-              </a:solidFill>
-              <a:uFill>
-                <a:solidFill>
-                  <a:srgbClr val="FFFFFF"/>
-                </a:solidFill>
-              </a:uFill>
-              <a:latin typeface="Calibri" panose="020F0502020204030204" pitchFamily="34" charset="0"/>
-              <a:cs typeface="Calibri" panose="020F0502020204030204" pitchFamily="34" charset="0"/>
-            </a:endParaRPr>
-          </a:p>
-          <a:p>
-            <a:pPr>
-              <a:lnSpc>
-                <a:spcPct val="90000"/>
-              </a:lnSpc>
-            </a:pPr>
-            <a:endParaRPr lang="pt-BR" sz="1600" b="0" strike="noStrike" spc="-1" dirty="0">
-              <a:solidFill>
-                <a:srgbClr val="000000"/>
-              </a:solidFill>
-              <a:uFill>
-                <a:solidFill>
-                  <a:srgbClr val="FFFFFF"/>
-                </a:solidFill>
-              </a:uFill>
-              <a:latin typeface="Calibri" panose="020F0502020204030204" pitchFamily="34" charset="0"/>
-              <a:cs typeface="Calibri" panose="020F0502020204030204" pitchFamily="34" charset="0"/>
-            </a:endParaRPr>
-          </a:p>
-          <a:p>
-            <a:pPr marL="228600" indent="-227880">
-              <a:lnSpc>
-                <a:spcPct val="90000"/>
-              </a:lnSpc>
-              <a:buClr>
-                <a:srgbClr val="000000"/>
-              </a:buClr>
-              <a:buFont typeface="Arial"/>
-              <a:buChar char="•"/>
-            </a:pPr>
-            <a:r>
-              <a:rPr lang="pt-BR" sz="1600" b="0" strike="noStrike" spc="-1" dirty="0">
-                <a:solidFill>
-                  <a:srgbClr val="000000"/>
-                </a:solidFill>
-                <a:uFill>
-                  <a:solidFill>
-                    <a:srgbClr val="FFFFFF"/>
-                  </a:solidFill>
-                </a:uFill>
-                <a:latin typeface="Calibri" panose="020F0502020204030204" pitchFamily="34" charset="0"/>
-                <a:ea typeface="DejaVu Sans"/>
-                <a:cs typeface="Calibri" panose="020F0502020204030204" pitchFamily="34" charset="0"/>
-              </a:rPr>
-              <a:t>Cada </a:t>
-            </a:r>
-            <a:r>
-              <a:rPr lang="pt-BR" sz="1600" b="0" strike="noStrike" spc="-1" dirty="0" smtClean="0">
-                <a:solidFill>
-                  <a:srgbClr val="000000"/>
-                </a:solidFill>
-                <a:uFill>
-                  <a:solidFill>
-                    <a:srgbClr val="FFFFFF"/>
-                  </a:solidFill>
-                </a:uFill>
-                <a:latin typeface="Calibri" panose="020F0502020204030204" pitchFamily="34" charset="0"/>
-                <a:ea typeface="DejaVu Sans"/>
-                <a:cs typeface="Calibri" panose="020F0502020204030204" pitchFamily="34" charset="0"/>
-              </a:rPr>
-              <a:t>Place opera </a:t>
-            </a:r>
-            <a:r>
-              <a:rPr lang="pt-BR" sz="1600" b="0" strike="noStrike" spc="-1" dirty="0">
-                <a:solidFill>
-                  <a:srgbClr val="000000"/>
-                </a:solidFill>
-                <a:uFill>
-                  <a:solidFill>
-                    <a:srgbClr val="FFFFFF"/>
-                  </a:solidFill>
-                </a:uFill>
-                <a:latin typeface="Calibri" panose="020F0502020204030204" pitchFamily="34" charset="0"/>
-                <a:ea typeface="DejaVu Sans"/>
-                <a:cs typeface="Calibri" panose="020F0502020204030204" pitchFamily="34" charset="0"/>
-              </a:rPr>
-              <a:t>sobre sua pilha testando </a:t>
-            </a:r>
-            <a:r>
-              <a:rPr lang="pt-BR" sz="1600" spc="-1" dirty="0" smtClean="0">
-                <a:solidFill>
-                  <a:srgbClr val="000000"/>
-                </a:solidFill>
-                <a:uFill>
-                  <a:solidFill>
-                    <a:srgbClr val="FFFFFF"/>
-                  </a:solidFill>
-                </a:uFill>
-                <a:latin typeface="Calibri" panose="020F0502020204030204" pitchFamily="34" charset="0"/>
-                <a:ea typeface="DejaVu Sans"/>
-                <a:cs typeface="Calibri" panose="020F0502020204030204" pitchFamily="34" charset="0"/>
-              </a:rPr>
-              <a:t>a rota corrente</a:t>
-            </a:r>
-          </a:p>
-          <a:p>
-            <a:pPr marL="228600" indent="-227880">
-              <a:lnSpc>
-                <a:spcPct val="90000"/>
-              </a:lnSpc>
-              <a:buClr>
-                <a:srgbClr val="000000"/>
-              </a:buClr>
-              <a:buFont typeface="Arial"/>
-              <a:buChar char="•"/>
-            </a:pPr>
-            <a:endParaRPr lang="pt-BR" sz="1600" b="0" strike="noStrike" spc="-1" dirty="0" smtClean="0">
-              <a:solidFill>
-                <a:srgbClr val="000000"/>
-              </a:solidFill>
-              <a:uFill>
-                <a:solidFill>
-                  <a:srgbClr val="FFFFFF"/>
-                </a:solidFill>
-              </a:uFill>
-              <a:latin typeface="Calibri" panose="020F0502020204030204" pitchFamily="34" charset="0"/>
-              <a:ea typeface="DejaVu Sans"/>
-              <a:cs typeface="Calibri" panose="020F0502020204030204" pitchFamily="34" charset="0"/>
-            </a:endParaRPr>
-          </a:p>
-          <a:p>
-            <a:pPr marL="228600" indent="-227880">
-              <a:lnSpc>
-                <a:spcPct val="90000"/>
-              </a:lnSpc>
-              <a:buClr>
-                <a:srgbClr val="000000"/>
-              </a:buClr>
-              <a:buFont typeface="Arial"/>
-              <a:buChar char="•"/>
-            </a:pPr>
-            <a:r>
-              <a:rPr lang="pt-BR" sz="1600" b="0" strike="noStrike" spc="-1" dirty="0" smtClean="0">
-                <a:solidFill>
-                  <a:srgbClr val="000000"/>
-                </a:solidFill>
-                <a:uFill>
-                  <a:solidFill>
-                    <a:srgbClr val="FFFFFF"/>
-                  </a:solidFill>
-                </a:uFill>
-                <a:latin typeface="Calibri" panose="020F0502020204030204" pitchFamily="34" charset="0"/>
-                <a:ea typeface="DejaVu Sans"/>
-                <a:cs typeface="Calibri" panose="020F0502020204030204" pitchFamily="34" charset="0"/>
-              </a:rPr>
-              <a:t>A cada novo melhor custo global, transfere esse valor para todos os Places</a:t>
-            </a:r>
-          </a:p>
-          <a:p>
-            <a:pPr>
-              <a:lnSpc>
-                <a:spcPct val="90000"/>
-              </a:lnSpc>
-            </a:pPr>
-            <a:endParaRPr lang="pt-BR" sz="1600" b="0" strike="noStrike" spc="-1" dirty="0">
-              <a:solidFill>
-                <a:srgbClr val="000000"/>
-              </a:solidFill>
-              <a:uFill>
-                <a:solidFill>
-                  <a:srgbClr val="FFFFFF"/>
-                </a:solidFill>
-              </a:uFill>
-              <a:latin typeface="Calibri" panose="020F0502020204030204" pitchFamily="34" charset="0"/>
-              <a:cs typeface="Calibri" panose="020F0502020204030204" pitchFamily="34" charset="0"/>
-            </a:endParaRPr>
-          </a:p>
-          <a:p>
-            <a:pPr marL="228600" indent="-227880">
-              <a:lnSpc>
-                <a:spcPct val="90000"/>
-              </a:lnSpc>
-              <a:buClr>
-                <a:srgbClr val="000000"/>
-              </a:buClr>
-              <a:buFont typeface="Arial"/>
-              <a:buChar char="•"/>
-            </a:pPr>
-            <a:r>
-              <a:rPr lang="pt-BR" sz="1600" b="0" strike="noStrike" spc="-1" dirty="0">
-                <a:solidFill>
-                  <a:srgbClr val="000000"/>
-                </a:solidFill>
-                <a:uFill>
-                  <a:solidFill>
-                    <a:srgbClr val="FFFFFF"/>
-                  </a:solidFill>
-                </a:uFill>
-                <a:latin typeface="Calibri" panose="020F0502020204030204" pitchFamily="34" charset="0"/>
-                <a:ea typeface="DejaVu Sans"/>
-                <a:cs typeface="Calibri" panose="020F0502020204030204" pitchFamily="34" charset="0"/>
-              </a:rPr>
-              <a:t>Um objeto que esteja ocioso em um place deve requisitar a outro algum Tour para </a:t>
-            </a:r>
-            <a:r>
-              <a:rPr lang="pt-BR" sz="1600" b="0" strike="noStrike" spc="-1" dirty="0" smtClean="0">
-                <a:solidFill>
-                  <a:srgbClr val="000000"/>
-                </a:solidFill>
-                <a:uFill>
-                  <a:solidFill>
-                    <a:srgbClr val="FFFFFF"/>
-                  </a:solidFill>
-                </a:uFill>
-                <a:latin typeface="Calibri" panose="020F0502020204030204" pitchFamily="34" charset="0"/>
-                <a:ea typeface="DejaVu Sans"/>
-                <a:cs typeface="Calibri" panose="020F0502020204030204" pitchFamily="34" charset="0"/>
-              </a:rPr>
-              <a:t>operar, evitando desbalanceamento </a:t>
-            </a:r>
-            <a:r>
-              <a:rPr lang="pt-BR" sz="1600" b="0" strike="noStrike" spc="-1" dirty="0">
-                <a:solidFill>
-                  <a:srgbClr val="000000"/>
-                </a:solidFill>
-                <a:uFill>
-                  <a:solidFill>
-                    <a:srgbClr val="FFFFFF"/>
-                  </a:solidFill>
-                </a:uFill>
-                <a:latin typeface="Calibri" panose="020F0502020204030204" pitchFamily="34" charset="0"/>
-                <a:ea typeface="DejaVu Sans"/>
-                <a:cs typeface="Calibri" panose="020F0502020204030204" pitchFamily="34" charset="0"/>
-              </a:rPr>
-              <a:t>na busca onde o trabalho em um place pode terminar antes de </a:t>
-            </a:r>
-            <a:r>
-              <a:rPr lang="pt-BR" sz="1600" b="0" strike="noStrike" spc="-1" dirty="0" smtClean="0">
-                <a:solidFill>
-                  <a:srgbClr val="000000"/>
-                </a:solidFill>
-                <a:uFill>
-                  <a:solidFill>
-                    <a:srgbClr val="FFFFFF"/>
-                  </a:solidFill>
-                </a:uFill>
-                <a:latin typeface="Calibri" panose="020F0502020204030204" pitchFamily="34" charset="0"/>
-                <a:ea typeface="DejaVu Sans"/>
-                <a:cs typeface="Calibri" panose="020F0502020204030204" pitchFamily="34" charset="0"/>
-              </a:rPr>
-              <a:t>outro</a:t>
-            </a:r>
-            <a:endParaRPr lang="pt-BR" sz="1600" b="0" strike="noStrike" spc="-1" dirty="0">
-              <a:solidFill>
-                <a:srgbClr val="000000"/>
-              </a:solidFill>
-              <a:uFill>
-                <a:solidFill>
-                  <a:srgbClr val="FFFFFF"/>
-                </a:solidFill>
-              </a:uFill>
-              <a:latin typeface="Calibri" panose="020F0502020204030204" pitchFamily="34" charset="0"/>
-              <a:cs typeface="Calibri" panose="020F0502020204030204" pitchFamily="34" charset="0"/>
-            </a:endParaRPr>
-          </a:p>
-        </p:txBody>
-      </p:sp>
+          <a:extLst>
+            <a:ext uri="{909E8E84-426E-40DD-AFC4-6F175D3DCCD1}">
+              <a14:hiddenFill xmlns:a14="http://schemas.microsoft.com/office/drawing/2010/main">
+                <a:solidFill>
+                  <a:schemeClr val="accent1"/>
+                </a:solidFill>
+              </a14:hiddenFill>
+            </a:ext>
+            <a:ext uri="{91240B29-F687-4F45-9708-019B960494DF}">
+              <a14:hiddenLine xmlns:a14="http://schemas.microsoft.com/office/drawing/2010/main" w="9525">
+                <a:solidFill>
+                  <a:schemeClr val="tx1"/>
+                </a:solidFill>
+                <a:miter lim="800000"/>
+                <a:headEnd/>
+                <a:tailEnd/>
+              </a14:hiddenLine>
+            </a:ext>
+          </a:extLst>
+        </p:spPr>
+      </p:pic>
     </p:spTree>
     <p:extLst>
       <p:ext uri="{BB962C8B-B14F-4D97-AF65-F5344CB8AC3E}">
-        <p14:creationId xmlns:p14="http://schemas.microsoft.com/office/powerpoint/2010/main" val="837446532"/>
+        <p14:creationId xmlns:p14="http://schemas.microsoft.com/office/powerpoint/2010/main" val="708334027"/>
       </p:ext>
     </p:extLst>
   </p:cSld>
@@ -31099,7 +29470,7 @@
       </p:sp>
       <p:pic>
         <p:nvPicPr>
-          <p:cNvPr id="4" name="Picture 2"/>
+          <p:cNvPr id="5123" name="Picture 3"/>
           <p:cNvPicPr>
             <a:picLocks noChangeAspect="1" noChangeArrowheads="1"/>
           </p:cNvPicPr>
@@ -31120,8 +29491,8 @@
         </p:blipFill>
         <p:spPr bwMode="auto">
           <a:xfrm>
-            <a:off x="1271464" y="2060848"/>
-            <a:ext cx="4391025" cy="3076575"/>
+            <a:off x="1273109" y="1340768"/>
+            <a:ext cx="5114925" cy="4400550"/>
           </a:xfrm>
           <a:prstGeom prst="rect">
             <a:avLst/>
@@ -31151,10 +29522,64 @@
           </a:extLst>
         </p:spPr>
       </p:pic>
+      <p:pic>
+        <p:nvPicPr>
+          <p:cNvPr id="5124" name="Picture 4"/>
+          <p:cNvPicPr>
+            <a:picLocks noChangeAspect="1" noChangeArrowheads="1"/>
+          </p:cNvPicPr>
+          <p:nvPr/>
+        </p:nvPicPr>
+        <p:blipFill>
+          <a:blip r:embed="rId3">
+            <a:extLst>
+              <a:ext uri="{28A0092B-C50C-407E-A947-70E740481C1C}">
+                <a14:useLocalDpi xmlns:a14="http://schemas.microsoft.com/office/drawing/2010/main" val="0"/>
+              </a:ext>
+            </a:extLst>
+          </a:blip>
+          <a:srcRect/>
+          <a:stretch>
+            <a:fillRect/>
+          </a:stretch>
+        </p:blipFill>
+        <p:spPr bwMode="auto">
+          <a:xfrm>
+            <a:off x="6384032" y="3645024"/>
+            <a:ext cx="5114925" cy="3086100"/>
+          </a:xfrm>
+          <a:prstGeom prst="rect">
+            <a:avLst/>
+          </a:prstGeom>
+          <a:noFill/>
+          <a:ln>
+            <a:noFill/>
+          </a:ln>
+          <a:extLst>
+            <a:ext uri="{909E8E84-426E-40DD-AFC4-6F175D3DCCD1}">
+              <a14:hiddenFill xmlns:a14="http://schemas.microsoft.com/office/drawing/2010/main">
+                <a:solidFill>
+                  <a:schemeClr val="accent1"/>
+                </a:solidFill>
+              </a14:hiddenFill>
+            </a:ext>
+            <a:ext uri="{91240B29-F687-4F45-9708-019B960494DF}">
+              <a14:hiddenLine xmlns:a14="http://schemas.microsoft.com/office/drawing/2010/main" w="9525">
+                <a:solidFill>
+                  <a:schemeClr val="tx1"/>
+                </a:solidFill>
+                <a:miter lim="800000"/>
+                <a:headEnd/>
+                <a:tailEnd/>
+              </a14:hiddenLine>
+            </a:ext>
+          </a:extLst>
+        </p:spPr>
+      </p:pic>
     </p:spTree>
     <p:extLst>
       <p:ext uri="{BB962C8B-B14F-4D97-AF65-F5344CB8AC3E}">
-        <p14:creationId xmlns:p14="http://schemas.microsoft.com/office/powerpoint/2010/main" val="708334027"/>
+        <p14:creationId xmlns:p14="http://schemas.microsoft.com/office/powerpoint/2010/main" val="2977149072"/>
       </p:ext>
     </p:extLst>
   </p:cSld>
@@ -31279,7 +29704,7 @@
       </p:sp>
       <p:pic>
         <p:nvPicPr>
-          <p:cNvPr id="5123" name="Picture 3"/>
+          <p:cNvPr id="5" name="Picture 2"/>
           <p:cNvPicPr>
             <a:picLocks noChangeAspect="1" noChangeArrowheads="1"/>
           </p:cNvPicPr>
@@ -31300,8 +29725,8 @@
         </p:blipFill>
         <p:spPr bwMode="auto">
           <a:xfrm>
-            <a:off x="1273109" y="1340768"/>
-            <a:ext cx="5114925" cy="4400550"/>
+            <a:off x="911424" y="2780928"/>
+            <a:ext cx="3352800" cy="1885950"/>
           </a:xfrm>
           <a:prstGeom prst="rect">
             <a:avLst/>
@@ -31331,64 +29756,10 @@
           </a:extLst>
         </p:spPr>
       </p:pic>
-      <p:pic>
-        <p:nvPicPr>
-          <p:cNvPr id="5124" name="Picture 4"/>
-          <p:cNvPicPr>
-            <a:picLocks noChangeAspect="1" noChangeArrowheads="1"/>
-          </p:cNvPicPr>
-          <p:nvPr/>
-        </p:nvPicPr>
-        <p:blipFill>
-          <a:blip r:embed="rId3">
-            <a:extLst>
-              <a:ext uri="{28A0092B-C50C-407E-A947-70E740481C1C}">
-                <a14:useLocalDpi xmlns:a14="http://schemas.microsoft.com/office/drawing/2010/main" val="0"/>
-              </a:ext>
-            </a:extLst>
-          </a:blip>
-          <a:srcRect/>
-          <a:stretch>
-            <a:fillRect/>
-          </a:stretch>
-        </p:blipFill>
-        <p:spPr bwMode="auto">
-          <a:xfrm>
-            <a:off x="6384032" y="3645024"/>
-            <a:ext cx="5114925" cy="3086100"/>
-          </a:xfrm>
-          <a:prstGeom prst="rect">
-            <a:avLst/>
-          </a:prstGeom>
-          <a:noFill/>
-          <a:ln>
-            <a:noFill/>
-          </a:ln>
-          <a:extLst>
-            <a:ext uri="{909E8E84-426E-40DD-AFC4-6F175D3DCCD1}">
-              <a14:hiddenFill xmlns:a14="http://schemas.microsoft.com/office/drawing/2010/main">
-                <a:solidFill>
-                  <a:schemeClr val="accent1"/>
-                </a:solidFill>
-              </a14:hiddenFill>
-            </a:ext>
-            <a:ext uri="{91240B29-F687-4F45-9708-019B960494DF}">
-              <a14:hiddenLine xmlns:a14="http://schemas.microsoft.com/office/drawing/2010/main" w="9525">
-                <a:solidFill>
-                  <a:schemeClr val="tx1"/>
-                </a:solidFill>
-                <a:miter lim="800000"/>
-                <a:headEnd/>
-                <a:tailEnd/>
-              </a14:hiddenLine>
-            </a:ext>
-          </a:extLst>
-        </p:spPr>
-      </p:pic>
     </p:spTree>
     <p:extLst>
       <p:ext uri="{BB962C8B-B14F-4D97-AF65-F5344CB8AC3E}">
-        <p14:creationId xmlns:p14="http://schemas.microsoft.com/office/powerpoint/2010/main" val="2977149072"/>
+        <p14:creationId xmlns:p14="http://schemas.microsoft.com/office/powerpoint/2010/main" val="1152425556"/>
       </p:ext>
     </p:extLst>
   </p:cSld>
@@ -32168,7 +30539,7 @@
       </p:sp>
       <p:pic>
         <p:nvPicPr>
-          <p:cNvPr id="5" name="Picture 2"/>
+          <p:cNvPr id="7170" name="Picture 2"/>
           <p:cNvPicPr>
             <a:picLocks noChangeAspect="1" noChangeArrowheads="1"/>
           </p:cNvPicPr>
@@ -32189,8 +30560,8 @@
         </p:blipFill>
         <p:spPr bwMode="auto">
           <a:xfrm>
-            <a:off x="911424" y="2780928"/>
-            <a:ext cx="3352800" cy="1885950"/>
+            <a:off x="839416" y="1404342"/>
+            <a:ext cx="5019675" cy="2381250"/>
           </a:xfrm>
           <a:prstGeom prst="rect">
             <a:avLst/>
@@ -32220,10 +30591,64 @@
           </a:extLst>
         </p:spPr>
       </p:pic>
+      <p:pic>
+        <p:nvPicPr>
+          <p:cNvPr id="7171" name="Picture 3"/>
+          <p:cNvPicPr>
+            <a:picLocks noChangeAspect="1" noChangeArrowheads="1"/>
+          </p:cNvPicPr>
+          <p:nvPr/>
+        </p:nvPicPr>
+        <p:blipFill>
+          <a:blip r:embed="rId3">
+            <a:extLst>
+              <a:ext uri="{28A0092B-C50C-407E-A947-70E740481C1C}">
+                <a14:useLocalDpi xmlns:a14="http://schemas.microsoft.com/office/drawing/2010/main" val="0"/>
+              </a:ext>
+            </a:extLst>
+          </a:blip>
+          <a:srcRect/>
+          <a:stretch>
+            <a:fillRect/>
+          </a:stretch>
+        </p:blipFill>
+        <p:spPr bwMode="auto">
+          <a:xfrm>
+            <a:off x="5159896" y="2594967"/>
+            <a:ext cx="5010150" cy="3962400"/>
+          </a:xfrm>
+          <a:prstGeom prst="rect">
+            <a:avLst/>
+          </a:prstGeom>
+          <a:noFill/>
+          <a:ln>
+            <a:noFill/>
+          </a:ln>
+          <a:extLst>
+            <a:ext uri="{909E8E84-426E-40DD-AFC4-6F175D3DCCD1}">
+              <a14:hiddenFill xmlns:a14="http://schemas.microsoft.com/office/drawing/2010/main">
+                <a:solidFill>
+                  <a:schemeClr val="accent1"/>
+                </a:solidFill>
+              </a14:hiddenFill>
+            </a:ext>
+            <a:ext uri="{91240B29-F687-4F45-9708-019B960494DF}">
+              <a14:hiddenLine xmlns:a14="http://schemas.microsoft.com/office/drawing/2010/main" w="9525">
+                <a:solidFill>
+                  <a:schemeClr val="tx1"/>
+                </a:solidFill>
+                <a:miter lim="800000"/>
+                <a:headEnd/>
+                <a:tailEnd/>
+              </a14:hiddenLine>
+            </a:ext>
+          </a:extLst>
+        </p:spPr>
+      </p:pic>
     </p:spTree>
     <p:extLst>
       <p:ext uri="{BB962C8B-B14F-4D97-AF65-F5344CB8AC3E}">
-        <p14:creationId xmlns:p14="http://schemas.microsoft.com/office/powerpoint/2010/main" val="1152425556"/>
+        <p14:creationId xmlns:p14="http://schemas.microsoft.com/office/powerpoint/2010/main" val="3547945407"/>
       </p:ext>
     </p:extLst>
   </p:cSld>
@@ -32348,7 +30773,7 @@
       </p:sp>
       <p:pic>
         <p:nvPicPr>
-          <p:cNvPr id="7170" name="Picture 2"/>
+          <p:cNvPr id="8194" name="Picture 2"/>
           <p:cNvPicPr>
             <a:picLocks noChangeAspect="1" noChangeArrowheads="1"/>
           </p:cNvPicPr>
@@ -32369,8 +30794,8 @@
         </p:blipFill>
         <p:spPr bwMode="auto">
           <a:xfrm>
-            <a:off x="839416" y="1404342"/>
-            <a:ext cx="5019675" cy="2381250"/>
+            <a:off x="876002" y="1772816"/>
+            <a:ext cx="5695950" cy="3657600"/>
           </a:xfrm>
           <a:prstGeom prst="rect">
             <a:avLst/>
@@ -32400,64 +30825,10 @@
           </a:extLst>
         </p:spPr>
       </p:pic>
-      <p:pic>
-        <p:nvPicPr>
-          <p:cNvPr id="7171" name="Picture 3"/>
-          <p:cNvPicPr>
-            <a:picLocks noChangeAspect="1" noChangeArrowheads="1"/>
-          </p:cNvPicPr>
-          <p:nvPr/>
-        </p:nvPicPr>
-        <p:blipFill>
-          <a:blip r:embed="rId3">
-            <a:extLst>
-              <a:ext uri="{28A0092B-C50C-407E-A947-70E740481C1C}">
-                <a14:useLocalDpi xmlns:a14="http://schemas.microsoft.com/office/drawing/2010/main" val="0"/>
-              </a:ext>
-            </a:extLst>
-          </a:blip>
-          <a:srcRect/>
-          <a:stretch>
-            <a:fillRect/>
-          </a:stretch>
-        </p:blipFill>
-        <p:spPr bwMode="auto">
-          <a:xfrm>
-            <a:off x="5159896" y="2594967"/>
-            <a:ext cx="5010150" cy="3962400"/>
-          </a:xfrm>
-          <a:prstGeom prst="rect">
-            <a:avLst/>
-          </a:prstGeom>
-          <a:noFill/>
-          <a:ln>
-            <a:noFill/>
-          </a:ln>
-          <a:extLst>
-            <a:ext uri="{909E8E84-426E-40DD-AFC4-6F175D3DCCD1}">
-              <a14:hiddenFill xmlns:a14="http://schemas.microsoft.com/office/drawing/2010/main">
-                <a:solidFill>
-                  <a:schemeClr val="accent1"/>
-                </a:solidFill>
-              </a14:hiddenFill>
-            </a:ext>
-            <a:ext uri="{91240B29-F687-4F45-9708-019B960494DF}">
-              <a14:hiddenLine xmlns:a14="http://schemas.microsoft.com/office/drawing/2010/main" w="9525">
-                <a:solidFill>
-                  <a:schemeClr val="tx1"/>
-                </a:solidFill>
-                <a:miter lim="800000"/>
-                <a:headEnd/>
-                <a:tailEnd/>
-              </a14:hiddenLine>
-            </a:ext>
-          </a:extLst>
-        </p:spPr>
-      </p:pic>
     </p:spTree>
     <p:extLst>
       <p:ext uri="{BB962C8B-B14F-4D97-AF65-F5344CB8AC3E}">
-        <p14:creationId xmlns:p14="http://schemas.microsoft.com/office/powerpoint/2010/main" val="3547945407"/>
+        <p14:creationId xmlns:p14="http://schemas.microsoft.com/office/powerpoint/2010/main" val="3532863421"/>
       </p:ext>
     </p:extLst>
   </p:cSld>
@@ -32511,186 +30882,6 @@
           <a:chExt cx="0" cy="0"/>
         </a:xfrm>
       </p:grpSpPr>
-      <p:sp>
-        <p:nvSpPr>
-          <p:cNvPr id="422" name="CustomShape 1"/>
-          <p:cNvSpPr/>
-          <p:nvPr/>
-        </p:nvSpPr>
-        <p:spPr>
-          <a:xfrm>
-            <a:off x="609480" y="273600"/>
-            <a:ext cx="10971720" cy="1144080"/>
-          </a:xfrm>
-          <a:prstGeom prst="rect">
-            <a:avLst/>
-          </a:prstGeom>
-          <a:noFill/>
-          <a:ln>
-            <a:noFill/>
-          </a:ln>
-        </p:spPr>
-        <p:style>
-          <a:lnRef idx="0">
-            <a:scrgbClr r="0" g="0" b="0"/>
-          </a:lnRef>
-          <a:fillRef idx="0">
-            <a:scrgbClr r="0" g="0" b="0"/>
-          </a:fillRef>
-          <a:effectRef idx="0">
-            <a:scrgbClr r="0" g="0" b="0"/>
-          </a:effectRef>
-          <a:fontRef idx="minor"/>
-        </p:style>
-        <p:txBody>
-          <a:bodyPr lIns="0" tIns="0" rIns="0" bIns="0" anchor="ctr"/>
-          <a:lstStyle/>
-          <a:p>
-            <a:pPr>
-              <a:lnSpc>
-                <a:spcPct val="90000"/>
-              </a:lnSpc>
-            </a:pPr>
-            <a:r>
-              <a:rPr lang="pt-BR" sz="2400" b="0" strike="noStrike" spc="-1" dirty="0">
-                <a:solidFill>
-                  <a:srgbClr val="000000"/>
-                </a:solidFill>
-                <a:uFill>
-                  <a:solidFill>
-                    <a:srgbClr val="FFFFFF"/>
-                  </a:solidFill>
-                </a:uFill>
-                <a:latin typeface="Calibri"/>
-                <a:ea typeface="DejaVu Sans"/>
-              </a:rPr>
-              <a:t>Busca em árvore com x10</a:t>
-            </a:r>
-            <a:endParaRPr lang="pt-BR" sz="2400" b="0" strike="noStrike" spc="-1" dirty="0">
-              <a:solidFill>
-                <a:srgbClr val="000000"/>
-              </a:solidFill>
-              <a:uFill>
-                <a:solidFill>
-                  <a:srgbClr val="FFFFFF"/>
-                </a:solidFill>
-              </a:uFill>
-              <a:latin typeface="Arial"/>
-            </a:endParaRPr>
-          </a:p>
-        </p:txBody>
-      </p:sp>
-      <p:pic>
-        <p:nvPicPr>
-          <p:cNvPr id="8194" name="Picture 2"/>
-          <p:cNvPicPr>
-            <a:picLocks noChangeAspect="1" noChangeArrowheads="1"/>
-          </p:cNvPicPr>
-          <p:nvPr/>
-        </p:nvPicPr>
-        <p:blipFill>
-          <a:blip r:embed="rId2">
-            <a:extLst>
-              <a:ext uri="{28A0092B-C50C-407E-A947-70E740481C1C}">
-                <a14:useLocalDpi xmlns:a14="http://schemas.microsoft.com/office/drawing/2010/main" val="0"/>
-              </a:ext>
-            </a:extLst>
-          </a:blip>
-          <a:srcRect/>
-          <a:stretch>
-            <a:fillRect/>
-          </a:stretch>
-        </p:blipFill>
-        <p:spPr bwMode="auto">
-          <a:xfrm>
-            <a:off x="876002" y="1772816"/>
-            <a:ext cx="5695950" cy="3657600"/>
-          </a:xfrm>
-          <a:prstGeom prst="rect">
-            <a:avLst/>
-          </a:prstGeom>
-          <a:noFill/>
-          <a:ln>
-            <a:noFill/>
-          </a:ln>
-          <a:extLst>
-            <a:ext uri="{909E8E84-426E-40DD-AFC4-6F175D3DCCD1}">
-              <a14:hiddenFill xmlns:a14="http://schemas.microsoft.com/office/drawing/2010/main">
-                <a:solidFill>
-                  <a:schemeClr val="accent1"/>
-                </a:solidFill>
-              </a14:hiddenFill>
-            </a:ext>
-            <a:ext uri="{91240B29-F687-4F45-9708-019B960494DF}">
-              <a14:hiddenLine xmlns:a14="http://schemas.microsoft.com/office/drawing/2010/main" w="9525">
-                <a:solidFill>
-                  <a:schemeClr val="tx1"/>
-                </a:solidFill>
-                <a:miter lim="800000"/>
-                <a:headEnd/>
-                <a:tailEnd/>
-              </a14:hiddenLine>
-            </a:ext>
-          </a:extLst>
-        </p:spPr>
-      </p:pic>
-    </p:spTree>
-    <p:extLst>
-      <p:ext uri="{BB962C8B-B14F-4D97-AF65-F5344CB8AC3E}">
-        <p14:creationId xmlns:p14="http://schemas.microsoft.com/office/powerpoint/2010/main" val="3532863421"/>
-      </p:ext>
-    </p:extLst>
-  </p:cSld>
-  <p:clrMapOvr>
-    <a:masterClrMapping/>
-  </p:clrMapOvr>
-  <p:timing>
-    <p:tnLst>
-      <p:par>
-        <p:cTn id="1" dur="indefinite" restart="never" nodeType="tmRoot">
-          <p:childTnLst>
-            <p:seq>
-              <p:cTn id="2" nodeType="mainSeq"/>
-              <p:prevCondLst>
-                <p:cond evt="onPrev" delay="0">
-                  <p:tgtEl>
-                    <p:sldTgt/>
-                  </p:tgtEl>
-                </p:cond>
-              </p:prevCondLst>
-              <p:nextCondLst>
-                <p:cond evt="onNext" delay="0">
-                  <p:tgtEl>
-                    <p:sldTgt/>
-                  </p:tgtEl>
-                </p:cond>
-              </p:nextCondLst>
-            </p:seq>
-          </p:childTnLst>
-        </p:cTn>
-      </p:par>
-    </p:tnLst>
-  </p:timing>
-</p:sld>
-</file>
-
-<file path=ppt/slides/slide43.xml><?xml version="1.0" encoding="utf-8"?>
-<p:sld xmlns:a="http://schemas.openxmlformats.org/drawingml/2006/main" xmlns:r="http://schemas.openxmlformats.org/officeDocument/2006/relationships" xmlns:p="http://schemas.openxmlformats.org/presentationml/2006/main">
-  <p:cSld>
-    <p:spTree>
-      <p:nvGrpSpPr>
-        <p:cNvPr id="1" name=""/>
-        <p:cNvGrpSpPr/>
-        <p:nvPr/>
-      </p:nvGrpSpPr>
-      <p:grpSpPr>
-        <a:xfrm>
-          <a:off x="0" y="0"/>
-          <a:ext cx="0" cy="0"/>
-          <a:chOff x="0" y="0"/>
-          <a:chExt cx="0" cy="0"/>
-        </a:xfrm>
-      </p:grpSpPr>
       <p:pic>
         <p:nvPicPr>
           <p:cNvPr id="2052" name="Picture 4"/>
@@ -32846,7 +31037,7 @@
 </p:sld>
 </file>
 
-<file path=ppt/slides/slide44.xml><?xml version="1.0" encoding="utf-8"?>
+<file path=ppt/slides/slide43.xml><?xml version="1.0" encoding="utf-8"?>
 <p:sld xmlns:a="http://schemas.openxmlformats.org/drawingml/2006/main" xmlns:r="http://schemas.openxmlformats.org/officeDocument/2006/relationships" xmlns:p="http://schemas.openxmlformats.org/presentationml/2006/main">
   <p:cSld>
     <p:spTree>
@@ -33699,7 +31890,7 @@
 </p:sld>
 </file>
 
-<file path=ppt/slides/slide45.xml><?xml version="1.0" encoding="utf-8"?>
+<file path=ppt/slides/slide44.xml><?xml version="1.0" encoding="utf-8"?>
 <p:sld xmlns:a="http://schemas.openxmlformats.org/drawingml/2006/main" xmlns:r="http://schemas.openxmlformats.org/officeDocument/2006/relationships" xmlns:p="http://schemas.openxmlformats.org/presentationml/2006/main">
   <p:cSld>
     <p:spTree>
@@ -34024,7 +32215,7 @@
 </p:sld>
 </file>
 
-<file path=ppt/slides/slide46.xml><?xml version="1.0" encoding="utf-8"?>
+<file path=ppt/slides/slide45.xml><?xml version="1.0" encoding="utf-8"?>
 <p:sld xmlns:a="http://schemas.openxmlformats.org/drawingml/2006/main" xmlns:r="http://schemas.openxmlformats.org/officeDocument/2006/relationships" xmlns:p="http://schemas.openxmlformats.org/presentationml/2006/main">
   <p:cSld>
     <p:spTree>

--- a/x102.pptx
+++ b/x102.pptx
@@ -24348,7 +24348,7 @@
         <p:spPr>
           <a:xfrm>
             <a:off x="609480" y="1600200"/>
-            <a:ext cx="10971360" cy="4524480"/>
+            <a:ext cx="7142704" cy="4524480"/>
           </a:xfrm>
           <a:prstGeom prst="rect">
             <a:avLst/>
@@ -24385,7 +24385,7 @@
               <a:buChar char="•"/>
             </a:pPr>
             <a:r>
-              <a:rPr lang="pt-BR" sz="1600" b="1" strike="noStrike" spc="-1">
+              <a:rPr lang="pt-BR" sz="1600" b="1" strike="noStrike" spc="-1" dirty="0">
                 <a:solidFill>
                   <a:srgbClr val="000000"/>
                 </a:solidFill>
@@ -24399,7 +24399,7 @@
               </a:rPr>
               <a:t>Stmt ::= WhenStmt</a:t>
             </a:r>
-            <a:endParaRPr lang="pt-BR" sz="1800" b="0" strike="noStrike" spc="-1">
+            <a:endParaRPr lang="pt-BR" sz="1800" b="0" strike="noStrike" spc="-1" dirty="0">
               <a:solidFill>
                 <a:srgbClr val="000000"/>
               </a:solidFill>
@@ -24423,7 +24423,7 @@
               <a:buChar char="•"/>
             </a:pPr>
             <a:r>
-              <a:rPr lang="pt-BR" sz="1600" b="1" strike="noStrike" spc="-1">
+              <a:rPr lang="pt-BR" sz="1600" b="1" strike="noStrike" spc="-1" dirty="0">
                 <a:solidFill>
                   <a:srgbClr val="000000"/>
                 </a:solidFill>
@@ -24438,7 +24438,7 @@
               <a:t>WhenStmt ::= </a:t>
             </a:r>
             <a:r>
-              <a:rPr lang="pt-BR" sz="1600" b="1" strike="noStrike" spc="-1">
+              <a:rPr lang="pt-BR" sz="1600" b="1" strike="noStrike" spc="-1" dirty="0">
                 <a:solidFill>
                   <a:srgbClr val="FF0000"/>
                 </a:solidFill>
@@ -24453,7 +24453,7 @@
               <a:t>when</a:t>
             </a:r>
             <a:r>
-              <a:rPr lang="pt-BR" sz="1600" b="1" strike="noStrike" spc="-1">
+              <a:rPr lang="pt-BR" sz="1600" b="1" strike="noStrike" spc="-1" dirty="0">
                 <a:solidFill>
                   <a:srgbClr val="000000"/>
                 </a:solidFill>
@@ -24467,7 +24467,7 @@
               </a:rPr>
               <a:t> ( Expr ) Stmt</a:t>
             </a:r>
-            <a:endParaRPr lang="pt-BR" sz="1800" b="0" strike="noStrike" spc="-1">
+            <a:endParaRPr lang="pt-BR" sz="1800" b="0" strike="noStrike" spc="-1" dirty="0">
               <a:solidFill>
                 <a:srgbClr val="000000"/>
               </a:solidFill>
@@ -24486,7 +24486,7 @@
               </a:lnSpc>
             </a:pPr>
             <a:r>
-              <a:rPr lang="pt-BR" sz="1600" b="1" strike="noStrike" spc="-1">
+              <a:rPr lang="pt-BR" sz="1600" b="1" strike="noStrike" spc="-1" dirty="0">
                 <a:solidFill>
                   <a:srgbClr val="000000"/>
                 </a:solidFill>
@@ -24501,7 +24501,7 @@
               <a:t>	            | WhenStmt </a:t>
             </a:r>
             <a:r>
-              <a:rPr lang="pt-BR" sz="1600" b="1" strike="noStrike" spc="-1">
+              <a:rPr lang="pt-BR" sz="1600" b="1" strike="noStrike" spc="-1" dirty="0">
                 <a:solidFill>
                   <a:srgbClr val="FF0000"/>
                 </a:solidFill>
@@ -24516,7 +24516,7 @@
               <a:t>or</a:t>
             </a:r>
             <a:r>
-              <a:rPr lang="pt-BR" sz="1600" b="1" strike="noStrike" spc="-1">
+              <a:rPr lang="pt-BR" sz="1600" b="1" strike="noStrike" spc="-1" dirty="0">
                 <a:solidFill>
                   <a:srgbClr val="000000"/>
                 </a:solidFill>
@@ -24530,7 +24530,7 @@
               </a:rPr>
               <a:t> (Expr) Stmt</a:t>
             </a:r>
-            <a:endParaRPr lang="pt-BR" sz="1800" b="0" strike="noStrike" spc="-1">
+            <a:endParaRPr lang="pt-BR" sz="1800" b="0" strike="noStrike" spc="-1" dirty="0">
               <a:solidFill>
                 <a:srgbClr val="000000"/>
               </a:solidFill>
@@ -24548,7 +24548,7 @@
                 <a:spcPct val="100000"/>
               </a:lnSpc>
             </a:pPr>
-            <a:endParaRPr lang="pt-BR" sz="1800" b="0" strike="noStrike" spc="-1">
+            <a:endParaRPr lang="pt-BR" sz="1800" b="0" strike="noStrike" spc="-1" dirty="0">
               <a:solidFill>
                 <a:srgbClr val="000000"/>
               </a:solidFill>
@@ -24572,7 +24572,7 @@
               <a:buChar char="•"/>
             </a:pPr>
             <a:r>
-              <a:rPr lang="pt-BR" sz="1600" b="0" strike="noStrike" spc="-1">
+              <a:rPr lang="pt-BR" sz="1600" b="0" strike="noStrike" spc="-1" dirty="0">
                 <a:solidFill>
                   <a:srgbClr val="000000"/>
                 </a:solidFill>
@@ -24586,7 +24586,7 @@
               </a:rPr>
               <a:t>when (E) { ... }</a:t>
             </a:r>
-            <a:endParaRPr lang="pt-BR" sz="1800" b="0" strike="noStrike" spc="-1">
+            <a:endParaRPr lang="pt-BR" sz="1800" b="0" strike="noStrike" spc="-1" dirty="0">
               <a:solidFill>
                 <a:srgbClr val="000000"/>
               </a:solidFill>
@@ -24604,7 +24604,7 @@
                 <a:spcPct val="100000"/>
               </a:lnSpc>
             </a:pPr>
-            <a:endParaRPr lang="pt-BR" sz="1800" b="0" strike="noStrike" spc="-1">
+            <a:endParaRPr lang="pt-BR" sz="1800" b="0" strike="noStrike" spc="-1" dirty="0">
               <a:solidFill>
                 <a:srgbClr val="000000"/>
               </a:solidFill>
@@ -24628,7 +24628,7 @@
               <a:buChar char="•"/>
             </a:pPr>
             <a:r>
-              <a:rPr lang="pt-BR" sz="1600" b="0" strike="noStrike" spc="-1">
+              <a:rPr lang="pt-BR" sz="1600" b="0" strike="noStrike" spc="-1" dirty="0">
                 <a:solidFill>
                   <a:srgbClr val="000000"/>
                 </a:solidFill>
@@ -24642,7 +24642,7 @@
               </a:rPr>
               <a:t>Suspende uma atividade até que o estado de uma expressão booleana E seja verdadeira</a:t>
             </a:r>
-            <a:endParaRPr lang="pt-BR" sz="1800" b="0" strike="noStrike" spc="-1">
+            <a:endParaRPr lang="pt-BR" sz="1800" b="0" strike="noStrike" spc="-1" dirty="0">
               <a:solidFill>
                 <a:srgbClr val="000000"/>
               </a:solidFill>
@@ -24666,7 +24666,7 @@
               <a:buChar char="–"/>
             </a:pPr>
             <a:r>
-              <a:rPr lang="pt-BR" sz="1400" b="0" strike="noStrike" spc="-1">
+              <a:rPr lang="pt-BR" sz="1400" b="0" strike="noStrike" spc="-1" dirty="0">
                 <a:solidFill>
                   <a:srgbClr val="000000"/>
                 </a:solidFill>
@@ -24680,7 +24680,7 @@
               </a:rPr>
               <a:t>Quando isso acontece, S é executada atomicamente e isoladamente</a:t>
             </a:r>
-            <a:endParaRPr lang="pt-BR" sz="1800" b="0" strike="noStrike" spc="-1">
+            <a:endParaRPr lang="pt-BR" sz="1800" b="0" strike="noStrike" spc="-1" dirty="0">
               <a:solidFill>
                 <a:srgbClr val="000000"/>
               </a:solidFill>
@@ -24698,7 +24698,7 @@
                 <a:spcPct val="100000"/>
               </a:lnSpc>
             </a:pPr>
-            <a:endParaRPr lang="pt-BR" sz="1800" b="0" strike="noStrike" spc="-1">
+            <a:endParaRPr lang="pt-BR" sz="1800" b="0" strike="noStrike" spc="-1" dirty="0">
               <a:solidFill>
                 <a:srgbClr val="000000"/>
               </a:solidFill>
@@ -24724,7 +24724,7 @@
         </p:blipFill>
         <p:spPr>
           <a:xfrm>
-            <a:off x="9086760" y="2724840"/>
+            <a:off x="3359696" y="4293096"/>
             <a:ext cx="2494080" cy="2275200"/>
           </a:xfrm>
           <a:prstGeom prst="rect">
@@ -24733,6 +24733,60 @@
           <a:ln>
             <a:noFill/>
           </a:ln>
+        </p:spPr>
+      </p:pic>
+      <p:pic>
+        <p:nvPicPr>
+          <p:cNvPr id="2050" name="Picture 2"/>
+          <p:cNvPicPr>
+            <a:picLocks noChangeAspect="1" noChangeArrowheads="1"/>
+          </p:cNvPicPr>
+          <p:nvPr/>
+        </p:nvPicPr>
+        <p:blipFill>
+          <a:blip r:embed="rId3">
+            <a:extLst>
+              <a:ext uri="{28A0092B-C50C-407E-A947-70E740481C1C}">
+                <a14:useLocalDpi xmlns:a14="http://schemas.microsoft.com/office/drawing/2010/main" val="0"/>
+              </a:ext>
+            </a:extLst>
+          </a:blip>
+          <a:srcRect/>
+          <a:stretch>
+            <a:fillRect/>
+          </a:stretch>
+        </p:blipFill>
+        <p:spPr bwMode="auto">
+          <a:xfrm>
+            <a:off x="8112224" y="274680"/>
+            <a:ext cx="3829050" cy="6362700"/>
+          </a:xfrm>
+          <a:prstGeom prst="rect">
+            <a:avLst/>
+          </a:prstGeom>
+          <a:noFill/>
+          <a:ln>
+            <a:noFill/>
+          </a:ln>
+          <a:extLst>
+            <a:ext uri="{909E8E84-426E-40DD-AFC4-6F175D3DCCD1}">
+              <a14:hiddenFill xmlns:a14="http://schemas.microsoft.com/office/drawing/2010/main">
+                <a:solidFill>
+                  <a:schemeClr val="accent1"/>
+                </a:solidFill>
+              </a14:hiddenFill>
+            </a:ext>
+            <a:ext uri="{91240B29-F687-4F45-9708-019B960494DF}">
+              <a14:hiddenLine xmlns:a14="http://schemas.microsoft.com/office/drawing/2010/main" w="9525">
+                <a:solidFill>
+                  <a:schemeClr val="tx1"/>
+                </a:solidFill>
+                <a:miter lim="800000"/>
+                <a:headEnd/>
+                <a:tailEnd/>
+              </a14:hiddenLine>
+            </a:ext>
+          </a:extLst>
         </p:spPr>
       </p:pic>
     </p:spTree>

--- a/x102.pptx
+++ b/x102.pptx
@@ -158,6 +158,22 @@
       </a:defRPr>
     </a:lvl9pPr>
   </p:defaultTextStyle>
+  <p:extLst>
+    <p:ext uri="{EFAFB233-063F-42B5-8137-9DF3F51BA10A}">
+      <p15:sldGuideLst xmlns:p15="http://schemas.microsoft.com/office/powerpoint/2012/main">
+        <p15:guide id="1" orient="horz" pos="2160">
+          <p15:clr>
+            <a:srgbClr val="A4A3A4"/>
+          </p15:clr>
+        </p15:guide>
+        <p15:guide id="2" pos="3840">
+          <p15:clr>
+            <a:srgbClr val="A4A3A4"/>
+          </p15:clr>
+        </p15:guide>
+      </p15:sldGuideLst>
+    </p:ext>
+  </p:extLst>
 </p:presentation>
 </file>
 
@@ -652,6 +668,11 @@
         </p:txBody>
       </p:sp>
     </p:spTree>
+    <p:extLst>
+      <p:ext uri="{BB962C8B-B14F-4D97-AF65-F5344CB8AC3E}">
+        <p14:creationId xmlns:p14="http://schemas.microsoft.com/office/powerpoint/2010/main" val="3271609972"/>
+      </p:ext>
+    </p:extLst>
   </p:cSld>
   <p:clrMapOvr>
     <a:masterClrMapping/>
@@ -809,6 +830,11 @@
         </p:style>
       </p:sp>
     </p:spTree>
+    <p:extLst>
+      <p:ext uri="{BB962C8B-B14F-4D97-AF65-F5344CB8AC3E}">
+        <p14:creationId xmlns:p14="http://schemas.microsoft.com/office/powerpoint/2010/main" val="81219833"/>
+      </p:ext>
+    </p:extLst>
   </p:cSld>
   <p:clrMapOvr>
     <a:masterClrMapping/>
@@ -966,6 +992,11 @@
         </p:style>
       </p:sp>
     </p:spTree>
+    <p:extLst>
+      <p:ext uri="{BB962C8B-B14F-4D97-AF65-F5344CB8AC3E}">
+        <p14:creationId xmlns:p14="http://schemas.microsoft.com/office/powerpoint/2010/main" val="3366673334"/>
+      </p:ext>
+    </p:extLst>
   </p:cSld>
   <p:clrMapOvr>
     <a:masterClrMapping/>
@@ -27977,18 +28008,6 @@
               </a:rPr>
               <a:t>Podem ser modificados dentro de um bloco at()</a:t>
             </a:r>
-            <a:endParaRPr lang="pt-BR" sz="1600" spc="-1" dirty="0" smtClean="0">
-              <a:solidFill>
-                <a:srgbClr val="000000"/>
-              </a:solidFill>
-              <a:uFill>
-                <a:solidFill>
-                  <a:srgbClr val="FFFFFF"/>
-                </a:solidFill>
-              </a:uFill>
-              <a:latin typeface="Calibri" panose="020F0502020204030204" pitchFamily="34" charset="0"/>
-              <a:cs typeface="Calibri" panose="020F0502020204030204" pitchFamily="34" charset="0"/>
-            </a:endParaRPr>
           </a:p>
         </p:txBody>
       </p:sp>
@@ -30593,110 +30612,50 @@
       </p:sp>
       <p:pic>
         <p:nvPicPr>
-          <p:cNvPr id="7170" name="Picture 2"/>
+          <p:cNvPr id="2" name="Picture 1"/>
           <p:cNvPicPr>
-            <a:picLocks noChangeAspect="1" noChangeArrowheads="1"/>
+            <a:picLocks noChangeAspect="1"/>
           </p:cNvPicPr>
           <p:nvPr/>
         </p:nvPicPr>
         <p:blipFill>
-          <a:blip r:embed="rId2">
-            <a:extLst>
-              <a:ext uri="{28A0092B-C50C-407E-A947-70E740481C1C}">
-                <a14:useLocalDpi xmlns:a14="http://schemas.microsoft.com/office/drawing/2010/main" val="0"/>
-              </a:ext>
-            </a:extLst>
-          </a:blip>
-          <a:srcRect/>
+          <a:blip r:embed="rId2"/>
           <a:stretch>
             <a:fillRect/>
           </a:stretch>
         </p:blipFill>
-        <p:spPr bwMode="auto">
-          <a:xfrm>
-            <a:off x="839416" y="1404342"/>
-            <a:ext cx="5019675" cy="2381250"/>
-          </a:xfrm>
-          <a:prstGeom prst="rect">
-            <a:avLst/>
-          </a:prstGeom>
-          <a:noFill/>
-          <a:ln>
-            <a:noFill/>
-          </a:ln>
-          <a:extLst>
-            <a:ext uri="{909E8E84-426E-40DD-AFC4-6F175D3DCCD1}">
-              <a14:hiddenFill xmlns:a14="http://schemas.microsoft.com/office/drawing/2010/main">
-                <a:solidFill>
-                  <a:schemeClr val="accent1"/>
-                </a:solidFill>
-              </a14:hiddenFill>
-            </a:ext>
-            <a:ext uri="{91240B29-F687-4F45-9708-019B960494DF}">
-              <a14:hiddenLine xmlns:a14="http://schemas.microsoft.com/office/drawing/2010/main" w="9525">
-                <a:solidFill>
-                  <a:schemeClr val="tx1"/>
-                </a:solidFill>
-                <a:miter lim="800000"/>
-                <a:headEnd/>
-                <a:tailEnd/>
-              </a14:hiddenLine>
-            </a:ext>
-          </a:extLst>
+        <p:spPr>
+          <a:xfrm>
+            <a:off x="450723" y="1268760"/>
+            <a:ext cx="5619750" cy="3943350"/>
+          </a:xfrm>
+          <a:prstGeom prst="rect">
+            <a:avLst/>
+          </a:prstGeom>
         </p:spPr>
       </p:pic>
       <p:pic>
         <p:nvPicPr>
-          <p:cNvPr id="7171" name="Picture 3"/>
+          <p:cNvPr id="3" name="Picture 2"/>
           <p:cNvPicPr>
-            <a:picLocks noChangeAspect="1" noChangeArrowheads="1"/>
+            <a:picLocks noChangeAspect="1"/>
           </p:cNvPicPr>
           <p:nvPr/>
         </p:nvPicPr>
         <p:blipFill>
-          <a:blip r:embed="rId3">
-            <a:extLst>
-              <a:ext uri="{28A0092B-C50C-407E-A947-70E740481C1C}">
-                <a14:useLocalDpi xmlns:a14="http://schemas.microsoft.com/office/drawing/2010/main" val="0"/>
-              </a:ext>
-            </a:extLst>
-          </a:blip>
-          <a:srcRect/>
+          <a:blip r:embed="rId3"/>
           <a:stretch>
             <a:fillRect/>
           </a:stretch>
         </p:blipFill>
-        <p:spPr bwMode="auto">
-          <a:xfrm>
-            <a:off x="5159896" y="2594967"/>
-            <a:ext cx="5010150" cy="3962400"/>
-          </a:xfrm>
-          <a:prstGeom prst="rect">
-            <a:avLst/>
-          </a:prstGeom>
-          <a:noFill/>
-          <a:ln>
-            <a:noFill/>
-          </a:ln>
-          <a:extLst>
-            <a:ext uri="{909E8E84-426E-40DD-AFC4-6F175D3DCCD1}">
-              <a14:hiddenFill xmlns:a14="http://schemas.microsoft.com/office/drawing/2010/main">
-                <a:solidFill>
-                  <a:schemeClr val="accent1"/>
-                </a:solidFill>
-              </a14:hiddenFill>
-            </a:ext>
-            <a:ext uri="{91240B29-F687-4F45-9708-019B960494DF}">
-              <a14:hiddenLine xmlns:a14="http://schemas.microsoft.com/office/drawing/2010/main" w="9525">
-                <a:solidFill>
-                  <a:schemeClr val="tx1"/>
-                </a:solidFill>
-                <a:miter lim="800000"/>
-                <a:headEnd/>
-                <a:tailEnd/>
-              </a14:hiddenLine>
-            </a:ext>
-          </a:extLst>
+        <p:spPr>
+          <a:xfrm>
+            <a:off x="6384032" y="2348880"/>
+            <a:ext cx="5619750" cy="4429125"/>
+          </a:xfrm>
+          <a:prstGeom prst="rect">
+            <a:avLst/>
+          </a:prstGeom>
         </p:spPr>
       </p:pic>
     </p:spTree>
@@ -31395,7 +31354,7 @@
                         </a:lnSpc>
                       </a:pPr>
                       <a:r>
-                        <a:rPr lang="pt-BR" sz="1800" b="0" strike="noStrike" spc="-1">
+                        <a:rPr lang="pt-BR" sz="1800" b="0" strike="noStrike" spc="-1" dirty="0">
                           <a:solidFill>
                             <a:srgbClr val="000000"/>
                           </a:solidFill>

--- a/x102.pptx
+++ b/x102.pptx
@@ -12,7 +12,7 @@
     <p:sldMasterId id="2147483739" r:id="rId8"/>
   </p:sldMasterIdLst>
   <p:notesMasterIdLst>
-    <p:notesMasterId r:id="rId54"/>
+    <p:notesMasterId r:id="rId55"/>
   </p:notesMasterIdLst>
   <p:sldIdLst>
     <p:sldId id="256" r:id="rId9"/>
@@ -46,20 +46,21 @@
     <p:sldId id="283" r:id="rId37"/>
     <p:sldId id="284" r:id="rId38"/>
     <p:sldId id="288" r:id="rId39"/>
-    <p:sldId id="285" r:id="rId40"/>
-    <p:sldId id="289" r:id="rId41"/>
-    <p:sldId id="290" r:id="rId42"/>
-    <p:sldId id="291" r:id="rId43"/>
-    <p:sldId id="299" r:id="rId44"/>
-    <p:sldId id="300" r:id="rId45"/>
-    <p:sldId id="301" r:id="rId46"/>
-    <p:sldId id="302" r:id="rId47"/>
-    <p:sldId id="303" r:id="rId48"/>
-    <p:sldId id="304" r:id="rId49"/>
-    <p:sldId id="305" r:id="rId50"/>
-    <p:sldId id="295" r:id="rId51"/>
-    <p:sldId id="296" r:id="rId52"/>
-    <p:sldId id="297" r:id="rId53"/>
+    <p:sldId id="306" r:id="rId40"/>
+    <p:sldId id="285" r:id="rId41"/>
+    <p:sldId id="289" r:id="rId42"/>
+    <p:sldId id="290" r:id="rId43"/>
+    <p:sldId id="291" r:id="rId44"/>
+    <p:sldId id="299" r:id="rId45"/>
+    <p:sldId id="300" r:id="rId46"/>
+    <p:sldId id="301" r:id="rId47"/>
+    <p:sldId id="302" r:id="rId48"/>
+    <p:sldId id="303" r:id="rId49"/>
+    <p:sldId id="304" r:id="rId50"/>
+    <p:sldId id="305" r:id="rId51"/>
+    <p:sldId id="295" r:id="rId52"/>
+    <p:sldId id="296" r:id="rId53"/>
+    <p:sldId id="297" r:id="rId54"/>
   </p:sldIdLst>
   <p:sldSz cx="12192000" cy="6858000"/>
   <p:notesSz cx="6858000" cy="9144000"/>
@@ -26563,29 +26564,6 @@
           <a:chExt cx="0" cy="0"/>
         </a:xfrm>
       </p:grpSpPr>
-      <p:pic>
-        <p:nvPicPr>
-          <p:cNvPr id="409" name="Picture 408"/>
-          <p:cNvPicPr/>
-          <p:nvPr/>
-        </p:nvPicPr>
-        <p:blipFill>
-          <a:blip r:embed="rId2"/>
-          <a:stretch/>
-        </p:blipFill>
-        <p:spPr>
-          <a:xfrm>
-            <a:off x="4583832" y="1600200"/>
-            <a:ext cx="7415640" cy="3326760"/>
-          </a:xfrm>
-          <a:prstGeom prst="rect">
-            <a:avLst/>
-          </a:prstGeom>
-          <a:ln>
-            <a:noFill/>
-          </a:ln>
-        </p:spPr>
-      </p:pic>
       <p:sp>
         <p:nvSpPr>
           <p:cNvPr id="406" name="CustomShape 1"/>
@@ -26655,7 +26633,7 @@
               </a:lnSpc>
             </a:pPr>
             <a:r>
-              <a:rPr lang="pt-BR" sz="1800" b="0" strike="noStrike" spc="-1" dirty="0">
+              <a:rPr lang="pt-BR" sz="1800" b="0" strike="noStrike" spc="-1" dirty="0" smtClean="0">
                 <a:solidFill>
                   <a:srgbClr val="000000"/>
                 </a:solidFill>
@@ -26667,78 +26645,9 @@
                 <a:latin typeface="Calibri"/>
                 <a:ea typeface="DejaVu Sans"/>
               </a:rPr>
-              <a:t>Reducible e DistArray</a:t>
+              <a:t>DistArray</a:t>
             </a:r>
             <a:endParaRPr lang="pt-BR" sz="1800" b="0" strike="noStrike" spc="-1" dirty="0">
-              <a:solidFill>
-                <a:srgbClr val="000000"/>
-              </a:solidFill>
-              <a:uFill>
-                <a:solidFill>
-                  <a:srgbClr val="FFFFFF"/>
-                </a:solidFill>
-              </a:uFill>
-              <a:latin typeface="Arial"/>
-            </a:endParaRPr>
-          </a:p>
-        </p:txBody>
-      </p:sp>
-      <p:sp>
-        <p:nvSpPr>
-          <p:cNvPr id="407" name="CustomShape 2"/>
-          <p:cNvSpPr/>
-          <p:nvPr/>
-        </p:nvSpPr>
-        <p:spPr>
-          <a:xfrm>
-            <a:off x="7576512" y="4974885"/>
-            <a:ext cx="1430280" cy="364320"/>
-          </a:xfrm>
-          <a:prstGeom prst="rect">
-            <a:avLst/>
-          </a:prstGeom>
-          <a:noFill/>
-          <a:ln>
-            <a:noFill/>
-          </a:ln>
-        </p:spPr>
-        <p:style>
-          <a:lnRef idx="0">
-            <a:scrgbClr r="0" g="0" b="0"/>
-          </a:lnRef>
-          <a:fillRef idx="0">
-            <a:scrgbClr r="0" g="0" b="0"/>
-          </a:fillRef>
-          <a:effectRef idx="0">
-            <a:scrgbClr r="0" g="0" b="0"/>
-          </a:effectRef>
-          <a:fontRef idx="minor"/>
-        </p:style>
-        <p:txBody>
-          <a:bodyPr wrap="none" lIns="90000" tIns="45000" rIns="90000" bIns="45000"/>
-          <a:lstStyle/>
-          <a:p>
-            <a:pPr>
-              <a:lnSpc>
-                <a:spcPct val="100000"/>
-              </a:lnSpc>
-            </a:pPr>
-            <a:r>
-              <a:rPr lang="pt-BR" sz="1600" b="0" strike="noStrike" spc="-1" dirty="0">
-                <a:solidFill>
-                  <a:srgbClr val="000000"/>
-                </a:solidFill>
-                <a:uFill>
-                  <a:solidFill>
-                    <a:srgbClr val="FFFFFF"/>
-                  </a:solidFill>
-                </a:uFill>
-                <a:latin typeface="Consolas"/>
-                <a:ea typeface="DejaVu Sans"/>
-              </a:rPr>
-              <a:t>Sum: 900.0</a:t>
-            </a:r>
-            <a:endParaRPr lang="pt-BR" sz="1600" b="0" strike="noStrike" spc="-1" dirty="0">
               <a:solidFill>
                 <a:srgbClr val="000000"/>
               </a:solidFill>
@@ -26858,7 +26767,7 @@
               <a:buChar char="•"/>
             </a:pPr>
             <a:r>
-              <a:rPr lang="pt-BR" sz="1600" b="1" spc="-1" dirty="0">
+              <a:rPr lang="pt-BR" sz="1600" spc="-1" dirty="0" smtClean="0">
                 <a:solidFill>
                   <a:srgbClr val="000000"/>
                 </a:solidFill>
@@ -26870,7 +26779,7 @@
                 <a:latin typeface="Calibri" panose="020F0502020204030204" pitchFamily="34" charset="0"/>
                 <a:cs typeface="Calibri" panose="020F0502020204030204" pitchFamily="34" charset="0"/>
               </a:rPr>
-              <a:t>DistArray: </a:t>
+              <a:t>classe </a:t>
             </a:r>
             <a:r>
               <a:rPr lang="pt-BR" sz="1600" spc="-1" dirty="0">
@@ -26885,53 +26794,10 @@
                 <a:latin typeface="Calibri" panose="020F0502020204030204" pitchFamily="34" charset="0"/>
                 <a:cs typeface="Calibri" panose="020F0502020204030204" pitchFamily="34" charset="0"/>
               </a:rPr>
-              <a:t>classe abstrata, extensão de classe array. Pode ser usada para distribuir um array a cada place do PlaceGroup. </a:t>
+              <a:t>abstrata, extensão de classe array. Pode ser usada para distribuir um array a cada place do </a:t>
             </a:r>
-            <a:endParaRPr lang="pt-BR" sz="1600" b="0" strike="noStrike" spc="-1" dirty="0" smtClean="0">
-              <a:solidFill>
-                <a:srgbClr val="000000"/>
-              </a:solidFill>
-              <a:uFill>
-                <a:solidFill>
-                  <a:srgbClr val="FFFFFF"/>
-                </a:solidFill>
-              </a:uFill>
-              <a:latin typeface="Calibri" panose="020F0502020204030204" pitchFamily="34" charset="0"/>
-              <a:cs typeface="Calibri" panose="020F0502020204030204" pitchFamily="34" charset="0"/>
-            </a:endParaRPr>
-          </a:p>
-          <a:p>
-            <a:pPr>
-              <a:lnSpc>
-                <a:spcPct val="90000"/>
-              </a:lnSpc>
-            </a:pPr>
-            <a:endParaRPr lang="pt-BR" sz="1600" b="0" strike="noStrike" spc="-1" dirty="0" smtClean="0">
-              <a:solidFill>
-                <a:srgbClr val="000000"/>
-              </a:solidFill>
-              <a:uFill>
-                <a:solidFill>
-                  <a:srgbClr val="FFFFFF"/>
-                </a:solidFill>
-              </a:uFill>
-              <a:latin typeface="Calibri" panose="020F0502020204030204" pitchFamily="34" charset="0"/>
-              <a:cs typeface="Calibri" panose="020F0502020204030204" pitchFamily="34" charset="0"/>
-            </a:endParaRPr>
-          </a:p>
-          <a:p>
-            <a:pPr marL="228600" indent="-227880">
-              <a:lnSpc>
-                <a:spcPct val="90000"/>
-              </a:lnSpc>
-              <a:buClr>
-                <a:srgbClr val="000000"/>
-              </a:buClr>
-              <a:buFont typeface="Arial"/>
-              <a:buChar char="•"/>
-            </a:pPr>
             <a:r>
-              <a:rPr lang="pt-BR" sz="1600" b="1" spc="-1" dirty="0">
+              <a:rPr lang="pt-BR" sz="1600" spc="-1" dirty="0" smtClean="0">
                 <a:solidFill>
                   <a:srgbClr val="000000"/>
                 </a:solidFill>
@@ -26943,24 +26809,9 @@
                 <a:latin typeface="Calibri" panose="020F0502020204030204" pitchFamily="34" charset="0"/>
                 <a:cs typeface="Calibri" panose="020F0502020204030204" pitchFamily="34" charset="0"/>
               </a:rPr>
-              <a:t>Reducible: </a:t>
+              <a:t>PlaceGroup</a:t>
             </a:r>
-            <a:r>
-              <a:rPr lang="pt-BR" sz="1600" spc="-1" dirty="0">
-                <a:solidFill>
-                  <a:srgbClr val="000000"/>
-                </a:solidFill>
-                <a:uFill>
-                  <a:solidFill>
-                    <a:srgbClr val="FFFFFF"/>
-                  </a:solidFill>
-                </a:uFill>
-                <a:latin typeface="Calibri" panose="020F0502020204030204" pitchFamily="34" charset="0"/>
-                <a:cs typeface="Calibri" panose="020F0502020204030204" pitchFamily="34" charset="0"/>
-              </a:rPr>
-              <a:t>operação de redução, onde cada place do exemplo executa parte da soma e a chamada offer recebe o valor de cada place para a soma.</a:t>
-            </a:r>
-            <a:endParaRPr lang="pt-BR" sz="1600" b="0" strike="noStrike" spc="-1" dirty="0">
+            <a:endParaRPr lang="pt-BR" sz="1600" b="0" strike="noStrike" spc="-1" dirty="0" smtClean="0">
               <a:solidFill>
                 <a:srgbClr val="000000"/>
               </a:solidFill>
@@ -26975,6 +26826,30 @@
           </a:p>
         </p:txBody>
       </p:sp>
+      <p:pic>
+        <p:nvPicPr>
+          <p:cNvPr id="2" name="Picture 1"/>
+          <p:cNvPicPr>
+            <a:picLocks noChangeAspect="1"/>
+          </p:cNvPicPr>
+          <p:nvPr/>
+        </p:nvPicPr>
+        <p:blipFill>
+          <a:blip r:embed="rId2"/>
+          <a:stretch>
+            <a:fillRect/>
+          </a:stretch>
+        </p:blipFill>
+        <p:spPr>
+          <a:xfrm>
+            <a:off x="5303912" y="1600200"/>
+            <a:ext cx="6172200" cy="3724275"/>
+          </a:xfrm>
+          <a:prstGeom prst="rect">
+            <a:avLst/>
+          </a:prstGeom>
+        </p:spPr>
+      </p:pic>
     </p:spTree>
   </p:cSld>
   <p:clrMapOvr>
@@ -27027,16 +26902,39 @@
           <a:chExt cx="0" cy="0"/>
         </a:xfrm>
       </p:grpSpPr>
+      <p:pic>
+        <p:nvPicPr>
+          <p:cNvPr id="409" name="Picture 408"/>
+          <p:cNvPicPr/>
+          <p:nvPr/>
+        </p:nvPicPr>
+        <p:blipFill>
+          <a:blip r:embed="rId2"/>
+          <a:stretch/>
+        </p:blipFill>
+        <p:spPr>
+          <a:xfrm>
+            <a:off x="4583832" y="1600200"/>
+            <a:ext cx="7415640" cy="3326760"/>
+          </a:xfrm>
+          <a:prstGeom prst="rect">
+            <a:avLst/>
+          </a:prstGeom>
+          <a:ln>
+            <a:noFill/>
+          </a:ln>
+        </p:spPr>
+      </p:pic>
       <p:sp>
         <p:nvSpPr>
-          <p:cNvPr id="397" name="CustomShape 1"/>
+          <p:cNvPr id="406" name="CustomShape 1"/>
           <p:cNvSpPr/>
           <p:nvPr/>
         </p:nvSpPr>
         <p:spPr>
           <a:xfrm>
-            <a:off x="609480" y="274680"/>
-            <a:ext cx="10971360" cy="1141560"/>
+            <a:off x="609480" y="273600"/>
+            <a:ext cx="10971720" cy="1144080"/>
           </a:xfrm>
           <a:prstGeom prst="rect">
             <a:avLst/>
@@ -27062,11 +26960,6 @@
           <a:bodyPr lIns="90000" tIns="45000" rIns="90000" bIns="45000" anchor="ctr"/>
           <a:lstStyle/>
           <a:p>
-            <a:pPr>
-              <a:lnSpc>
-                <a:spcPct val="100000"/>
-              </a:lnSpc>
-            </a:pPr>
             <a:r>
               <a:rPr lang="pt-BR" sz="2400" b="0" strike="noStrike" spc="-1" dirty="0">
                 <a:solidFill>
@@ -27097,11 +26990,11 @@
           <a:p>
             <a:pPr>
               <a:lnSpc>
-                <a:spcPct val="100000"/>
+                <a:spcPct val="90000"/>
               </a:lnSpc>
             </a:pPr>
             <a:r>
-              <a:rPr lang="pt-BR" sz="1800" b="0" i="1" strike="noStrike" spc="-1" dirty="0">
+              <a:rPr lang="pt-BR" sz="1800" b="0" strike="noStrike" spc="-1" dirty="0" smtClean="0">
                 <a:solidFill>
                   <a:srgbClr val="000000"/>
                 </a:solidFill>
@@ -27113,7 +27006,7 @@
                 <a:latin typeface="Calibri"/>
                 <a:ea typeface="DejaVu Sans"/>
               </a:rPr>
-              <a:t>GlobalRef</a:t>
+              <a:t>Reducible</a:t>
             </a:r>
             <a:endParaRPr lang="pt-BR" sz="1800" b="0" strike="noStrike" spc="-1" dirty="0">
               <a:solidFill>
@@ -27129,31 +27022,16 @@
           </a:p>
         </p:txBody>
       </p:sp>
-      <p:pic>
-        <p:nvPicPr>
-          <p:cNvPr id="1026" name="Picture 2"/>
-          <p:cNvPicPr>
-            <a:picLocks noChangeAspect="1" noChangeArrowheads="1"/>
-          </p:cNvPicPr>
+      <p:sp>
+        <p:nvSpPr>
+          <p:cNvPr id="407" name="CustomShape 2"/>
+          <p:cNvSpPr/>
           <p:nvPr/>
-        </p:nvPicPr>
-        <p:blipFill>
-          <a:blip r:embed="rId2">
-            <a:extLst>
-              <a:ext uri="{28A0092B-C50C-407E-A947-70E740481C1C}">
-                <a14:useLocalDpi xmlns:a14="http://schemas.microsoft.com/office/drawing/2010/main" val="0"/>
-              </a:ext>
-            </a:extLst>
-          </a:blip>
-          <a:srcRect/>
-          <a:stretch>
-            <a:fillRect/>
-          </a:stretch>
-        </p:blipFill>
-        <p:spPr bwMode="auto">
-          <a:xfrm>
-            <a:off x="6312024" y="1560984"/>
-            <a:ext cx="4953000" cy="4572000"/>
+        </p:nvSpPr>
+        <p:spPr>
+          <a:xfrm>
+            <a:off x="7576512" y="4974885"/>
+            <a:ext cx="1430280" cy="364320"/>
           </a:xfrm>
           <a:prstGeom prst="rect">
             <a:avLst/>
@@ -27162,27 +27040,117 @@
           <a:ln>
             <a:noFill/>
           </a:ln>
-          <a:extLst>
-            <a:ext uri="{909E8E84-426E-40DD-AFC4-6F175D3DCCD1}">
-              <a14:hiddenFill xmlns:a14="http://schemas.microsoft.com/office/drawing/2010/main">
-                <a:solidFill>
-                  <a:schemeClr val="accent1"/>
-                </a:solidFill>
-              </a14:hiddenFill>
-            </a:ext>
-            <a:ext uri="{91240B29-F687-4F45-9708-019B960494DF}">
-              <a14:hiddenLine xmlns:a14="http://schemas.microsoft.com/office/drawing/2010/main" w="9525">
-                <a:solidFill>
-                  <a:schemeClr val="tx1"/>
-                </a:solidFill>
-                <a:miter lim="800000"/>
-                <a:headEnd/>
-                <a:tailEnd/>
-              </a14:hiddenLine>
-            </a:ext>
-          </a:extLst>
-        </p:spPr>
-      </p:pic>
+        </p:spPr>
+        <p:style>
+          <a:lnRef idx="0">
+            <a:scrgbClr r="0" g="0" b="0"/>
+          </a:lnRef>
+          <a:fillRef idx="0">
+            <a:scrgbClr r="0" g="0" b="0"/>
+          </a:fillRef>
+          <a:effectRef idx="0">
+            <a:scrgbClr r="0" g="0" b="0"/>
+          </a:effectRef>
+          <a:fontRef idx="minor"/>
+        </p:style>
+        <p:txBody>
+          <a:bodyPr wrap="none" lIns="90000" tIns="45000" rIns="90000" bIns="45000"/>
+          <a:lstStyle/>
+          <a:p>
+            <a:pPr>
+              <a:lnSpc>
+                <a:spcPct val="100000"/>
+              </a:lnSpc>
+            </a:pPr>
+            <a:r>
+              <a:rPr lang="pt-BR" sz="1600" b="0" strike="noStrike" spc="-1" dirty="0">
+                <a:solidFill>
+                  <a:srgbClr val="000000"/>
+                </a:solidFill>
+                <a:uFill>
+                  <a:solidFill>
+                    <a:srgbClr val="FFFFFF"/>
+                  </a:solidFill>
+                </a:uFill>
+                <a:latin typeface="Consolas"/>
+                <a:ea typeface="DejaVu Sans"/>
+              </a:rPr>
+              <a:t>Sum: 900.0</a:t>
+            </a:r>
+            <a:endParaRPr lang="pt-BR" sz="1600" b="0" strike="noStrike" spc="-1" dirty="0">
+              <a:solidFill>
+                <a:srgbClr val="000000"/>
+              </a:solidFill>
+              <a:uFill>
+                <a:solidFill>
+                  <a:srgbClr val="FFFFFF"/>
+                </a:solidFill>
+              </a:uFill>
+              <a:latin typeface="Arial"/>
+            </a:endParaRPr>
+          </a:p>
+        </p:txBody>
+      </p:sp>
+      <p:sp>
+        <p:nvSpPr>
+          <p:cNvPr id="408" name="CustomShape 3"/>
+          <p:cNvSpPr/>
+          <p:nvPr/>
+        </p:nvSpPr>
+        <p:spPr>
+          <a:xfrm>
+            <a:off x="7531920" y="1512000"/>
+            <a:ext cx="4203720" cy="3095640"/>
+          </a:xfrm>
+          <a:prstGeom prst="rect">
+            <a:avLst/>
+          </a:prstGeom>
+          <a:noFill/>
+          <a:ln>
+            <a:noFill/>
+          </a:ln>
+        </p:spPr>
+        <p:style>
+          <a:lnRef idx="0">
+            <a:scrgbClr r="0" g="0" b="0"/>
+          </a:lnRef>
+          <a:fillRef idx="0">
+            <a:scrgbClr r="0" g="0" b="0"/>
+          </a:fillRef>
+          <a:effectRef idx="0">
+            <a:scrgbClr r="0" g="0" b="0"/>
+          </a:effectRef>
+          <a:fontRef idx="minor"/>
+        </p:style>
+        <p:txBody>
+          <a:bodyPr lIns="0" tIns="0" rIns="0" bIns="0" anchor="ctr"/>
+          <a:lstStyle/>
+          <a:p>
+            <a:pPr marL="228600" indent="-227880">
+              <a:lnSpc>
+                <a:spcPct val="90000"/>
+              </a:lnSpc>
+              <a:buClr>
+                <a:srgbClr val="000000"/>
+              </a:buClr>
+              <a:buFont typeface="Arial"/>
+              <a:buChar char="•"/>
+            </a:pPr>
+            <a:endParaRPr lang="pt-BR" sz="1600" b="0" strike="noStrike" spc="-1" dirty="0">
+              <a:solidFill>
+                <a:srgbClr val="000000"/>
+              </a:solidFill>
+              <a:uFill>
+                <a:solidFill>
+                  <a:srgbClr val="FFFFFF"/>
+                </a:solidFill>
+              </a:uFill>
+              <a:latin typeface="Calibri" panose="020F0502020204030204" pitchFamily="34" charset="0"/>
+              <a:cs typeface="Calibri" panose="020F0502020204030204" pitchFamily="34" charset="0"/>
+            </a:endParaRPr>
+          </a:p>
+        </p:txBody>
+      </p:sp>
       <p:sp>
         <p:nvSpPr>
           <p:cNvPr id="6" name="CustomShape 2"/>
@@ -27192,7 +27160,7 @@
         <p:spPr>
           <a:xfrm>
             <a:off x="609480" y="1600200"/>
-            <a:ext cx="10971360" cy="4524480"/>
+            <a:ext cx="3974352" cy="4524480"/>
           </a:xfrm>
           <a:prstGeom prst="rect">
             <a:avLst/>
@@ -27218,115 +27186,280 @@
           <a:bodyPr lIns="90000" tIns="45000" rIns="90000" bIns="45000"/>
           <a:lstStyle/>
           <a:p>
-            <a:pPr marL="285750" indent="-285750">
+            <a:pPr marL="228600" indent="-227880">
               <a:lnSpc>
-                <a:spcPct val="100000"/>
+                <a:spcPct val="90000"/>
               </a:lnSpc>
-              <a:buFont typeface="Arial" panose="020B0604020202020204" pitchFamily="34" charset="0"/>
+              <a:buClr>
+                <a:srgbClr val="000000"/>
+              </a:buClr>
+              <a:buFont typeface="Arial"/>
               <a:buChar char="•"/>
             </a:pPr>
             <a:r>
-              <a:rPr lang="pt-BR" sz="1400" spc="-1" dirty="0" smtClean="0">
+              <a:rPr lang="pt-BR" sz="1600" spc="-1" dirty="0" smtClean="0">
+                <a:solidFill>
+                  <a:srgbClr val="000000"/>
+                </a:solidFill>
                 <a:uFill>
                   <a:solidFill>
                     <a:srgbClr val="FFFFFF"/>
                   </a:solidFill>
                 </a:uFill>
-                <a:latin typeface="Monaco"/>
-                <a:ea typeface="DejaVu Sans"/>
+                <a:latin typeface="Calibri" panose="020F0502020204030204" pitchFamily="34" charset="0"/>
+                <a:cs typeface="Calibri" panose="020F0502020204030204" pitchFamily="34" charset="0"/>
               </a:rPr>
-              <a:t>Cria uma referência galobal para um dado objeto</a:t>
+              <a:t>operação </a:t>
             </a:r>
-          </a:p>
-          <a:p>
-            <a:pPr marL="285750" indent="-285750">
-              <a:lnSpc>
-                <a:spcPct val="100000"/>
-              </a:lnSpc>
-              <a:buFont typeface="Arial" panose="020B0604020202020204" pitchFamily="34" charset="0"/>
-              <a:buChar char="•"/>
-            </a:pPr>
-            <a:endParaRPr lang="pt-BR" sz="1400" b="0" strike="noStrike" spc="-1" dirty="0">
-              <a:uFill>
-                <a:solidFill>
-                  <a:srgbClr val="FFFFFF"/>
-                </a:solidFill>
-              </a:uFill>
-              <a:latin typeface="Monaco"/>
-              <a:ea typeface="DejaVu Sans"/>
-            </a:endParaRPr>
-          </a:p>
-          <a:p>
-            <a:pPr marL="285750" indent="-285750">
-              <a:lnSpc>
-                <a:spcPct val="100000"/>
-              </a:lnSpc>
-              <a:buFont typeface="Arial" panose="020B0604020202020204" pitchFamily="34" charset="0"/>
-              <a:buChar char="•"/>
-            </a:pPr>
             <a:r>
-              <a:rPr lang="pt-BR" sz="1400" spc="-1" dirty="0" smtClean="0">
+              <a:rPr lang="pt-BR" sz="1600" spc="-1" dirty="0">
+                <a:solidFill>
+                  <a:srgbClr val="000000"/>
+                </a:solidFill>
                 <a:uFill>
                   <a:solidFill>
                     <a:srgbClr val="FFFFFF"/>
                   </a:solidFill>
                 </a:uFill>
-                <a:latin typeface="Monaco"/>
-                <a:ea typeface="DejaVu Sans"/>
+                <a:latin typeface="Calibri" panose="020F0502020204030204" pitchFamily="34" charset="0"/>
+                <a:cs typeface="Calibri" panose="020F0502020204030204" pitchFamily="34" charset="0"/>
               </a:rPr>
-              <a:t>Possui um campo home, especificando aonde foi criado</a:t>
+              <a:t>de redução, onde cada place do exemplo executa parte da soma e a chamada offer recebe o valor de cada place para a </a:t>
             </a:r>
-          </a:p>
-          <a:p>
-            <a:pPr marL="285750" indent="-285750">
-              <a:lnSpc>
-                <a:spcPct val="100000"/>
-              </a:lnSpc>
-              <a:buFont typeface="Arial" panose="020B0604020202020204" pitchFamily="34" charset="0"/>
-              <a:buChar char="•"/>
-            </a:pPr>
-            <a:endParaRPr lang="pt-BR" sz="1400" b="0" strike="noStrike" spc="-1" dirty="0">
-              <a:uFill>
-                <a:solidFill>
-                  <a:srgbClr val="FFFFFF"/>
-                </a:solidFill>
-              </a:uFill>
-              <a:latin typeface="Monaco"/>
-              <a:ea typeface="DejaVu Sans"/>
-            </a:endParaRPr>
-          </a:p>
-          <a:p>
-            <a:pPr marL="285750" indent="-285750">
-              <a:lnSpc>
-                <a:spcPct val="100000"/>
-              </a:lnSpc>
-              <a:buFont typeface="Arial" panose="020B0604020202020204" pitchFamily="34" charset="0"/>
-              <a:buChar char="•"/>
-            </a:pPr>
             <a:r>
-              <a:rPr lang="pt-BR" sz="1400" spc="-1" dirty="0" smtClean="0">
+              <a:rPr lang="pt-BR" sz="1600" spc="-1" dirty="0" smtClean="0">
+                <a:solidFill>
+                  <a:srgbClr val="000000"/>
+                </a:solidFill>
                 <a:uFill>
                   <a:solidFill>
                     <a:srgbClr val="FFFFFF"/>
                   </a:solidFill>
                 </a:uFill>
-                <a:latin typeface="Monaco"/>
-                <a:ea typeface="DejaVu Sans"/>
+                <a:latin typeface="Calibri" panose="020F0502020204030204" pitchFamily="34" charset="0"/>
+                <a:cs typeface="Calibri" panose="020F0502020204030204" pitchFamily="34" charset="0"/>
               </a:rPr>
-              <a:t>Só pode ser manipulado no seu Place de origem</a:t>
+              <a:t>soma</a:t>
             </a:r>
-            <a:endParaRPr lang="pt-BR" sz="1800" b="0" strike="noStrike" spc="-1" dirty="0">
-              <a:uFill>
-                <a:solidFill>
-                  <a:srgbClr val="FFFFFF"/>
-                </a:solidFill>
-              </a:uFill>
-              <a:latin typeface="Arial"/>
+          </a:p>
+          <a:p>
+            <a:pPr marL="228600" indent="-227880">
+              <a:lnSpc>
+                <a:spcPct val="90000"/>
+              </a:lnSpc>
+              <a:buClr>
+                <a:srgbClr val="000000"/>
+              </a:buClr>
+              <a:buFont typeface="Arial"/>
+              <a:buChar char="•"/>
+            </a:pPr>
+            <a:endParaRPr lang="pt-BR" sz="1600" b="0" strike="noStrike" spc="-1" dirty="0">
+              <a:solidFill>
+                <a:srgbClr val="000000"/>
+              </a:solidFill>
+              <a:uFill>
+                <a:solidFill>
+                  <a:srgbClr val="FFFFFF"/>
+                </a:solidFill>
+              </a:uFill>
+              <a:latin typeface="Calibri" panose="020F0502020204030204" pitchFamily="34" charset="0"/>
+              <a:cs typeface="Calibri" panose="020F0502020204030204" pitchFamily="34" charset="0"/>
+            </a:endParaRPr>
+          </a:p>
+          <a:p>
+            <a:pPr marL="228600" indent="-227880">
+              <a:lnSpc>
+                <a:spcPct val="90000"/>
+              </a:lnSpc>
+              <a:buClr>
+                <a:srgbClr val="000000"/>
+              </a:buClr>
+              <a:buFont typeface="Arial"/>
+              <a:buChar char="•"/>
+            </a:pPr>
+            <a:r>
+              <a:rPr lang="pt-BR" sz="1600" spc="-1" dirty="0" smtClean="0">
+                <a:solidFill>
+                  <a:srgbClr val="000000"/>
+                </a:solidFill>
+                <a:uFill>
+                  <a:solidFill>
+                    <a:srgbClr val="FFFFFF"/>
+                  </a:solidFill>
+                </a:uFill>
+                <a:latin typeface="Calibri" panose="020F0502020204030204" pitchFamily="34" charset="0"/>
+                <a:cs typeface="Calibri" panose="020F0502020204030204" pitchFamily="34" charset="0"/>
+              </a:rPr>
+              <a:t>Tipos:</a:t>
+            </a:r>
+            <a:endParaRPr lang="pt-BR" sz="1600" b="0" strike="noStrike" spc="-1" dirty="0">
+              <a:solidFill>
+                <a:srgbClr val="000000"/>
+              </a:solidFill>
+              <a:uFill>
+                <a:solidFill>
+                  <a:srgbClr val="FFFFFF"/>
+                </a:solidFill>
+              </a:uFill>
+              <a:latin typeface="Calibri" panose="020F0502020204030204" pitchFamily="34" charset="0"/>
+              <a:cs typeface="Calibri" panose="020F0502020204030204" pitchFamily="34" charset="0"/>
+            </a:endParaRPr>
+          </a:p>
+          <a:p>
+            <a:pPr marL="685800" lvl="1" indent="-227880">
+              <a:lnSpc>
+                <a:spcPct val="90000"/>
+              </a:lnSpc>
+              <a:buClr>
+                <a:srgbClr val="000000"/>
+              </a:buClr>
+              <a:buFont typeface="Arial"/>
+              <a:buChar char="•"/>
+            </a:pPr>
+            <a:r>
+              <a:rPr lang="pt-BR" sz="1400" spc="-1" dirty="0">
+                <a:solidFill>
+                  <a:srgbClr val="000000"/>
+                </a:solidFill>
+                <a:uFill>
+                  <a:solidFill>
+                    <a:srgbClr val="FFFFFF"/>
+                  </a:solidFill>
+                </a:uFill>
+                <a:latin typeface="Calibri" panose="020F0502020204030204" pitchFamily="34" charset="0"/>
+                <a:cs typeface="Calibri" panose="020F0502020204030204" pitchFamily="34" charset="0"/>
+              </a:rPr>
+              <a:t>AndReducer</a:t>
+            </a:r>
+          </a:p>
+          <a:p>
+            <a:pPr marL="685800" lvl="1" indent="-227880">
+              <a:lnSpc>
+                <a:spcPct val="90000"/>
+              </a:lnSpc>
+              <a:buClr>
+                <a:srgbClr val="000000"/>
+              </a:buClr>
+              <a:buFont typeface="Arial"/>
+              <a:buChar char="•"/>
+            </a:pPr>
+            <a:r>
+              <a:rPr lang="pt-BR" sz="1400" spc="-1" dirty="0">
+                <a:solidFill>
+                  <a:srgbClr val="000000"/>
+                </a:solidFill>
+                <a:uFill>
+                  <a:solidFill>
+                    <a:srgbClr val="FFFFFF"/>
+                  </a:solidFill>
+                </a:uFill>
+                <a:latin typeface="Calibri" panose="020F0502020204030204" pitchFamily="34" charset="0"/>
+                <a:cs typeface="Calibri" panose="020F0502020204030204" pitchFamily="34" charset="0"/>
+              </a:rPr>
+              <a:t>MaxReducer&lt;T&gt;</a:t>
+            </a:r>
+          </a:p>
+          <a:p>
+            <a:pPr marL="685800" lvl="1" indent="-227880">
+              <a:lnSpc>
+                <a:spcPct val="90000"/>
+              </a:lnSpc>
+              <a:buClr>
+                <a:srgbClr val="000000"/>
+              </a:buClr>
+              <a:buFont typeface="Arial"/>
+              <a:buChar char="•"/>
+            </a:pPr>
+            <a:r>
+              <a:rPr lang="pt-BR" sz="1400" spc="-1" dirty="0">
+                <a:solidFill>
+                  <a:srgbClr val="000000"/>
+                </a:solidFill>
+                <a:uFill>
+                  <a:solidFill>
+                    <a:srgbClr val="FFFFFF"/>
+                  </a:solidFill>
+                </a:uFill>
+                <a:latin typeface="Calibri" panose="020F0502020204030204" pitchFamily="34" charset="0"/>
+                <a:cs typeface="Calibri" panose="020F0502020204030204" pitchFamily="34" charset="0"/>
+              </a:rPr>
+              <a:t>MinReducer&lt;T&gt;</a:t>
+            </a:r>
+          </a:p>
+          <a:p>
+            <a:pPr marL="685800" lvl="1" indent="-227880">
+              <a:lnSpc>
+                <a:spcPct val="90000"/>
+              </a:lnSpc>
+              <a:buClr>
+                <a:srgbClr val="000000"/>
+              </a:buClr>
+              <a:buFont typeface="Arial"/>
+              <a:buChar char="•"/>
+            </a:pPr>
+            <a:r>
+              <a:rPr lang="pt-BR" sz="1400" spc="-1" dirty="0">
+                <a:solidFill>
+                  <a:srgbClr val="000000"/>
+                </a:solidFill>
+                <a:uFill>
+                  <a:solidFill>
+                    <a:srgbClr val="FFFFFF"/>
+                  </a:solidFill>
+                </a:uFill>
+                <a:latin typeface="Calibri" panose="020F0502020204030204" pitchFamily="34" charset="0"/>
+                <a:cs typeface="Calibri" panose="020F0502020204030204" pitchFamily="34" charset="0"/>
+              </a:rPr>
+              <a:t>OrReducer</a:t>
+            </a:r>
+          </a:p>
+          <a:p>
+            <a:pPr marL="685800" lvl="1" indent="-227880">
+              <a:lnSpc>
+                <a:spcPct val="90000"/>
+              </a:lnSpc>
+              <a:buClr>
+                <a:srgbClr val="000000"/>
+              </a:buClr>
+              <a:buFont typeface="Arial"/>
+              <a:buChar char="•"/>
+            </a:pPr>
+            <a:r>
+              <a:rPr lang="pt-BR" sz="1400" spc="-1" dirty="0">
+                <a:solidFill>
+                  <a:srgbClr val="000000"/>
+                </a:solidFill>
+                <a:uFill>
+                  <a:solidFill>
+                    <a:srgbClr val="FFFFFF"/>
+                  </a:solidFill>
+                </a:uFill>
+                <a:latin typeface="Calibri" panose="020F0502020204030204" pitchFamily="34" charset="0"/>
+                <a:cs typeface="Calibri" panose="020F0502020204030204" pitchFamily="34" charset="0"/>
+              </a:rPr>
+              <a:t>SumReducer&lt;T&gt;</a:t>
+            </a:r>
+            <a:endParaRPr lang="pt-BR" sz="1400" b="0" strike="noStrike" spc="-1" dirty="0">
+              <a:solidFill>
+                <a:srgbClr val="000000"/>
+              </a:solidFill>
+              <a:uFill>
+                <a:solidFill>
+                  <a:srgbClr val="FFFFFF"/>
+                </a:solidFill>
+              </a:uFill>
+              <a:latin typeface="Calibri" panose="020F0502020204030204" pitchFamily="34" charset="0"/>
+              <a:cs typeface="Calibri" panose="020F0502020204030204" pitchFamily="34" charset="0"/>
             </a:endParaRPr>
           </a:p>
         </p:txBody>
       </p:sp>
     </p:spTree>
+    <p:extLst>
+      <p:ext uri="{BB962C8B-B14F-4D97-AF65-F5344CB8AC3E}">
+        <p14:creationId xmlns:p14="http://schemas.microsoft.com/office/powerpoint/2010/main" val="2113691470"/>
+      </p:ext>
+    </p:extLst>
   </p:cSld>
   <p:clrMapOvr>
     <a:masterClrMapping/>
@@ -27380,14 +27513,14 @@
       </p:grpSpPr>
       <p:sp>
         <p:nvSpPr>
-          <p:cNvPr id="410" name="CustomShape 1"/>
+          <p:cNvPr id="397" name="CustomShape 1"/>
           <p:cNvSpPr/>
           <p:nvPr/>
         </p:nvSpPr>
         <p:spPr>
           <a:xfrm>
-            <a:off x="609480" y="273600"/>
-            <a:ext cx="10971720" cy="1144080"/>
+            <a:off x="609480" y="274680"/>
+            <a:ext cx="10971360" cy="1141560"/>
           </a:xfrm>
           <a:prstGeom prst="rect">
             <a:avLst/>
@@ -27410,12 +27543,12 @@
           <a:fontRef idx="minor"/>
         </p:style>
         <p:txBody>
-          <a:bodyPr lIns="0" tIns="0" rIns="0" bIns="0" anchor="ctr"/>
+          <a:bodyPr lIns="90000" tIns="45000" rIns="90000" bIns="45000" anchor="ctr"/>
           <a:lstStyle/>
           <a:p>
             <a:pPr>
               <a:lnSpc>
-                <a:spcPct val="90000"/>
+                <a:spcPct val="100000"/>
               </a:lnSpc>
             </a:pPr>
             <a:r>
@@ -27428,37 +27561,83 @@
                     <a:srgbClr val="FFFFFF"/>
                   </a:solidFill>
                 </a:uFill>
-                <a:latin typeface="Calibri" panose="020F0502020204030204" pitchFamily="34" charset="0"/>
+                <a:latin typeface="Calibri"/>
                 <a:ea typeface="DejaVu Sans"/>
-                <a:cs typeface="Calibri" panose="020F0502020204030204" pitchFamily="34" charset="0"/>
               </a:rPr>
-              <a:t>PlaceLocalHandle</a:t>
+              <a:t>Classes</a:t>
             </a:r>
-            <a:endParaRPr lang="pt-BR" sz="2400" b="0" strike="noStrike" spc="-1" dirty="0">
-              <a:solidFill>
-                <a:srgbClr val="000000"/>
-              </a:solidFill>
-              <a:uFill>
-                <a:solidFill>
-                  <a:srgbClr val="FFFFFF"/>
-                </a:solidFill>
-              </a:uFill>
-              <a:latin typeface="Calibri" panose="020F0502020204030204" pitchFamily="34" charset="0"/>
-              <a:cs typeface="Calibri" panose="020F0502020204030204" pitchFamily="34" charset="0"/>
+            <a:endParaRPr lang="pt-BR" sz="1800" b="0" strike="noStrike" spc="-1" dirty="0">
+              <a:solidFill>
+                <a:srgbClr val="000000"/>
+              </a:solidFill>
+              <a:uFill>
+                <a:solidFill>
+                  <a:srgbClr val="FFFFFF"/>
+                </a:solidFill>
+              </a:uFill>
+              <a:latin typeface="Arial"/>
+            </a:endParaRPr>
+          </a:p>
+          <a:p>
+            <a:pPr>
+              <a:lnSpc>
+                <a:spcPct val="100000"/>
+              </a:lnSpc>
+            </a:pPr>
+            <a:r>
+              <a:rPr lang="pt-BR" sz="1800" b="0" i="1" strike="noStrike" spc="-1" dirty="0">
+                <a:solidFill>
+                  <a:srgbClr val="000000"/>
+                </a:solidFill>
+                <a:uFill>
+                  <a:solidFill>
+                    <a:srgbClr val="FFFFFF"/>
+                  </a:solidFill>
+                </a:uFill>
+                <a:latin typeface="Calibri"/>
+                <a:ea typeface="DejaVu Sans"/>
+              </a:rPr>
+              <a:t>GlobalRef</a:t>
+            </a:r>
+            <a:endParaRPr lang="pt-BR" sz="1800" b="0" strike="noStrike" spc="-1" dirty="0">
+              <a:solidFill>
+                <a:srgbClr val="000000"/>
+              </a:solidFill>
+              <a:uFill>
+                <a:solidFill>
+                  <a:srgbClr val="FFFFFF"/>
+                </a:solidFill>
+              </a:uFill>
+              <a:latin typeface="Arial"/>
             </a:endParaRPr>
           </a:p>
         </p:txBody>
       </p:sp>
-      <p:sp>
-        <p:nvSpPr>
-          <p:cNvPr id="411" name="CustomShape 2"/>
-          <p:cNvSpPr/>
+      <p:pic>
+        <p:nvPicPr>
+          <p:cNvPr id="1026" name="Picture 2"/>
+          <p:cNvPicPr>
+            <a:picLocks noChangeAspect="1" noChangeArrowheads="1"/>
+          </p:cNvPicPr>
           <p:nvPr/>
-        </p:nvSpPr>
-        <p:spPr>
-          <a:xfrm>
-            <a:off x="6439680" y="273600"/>
-            <a:ext cx="5279400" cy="3976560"/>
+        </p:nvPicPr>
+        <p:blipFill>
+          <a:blip r:embed="rId2">
+            <a:extLst>
+              <a:ext uri="{28A0092B-C50C-407E-A947-70E740481C1C}">
+                <a14:useLocalDpi xmlns:a14="http://schemas.microsoft.com/office/drawing/2010/main" val="0"/>
+              </a:ext>
+            </a:extLst>
+          </a:blip>
+          <a:srcRect/>
+          <a:stretch>
+            <a:fillRect/>
+          </a:stretch>
+        </p:blipFill>
+        <p:spPr bwMode="auto">
+          <a:xfrm>
+            <a:off x="6312024" y="1560984"/>
+            <a:ext cx="4953000" cy="4572000"/>
           </a:xfrm>
           <a:prstGeom prst="rect">
             <a:avLst/>
@@ -27467,80 +27646,37 @@
           <a:ln>
             <a:noFill/>
           </a:ln>
-        </p:spPr>
-        <p:style>
-          <a:lnRef idx="0">
-            <a:scrgbClr r="0" g="0" b="0"/>
-          </a:lnRef>
-          <a:fillRef idx="0">
-            <a:scrgbClr r="0" g="0" b="0"/>
-          </a:fillRef>
-          <a:effectRef idx="0">
-            <a:scrgbClr r="0" g="0" b="0"/>
-          </a:effectRef>
-          <a:fontRef idx="minor"/>
-        </p:style>
-        <p:txBody>
-          <a:bodyPr lIns="0" tIns="0" rIns="0" bIns="0" anchor="ctr"/>
-          <a:lstStyle/>
-          <a:p>
-            <a:pPr marL="228600" indent="-227880">
-              <a:lnSpc>
-                <a:spcPct val="90000"/>
-              </a:lnSpc>
-              <a:buClr>
-                <a:srgbClr val="000000"/>
-              </a:buClr>
-              <a:buFont typeface="Arial"/>
-              <a:buChar char="•"/>
-            </a:pPr>
-            <a:endParaRPr lang="pt-BR" sz="1100" b="0" strike="noStrike" spc="-1" dirty="0">
-              <a:solidFill>
-                <a:srgbClr val="000000"/>
-              </a:solidFill>
-              <a:uFill>
-                <a:solidFill>
-                  <a:srgbClr val="FFFFFF"/>
-                </a:solidFill>
-              </a:uFill>
-              <a:latin typeface="Arial"/>
-            </a:endParaRPr>
-          </a:p>
-        </p:txBody>
-      </p:sp>
-      <p:pic>
-        <p:nvPicPr>
-          <p:cNvPr id="412" name="Imagem 3"/>
-          <p:cNvPicPr/>
-          <p:nvPr/>
-        </p:nvPicPr>
-        <p:blipFill>
-          <a:blip r:embed="rId2"/>
-          <a:stretch/>
-        </p:blipFill>
-        <p:spPr>
-          <a:xfrm>
-            <a:off x="6080225" y="1124744"/>
-            <a:ext cx="5829480" cy="3371760"/>
-          </a:xfrm>
-          <a:prstGeom prst="rect">
-            <a:avLst/>
-          </a:prstGeom>
-          <a:ln>
-            <a:noFill/>
-          </a:ln>
+          <a:extLst>
+            <a:ext uri="{909E8E84-426E-40DD-AFC4-6F175D3DCCD1}">
+              <a14:hiddenFill xmlns:a14="http://schemas.microsoft.com/office/drawing/2010/main">
+                <a:solidFill>
+                  <a:schemeClr val="accent1"/>
+                </a:solidFill>
+              </a14:hiddenFill>
+            </a:ext>
+            <a:ext uri="{91240B29-F687-4F45-9708-019B960494DF}">
+              <a14:hiddenLine xmlns:a14="http://schemas.microsoft.com/office/drawing/2010/main" w="9525">
+                <a:solidFill>
+                  <a:schemeClr val="tx1"/>
+                </a:solidFill>
+                <a:miter lim="800000"/>
+                <a:headEnd/>
+                <a:tailEnd/>
+              </a14:hiddenLine>
+            </a:ext>
+          </a:extLst>
         </p:spPr>
       </p:pic>
       <p:sp>
         <p:nvSpPr>
-          <p:cNvPr id="413" name="CustomShape 3"/>
+          <p:cNvPr id="6" name="CustomShape 2"/>
           <p:cNvSpPr/>
           <p:nvPr/>
         </p:nvSpPr>
         <p:spPr>
           <a:xfrm>
-            <a:off x="6062134" y="4496504"/>
-            <a:ext cx="4043880" cy="2036880"/>
+            <a:off x="609480" y="1600200"/>
+            <a:ext cx="10971360" cy="4524480"/>
           </a:xfrm>
           <a:prstGeom prst="rect">
             <a:avLst/>
@@ -27566,448 +27702,111 @@
           <a:bodyPr lIns="90000" tIns="45000" rIns="90000" bIns="45000"/>
           <a:lstStyle/>
           <a:p>
-            <a:pPr>
+            <a:pPr marL="285750" indent="-285750">
               <a:lnSpc>
                 <a:spcPct val="100000"/>
               </a:lnSpc>
+              <a:buFont typeface="Arial" panose="020B0604020202020204" pitchFamily="34" charset="0"/>
+              <a:buChar char="•"/>
             </a:pPr>
             <a:r>
-              <a:rPr lang="pt-BR" sz="1200" b="0" strike="noStrike" spc="-1" dirty="0">
-                <a:solidFill>
-                  <a:srgbClr val="000000"/>
-                </a:solidFill>
+              <a:rPr lang="pt-BR" sz="1400" spc="-1" dirty="0" smtClean="0">
                 <a:uFill>
                   <a:solidFill>
                     <a:srgbClr val="FFFFFF"/>
                   </a:solidFill>
                 </a:uFill>
-                <a:latin typeface="Consolas"/>
+                <a:latin typeface="Monaco"/>
                 <a:ea typeface="DejaVu Sans"/>
               </a:rPr>
-              <a:t>static</a:t>
+              <a:t>Cria uma referência galobal para um dado objeto</a:t>
             </a:r>
-            <a:endParaRPr lang="pt-BR" sz="1200" b="0" strike="noStrike" spc="-1" dirty="0">
-              <a:solidFill>
-                <a:srgbClr val="000000"/>
-              </a:solidFill>
-              <a:uFill>
-                <a:solidFill>
-                  <a:srgbClr val="FFFFFF"/>
-                </a:solidFill>
-              </a:uFill>
-              <a:latin typeface="Arial"/>
-            </a:endParaRPr>
-          </a:p>
-          <a:p>
-            <a:pPr>
+          </a:p>
+          <a:p>
+            <a:pPr marL="285750" indent="-285750">
               <a:lnSpc>
                 <a:spcPct val="100000"/>
               </a:lnSpc>
+              <a:buFont typeface="Arial" panose="020B0604020202020204" pitchFamily="34" charset="0"/>
+              <a:buChar char="•"/>
+            </a:pPr>
+            <a:endParaRPr lang="pt-BR" sz="1400" b="0" strike="noStrike" spc="-1" dirty="0">
+              <a:uFill>
+                <a:solidFill>
+                  <a:srgbClr val="FFFFFF"/>
+                </a:solidFill>
+              </a:uFill>
+              <a:latin typeface="Monaco"/>
+              <a:ea typeface="DejaVu Sans"/>
+            </a:endParaRPr>
+          </a:p>
+          <a:p>
+            <a:pPr marL="285750" indent="-285750">
+              <a:lnSpc>
+                <a:spcPct val="100000"/>
+              </a:lnSpc>
+              <a:buFont typeface="Arial" panose="020B0604020202020204" pitchFamily="34" charset="0"/>
+              <a:buChar char="•"/>
             </a:pPr>
             <a:r>
-              <a:rPr lang="pt-BR" sz="1200" b="0" strike="noStrike" spc="-1" dirty="0">
-                <a:solidFill>
-                  <a:srgbClr val="000000"/>
-                </a:solidFill>
+              <a:rPr lang="pt-BR" sz="1400" spc="-1" dirty="0" smtClean="0">
                 <a:uFill>
                   <a:solidFill>
                     <a:srgbClr val="FFFFFF"/>
                   </a:solidFill>
                 </a:uFill>
-                <a:latin typeface="Consolas"/>
+                <a:latin typeface="Monaco"/>
                 <a:ea typeface="DejaVu Sans"/>
               </a:rPr>
-              <a:t>0 0</a:t>
+              <a:t>Possui um campo home, especificando aonde foi criado</a:t>
             </a:r>
-            <a:endParaRPr lang="pt-BR" sz="1200" b="0" strike="noStrike" spc="-1" dirty="0">
-              <a:solidFill>
-                <a:srgbClr val="000000"/>
-              </a:solidFill>
-              <a:uFill>
-                <a:solidFill>
-                  <a:srgbClr val="FFFFFF"/>
-                </a:solidFill>
-              </a:uFill>
-              <a:latin typeface="Arial"/>
-            </a:endParaRPr>
-          </a:p>
-          <a:p>
-            <a:pPr>
+          </a:p>
+          <a:p>
+            <a:pPr marL="285750" indent="-285750">
               <a:lnSpc>
                 <a:spcPct val="100000"/>
               </a:lnSpc>
+              <a:buFont typeface="Arial" panose="020B0604020202020204" pitchFamily="34" charset="0"/>
+              <a:buChar char="•"/>
+            </a:pPr>
+            <a:endParaRPr lang="pt-BR" sz="1400" b="0" strike="noStrike" spc="-1" dirty="0">
+              <a:uFill>
+                <a:solidFill>
+                  <a:srgbClr val="FFFFFF"/>
+                </a:solidFill>
+              </a:uFill>
+              <a:latin typeface="Monaco"/>
+              <a:ea typeface="DejaVu Sans"/>
+            </a:endParaRPr>
+          </a:p>
+          <a:p>
+            <a:pPr marL="285750" indent="-285750">
+              <a:lnSpc>
+                <a:spcPct val="100000"/>
+              </a:lnSpc>
+              <a:buFont typeface="Arial" panose="020B0604020202020204" pitchFamily="34" charset="0"/>
+              <a:buChar char="•"/>
             </a:pPr>
             <a:r>
-              <a:rPr lang="pt-BR" sz="1200" b="0" strike="noStrike" spc="-1" dirty="0">
-                <a:solidFill>
-                  <a:srgbClr val="000000"/>
-                </a:solidFill>
+              <a:rPr lang="pt-BR" sz="1400" spc="-1" dirty="0" smtClean="0">
                 <a:uFill>
                   <a:solidFill>
                     <a:srgbClr val="FFFFFF"/>
                   </a:solidFill>
                 </a:uFill>
-                <a:latin typeface="Consolas"/>
+                <a:latin typeface="Monaco"/>
                 <a:ea typeface="DejaVu Sans"/>
               </a:rPr>
-              <a:t>1 1</a:t>
+              <a:t>Só pode ser manipulado no seu Place de origem</a:t>
             </a:r>
-            <a:endParaRPr lang="pt-BR" sz="1200" b="0" strike="noStrike" spc="-1" dirty="0">
-              <a:solidFill>
-                <a:srgbClr val="000000"/>
-              </a:solidFill>
-              <a:uFill>
-                <a:solidFill>
-                  <a:srgbClr val="FFFFFF"/>
-                </a:solidFill>
-              </a:uFill>
-              <a:latin typeface="Arial"/>
-            </a:endParaRPr>
-          </a:p>
-          <a:p>
-            <a:pPr>
-              <a:lnSpc>
-                <a:spcPct val="100000"/>
-              </a:lnSpc>
-            </a:pPr>
-            <a:r>
-              <a:rPr lang="pt-BR" sz="1200" b="0" strike="noStrike" spc="-1" dirty="0">
-                <a:solidFill>
-                  <a:srgbClr val="000000"/>
-                </a:solidFill>
-                <a:uFill>
-                  <a:solidFill>
-                    <a:srgbClr val="FFFFFF"/>
-                  </a:solidFill>
-                </a:uFill>
-                <a:latin typeface="Consolas"/>
-                <a:ea typeface="DejaVu Sans"/>
-              </a:rPr>
-              <a:t>2 2</a:t>
-            </a:r>
-            <a:endParaRPr lang="pt-BR" sz="1200" b="0" strike="noStrike" spc="-1" dirty="0">
-              <a:solidFill>
-                <a:srgbClr val="000000"/>
-              </a:solidFill>
-              <a:uFill>
-                <a:solidFill>
-                  <a:srgbClr val="FFFFFF"/>
-                </a:solidFill>
-              </a:uFill>
-              <a:latin typeface="Arial"/>
-            </a:endParaRPr>
-          </a:p>
-          <a:p>
-            <a:pPr>
-              <a:lnSpc>
-                <a:spcPct val="100000"/>
-              </a:lnSpc>
-            </a:pPr>
-            <a:r>
-              <a:rPr lang="pt-BR" sz="1200" b="0" strike="noStrike" spc="-1" dirty="0">
-                <a:solidFill>
-                  <a:srgbClr val="000000"/>
-                </a:solidFill>
-                <a:uFill>
-                  <a:solidFill>
-                    <a:srgbClr val="FFFFFF"/>
-                  </a:solidFill>
-                </a:uFill>
-                <a:latin typeface="Consolas"/>
-                <a:ea typeface="DejaVu Sans"/>
-              </a:rPr>
-              <a:t>local</a:t>
-            </a:r>
-            <a:endParaRPr lang="pt-BR" sz="1200" b="0" strike="noStrike" spc="-1" dirty="0">
-              <a:solidFill>
-                <a:srgbClr val="000000"/>
-              </a:solidFill>
-              <a:uFill>
-                <a:solidFill>
-                  <a:srgbClr val="FFFFFF"/>
-                </a:solidFill>
-              </a:uFill>
-              <a:latin typeface="Arial"/>
-            </a:endParaRPr>
-          </a:p>
-          <a:p>
-            <a:pPr>
-              <a:lnSpc>
-                <a:spcPct val="100000"/>
-              </a:lnSpc>
-            </a:pPr>
-            <a:r>
-              <a:rPr lang="pt-BR" sz="1200" b="0" strike="noStrike" spc="-1" dirty="0">
-                <a:solidFill>
-                  <a:srgbClr val="000000"/>
-                </a:solidFill>
-                <a:uFill>
-                  <a:solidFill>
-                    <a:srgbClr val="FFFFFF"/>
-                  </a:solidFill>
-                </a:uFill>
-                <a:latin typeface="Consolas"/>
-                <a:ea typeface="DejaVu Sans"/>
-              </a:rPr>
-              <a:t>0 0</a:t>
-            </a:r>
-            <a:endParaRPr lang="pt-BR" sz="1200" b="0" strike="noStrike" spc="-1" dirty="0">
-              <a:solidFill>
-                <a:srgbClr val="000000"/>
-              </a:solidFill>
-              <a:uFill>
-                <a:solidFill>
-                  <a:srgbClr val="FFFFFF"/>
-                </a:solidFill>
-              </a:uFill>
-              <a:latin typeface="Arial"/>
-            </a:endParaRPr>
-          </a:p>
-          <a:p>
-            <a:pPr>
-              <a:lnSpc>
-                <a:spcPct val="100000"/>
-              </a:lnSpc>
-            </a:pPr>
-            <a:r>
-              <a:rPr lang="pt-BR" sz="1200" b="0" strike="noStrike" spc="-1" dirty="0">
-                <a:solidFill>
-                  <a:srgbClr val="000000"/>
-                </a:solidFill>
-                <a:uFill>
-                  <a:solidFill>
-                    <a:srgbClr val="FFFFFF"/>
-                  </a:solidFill>
-                </a:uFill>
-                <a:latin typeface="Consolas"/>
-                <a:ea typeface="DejaVu Sans"/>
-              </a:rPr>
-              <a:t>1 -1</a:t>
-            </a:r>
-            <a:endParaRPr lang="pt-BR" sz="1200" b="0" strike="noStrike" spc="-1" dirty="0">
-              <a:solidFill>
-                <a:srgbClr val="000000"/>
-              </a:solidFill>
-              <a:uFill>
-                <a:solidFill>
-                  <a:srgbClr val="FFFFFF"/>
-                </a:solidFill>
-              </a:uFill>
-              <a:latin typeface="Arial"/>
-            </a:endParaRPr>
-          </a:p>
-          <a:p>
-            <a:pPr>
-              <a:lnSpc>
-                <a:spcPct val="100000"/>
-              </a:lnSpc>
-            </a:pPr>
-            <a:r>
-              <a:rPr lang="pt-BR" sz="1200" b="0" strike="noStrike" spc="-1" dirty="0">
-                <a:solidFill>
-                  <a:srgbClr val="000000"/>
-                </a:solidFill>
-                <a:uFill>
-                  <a:solidFill>
-                    <a:srgbClr val="FFFFFF"/>
-                  </a:solidFill>
-                </a:uFill>
-                <a:latin typeface="Consolas"/>
-                <a:ea typeface="DejaVu Sans"/>
-              </a:rPr>
-              <a:t>2 -1</a:t>
-            </a:r>
-            <a:endParaRPr lang="pt-BR" sz="1200" b="0" strike="noStrike" spc="-1" dirty="0">
-              <a:solidFill>
-                <a:srgbClr val="000000"/>
-              </a:solidFill>
-              <a:uFill>
-                <a:solidFill>
-                  <a:srgbClr val="FFFFFF"/>
-                </a:solidFill>
-              </a:uFill>
-              <a:latin typeface="Arial"/>
-            </a:endParaRPr>
-          </a:p>
-        </p:txBody>
-      </p:sp>
-      <p:sp>
-        <p:nvSpPr>
-          <p:cNvPr id="6" name="CustomShape 2"/>
-          <p:cNvSpPr/>
-          <p:nvPr/>
-        </p:nvSpPr>
-        <p:spPr>
-          <a:xfrm>
-            <a:off x="609480" y="1600200"/>
-            <a:ext cx="5198488" cy="4524480"/>
-          </a:xfrm>
-          <a:prstGeom prst="rect">
-            <a:avLst/>
-          </a:prstGeom>
-          <a:noFill/>
-          <a:ln>
-            <a:noFill/>
-          </a:ln>
-        </p:spPr>
-        <p:style>
-          <a:lnRef idx="0">
-            <a:scrgbClr r="0" g="0" b="0"/>
-          </a:lnRef>
-          <a:fillRef idx="0">
-            <a:scrgbClr r="0" g="0" b="0"/>
-          </a:fillRef>
-          <a:effectRef idx="0">
-            <a:scrgbClr r="0" g="0" b="0"/>
-          </a:effectRef>
-          <a:fontRef idx="minor"/>
-        </p:style>
-        <p:txBody>
-          <a:bodyPr lIns="90000" tIns="45000" rIns="90000" bIns="45000"/>
-          <a:lstStyle/>
-          <a:p>
-            <a:pPr marL="228600" indent="-227880">
-              <a:lnSpc>
-                <a:spcPct val="90000"/>
-              </a:lnSpc>
-              <a:buClr>
-                <a:srgbClr val="000000"/>
-              </a:buClr>
-              <a:buFont typeface="Arial"/>
-              <a:buChar char="•"/>
-            </a:pPr>
-            <a:r>
-              <a:rPr lang="pt-BR" sz="1600" spc="-1" dirty="0">
-                <a:solidFill>
-                  <a:srgbClr val="000000"/>
-                </a:solidFill>
-                <a:uFill>
-                  <a:solidFill>
-                    <a:srgbClr val="FFFFFF"/>
-                  </a:solidFill>
-                </a:uFill>
-                <a:latin typeface="Calibri" panose="020F0502020204030204" pitchFamily="34" charset="0"/>
-                <a:cs typeface="Calibri" panose="020F0502020204030204" pitchFamily="34" charset="0"/>
-              </a:rPr>
-              <a:t>Usado para agrupar várias referências remotas para objetos em diferentes </a:t>
-            </a:r>
-            <a:r>
-              <a:rPr lang="pt-BR" sz="1600" spc="-1" dirty="0" smtClean="0">
-                <a:solidFill>
-                  <a:srgbClr val="000000"/>
-                </a:solidFill>
-                <a:uFill>
-                  <a:solidFill>
-                    <a:srgbClr val="FFFFFF"/>
-                  </a:solidFill>
-                </a:uFill>
-                <a:latin typeface="Calibri" panose="020F0502020204030204" pitchFamily="34" charset="0"/>
-                <a:cs typeface="Calibri" panose="020F0502020204030204" pitchFamily="34" charset="0"/>
-              </a:rPr>
-              <a:t>places</a:t>
-            </a:r>
-          </a:p>
-          <a:p>
-            <a:pPr marL="228600" indent="-227880">
-              <a:lnSpc>
-                <a:spcPct val="90000"/>
-              </a:lnSpc>
-              <a:buClr>
-                <a:srgbClr val="000000"/>
-              </a:buClr>
-              <a:buFont typeface="Arial"/>
-              <a:buChar char="•"/>
-            </a:pPr>
-            <a:endParaRPr lang="pt-BR" sz="1600" spc="-1" dirty="0">
-              <a:solidFill>
-                <a:srgbClr val="000000"/>
-              </a:solidFill>
-              <a:uFill>
-                <a:solidFill>
-                  <a:srgbClr val="FFFFFF"/>
-                </a:solidFill>
-              </a:uFill>
-              <a:latin typeface="Calibri" panose="020F0502020204030204" pitchFamily="34" charset="0"/>
-              <a:cs typeface="Calibri" panose="020F0502020204030204" pitchFamily="34" charset="0"/>
-            </a:endParaRPr>
-          </a:p>
-          <a:p>
-            <a:pPr marL="228600" indent="-227880">
-              <a:lnSpc>
-                <a:spcPct val="90000"/>
-              </a:lnSpc>
-              <a:buClr>
-                <a:srgbClr val="000000"/>
-              </a:buClr>
-              <a:buFont typeface="Arial"/>
-              <a:buChar char="•"/>
-            </a:pPr>
-            <a:r>
-              <a:rPr lang="pt-BR" sz="1600" spc="-1" dirty="0" smtClean="0">
-                <a:solidFill>
-                  <a:srgbClr val="000000"/>
-                </a:solidFill>
-                <a:uFill>
-                  <a:solidFill>
-                    <a:srgbClr val="FFFFFF"/>
-                  </a:solidFill>
-                </a:uFill>
-                <a:latin typeface="Calibri" panose="020F0502020204030204" pitchFamily="34" charset="0"/>
-                <a:cs typeface="Calibri" panose="020F0502020204030204" pitchFamily="34" charset="0"/>
-              </a:rPr>
-              <a:t>Cada PLH também é manipulado apenas no seu local de origem, porém é criado um PLH para cada Place</a:t>
-            </a:r>
-          </a:p>
-          <a:p>
-            <a:pPr marL="228600" indent="-227880">
-              <a:lnSpc>
-                <a:spcPct val="90000"/>
-              </a:lnSpc>
-              <a:buClr>
-                <a:srgbClr val="000000"/>
-              </a:buClr>
-              <a:buFont typeface="Arial"/>
-              <a:buChar char="•"/>
-            </a:pPr>
-            <a:endParaRPr lang="pt-BR" sz="1600" spc="-1" dirty="0">
-              <a:solidFill>
-                <a:srgbClr val="000000"/>
-              </a:solidFill>
-              <a:uFill>
-                <a:solidFill>
-                  <a:srgbClr val="FFFFFF"/>
-                </a:solidFill>
-              </a:uFill>
-              <a:latin typeface="Calibri" panose="020F0502020204030204" pitchFamily="34" charset="0"/>
-              <a:cs typeface="Calibri" panose="020F0502020204030204" pitchFamily="34" charset="0"/>
-            </a:endParaRPr>
-          </a:p>
-          <a:p>
-            <a:pPr marL="228600" indent="-227880">
-              <a:lnSpc>
-                <a:spcPct val="90000"/>
-              </a:lnSpc>
-              <a:buClr>
-                <a:srgbClr val="000000"/>
-              </a:buClr>
-              <a:buFont typeface="Arial"/>
-              <a:buChar char="•"/>
-            </a:pPr>
-            <a:r>
-              <a:rPr lang="pt-BR" sz="1600" spc="-1" dirty="0" smtClean="0">
-                <a:solidFill>
-                  <a:srgbClr val="000000"/>
-                </a:solidFill>
-                <a:uFill>
-                  <a:solidFill>
-                    <a:srgbClr val="FFFFFF"/>
-                  </a:solidFill>
-                </a:uFill>
-                <a:latin typeface="Calibri" panose="020F0502020204030204" pitchFamily="34" charset="0"/>
-                <a:cs typeface="Calibri" panose="020F0502020204030204" pitchFamily="34" charset="0"/>
-              </a:rPr>
-              <a:t>Podem ser modificados dentro de um bloco at()</a:t>
-            </a:r>
+            <a:endParaRPr lang="pt-BR" sz="1800" b="0" strike="noStrike" spc="-1" dirty="0">
+              <a:uFill>
+                <a:solidFill>
+                  <a:srgbClr val="FFFFFF"/>
+                </a:solidFill>
+              </a:uFill>
+              <a:latin typeface="Arial"/>
+            </a:endParaRPr>
           </a:p>
         </p:txBody>
       </p:sp>
@@ -28065,14 +27864,14 @@
       </p:grpSpPr>
       <p:sp>
         <p:nvSpPr>
-          <p:cNvPr id="414" name="CustomShape 1"/>
+          <p:cNvPr id="410" name="CustomShape 1"/>
           <p:cNvSpPr/>
           <p:nvPr/>
         </p:nvSpPr>
         <p:spPr>
           <a:xfrm>
-            <a:off x="609480" y="274680"/>
-            <a:ext cx="10971360" cy="1141560"/>
+            <a:off x="609480" y="273600"/>
+            <a:ext cx="10971720" cy="1144080"/>
           </a:xfrm>
           <a:prstGeom prst="rect">
             <a:avLst/>
@@ -28095,12 +27894,12 @@
           <a:fontRef idx="minor"/>
         </p:style>
         <p:txBody>
-          <a:bodyPr lIns="90000" tIns="45000" rIns="90000" bIns="45000" anchor="ctr"/>
+          <a:bodyPr lIns="0" tIns="0" rIns="0" bIns="0" anchor="ctr"/>
           <a:lstStyle/>
           <a:p>
             <a:pPr>
               <a:lnSpc>
-                <a:spcPct val="100000"/>
+                <a:spcPct val="90000"/>
               </a:lnSpc>
             </a:pPr>
             <a:r>
@@ -28113,35 +27912,37 @@
                     <a:srgbClr val="FFFFFF"/>
                   </a:solidFill>
                 </a:uFill>
-                <a:latin typeface="Calibri"/>
+                <a:latin typeface="Calibri" panose="020F0502020204030204" pitchFamily="34" charset="0"/>
                 <a:ea typeface="DejaVu Sans"/>
+                <a:cs typeface="Calibri" panose="020F0502020204030204" pitchFamily="34" charset="0"/>
               </a:rPr>
-              <a:t>Busca em árvore com x10</a:t>
+              <a:t>PlaceLocalHandle</a:t>
             </a:r>
-            <a:endParaRPr lang="pt-BR" sz="1800" b="0" strike="noStrike" spc="-1" dirty="0">
-              <a:solidFill>
-                <a:srgbClr val="000000"/>
-              </a:solidFill>
-              <a:uFill>
-                <a:solidFill>
-                  <a:srgbClr val="FFFFFF"/>
-                </a:solidFill>
-              </a:uFill>
-              <a:latin typeface="Arial"/>
+            <a:endParaRPr lang="pt-BR" sz="2400" b="0" strike="noStrike" spc="-1" dirty="0">
+              <a:solidFill>
+                <a:srgbClr val="000000"/>
+              </a:solidFill>
+              <a:uFill>
+                <a:solidFill>
+                  <a:srgbClr val="FFFFFF"/>
+                </a:solidFill>
+              </a:uFill>
+              <a:latin typeface="Calibri" panose="020F0502020204030204" pitchFamily="34" charset="0"/>
+              <a:cs typeface="Calibri" panose="020F0502020204030204" pitchFamily="34" charset="0"/>
             </a:endParaRPr>
           </a:p>
         </p:txBody>
       </p:sp>
       <p:sp>
         <p:nvSpPr>
-          <p:cNvPr id="415" name="CustomShape 2"/>
+          <p:cNvPr id="411" name="CustomShape 2"/>
           <p:cNvSpPr/>
           <p:nvPr/>
         </p:nvSpPr>
         <p:spPr>
           <a:xfrm>
-            <a:off x="609480" y="1600200"/>
-            <a:ext cx="10971360" cy="4524480"/>
+            <a:off x="6439680" y="273600"/>
+            <a:ext cx="5279400" cy="3976560"/>
           </a:xfrm>
           <a:prstGeom prst="rect">
             <a:avLst/>
@@ -28163,10 +27964,37 @@
           </a:effectRef>
           <a:fontRef idx="minor"/>
         </p:style>
+        <p:txBody>
+          <a:bodyPr lIns="0" tIns="0" rIns="0" bIns="0" anchor="ctr"/>
+          <a:lstStyle/>
+          <a:p>
+            <a:pPr marL="228600" indent="-227880">
+              <a:lnSpc>
+                <a:spcPct val="90000"/>
+              </a:lnSpc>
+              <a:buClr>
+                <a:srgbClr val="000000"/>
+              </a:buClr>
+              <a:buFont typeface="Arial"/>
+              <a:buChar char="•"/>
+            </a:pPr>
+            <a:endParaRPr lang="pt-BR" sz="1100" b="0" strike="noStrike" spc="-1" dirty="0">
+              <a:solidFill>
+                <a:srgbClr val="000000"/>
+              </a:solidFill>
+              <a:uFill>
+                <a:solidFill>
+                  <a:srgbClr val="FFFFFF"/>
+                </a:solidFill>
+              </a:uFill>
+              <a:latin typeface="Arial"/>
+            </a:endParaRPr>
+          </a:p>
+        </p:txBody>
       </p:sp>
       <p:pic>
         <p:nvPicPr>
-          <p:cNvPr id="416" name="Picture 4"/>
+          <p:cNvPr id="412" name="Imagem 3"/>
           <p:cNvPicPr/>
           <p:nvPr/>
         </p:nvPicPr>
@@ -28176,8 +28004,8 @@
         </p:blipFill>
         <p:spPr>
           <a:xfrm>
-            <a:off x="3535200" y="1984680"/>
-            <a:ext cx="5120640" cy="3755880"/>
+            <a:off x="6080225" y="1124744"/>
+            <a:ext cx="5829480" cy="3371760"/>
           </a:xfrm>
           <a:prstGeom prst="rect">
             <a:avLst/>
@@ -28187,6 +28015,486 @@
           </a:ln>
         </p:spPr>
       </p:pic>
+      <p:sp>
+        <p:nvSpPr>
+          <p:cNvPr id="413" name="CustomShape 3"/>
+          <p:cNvSpPr/>
+          <p:nvPr/>
+        </p:nvSpPr>
+        <p:spPr>
+          <a:xfrm>
+            <a:off x="6062134" y="4496504"/>
+            <a:ext cx="4043880" cy="2036880"/>
+          </a:xfrm>
+          <a:prstGeom prst="rect">
+            <a:avLst/>
+          </a:prstGeom>
+          <a:noFill/>
+          <a:ln>
+            <a:noFill/>
+          </a:ln>
+        </p:spPr>
+        <p:style>
+          <a:lnRef idx="0">
+            <a:scrgbClr r="0" g="0" b="0"/>
+          </a:lnRef>
+          <a:fillRef idx="0">
+            <a:scrgbClr r="0" g="0" b="0"/>
+          </a:fillRef>
+          <a:effectRef idx="0">
+            <a:scrgbClr r="0" g="0" b="0"/>
+          </a:effectRef>
+          <a:fontRef idx="minor"/>
+        </p:style>
+        <p:txBody>
+          <a:bodyPr lIns="90000" tIns="45000" rIns="90000" bIns="45000"/>
+          <a:lstStyle/>
+          <a:p>
+            <a:pPr>
+              <a:lnSpc>
+                <a:spcPct val="100000"/>
+              </a:lnSpc>
+            </a:pPr>
+            <a:r>
+              <a:rPr lang="pt-BR" sz="1200" b="0" strike="noStrike" spc="-1" dirty="0">
+                <a:solidFill>
+                  <a:srgbClr val="000000"/>
+                </a:solidFill>
+                <a:uFill>
+                  <a:solidFill>
+                    <a:srgbClr val="FFFFFF"/>
+                  </a:solidFill>
+                </a:uFill>
+                <a:latin typeface="Consolas"/>
+                <a:ea typeface="DejaVu Sans"/>
+              </a:rPr>
+              <a:t>static</a:t>
+            </a:r>
+            <a:endParaRPr lang="pt-BR" sz="1200" b="0" strike="noStrike" spc="-1" dirty="0">
+              <a:solidFill>
+                <a:srgbClr val="000000"/>
+              </a:solidFill>
+              <a:uFill>
+                <a:solidFill>
+                  <a:srgbClr val="FFFFFF"/>
+                </a:solidFill>
+              </a:uFill>
+              <a:latin typeface="Arial"/>
+            </a:endParaRPr>
+          </a:p>
+          <a:p>
+            <a:pPr>
+              <a:lnSpc>
+                <a:spcPct val="100000"/>
+              </a:lnSpc>
+            </a:pPr>
+            <a:r>
+              <a:rPr lang="pt-BR" sz="1200" b="0" strike="noStrike" spc="-1" dirty="0">
+                <a:solidFill>
+                  <a:srgbClr val="000000"/>
+                </a:solidFill>
+                <a:uFill>
+                  <a:solidFill>
+                    <a:srgbClr val="FFFFFF"/>
+                  </a:solidFill>
+                </a:uFill>
+                <a:latin typeface="Consolas"/>
+                <a:ea typeface="DejaVu Sans"/>
+              </a:rPr>
+              <a:t>0 0</a:t>
+            </a:r>
+            <a:endParaRPr lang="pt-BR" sz="1200" b="0" strike="noStrike" spc="-1" dirty="0">
+              <a:solidFill>
+                <a:srgbClr val="000000"/>
+              </a:solidFill>
+              <a:uFill>
+                <a:solidFill>
+                  <a:srgbClr val="FFFFFF"/>
+                </a:solidFill>
+              </a:uFill>
+              <a:latin typeface="Arial"/>
+            </a:endParaRPr>
+          </a:p>
+          <a:p>
+            <a:pPr>
+              <a:lnSpc>
+                <a:spcPct val="100000"/>
+              </a:lnSpc>
+            </a:pPr>
+            <a:r>
+              <a:rPr lang="pt-BR" sz="1200" b="0" strike="noStrike" spc="-1" dirty="0">
+                <a:solidFill>
+                  <a:srgbClr val="000000"/>
+                </a:solidFill>
+                <a:uFill>
+                  <a:solidFill>
+                    <a:srgbClr val="FFFFFF"/>
+                  </a:solidFill>
+                </a:uFill>
+                <a:latin typeface="Consolas"/>
+                <a:ea typeface="DejaVu Sans"/>
+              </a:rPr>
+              <a:t>1 1</a:t>
+            </a:r>
+            <a:endParaRPr lang="pt-BR" sz="1200" b="0" strike="noStrike" spc="-1" dirty="0">
+              <a:solidFill>
+                <a:srgbClr val="000000"/>
+              </a:solidFill>
+              <a:uFill>
+                <a:solidFill>
+                  <a:srgbClr val="FFFFFF"/>
+                </a:solidFill>
+              </a:uFill>
+              <a:latin typeface="Arial"/>
+            </a:endParaRPr>
+          </a:p>
+          <a:p>
+            <a:pPr>
+              <a:lnSpc>
+                <a:spcPct val="100000"/>
+              </a:lnSpc>
+            </a:pPr>
+            <a:r>
+              <a:rPr lang="pt-BR" sz="1200" b="0" strike="noStrike" spc="-1" dirty="0">
+                <a:solidFill>
+                  <a:srgbClr val="000000"/>
+                </a:solidFill>
+                <a:uFill>
+                  <a:solidFill>
+                    <a:srgbClr val="FFFFFF"/>
+                  </a:solidFill>
+                </a:uFill>
+                <a:latin typeface="Consolas"/>
+                <a:ea typeface="DejaVu Sans"/>
+              </a:rPr>
+              <a:t>2 2</a:t>
+            </a:r>
+            <a:endParaRPr lang="pt-BR" sz="1200" b="0" strike="noStrike" spc="-1" dirty="0">
+              <a:solidFill>
+                <a:srgbClr val="000000"/>
+              </a:solidFill>
+              <a:uFill>
+                <a:solidFill>
+                  <a:srgbClr val="FFFFFF"/>
+                </a:solidFill>
+              </a:uFill>
+              <a:latin typeface="Arial"/>
+            </a:endParaRPr>
+          </a:p>
+          <a:p>
+            <a:pPr>
+              <a:lnSpc>
+                <a:spcPct val="100000"/>
+              </a:lnSpc>
+            </a:pPr>
+            <a:r>
+              <a:rPr lang="pt-BR" sz="1200" b="0" strike="noStrike" spc="-1" dirty="0">
+                <a:solidFill>
+                  <a:srgbClr val="000000"/>
+                </a:solidFill>
+                <a:uFill>
+                  <a:solidFill>
+                    <a:srgbClr val="FFFFFF"/>
+                  </a:solidFill>
+                </a:uFill>
+                <a:latin typeface="Consolas"/>
+                <a:ea typeface="DejaVu Sans"/>
+              </a:rPr>
+              <a:t>local</a:t>
+            </a:r>
+            <a:endParaRPr lang="pt-BR" sz="1200" b="0" strike="noStrike" spc="-1" dirty="0">
+              <a:solidFill>
+                <a:srgbClr val="000000"/>
+              </a:solidFill>
+              <a:uFill>
+                <a:solidFill>
+                  <a:srgbClr val="FFFFFF"/>
+                </a:solidFill>
+              </a:uFill>
+              <a:latin typeface="Arial"/>
+            </a:endParaRPr>
+          </a:p>
+          <a:p>
+            <a:pPr>
+              <a:lnSpc>
+                <a:spcPct val="100000"/>
+              </a:lnSpc>
+            </a:pPr>
+            <a:r>
+              <a:rPr lang="pt-BR" sz="1200" b="0" strike="noStrike" spc="-1" dirty="0">
+                <a:solidFill>
+                  <a:srgbClr val="000000"/>
+                </a:solidFill>
+                <a:uFill>
+                  <a:solidFill>
+                    <a:srgbClr val="FFFFFF"/>
+                  </a:solidFill>
+                </a:uFill>
+                <a:latin typeface="Consolas"/>
+                <a:ea typeface="DejaVu Sans"/>
+              </a:rPr>
+              <a:t>0 0</a:t>
+            </a:r>
+            <a:endParaRPr lang="pt-BR" sz="1200" b="0" strike="noStrike" spc="-1" dirty="0">
+              <a:solidFill>
+                <a:srgbClr val="000000"/>
+              </a:solidFill>
+              <a:uFill>
+                <a:solidFill>
+                  <a:srgbClr val="FFFFFF"/>
+                </a:solidFill>
+              </a:uFill>
+              <a:latin typeface="Arial"/>
+            </a:endParaRPr>
+          </a:p>
+          <a:p>
+            <a:pPr>
+              <a:lnSpc>
+                <a:spcPct val="100000"/>
+              </a:lnSpc>
+            </a:pPr>
+            <a:r>
+              <a:rPr lang="pt-BR" sz="1200" b="0" strike="noStrike" spc="-1" dirty="0">
+                <a:solidFill>
+                  <a:srgbClr val="000000"/>
+                </a:solidFill>
+                <a:uFill>
+                  <a:solidFill>
+                    <a:srgbClr val="FFFFFF"/>
+                  </a:solidFill>
+                </a:uFill>
+                <a:latin typeface="Consolas"/>
+                <a:ea typeface="DejaVu Sans"/>
+              </a:rPr>
+              <a:t>1 -1</a:t>
+            </a:r>
+            <a:endParaRPr lang="pt-BR" sz="1200" b="0" strike="noStrike" spc="-1" dirty="0">
+              <a:solidFill>
+                <a:srgbClr val="000000"/>
+              </a:solidFill>
+              <a:uFill>
+                <a:solidFill>
+                  <a:srgbClr val="FFFFFF"/>
+                </a:solidFill>
+              </a:uFill>
+              <a:latin typeface="Arial"/>
+            </a:endParaRPr>
+          </a:p>
+          <a:p>
+            <a:pPr>
+              <a:lnSpc>
+                <a:spcPct val="100000"/>
+              </a:lnSpc>
+            </a:pPr>
+            <a:r>
+              <a:rPr lang="pt-BR" sz="1200" b="0" strike="noStrike" spc="-1" dirty="0">
+                <a:solidFill>
+                  <a:srgbClr val="000000"/>
+                </a:solidFill>
+                <a:uFill>
+                  <a:solidFill>
+                    <a:srgbClr val="FFFFFF"/>
+                  </a:solidFill>
+                </a:uFill>
+                <a:latin typeface="Consolas"/>
+                <a:ea typeface="DejaVu Sans"/>
+              </a:rPr>
+              <a:t>2 -1</a:t>
+            </a:r>
+            <a:endParaRPr lang="pt-BR" sz="1200" b="0" strike="noStrike" spc="-1" dirty="0">
+              <a:solidFill>
+                <a:srgbClr val="000000"/>
+              </a:solidFill>
+              <a:uFill>
+                <a:solidFill>
+                  <a:srgbClr val="FFFFFF"/>
+                </a:solidFill>
+              </a:uFill>
+              <a:latin typeface="Arial"/>
+            </a:endParaRPr>
+          </a:p>
+        </p:txBody>
+      </p:sp>
+      <p:sp>
+        <p:nvSpPr>
+          <p:cNvPr id="6" name="CustomShape 2"/>
+          <p:cNvSpPr/>
+          <p:nvPr/>
+        </p:nvSpPr>
+        <p:spPr>
+          <a:xfrm>
+            <a:off x="609480" y="1600200"/>
+            <a:ext cx="5198488" cy="4524480"/>
+          </a:xfrm>
+          <a:prstGeom prst="rect">
+            <a:avLst/>
+          </a:prstGeom>
+          <a:noFill/>
+          <a:ln>
+            <a:noFill/>
+          </a:ln>
+        </p:spPr>
+        <p:style>
+          <a:lnRef idx="0">
+            <a:scrgbClr r="0" g="0" b="0"/>
+          </a:lnRef>
+          <a:fillRef idx="0">
+            <a:scrgbClr r="0" g="0" b="0"/>
+          </a:fillRef>
+          <a:effectRef idx="0">
+            <a:scrgbClr r="0" g="0" b="0"/>
+          </a:effectRef>
+          <a:fontRef idx="minor"/>
+        </p:style>
+        <p:txBody>
+          <a:bodyPr lIns="90000" tIns="45000" rIns="90000" bIns="45000"/>
+          <a:lstStyle/>
+          <a:p>
+            <a:pPr marL="228600" indent="-227880">
+              <a:lnSpc>
+                <a:spcPct val="90000"/>
+              </a:lnSpc>
+              <a:buClr>
+                <a:srgbClr val="000000"/>
+              </a:buClr>
+              <a:buFont typeface="Arial"/>
+              <a:buChar char="•"/>
+            </a:pPr>
+            <a:r>
+              <a:rPr lang="pt-BR" sz="1600" spc="-1" dirty="0">
+                <a:solidFill>
+                  <a:srgbClr val="000000"/>
+                </a:solidFill>
+                <a:uFill>
+                  <a:solidFill>
+                    <a:srgbClr val="FFFFFF"/>
+                  </a:solidFill>
+                </a:uFill>
+                <a:latin typeface="Calibri" panose="020F0502020204030204" pitchFamily="34" charset="0"/>
+                <a:cs typeface="Calibri" panose="020F0502020204030204" pitchFamily="34" charset="0"/>
+              </a:rPr>
+              <a:t>Usado para agrupar várias referências remotas para objetos em diferentes </a:t>
+            </a:r>
+            <a:r>
+              <a:rPr lang="pt-BR" sz="1600" spc="-1" dirty="0" smtClean="0">
+                <a:solidFill>
+                  <a:srgbClr val="000000"/>
+                </a:solidFill>
+                <a:uFill>
+                  <a:solidFill>
+                    <a:srgbClr val="FFFFFF"/>
+                  </a:solidFill>
+                </a:uFill>
+                <a:latin typeface="Calibri" panose="020F0502020204030204" pitchFamily="34" charset="0"/>
+                <a:cs typeface="Calibri" panose="020F0502020204030204" pitchFamily="34" charset="0"/>
+              </a:rPr>
+              <a:t>places</a:t>
+            </a:r>
+          </a:p>
+          <a:p>
+            <a:pPr marL="228600" indent="-227880">
+              <a:lnSpc>
+                <a:spcPct val="90000"/>
+              </a:lnSpc>
+              <a:buClr>
+                <a:srgbClr val="000000"/>
+              </a:buClr>
+              <a:buFont typeface="Arial"/>
+              <a:buChar char="•"/>
+            </a:pPr>
+            <a:endParaRPr lang="pt-BR" sz="1600" spc="-1" dirty="0">
+              <a:solidFill>
+                <a:srgbClr val="000000"/>
+              </a:solidFill>
+              <a:uFill>
+                <a:solidFill>
+                  <a:srgbClr val="FFFFFF"/>
+                </a:solidFill>
+              </a:uFill>
+              <a:latin typeface="Calibri" panose="020F0502020204030204" pitchFamily="34" charset="0"/>
+              <a:cs typeface="Calibri" panose="020F0502020204030204" pitchFamily="34" charset="0"/>
+            </a:endParaRPr>
+          </a:p>
+          <a:p>
+            <a:pPr marL="228600" indent="-227880">
+              <a:lnSpc>
+                <a:spcPct val="90000"/>
+              </a:lnSpc>
+              <a:buClr>
+                <a:srgbClr val="000000"/>
+              </a:buClr>
+              <a:buFont typeface="Arial"/>
+              <a:buChar char="•"/>
+            </a:pPr>
+            <a:r>
+              <a:rPr lang="pt-BR" sz="1600" spc="-1" dirty="0" smtClean="0">
+                <a:solidFill>
+                  <a:srgbClr val="000000"/>
+                </a:solidFill>
+                <a:uFill>
+                  <a:solidFill>
+                    <a:srgbClr val="FFFFFF"/>
+                  </a:solidFill>
+                </a:uFill>
+                <a:latin typeface="Calibri" panose="020F0502020204030204" pitchFamily="34" charset="0"/>
+                <a:cs typeface="Calibri" panose="020F0502020204030204" pitchFamily="34" charset="0"/>
+              </a:rPr>
+              <a:t>Cada PLH também é manipulado apenas no seu local de origem, porém é criado um PLH para cada Place</a:t>
+            </a:r>
+          </a:p>
+          <a:p>
+            <a:pPr marL="228600" indent="-227880">
+              <a:lnSpc>
+                <a:spcPct val="90000"/>
+              </a:lnSpc>
+              <a:buClr>
+                <a:srgbClr val="000000"/>
+              </a:buClr>
+              <a:buFont typeface="Arial"/>
+              <a:buChar char="•"/>
+            </a:pPr>
+            <a:endParaRPr lang="pt-BR" sz="1600" spc="-1" dirty="0">
+              <a:solidFill>
+                <a:srgbClr val="000000"/>
+              </a:solidFill>
+              <a:uFill>
+                <a:solidFill>
+                  <a:srgbClr val="FFFFFF"/>
+                </a:solidFill>
+              </a:uFill>
+              <a:latin typeface="Calibri" panose="020F0502020204030204" pitchFamily="34" charset="0"/>
+              <a:cs typeface="Calibri" panose="020F0502020204030204" pitchFamily="34" charset="0"/>
+            </a:endParaRPr>
+          </a:p>
+          <a:p>
+            <a:pPr marL="228600" indent="-227880">
+              <a:lnSpc>
+                <a:spcPct val="90000"/>
+              </a:lnSpc>
+              <a:buClr>
+                <a:srgbClr val="000000"/>
+              </a:buClr>
+              <a:buFont typeface="Arial"/>
+              <a:buChar char="•"/>
+            </a:pPr>
+            <a:r>
+              <a:rPr lang="pt-BR" sz="1600" spc="-1" dirty="0" smtClean="0">
+                <a:solidFill>
+                  <a:srgbClr val="000000"/>
+                </a:solidFill>
+                <a:uFill>
+                  <a:solidFill>
+                    <a:srgbClr val="FFFFFF"/>
+                  </a:solidFill>
+                </a:uFill>
+                <a:latin typeface="Calibri" panose="020F0502020204030204" pitchFamily="34" charset="0"/>
+                <a:cs typeface="Calibri" panose="020F0502020204030204" pitchFamily="34" charset="0"/>
+              </a:rPr>
+              <a:t>Podem ser modificados dentro de um bloco at()</a:t>
+            </a:r>
+          </a:p>
+        </p:txBody>
+      </p:sp>
     </p:spTree>
   </p:cSld>
   <p:clrMapOvr>
@@ -28241,7 +28549,7 @@
       </p:grpSpPr>
       <p:sp>
         <p:nvSpPr>
-          <p:cNvPr id="417" name="CustomShape 1"/>
+          <p:cNvPr id="414" name="CustomShape 1"/>
           <p:cNvSpPr/>
           <p:nvPr/>
         </p:nvSpPr>
@@ -28310,7 +28618,7 @@
       </p:sp>
       <p:sp>
         <p:nvSpPr>
-          <p:cNvPr id="418" name="CustomShape 2"/>
+          <p:cNvPr id="415" name="CustomShape 2"/>
           <p:cNvSpPr/>
           <p:nvPr/>
         </p:nvSpPr>
@@ -28342,7 +28650,7 @@
       </p:sp>
       <p:pic>
         <p:nvPicPr>
-          <p:cNvPr id="419" name="Picture 4"/>
+          <p:cNvPr id="416" name="Picture 4"/>
           <p:cNvPicPr/>
           <p:nvPr/>
         </p:nvPicPr>
@@ -28352,8 +28660,8 @@
         </p:blipFill>
         <p:spPr>
           <a:xfrm>
-            <a:off x="2144520" y="1628640"/>
-            <a:ext cx="8414280" cy="4492080"/>
+            <a:off x="3535200" y="1984680"/>
+            <a:ext cx="5120640" cy="3755880"/>
           </a:xfrm>
           <a:prstGeom prst="rect">
             <a:avLst/>
@@ -28417,14 +28725,14 @@
       </p:grpSpPr>
       <p:sp>
         <p:nvSpPr>
-          <p:cNvPr id="420" name="CustomShape 1"/>
+          <p:cNvPr id="417" name="CustomShape 1"/>
           <p:cNvSpPr/>
           <p:nvPr/>
         </p:nvSpPr>
         <p:spPr>
           <a:xfrm>
-            <a:off x="609480" y="273600"/>
-            <a:ext cx="10971720" cy="1144080"/>
+            <a:off x="609480" y="274680"/>
+            <a:ext cx="10971360" cy="1141560"/>
           </a:xfrm>
           <a:prstGeom prst="rect">
             <a:avLst/>
@@ -28447,9 +28755,14 @@
           <a:fontRef idx="minor"/>
         </p:style>
         <p:txBody>
-          <a:bodyPr lIns="0" tIns="0" rIns="0" bIns="0" anchor="ctr"/>
+          <a:bodyPr lIns="90000" tIns="45000" rIns="90000" bIns="45000" anchor="ctr"/>
           <a:lstStyle/>
           <a:p>
+            <a:pPr>
+              <a:lnSpc>
+                <a:spcPct val="100000"/>
+              </a:lnSpc>
+            </a:pPr>
             <a:r>
               <a:rPr lang="pt-BR" sz="2400" b="0" strike="noStrike" spc="-1" dirty="0">
                 <a:solidFill>
@@ -28463,24 +28776,9 @@
                 <a:latin typeface="Calibri"/>
                 <a:ea typeface="DejaVu Sans"/>
               </a:rPr>
-              <a:t>Busca em árvore com </a:t>
+              <a:t>Busca em árvore com x10</a:t>
             </a:r>
-            <a:r>
-              <a:rPr lang="pt-BR" sz="2400" b="0" strike="noStrike" spc="-1" dirty="0" smtClean="0">
-                <a:solidFill>
-                  <a:srgbClr val="000000"/>
-                </a:solidFill>
-                <a:uFill>
-                  <a:solidFill>
-                    <a:srgbClr val="FFFFFF"/>
-                  </a:solidFill>
-                </a:uFill>
-                <a:latin typeface="Calibri"/>
-                <a:ea typeface="DejaVu Sans"/>
-              </a:rPr>
-              <a:t>x10</a:t>
-            </a:r>
-            <a:endParaRPr lang="pt-BR" sz="2400" b="0" strike="noStrike" spc="-1" dirty="0">
+            <a:endParaRPr lang="pt-BR" sz="1800" b="0" strike="noStrike" spc="-1" dirty="0">
               <a:solidFill>
                 <a:srgbClr val="000000"/>
               </a:solidFill>
@@ -28496,14 +28794,14 @@
       </p:sp>
       <p:sp>
         <p:nvSpPr>
-          <p:cNvPr id="421" name="CustomShape 2"/>
+          <p:cNvPr id="418" name="CustomShape 2"/>
           <p:cNvSpPr/>
           <p:nvPr/>
         </p:nvSpPr>
         <p:spPr>
           <a:xfrm>
-            <a:off x="609480" y="1604520"/>
-            <a:ext cx="10971720" cy="4560784"/>
+            <a:off x="609480" y="1600200"/>
+            <a:ext cx="10971360" cy="4524480"/>
           </a:xfrm>
           <a:prstGeom prst="rect">
             <a:avLst/>
@@ -28525,722 +28823,31 @@
           </a:effectRef>
           <a:fontRef idx="minor"/>
         </p:style>
-        <p:txBody>
-          <a:bodyPr lIns="0" tIns="0" rIns="0" bIns="0" anchor="t"/>
-          <a:lstStyle/>
-          <a:p>
-            <a:pPr marL="228600" indent="-227880">
-              <a:lnSpc>
-                <a:spcPct val="90000"/>
-              </a:lnSpc>
-              <a:buClr>
-                <a:srgbClr val="000000"/>
-              </a:buClr>
-              <a:buFont typeface="Arial"/>
-              <a:buChar char="•"/>
-            </a:pPr>
-            <a:r>
-              <a:rPr lang="pt-BR" sz="1600" b="0" strike="noStrike" spc="-1" dirty="0" smtClean="0">
-                <a:solidFill>
-                  <a:srgbClr val="000000"/>
-                </a:solidFill>
-                <a:uFill>
-                  <a:solidFill>
-                    <a:srgbClr val="FFFFFF"/>
-                  </a:solidFill>
-                </a:uFill>
-                <a:latin typeface="Calibri" panose="020F0502020204030204" pitchFamily="34" charset="0"/>
-                <a:ea typeface="DejaVu Sans"/>
-                <a:cs typeface="Calibri" panose="020F0502020204030204" pitchFamily="34" charset="0"/>
-              </a:rPr>
-              <a:t>Cada </a:t>
-            </a:r>
-            <a:r>
-              <a:rPr lang="pt-BR" sz="1600" b="0" strike="noStrike" spc="-1" dirty="0">
-                <a:solidFill>
-                  <a:srgbClr val="000000"/>
-                </a:solidFill>
-                <a:uFill>
-                  <a:solidFill>
-                    <a:srgbClr val="FFFFFF"/>
-                  </a:solidFill>
-                </a:uFill>
-                <a:latin typeface="Calibri" panose="020F0502020204030204" pitchFamily="34" charset="0"/>
-                <a:ea typeface="DejaVu Sans"/>
-                <a:cs typeface="Calibri" panose="020F0502020204030204" pitchFamily="34" charset="0"/>
-              </a:rPr>
-              <a:t>place </a:t>
-            </a:r>
-            <a:r>
-              <a:rPr lang="pt-BR" sz="1600" b="0" strike="noStrike" spc="-1" dirty="0" smtClean="0">
-                <a:solidFill>
-                  <a:srgbClr val="000000"/>
-                </a:solidFill>
-                <a:uFill>
-                  <a:solidFill>
-                    <a:srgbClr val="FFFFFF"/>
-                  </a:solidFill>
-                </a:uFill>
-                <a:latin typeface="Calibri" panose="020F0502020204030204" pitchFamily="34" charset="0"/>
-                <a:ea typeface="DejaVu Sans"/>
-                <a:cs typeface="Calibri" panose="020F0502020204030204" pitchFamily="34" charset="0"/>
-              </a:rPr>
-              <a:t>possui: (PlaceLocalHandle)</a:t>
-            </a:r>
-          </a:p>
-          <a:p>
-            <a:pPr marL="685800" lvl="1" indent="-227880">
-              <a:lnSpc>
-                <a:spcPct val="90000"/>
-              </a:lnSpc>
-              <a:buClr>
-                <a:srgbClr val="000000"/>
-              </a:buClr>
-              <a:buFont typeface="Arial"/>
-              <a:buChar char="•"/>
-            </a:pPr>
-            <a:r>
-              <a:rPr lang="pt-BR" sz="1400" spc="-1" dirty="0" smtClean="0">
-                <a:solidFill>
-                  <a:srgbClr val="000000"/>
-                </a:solidFill>
-                <a:uFill>
-                  <a:solidFill>
-                    <a:srgbClr val="FFFFFF"/>
-                  </a:solidFill>
-                </a:uFill>
-                <a:latin typeface="Calibri" panose="020F0502020204030204" pitchFamily="34" charset="0"/>
-                <a:cs typeface="Calibri" panose="020F0502020204030204" pitchFamily="34" charset="0"/>
-              </a:rPr>
-              <a:t>1 Pilha</a:t>
-            </a:r>
-          </a:p>
-          <a:p>
-            <a:pPr marL="685800" lvl="1" indent="-227880">
-              <a:lnSpc>
-                <a:spcPct val="90000"/>
-              </a:lnSpc>
-              <a:buClr>
-                <a:srgbClr val="000000"/>
-              </a:buClr>
-              <a:buFont typeface="Arial"/>
-              <a:buChar char="•"/>
-            </a:pPr>
-            <a:r>
-              <a:rPr lang="pt-BR" sz="1400" b="0" strike="noStrike" spc="-1" dirty="0" smtClean="0">
-                <a:solidFill>
-                  <a:srgbClr val="000000"/>
-                </a:solidFill>
-                <a:uFill>
-                  <a:solidFill>
-                    <a:srgbClr val="FFFFFF"/>
-                  </a:solidFill>
-                </a:uFill>
-                <a:latin typeface="Calibri" panose="020F0502020204030204" pitchFamily="34" charset="0"/>
-                <a:cs typeface="Calibri" panose="020F0502020204030204" pitchFamily="34" charset="0"/>
-              </a:rPr>
-              <a:t>1 valor de melhor custo de rota local</a:t>
-            </a:r>
-          </a:p>
-          <a:p>
-            <a:pPr marL="685800" lvl="1" indent="-227880">
-              <a:lnSpc>
-                <a:spcPct val="90000"/>
-              </a:lnSpc>
-              <a:buClr>
-                <a:srgbClr val="000000"/>
-              </a:buClr>
-              <a:buFont typeface="Arial"/>
-              <a:buChar char="•"/>
-            </a:pPr>
-            <a:r>
-              <a:rPr lang="pt-BR" sz="1400" b="0" strike="noStrike" spc="-1" dirty="0" smtClean="0">
-                <a:solidFill>
-                  <a:srgbClr val="000000"/>
-                </a:solidFill>
-                <a:uFill>
-                  <a:solidFill>
-                    <a:srgbClr val="FFFFFF"/>
-                  </a:solidFill>
-                </a:uFill>
-                <a:latin typeface="Calibri" panose="020F0502020204030204" pitchFamily="34" charset="0"/>
-                <a:cs typeface="Calibri" panose="020F0502020204030204" pitchFamily="34" charset="0"/>
-              </a:rPr>
-              <a:t>2 variáveis de estado (</a:t>
-            </a:r>
-            <a:r>
-              <a:rPr lang="pt-BR" sz="1400" b="0" i="1" strike="noStrike" spc="-1" dirty="0" smtClean="0">
-                <a:solidFill>
-                  <a:srgbClr val="000000"/>
-                </a:solidFill>
-                <a:uFill>
-                  <a:solidFill>
-                    <a:srgbClr val="FFFFFF"/>
-                  </a:solidFill>
-                </a:uFill>
-                <a:latin typeface="Calibri" panose="020F0502020204030204" pitchFamily="34" charset="0"/>
-                <a:cs typeface="Calibri" panose="020F0502020204030204" pitchFamily="34" charset="0"/>
-              </a:rPr>
-              <a:t>working </a:t>
-            </a:r>
-            <a:r>
-              <a:rPr lang="pt-BR" sz="1400" b="0" strike="noStrike" spc="-1" dirty="0" smtClean="0">
-                <a:solidFill>
-                  <a:srgbClr val="000000"/>
-                </a:solidFill>
-                <a:uFill>
-                  <a:solidFill>
-                    <a:srgbClr val="FFFFFF"/>
-                  </a:solidFill>
-                </a:uFill>
-                <a:latin typeface="Calibri" panose="020F0502020204030204" pitchFamily="34" charset="0"/>
-                <a:cs typeface="Calibri" panose="020F0502020204030204" pitchFamily="34" charset="0"/>
-              </a:rPr>
-              <a:t>e </a:t>
-            </a:r>
-            <a:r>
-              <a:rPr lang="pt-BR" sz="1400" b="0" i="1" strike="noStrike" spc="-1" dirty="0" smtClean="0">
-                <a:solidFill>
-                  <a:srgbClr val="000000"/>
-                </a:solidFill>
-                <a:uFill>
-                  <a:solidFill>
-                    <a:srgbClr val="FFFFFF"/>
-                  </a:solidFill>
-                </a:uFill>
-                <a:latin typeface="Calibri" panose="020F0502020204030204" pitchFamily="34" charset="0"/>
-                <a:cs typeface="Calibri" panose="020F0502020204030204" pitchFamily="34" charset="0"/>
-              </a:rPr>
-              <a:t>not_terminate</a:t>
-            </a:r>
-            <a:r>
-              <a:rPr lang="pt-BR" sz="1400" b="0" strike="noStrike" spc="-1" dirty="0" smtClean="0">
-                <a:solidFill>
-                  <a:srgbClr val="000000"/>
-                </a:solidFill>
-                <a:uFill>
-                  <a:solidFill>
-                    <a:srgbClr val="FFFFFF"/>
-                  </a:solidFill>
-                </a:uFill>
-                <a:latin typeface="Calibri" panose="020F0502020204030204" pitchFamily="34" charset="0"/>
-                <a:cs typeface="Calibri" panose="020F0502020204030204" pitchFamily="34" charset="0"/>
-              </a:rPr>
-              <a:t>)</a:t>
-            </a:r>
-          </a:p>
-          <a:p>
-            <a:pPr marL="685800" lvl="1" indent="-227880">
-              <a:lnSpc>
-                <a:spcPct val="90000"/>
-              </a:lnSpc>
-              <a:buClr>
-                <a:srgbClr val="000000"/>
-              </a:buClr>
-              <a:buFont typeface="Arial"/>
-              <a:buChar char="•"/>
-            </a:pPr>
-            <a:r>
-              <a:rPr lang="pt-BR" sz="1400" spc="-1" dirty="0" smtClean="0">
-                <a:solidFill>
-                  <a:srgbClr val="000000"/>
-                </a:solidFill>
-                <a:uFill>
-                  <a:solidFill>
-                    <a:srgbClr val="FFFFFF"/>
-                  </a:solidFill>
-                </a:uFill>
-                <a:latin typeface="Calibri" panose="020F0502020204030204" pitchFamily="34" charset="0"/>
-                <a:cs typeface="Calibri" panose="020F0502020204030204" pitchFamily="34" charset="0"/>
-              </a:rPr>
-              <a:t>2 variáveis para verificar se algum place está vazio e qual está vazio</a:t>
-            </a:r>
-          </a:p>
-          <a:p>
-            <a:pPr marL="228600" indent="-227880">
-              <a:lnSpc>
-                <a:spcPct val="90000"/>
-              </a:lnSpc>
-              <a:buClr>
-                <a:srgbClr val="000000"/>
-              </a:buClr>
-              <a:buFont typeface="Arial"/>
-              <a:buChar char="•"/>
-            </a:pPr>
-            <a:endParaRPr lang="pt-BR" sz="1600" b="0" strike="noStrike" spc="-1" dirty="0" smtClean="0">
-              <a:solidFill>
-                <a:srgbClr val="000000"/>
-              </a:solidFill>
-              <a:uFill>
-                <a:solidFill>
-                  <a:srgbClr val="FFFFFF"/>
-                </a:solidFill>
-              </a:uFill>
-              <a:latin typeface="Calibri" panose="020F0502020204030204" pitchFamily="34" charset="0"/>
-              <a:cs typeface="Calibri" panose="020F0502020204030204" pitchFamily="34" charset="0"/>
-            </a:endParaRPr>
-          </a:p>
-          <a:p>
-            <a:pPr marL="228600" indent="-227880">
-              <a:lnSpc>
-                <a:spcPct val="90000"/>
-              </a:lnSpc>
-              <a:buClr>
-                <a:srgbClr val="000000"/>
-              </a:buClr>
-              <a:buFont typeface="Arial"/>
-              <a:buChar char="•"/>
-            </a:pPr>
-            <a:r>
-              <a:rPr lang="pt-BR" sz="1600" b="0" strike="noStrike" spc="-1" dirty="0" smtClean="0">
-                <a:solidFill>
-                  <a:srgbClr val="000000"/>
-                </a:solidFill>
-                <a:uFill>
-                  <a:solidFill>
-                    <a:srgbClr val="FFFFFF"/>
-                  </a:solidFill>
-                </a:uFill>
-                <a:latin typeface="Calibri" panose="020F0502020204030204" pitchFamily="34" charset="0"/>
-                <a:cs typeface="Calibri" panose="020F0502020204030204" pitchFamily="34" charset="0"/>
-              </a:rPr>
-              <a:t>GlobalRef’s</a:t>
-            </a:r>
-          </a:p>
-          <a:p>
-            <a:pPr marL="685800" lvl="1" indent="-227880">
-              <a:lnSpc>
-                <a:spcPct val="90000"/>
-              </a:lnSpc>
-              <a:buClr>
-                <a:srgbClr val="000000"/>
-              </a:buClr>
-              <a:buFont typeface="Arial"/>
-              <a:buChar char="•"/>
-            </a:pPr>
-            <a:r>
-              <a:rPr lang="pt-BR" sz="1400" b="0" strike="noStrike" spc="-1" dirty="0" smtClean="0">
-                <a:solidFill>
-                  <a:srgbClr val="000000"/>
-                </a:solidFill>
-                <a:uFill>
-                  <a:solidFill>
-                    <a:srgbClr val="FFFFFF"/>
-                  </a:solidFill>
-                </a:uFill>
-                <a:latin typeface="Calibri" panose="020F0502020204030204" pitchFamily="34" charset="0"/>
-                <a:cs typeface="Calibri" panose="020F0502020204030204" pitchFamily="34" charset="0"/>
-              </a:rPr>
-              <a:t>Custo global da melhor rota</a:t>
-            </a:r>
-          </a:p>
-          <a:p>
-            <a:pPr marL="685800" lvl="1" indent="-227880">
-              <a:lnSpc>
-                <a:spcPct val="90000"/>
-              </a:lnSpc>
-              <a:buClr>
-                <a:srgbClr val="000000"/>
-              </a:buClr>
-              <a:buFont typeface="Arial"/>
-              <a:buChar char="•"/>
-            </a:pPr>
-            <a:r>
-              <a:rPr lang="pt-BR" sz="1400" spc="-1" dirty="0" smtClean="0">
-                <a:solidFill>
-                  <a:srgbClr val="000000"/>
-                </a:solidFill>
-                <a:uFill>
-                  <a:solidFill>
-                    <a:srgbClr val="FFFFFF"/>
-                  </a:solidFill>
-                </a:uFill>
-                <a:latin typeface="Calibri" panose="020F0502020204030204" pitchFamily="34" charset="0"/>
-                <a:cs typeface="Calibri" panose="020F0502020204030204" pitchFamily="34" charset="0"/>
-              </a:rPr>
-              <a:t>Rota com menor custo global</a:t>
-            </a:r>
-          </a:p>
-          <a:p>
-            <a:pPr marL="685800" lvl="1" indent="-227880">
-              <a:lnSpc>
-                <a:spcPct val="90000"/>
-              </a:lnSpc>
-              <a:buClr>
-                <a:srgbClr val="000000"/>
-              </a:buClr>
-              <a:buFont typeface="Arial"/>
-              <a:buChar char="•"/>
-            </a:pPr>
-            <a:r>
-              <a:rPr lang="pt-BR" sz="1400" b="0" strike="noStrike" spc="-1" dirty="0" smtClean="0">
-                <a:solidFill>
-                  <a:srgbClr val="000000"/>
-                </a:solidFill>
-                <a:uFill>
-                  <a:solidFill>
-                    <a:srgbClr val="FFFFFF"/>
-                  </a:solidFill>
-                </a:uFill>
-                <a:latin typeface="Calibri" panose="020F0502020204030204" pitchFamily="34" charset="0"/>
-                <a:cs typeface="Calibri" panose="020F0502020204030204" pitchFamily="34" charset="0"/>
-              </a:rPr>
-              <a:t>Array com os id’s dos places que estão esperando</a:t>
-            </a:r>
-          </a:p>
-          <a:p>
-            <a:pPr marL="685800" lvl="1" indent="-227880">
-              <a:lnSpc>
-                <a:spcPct val="90000"/>
-              </a:lnSpc>
-              <a:buClr>
-                <a:srgbClr val="000000"/>
-              </a:buClr>
-              <a:buFont typeface="Arial"/>
-              <a:buChar char="•"/>
-            </a:pPr>
-            <a:r>
-              <a:rPr lang="pt-BR" sz="1400" spc="-1" dirty="0" smtClean="0">
-                <a:solidFill>
-                  <a:srgbClr val="000000"/>
-                </a:solidFill>
-                <a:uFill>
-                  <a:solidFill>
-                    <a:srgbClr val="FFFFFF"/>
-                  </a:solidFill>
-                </a:uFill>
-                <a:latin typeface="Calibri" panose="020F0502020204030204" pitchFamily="34" charset="0"/>
-                <a:cs typeface="Calibri" panose="020F0502020204030204" pitchFamily="34" charset="0"/>
-              </a:rPr>
-              <a:t>Número de places que estão esperando novas rotas</a:t>
-            </a:r>
-          </a:p>
-          <a:p>
-            <a:pPr marL="685800" lvl="1" indent="-227880">
-              <a:lnSpc>
-                <a:spcPct val="90000"/>
-              </a:lnSpc>
-              <a:buClr>
-                <a:srgbClr val="000000"/>
-              </a:buClr>
-              <a:buFont typeface="Arial"/>
-              <a:buChar char="•"/>
-            </a:pPr>
-            <a:endParaRPr lang="pt-BR" sz="1600" b="0" strike="noStrike" spc="-1" dirty="0">
-              <a:solidFill>
-                <a:srgbClr val="000000"/>
-              </a:solidFill>
-              <a:uFill>
-                <a:solidFill>
-                  <a:srgbClr val="FFFFFF"/>
-                </a:solidFill>
-              </a:uFill>
-              <a:latin typeface="Calibri" panose="020F0502020204030204" pitchFamily="34" charset="0"/>
-              <a:cs typeface="Calibri" panose="020F0502020204030204" pitchFamily="34" charset="0"/>
-            </a:endParaRPr>
-          </a:p>
-          <a:p>
-            <a:pPr marL="228600" indent="-227880">
-              <a:lnSpc>
-                <a:spcPct val="90000"/>
-              </a:lnSpc>
-              <a:buClr>
-                <a:srgbClr val="000000"/>
-              </a:buClr>
-              <a:buFont typeface="Arial"/>
-              <a:buChar char="•"/>
-            </a:pPr>
-            <a:r>
-              <a:rPr lang="pt-BR" sz="1600" spc="-1" dirty="0" smtClean="0">
-                <a:solidFill>
-                  <a:srgbClr val="000000"/>
-                </a:solidFill>
-                <a:uFill>
-                  <a:solidFill>
-                    <a:srgbClr val="FFFFFF"/>
-                  </a:solidFill>
-                </a:uFill>
-                <a:latin typeface="Calibri" panose="020F0502020204030204" pitchFamily="34" charset="0"/>
-                <a:cs typeface="Calibri" panose="020F0502020204030204" pitchFamily="34" charset="0"/>
-              </a:rPr>
-              <a:t>1 DistArray que distribui o trabalho entre cada Place</a:t>
-            </a:r>
-            <a:endParaRPr lang="pt-BR" sz="1600" b="0" strike="noStrike" spc="-1" dirty="0">
-              <a:solidFill>
-                <a:srgbClr val="000000"/>
-              </a:solidFill>
-              <a:uFill>
-                <a:solidFill>
-                  <a:srgbClr val="FFFFFF"/>
-                </a:solidFill>
-              </a:uFill>
-              <a:latin typeface="Calibri" panose="020F0502020204030204" pitchFamily="34" charset="0"/>
-              <a:cs typeface="Calibri" panose="020F0502020204030204" pitchFamily="34" charset="0"/>
-            </a:endParaRPr>
-          </a:p>
-          <a:p>
-            <a:pPr>
-              <a:lnSpc>
-                <a:spcPct val="90000"/>
-              </a:lnSpc>
-            </a:pPr>
-            <a:endParaRPr lang="pt-BR" sz="1600" b="0" strike="noStrike" spc="-1" dirty="0">
-              <a:solidFill>
-                <a:srgbClr val="000000"/>
-              </a:solidFill>
-              <a:uFill>
-                <a:solidFill>
-                  <a:srgbClr val="FFFFFF"/>
-                </a:solidFill>
-              </a:uFill>
-              <a:latin typeface="Calibri" panose="020F0502020204030204" pitchFamily="34" charset="0"/>
-              <a:cs typeface="Calibri" panose="020F0502020204030204" pitchFamily="34" charset="0"/>
-            </a:endParaRPr>
-          </a:p>
-          <a:p>
-            <a:pPr marL="228600" indent="-227880">
-              <a:lnSpc>
-                <a:spcPct val="90000"/>
-              </a:lnSpc>
-              <a:buClr>
-                <a:srgbClr val="000000"/>
-              </a:buClr>
-              <a:buFont typeface="Arial"/>
-              <a:buChar char="•"/>
-            </a:pPr>
-            <a:r>
-              <a:rPr lang="pt-BR" sz="1600" b="0" strike="noStrike" spc="-1" dirty="0">
-                <a:solidFill>
-                  <a:srgbClr val="000000"/>
-                </a:solidFill>
-                <a:uFill>
-                  <a:solidFill>
-                    <a:srgbClr val="FFFFFF"/>
-                  </a:solidFill>
-                </a:uFill>
-                <a:latin typeface="Calibri" panose="020F0502020204030204" pitchFamily="34" charset="0"/>
-                <a:ea typeface="DejaVu Sans"/>
-                <a:cs typeface="Calibri" panose="020F0502020204030204" pitchFamily="34" charset="0"/>
-              </a:rPr>
-              <a:t>Cada </a:t>
-            </a:r>
-            <a:r>
-              <a:rPr lang="pt-BR" sz="1600" b="0" strike="noStrike" spc="-1" dirty="0" smtClean="0">
-                <a:solidFill>
-                  <a:srgbClr val="000000"/>
-                </a:solidFill>
-                <a:uFill>
-                  <a:solidFill>
-                    <a:srgbClr val="FFFFFF"/>
-                  </a:solidFill>
-                </a:uFill>
-                <a:latin typeface="Calibri" panose="020F0502020204030204" pitchFamily="34" charset="0"/>
-                <a:ea typeface="DejaVu Sans"/>
-                <a:cs typeface="Calibri" panose="020F0502020204030204" pitchFamily="34" charset="0"/>
-              </a:rPr>
-              <a:t>Place opera </a:t>
-            </a:r>
-            <a:r>
-              <a:rPr lang="pt-BR" sz="1600" b="0" strike="noStrike" spc="-1" dirty="0">
-                <a:solidFill>
-                  <a:srgbClr val="000000"/>
-                </a:solidFill>
-                <a:uFill>
-                  <a:solidFill>
-                    <a:srgbClr val="FFFFFF"/>
-                  </a:solidFill>
-                </a:uFill>
-                <a:latin typeface="Calibri" panose="020F0502020204030204" pitchFamily="34" charset="0"/>
-                <a:ea typeface="DejaVu Sans"/>
-                <a:cs typeface="Calibri" panose="020F0502020204030204" pitchFamily="34" charset="0"/>
-              </a:rPr>
-              <a:t>sobre sua pilha testando </a:t>
-            </a:r>
-            <a:r>
-              <a:rPr lang="pt-BR" sz="1600" spc="-1" dirty="0" smtClean="0">
-                <a:solidFill>
-                  <a:srgbClr val="000000"/>
-                </a:solidFill>
-                <a:uFill>
-                  <a:solidFill>
-                    <a:srgbClr val="FFFFFF"/>
-                  </a:solidFill>
-                </a:uFill>
-                <a:latin typeface="Calibri" panose="020F0502020204030204" pitchFamily="34" charset="0"/>
-                <a:ea typeface="DejaVu Sans"/>
-                <a:cs typeface="Calibri" panose="020F0502020204030204" pitchFamily="34" charset="0"/>
-              </a:rPr>
-              <a:t>a rota corrente</a:t>
-            </a:r>
-          </a:p>
-          <a:p>
-            <a:pPr marL="228600" indent="-227880">
-              <a:lnSpc>
-                <a:spcPct val="90000"/>
-              </a:lnSpc>
-              <a:buClr>
-                <a:srgbClr val="000000"/>
-              </a:buClr>
-              <a:buFont typeface="Arial"/>
-              <a:buChar char="•"/>
-            </a:pPr>
-            <a:endParaRPr lang="pt-BR" sz="1600" b="0" strike="noStrike" spc="-1" dirty="0" smtClean="0">
-              <a:solidFill>
-                <a:srgbClr val="000000"/>
-              </a:solidFill>
-              <a:uFill>
-                <a:solidFill>
-                  <a:srgbClr val="FFFFFF"/>
-                </a:solidFill>
-              </a:uFill>
-              <a:latin typeface="Calibri" panose="020F0502020204030204" pitchFamily="34" charset="0"/>
-              <a:ea typeface="DejaVu Sans"/>
-              <a:cs typeface="Calibri" panose="020F0502020204030204" pitchFamily="34" charset="0"/>
-            </a:endParaRPr>
-          </a:p>
-          <a:p>
-            <a:pPr marL="228600" indent="-227880">
-              <a:lnSpc>
-                <a:spcPct val="90000"/>
-              </a:lnSpc>
-              <a:buClr>
-                <a:srgbClr val="000000"/>
-              </a:buClr>
-              <a:buFont typeface="Arial"/>
-              <a:buChar char="•"/>
-            </a:pPr>
-            <a:r>
-              <a:rPr lang="pt-BR" sz="1600" b="0" strike="noStrike" spc="-1" dirty="0" smtClean="0">
-                <a:solidFill>
-                  <a:srgbClr val="000000"/>
-                </a:solidFill>
-                <a:uFill>
-                  <a:solidFill>
-                    <a:srgbClr val="FFFFFF"/>
-                  </a:solidFill>
-                </a:uFill>
-                <a:latin typeface="Calibri" panose="020F0502020204030204" pitchFamily="34" charset="0"/>
-                <a:ea typeface="DejaVu Sans"/>
-                <a:cs typeface="Calibri" panose="020F0502020204030204" pitchFamily="34" charset="0"/>
-              </a:rPr>
-              <a:t>A cada novo melhor custo global, transfere esse valor para todos os Places</a:t>
-            </a:r>
-          </a:p>
-          <a:p>
-            <a:pPr>
-              <a:lnSpc>
-                <a:spcPct val="90000"/>
-              </a:lnSpc>
-            </a:pPr>
-            <a:endParaRPr lang="pt-BR" sz="1600" b="0" strike="noStrike" spc="-1" dirty="0">
-              <a:solidFill>
-                <a:srgbClr val="000000"/>
-              </a:solidFill>
-              <a:uFill>
-                <a:solidFill>
-                  <a:srgbClr val="FFFFFF"/>
-                </a:solidFill>
-              </a:uFill>
-              <a:latin typeface="Calibri" panose="020F0502020204030204" pitchFamily="34" charset="0"/>
-              <a:cs typeface="Calibri" panose="020F0502020204030204" pitchFamily="34" charset="0"/>
-            </a:endParaRPr>
-          </a:p>
-          <a:p>
-            <a:pPr marL="228600" indent="-227880">
-              <a:lnSpc>
-                <a:spcPct val="90000"/>
-              </a:lnSpc>
-              <a:buClr>
-                <a:srgbClr val="000000"/>
-              </a:buClr>
-              <a:buFont typeface="Arial"/>
-              <a:buChar char="•"/>
-            </a:pPr>
-            <a:r>
-              <a:rPr lang="pt-BR" sz="1600" b="0" strike="noStrike" spc="-1" dirty="0">
-                <a:solidFill>
-                  <a:srgbClr val="000000"/>
-                </a:solidFill>
-                <a:uFill>
-                  <a:solidFill>
-                    <a:srgbClr val="FFFFFF"/>
-                  </a:solidFill>
-                </a:uFill>
-                <a:latin typeface="Calibri" panose="020F0502020204030204" pitchFamily="34" charset="0"/>
-                <a:ea typeface="DejaVu Sans"/>
-                <a:cs typeface="Calibri" panose="020F0502020204030204" pitchFamily="34" charset="0"/>
-              </a:rPr>
-              <a:t>Um objeto que esteja ocioso em um place deve requisitar a outro algum Tour para </a:t>
-            </a:r>
-            <a:r>
-              <a:rPr lang="pt-BR" sz="1600" b="0" strike="noStrike" spc="-1" dirty="0" smtClean="0">
-                <a:solidFill>
-                  <a:srgbClr val="000000"/>
-                </a:solidFill>
-                <a:uFill>
-                  <a:solidFill>
-                    <a:srgbClr val="FFFFFF"/>
-                  </a:solidFill>
-                </a:uFill>
-                <a:latin typeface="Calibri" panose="020F0502020204030204" pitchFamily="34" charset="0"/>
-                <a:ea typeface="DejaVu Sans"/>
-                <a:cs typeface="Calibri" panose="020F0502020204030204" pitchFamily="34" charset="0"/>
-              </a:rPr>
-              <a:t>operar, evitando desbalanceamento </a:t>
-            </a:r>
-            <a:r>
-              <a:rPr lang="pt-BR" sz="1600" b="0" strike="noStrike" spc="-1" dirty="0">
-                <a:solidFill>
-                  <a:srgbClr val="000000"/>
-                </a:solidFill>
-                <a:uFill>
-                  <a:solidFill>
-                    <a:srgbClr val="FFFFFF"/>
-                  </a:solidFill>
-                </a:uFill>
-                <a:latin typeface="Calibri" panose="020F0502020204030204" pitchFamily="34" charset="0"/>
-                <a:ea typeface="DejaVu Sans"/>
-                <a:cs typeface="Calibri" panose="020F0502020204030204" pitchFamily="34" charset="0"/>
-              </a:rPr>
-              <a:t>na busca onde o trabalho em um place pode terminar antes de </a:t>
-            </a:r>
-            <a:r>
-              <a:rPr lang="pt-BR" sz="1600" b="0" strike="noStrike" spc="-1" dirty="0" smtClean="0">
-                <a:solidFill>
-                  <a:srgbClr val="000000"/>
-                </a:solidFill>
-                <a:uFill>
-                  <a:solidFill>
-                    <a:srgbClr val="FFFFFF"/>
-                  </a:solidFill>
-                </a:uFill>
-                <a:latin typeface="Calibri" panose="020F0502020204030204" pitchFamily="34" charset="0"/>
-                <a:ea typeface="DejaVu Sans"/>
-                <a:cs typeface="Calibri" panose="020F0502020204030204" pitchFamily="34" charset="0"/>
-              </a:rPr>
-              <a:t>outro</a:t>
-            </a:r>
-            <a:endParaRPr lang="pt-BR" sz="1600" b="0" strike="noStrike" spc="-1" dirty="0">
-              <a:solidFill>
-                <a:srgbClr val="000000"/>
-              </a:solidFill>
-              <a:uFill>
-                <a:solidFill>
-                  <a:srgbClr val="FFFFFF"/>
-                </a:solidFill>
-              </a:uFill>
-              <a:latin typeface="Calibri" panose="020F0502020204030204" pitchFamily="34" charset="0"/>
-              <a:cs typeface="Calibri" panose="020F0502020204030204" pitchFamily="34" charset="0"/>
-            </a:endParaRPr>
-          </a:p>
-        </p:txBody>
       </p:sp>
+      <p:pic>
+        <p:nvPicPr>
+          <p:cNvPr id="419" name="Picture 4"/>
+          <p:cNvPicPr/>
+          <p:nvPr/>
+        </p:nvPicPr>
+        <p:blipFill>
+          <a:blip r:embed="rId2"/>
+          <a:stretch/>
+        </p:blipFill>
+        <p:spPr>
+          <a:xfrm>
+            <a:off x="2144520" y="1628640"/>
+            <a:ext cx="8414280" cy="4492080"/>
+          </a:xfrm>
+          <a:prstGeom prst="rect">
+            <a:avLst/>
+          </a:prstGeom>
+          <a:ln>
+            <a:noFill/>
+          </a:ln>
+        </p:spPr>
+      </p:pic>
     </p:spTree>
-    <p:extLst>
-      <p:ext uri="{BB962C8B-B14F-4D97-AF65-F5344CB8AC3E}">
-        <p14:creationId xmlns:p14="http://schemas.microsoft.com/office/powerpoint/2010/main" val="837446532"/>
-      </p:ext>
-    </p:extLst>
   </p:cSld>
   <p:clrMapOvr>
     <a:masterClrMapping/>
@@ -29294,7 +28901,7 @@
       </p:grpSpPr>
       <p:sp>
         <p:nvSpPr>
-          <p:cNvPr id="422" name="CustomShape 1"/>
+          <p:cNvPr id="420" name="CustomShape 1"/>
           <p:cNvSpPr/>
           <p:nvPr/>
         </p:nvSpPr>
@@ -29327,11 +28934,6 @@
           <a:bodyPr lIns="0" tIns="0" rIns="0" bIns="0" anchor="ctr"/>
           <a:lstStyle/>
           <a:p>
-            <a:pPr>
-              <a:lnSpc>
-                <a:spcPct val="90000"/>
-              </a:lnSpc>
-            </a:pPr>
             <a:r>
               <a:rPr lang="pt-BR" sz="2400" b="0" strike="noStrike" spc="-1" dirty="0">
                 <a:solidFill>
@@ -29345,7 +28947,22 @@
                 <a:latin typeface="Calibri"/>
                 <a:ea typeface="DejaVu Sans"/>
               </a:rPr>
-              <a:t>Busca em árvore com x10</a:t>
+              <a:t>Busca em árvore com </a:t>
+            </a:r>
+            <a:r>
+              <a:rPr lang="pt-BR" sz="2400" b="0" strike="noStrike" spc="-1" dirty="0" smtClean="0">
+                <a:solidFill>
+                  <a:srgbClr val="000000"/>
+                </a:solidFill>
+                <a:uFill>
+                  <a:solidFill>
+                    <a:srgbClr val="FFFFFF"/>
+                  </a:solidFill>
+                </a:uFill>
+                <a:latin typeface="Calibri"/>
+                <a:ea typeface="DejaVu Sans"/>
+              </a:rPr>
+              <a:t>x10</a:t>
             </a:r>
             <a:endParaRPr lang="pt-BR" sz="2400" b="0" strike="noStrike" spc="-1" dirty="0">
               <a:solidFill>
@@ -29361,31 +28978,16 @@
           </a:p>
         </p:txBody>
       </p:sp>
-      <p:pic>
-        <p:nvPicPr>
-          <p:cNvPr id="4" name="Picture 2"/>
-          <p:cNvPicPr>
-            <a:picLocks noChangeAspect="1" noChangeArrowheads="1"/>
-          </p:cNvPicPr>
+      <p:sp>
+        <p:nvSpPr>
+          <p:cNvPr id="421" name="CustomShape 2"/>
+          <p:cNvSpPr/>
           <p:nvPr/>
-        </p:nvPicPr>
-        <p:blipFill>
-          <a:blip r:embed="rId2">
-            <a:extLst>
-              <a:ext uri="{28A0092B-C50C-407E-A947-70E740481C1C}">
-                <a14:useLocalDpi xmlns:a14="http://schemas.microsoft.com/office/drawing/2010/main" val="0"/>
-              </a:ext>
-            </a:extLst>
-          </a:blip>
-          <a:srcRect/>
-          <a:stretch>
-            <a:fillRect/>
-          </a:stretch>
-        </p:blipFill>
-        <p:spPr bwMode="auto">
-          <a:xfrm>
-            <a:off x="1271464" y="2060848"/>
-            <a:ext cx="4391025" cy="3076575"/>
+        </p:nvSpPr>
+        <p:spPr>
+          <a:xfrm>
+            <a:off x="609480" y="1604520"/>
+            <a:ext cx="10971720" cy="4560784"/>
           </a:xfrm>
           <a:prstGeom prst="rect">
             <a:avLst/>
@@ -29394,31 +28996,733 @@
           <a:ln>
             <a:noFill/>
           </a:ln>
-          <a:extLst>
-            <a:ext uri="{909E8E84-426E-40DD-AFC4-6F175D3DCCD1}">
-              <a14:hiddenFill xmlns:a14="http://schemas.microsoft.com/office/drawing/2010/main">
-                <a:solidFill>
-                  <a:schemeClr val="accent1"/>
-                </a:solidFill>
-              </a14:hiddenFill>
-            </a:ext>
-            <a:ext uri="{91240B29-F687-4F45-9708-019B960494DF}">
-              <a14:hiddenLine xmlns:a14="http://schemas.microsoft.com/office/drawing/2010/main" w="9525">
-                <a:solidFill>
-                  <a:schemeClr val="tx1"/>
-                </a:solidFill>
-                <a:miter lim="800000"/>
-                <a:headEnd/>
-                <a:tailEnd/>
-              </a14:hiddenLine>
-            </a:ext>
-          </a:extLst>
-        </p:spPr>
-      </p:pic>
+        </p:spPr>
+        <p:style>
+          <a:lnRef idx="0">
+            <a:scrgbClr r="0" g="0" b="0"/>
+          </a:lnRef>
+          <a:fillRef idx="0">
+            <a:scrgbClr r="0" g="0" b="0"/>
+          </a:fillRef>
+          <a:effectRef idx="0">
+            <a:scrgbClr r="0" g="0" b="0"/>
+          </a:effectRef>
+          <a:fontRef idx="minor"/>
+        </p:style>
+        <p:txBody>
+          <a:bodyPr lIns="0" tIns="0" rIns="0" bIns="0" anchor="t"/>
+          <a:lstStyle/>
+          <a:p>
+            <a:pPr marL="228600" indent="-227880">
+              <a:lnSpc>
+                <a:spcPct val="90000"/>
+              </a:lnSpc>
+              <a:buClr>
+                <a:srgbClr val="000000"/>
+              </a:buClr>
+              <a:buFont typeface="Arial"/>
+              <a:buChar char="•"/>
+            </a:pPr>
+            <a:r>
+              <a:rPr lang="pt-BR" sz="1600" b="0" strike="noStrike" spc="-1" dirty="0" smtClean="0">
+                <a:solidFill>
+                  <a:srgbClr val="000000"/>
+                </a:solidFill>
+                <a:uFill>
+                  <a:solidFill>
+                    <a:srgbClr val="FFFFFF"/>
+                  </a:solidFill>
+                </a:uFill>
+                <a:latin typeface="Calibri" panose="020F0502020204030204" pitchFamily="34" charset="0"/>
+                <a:ea typeface="DejaVu Sans"/>
+                <a:cs typeface="Calibri" panose="020F0502020204030204" pitchFamily="34" charset="0"/>
+              </a:rPr>
+              <a:t>Cada </a:t>
+            </a:r>
+            <a:r>
+              <a:rPr lang="pt-BR" sz="1600" b="0" strike="noStrike" spc="-1" dirty="0">
+                <a:solidFill>
+                  <a:srgbClr val="000000"/>
+                </a:solidFill>
+                <a:uFill>
+                  <a:solidFill>
+                    <a:srgbClr val="FFFFFF"/>
+                  </a:solidFill>
+                </a:uFill>
+                <a:latin typeface="Calibri" panose="020F0502020204030204" pitchFamily="34" charset="0"/>
+                <a:ea typeface="DejaVu Sans"/>
+                <a:cs typeface="Calibri" panose="020F0502020204030204" pitchFamily="34" charset="0"/>
+              </a:rPr>
+              <a:t>place </a:t>
+            </a:r>
+            <a:r>
+              <a:rPr lang="pt-BR" sz="1600" b="0" strike="noStrike" spc="-1" dirty="0" smtClean="0">
+                <a:solidFill>
+                  <a:srgbClr val="000000"/>
+                </a:solidFill>
+                <a:uFill>
+                  <a:solidFill>
+                    <a:srgbClr val="FFFFFF"/>
+                  </a:solidFill>
+                </a:uFill>
+                <a:latin typeface="Calibri" panose="020F0502020204030204" pitchFamily="34" charset="0"/>
+                <a:ea typeface="DejaVu Sans"/>
+                <a:cs typeface="Calibri" panose="020F0502020204030204" pitchFamily="34" charset="0"/>
+              </a:rPr>
+              <a:t>possui: (PlaceLocalHandle)</a:t>
+            </a:r>
+          </a:p>
+          <a:p>
+            <a:pPr marL="685800" lvl="1" indent="-227880">
+              <a:lnSpc>
+                <a:spcPct val="90000"/>
+              </a:lnSpc>
+              <a:buClr>
+                <a:srgbClr val="000000"/>
+              </a:buClr>
+              <a:buFont typeface="Arial"/>
+              <a:buChar char="•"/>
+            </a:pPr>
+            <a:r>
+              <a:rPr lang="pt-BR" sz="1400" spc="-1" dirty="0" smtClean="0">
+                <a:solidFill>
+                  <a:srgbClr val="000000"/>
+                </a:solidFill>
+                <a:uFill>
+                  <a:solidFill>
+                    <a:srgbClr val="FFFFFF"/>
+                  </a:solidFill>
+                </a:uFill>
+                <a:latin typeface="Calibri" panose="020F0502020204030204" pitchFamily="34" charset="0"/>
+                <a:cs typeface="Calibri" panose="020F0502020204030204" pitchFamily="34" charset="0"/>
+              </a:rPr>
+              <a:t>1 Pilha</a:t>
+            </a:r>
+          </a:p>
+          <a:p>
+            <a:pPr marL="685800" lvl="1" indent="-227880">
+              <a:lnSpc>
+                <a:spcPct val="90000"/>
+              </a:lnSpc>
+              <a:buClr>
+                <a:srgbClr val="000000"/>
+              </a:buClr>
+              <a:buFont typeface="Arial"/>
+              <a:buChar char="•"/>
+            </a:pPr>
+            <a:r>
+              <a:rPr lang="pt-BR" sz="1400" b="0" strike="noStrike" spc="-1" dirty="0" smtClean="0">
+                <a:solidFill>
+                  <a:srgbClr val="000000"/>
+                </a:solidFill>
+                <a:uFill>
+                  <a:solidFill>
+                    <a:srgbClr val="FFFFFF"/>
+                  </a:solidFill>
+                </a:uFill>
+                <a:latin typeface="Calibri" panose="020F0502020204030204" pitchFamily="34" charset="0"/>
+                <a:cs typeface="Calibri" panose="020F0502020204030204" pitchFamily="34" charset="0"/>
+              </a:rPr>
+              <a:t>1 valor de melhor custo de rota local</a:t>
+            </a:r>
+          </a:p>
+          <a:p>
+            <a:pPr marL="685800" lvl="1" indent="-227880">
+              <a:lnSpc>
+                <a:spcPct val="90000"/>
+              </a:lnSpc>
+              <a:buClr>
+                <a:srgbClr val="000000"/>
+              </a:buClr>
+              <a:buFont typeface="Arial"/>
+              <a:buChar char="•"/>
+            </a:pPr>
+            <a:r>
+              <a:rPr lang="pt-BR" sz="1400" b="0" strike="noStrike" spc="-1" dirty="0" smtClean="0">
+                <a:solidFill>
+                  <a:srgbClr val="000000"/>
+                </a:solidFill>
+                <a:uFill>
+                  <a:solidFill>
+                    <a:srgbClr val="FFFFFF"/>
+                  </a:solidFill>
+                </a:uFill>
+                <a:latin typeface="Calibri" panose="020F0502020204030204" pitchFamily="34" charset="0"/>
+                <a:cs typeface="Calibri" panose="020F0502020204030204" pitchFamily="34" charset="0"/>
+              </a:rPr>
+              <a:t>2 variáveis de estado (</a:t>
+            </a:r>
+            <a:r>
+              <a:rPr lang="pt-BR" sz="1400" b="0" i="1" strike="noStrike" spc="-1" dirty="0" smtClean="0">
+                <a:solidFill>
+                  <a:srgbClr val="000000"/>
+                </a:solidFill>
+                <a:uFill>
+                  <a:solidFill>
+                    <a:srgbClr val="FFFFFF"/>
+                  </a:solidFill>
+                </a:uFill>
+                <a:latin typeface="Calibri" panose="020F0502020204030204" pitchFamily="34" charset="0"/>
+                <a:cs typeface="Calibri" panose="020F0502020204030204" pitchFamily="34" charset="0"/>
+              </a:rPr>
+              <a:t>working </a:t>
+            </a:r>
+            <a:r>
+              <a:rPr lang="pt-BR" sz="1400" b="0" strike="noStrike" spc="-1" dirty="0" smtClean="0">
+                <a:solidFill>
+                  <a:srgbClr val="000000"/>
+                </a:solidFill>
+                <a:uFill>
+                  <a:solidFill>
+                    <a:srgbClr val="FFFFFF"/>
+                  </a:solidFill>
+                </a:uFill>
+                <a:latin typeface="Calibri" panose="020F0502020204030204" pitchFamily="34" charset="0"/>
+                <a:cs typeface="Calibri" panose="020F0502020204030204" pitchFamily="34" charset="0"/>
+              </a:rPr>
+              <a:t>e </a:t>
+            </a:r>
+            <a:r>
+              <a:rPr lang="pt-BR" sz="1400" b="0" i="1" strike="noStrike" spc="-1" dirty="0" smtClean="0">
+                <a:solidFill>
+                  <a:srgbClr val="000000"/>
+                </a:solidFill>
+                <a:uFill>
+                  <a:solidFill>
+                    <a:srgbClr val="FFFFFF"/>
+                  </a:solidFill>
+                </a:uFill>
+                <a:latin typeface="Calibri" panose="020F0502020204030204" pitchFamily="34" charset="0"/>
+                <a:cs typeface="Calibri" panose="020F0502020204030204" pitchFamily="34" charset="0"/>
+              </a:rPr>
+              <a:t>not_terminate</a:t>
+            </a:r>
+            <a:r>
+              <a:rPr lang="pt-BR" sz="1400" b="0" strike="noStrike" spc="-1" dirty="0" smtClean="0">
+                <a:solidFill>
+                  <a:srgbClr val="000000"/>
+                </a:solidFill>
+                <a:uFill>
+                  <a:solidFill>
+                    <a:srgbClr val="FFFFFF"/>
+                  </a:solidFill>
+                </a:uFill>
+                <a:latin typeface="Calibri" panose="020F0502020204030204" pitchFamily="34" charset="0"/>
+                <a:cs typeface="Calibri" panose="020F0502020204030204" pitchFamily="34" charset="0"/>
+              </a:rPr>
+              <a:t>)</a:t>
+            </a:r>
+          </a:p>
+          <a:p>
+            <a:pPr marL="685800" lvl="1" indent="-227880">
+              <a:lnSpc>
+                <a:spcPct val="90000"/>
+              </a:lnSpc>
+              <a:buClr>
+                <a:srgbClr val="000000"/>
+              </a:buClr>
+              <a:buFont typeface="Arial"/>
+              <a:buChar char="•"/>
+            </a:pPr>
+            <a:r>
+              <a:rPr lang="pt-BR" sz="1400" spc="-1" dirty="0" smtClean="0">
+                <a:solidFill>
+                  <a:srgbClr val="000000"/>
+                </a:solidFill>
+                <a:uFill>
+                  <a:solidFill>
+                    <a:srgbClr val="FFFFFF"/>
+                  </a:solidFill>
+                </a:uFill>
+                <a:latin typeface="Calibri" panose="020F0502020204030204" pitchFamily="34" charset="0"/>
+                <a:cs typeface="Calibri" panose="020F0502020204030204" pitchFamily="34" charset="0"/>
+              </a:rPr>
+              <a:t>2 variáveis para verificar se algum place está vazio e qual está vazio</a:t>
+            </a:r>
+          </a:p>
+          <a:p>
+            <a:pPr marL="228600" indent="-227880">
+              <a:lnSpc>
+                <a:spcPct val="90000"/>
+              </a:lnSpc>
+              <a:buClr>
+                <a:srgbClr val="000000"/>
+              </a:buClr>
+              <a:buFont typeface="Arial"/>
+              <a:buChar char="•"/>
+            </a:pPr>
+            <a:endParaRPr lang="pt-BR" sz="1600" b="0" strike="noStrike" spc="-1" dirty="0" smtClean="0">
+              <a:solidFill>
+                <a:srgbClr val="000000"/>
+              </a:solidFill>
+              <a:uFill>
+                <a:solidFill>
+                  <a:srgbClr val="FFFFFF"/>
+                </a:solidFill>
+              </a:uFill>
+              <a:latin typeface="Calibri" panose="020F0502020204030204" pitchFamily="34" charset="0"/>
+              <a:cs typeface="Calibri" panose="020F0502020204030204" pitchFamily="34" charset="0"/>
+            </a:endParaRPr>
+          </a:p>
+          <a:p>
+            <a:pPr marL="228600" indent="-227880">
+              <a:lnSpc>
+                <a:spcPct val="90000"/>
+              </a:lnSpc>
+              <a:buClr>
+                <a:srgbClr val="000000"/>
+              </a:buClr>
+              <a:buFont typeface="Arial"/>
+              <a:buChar char="•"/>
+            </a:pPr>
+            <a:r>
+              <a:rPr lang="pt-BR" sz="1600" b="0" strike="noStrike" spc="-1" dirty="0" smtClean="0">
+                <a:solidFill>
+                  <a:srgbClr val="000000"/>
+                </a:solidFill>
+                <a:uFill>
+                  <a:solidFill>
+                    <a:srgbClr val="FFFFFF"/>
+                  </a:solidFill>
+                </a:uFill>
+                <a:latin typeface="Calibri" panose="020F0502020204030204" pitchFamily="34" charset="0"/>
+                <a:cs typeface="Calibri" panose="020F0502020204030204" pitchFamily="34" charset="0"/>
+              </a:rPr>
+              <a:t>GlobalRef’s</a:t>
+            </a:r>
+          </a:p>
+          <a:p>
+            <a:pPr marL="685800" lvl="1" indent="-227880">
+              <a:lnSpc>
+                <a:spcPct val="90000"/>
+              </a:lnSpc>
+              <a:buClr>
+                <a:srgbClr val="000000"/>
+              </a:buClr>
+              <a:buFont typeface="Arial"/>
+              <a:buChar char="•"/>
+            </a:pPr>
+            <a:r>
+              <a:rPr lang="pt-BR" sz="1400" b="0" strike="noStrike" spc="-1" dirty="0" smtClean="0">
+                <a:solidFill>
+                  <a:srgbClr val="000000"/>
+                </a:solidFill>
+                <a:uFill>
+                  <a:solidFill>
+                    <a:srgbClr val="FFFFFF"/>
+                  </a:solidFill>
+                </a:uFill>
+                <a:latin typeface="Calibri" panose="020F0502020204030204" pitchFamily="34" charset="0"/>
+                <a:cs typeface="Calibri" panose="020F0502020204030204" pitchFamily="34" charset="0"/>
+              </a:rPr>
+              <a:t>Custo global da melhor rota</a:t>
+            </a:r>
+          </a:p>
+          <a:p>
+            <a:pPr marL="685800" lvl="1" indent="-227880">
+              <a:lnSpc>
+                <a:spcPct val="90000"/>
+              </a:lnSpc>
+              <a:buClr>
+                <a:srgbClr val="000000"/>
+              </a:buClr>
+              <a:buFont typeface="Arial"/>
+              <a:buChar char="•"/>
+            </a:pPr>
+            <a:r>
+              <a:rPr lang="pt-BR" sz="1400" spc="-1" dirty="0" smtClean="0">
+                <a:solidFill>
+                  <a:srgbClr val="000000"/>
+                </a:solidFill>
+                <a:uFill>
+                  <a:solidFill>
+                    <a:srgbClr val="FFFFFF"/>
+                  </a:solidFill>
+                </a:uFill>
+                <a:latin typeface="Calibri" panose="020F0502020204030204" pitchFamily="34" charset="0"/>
+                <a:cs typeface="Calibri" panose="020F0502020204030204" pitchFamily="34" charset="0"/>
+              </a:rPr>
+              <a:t>Rota com menor custo global</a:t>
+            </a:r>
+          </a:p>
+          <a:p>
+            <a:pPr marL="685800" lvl="1" indent="-227880">
+              <a:lnSpc>
+                <a:spcPct val="90000"/>
+              </a:lnSpc>
+              <a:buClr>
+                <a:srgbClr val="000000"/>
+              </a:buClr>
+              <a:buFont typeface="Arial"/>
+              <a:buChar char="•"/>
+            </a:pPr>
+            <a:r>
+              <a:rPr lang="pt-BR" sz="1400" b="0" strike="noStrike" spc="-1" dirty="0" smtClean="0">
+                <a:solidFill>
+                  <a:srgbClr val="000000"/>
+                </a:solidFill>
+                <a:uFill>
+                  <a:solidFill>
+                    <a:srgbClr val="FFFFFF"/>
+                  </a:solidFill>
+                </a:uFill>
+                <a:latin typeface="Calibri" panose="020F0502020204030204" pitchFamily="34" charset="0"/>
+                <a:cs typeface="Calibri" panose="020F0502020204030204" pitchFamily="34" charset="0"/>
+              </a:rPr>
+              <a:t>Array com os id’s dos places que estão esperando</a:t>
+            </a:r>
+          </a:p>
+          <a:p>
+            <a:pPr marL="685800" lvl="1" indent="-227880">
+              <a:lnSpc>
+                <a:spcPct val="90000"/>
+              </a:lnSpc>
+              <a:buClr>
+                <a:srgbClr val="000000"/>
+              </a:buClr>
+              <a:buFont typeface="Arial"/>
+              <a:buChar char="•"/>
+            </a:pPr>
+            <a:r>
+              <a:rPr lang="pt-BR" sz="1400" spc="-1" dirty="0" smtClean="0">
+                <a:solidFill>
+                  <a:srgbClr val="000000"/>
+                </a:solidFill>
+                <a:uFill>
+                  <a:solidFill>
+                    <a:srgbClr val="FFFFFF"/>
+                  </a:solidFill>
+                </a:uFill>
+                <a:latin typeface="Calibri" panose="020F0502020204030204" pitchFamily="34" charset="0"/>
+                <a:cs typeface="Calibri" panose="020F0502020204030204" pitchFamily="34" charset="0"/>
+              </a:rPr>
+              <a:t>Número de places que estão esperando novas rotas</a:t>
+            </a:r>
+          </a:p>
+          <a:p>
+            <a:pPr marL="685800" lvl="1" indent="-227880">
+              <a:lnSpc>
+                <a:spcPct val="90000"/>
+              </a:lnSpc>
+              <a:buClr>
+                <a:srgbClr val="000000"/>
+              </a:buClr>
+              <a:buFont typeface="Arial"/>
+              <a:buChar char="•"/>
+            </a:pPr>
+            <a:endParaRPr lang="pt-BR" sz="1600" b="0" strike="noStrike" spc="-1" dirty="0">
+              <a:solidFill>
+                <a:srgbClr val="000000"/>
+              </a:solidFill>
+              <a:uFill>
+                <a:solidFill>
+                  <a:srgbClr val="FFFFFF"/>
+                </a:solidFill>
+              </a:uFill>
+              <a:latin typeface="Calibri" panose="020F0502020204030204" pitchFamily="34" charset="0"/>
+              <a:cs typeface="Calibri" panose="020F0502020204030204" pitchFamily="34" charset="0"/>
+            </a:endParaRPr>
+          </a:p>
+          <a:p>
+            <a:pPr marL="228600" indent="-227880">
+              <a:lnSpc>
+                <a:spcPct val="90000"/>
+              </a:lnSpc>
+              <a:buClr>
+                <a:srgbClr val="000000"/>
+              </a:buClr>
+              <a:buFont typeface="Arial"/>
+              <a:buChar char="•"/>
+            </a:pPr>
+            <a:r>
+              <a:rPr lang="pt-BR" sz="1600" spc="-1" dirty="0" smtClean="0">
+                <a:solidFill>
+                  <a:srgbClr val="000000"/>
+                </a:solidFill>
+                <a:uFill>
+                  <a:solidFill>
+                    <a:srgbClr val="FFFFFF"/>
+                  </a:solidFill>
+                </a:uFill>
+                <a:latin typeface="Calibri" panose="020F0502020204030204" pitchFamily="34" charset="0"/>
+                <a:cs typeface="Calibri" panose="020F0502020204030204" pitchFamily="34" charset="0"/>
+              </a:rPr>
+              <a:t>1 DistArray que distribui o trabalho entre cada Place</a:t>
+            </a:r>
+            <a:endParaRPr lang="pt-BR" sz="1600" b="0" strike="noStrike" spc="-1" dirty="0">
+              <a:solidFill>
+                <a:srgbClr val="000000"/>
+              </a:solidFill>
+              <a:uFill>
+                <a:solidFill>
+                  <a:srgbClr val="FFFFFF"/>
+                </a:solidFill>
+              </a:uFill>
+              <a:latin typeface="Calibri" panose="020F0502020204030204" pitchFamily="34" charset="0"/>
+              <a:cs typeface="Calibri" panose="020F0502020204030204" pitchFamily="34" charset="0"/>
+            </a:endParaRPr>
+          </a:p>
+          <a:p>
+            <a:pPr>
+              <a:lnSpc>
+                <a:spcPct val="90000"/>
+              </a:lnSpc>
+            </a:pPr>
+            <a:endParaRPr lang="pt-BR" sz="1600" b="0" strike="noStrike" spc="-1" dirty="0">
+              <a:solidFill>
+                <a:srgbClr val="000000"/>
+              </a:solidFill>
+              <a:uFill>
+                <a:solidFill>
+                  <a:srgbClr val="FFFFFF"/>
+                </a:solidFill>
+              </a:uFill>
+              <a:latin typeface="Calibri" panose="020F0502020204030204" pitchFamily="34" charset="0"/>
+              <a:cs typeface="Calibri" panose="020F0502020204030204" pitchFamily="34" charset="0"/>
+            </a:endParaRPr>
+          </a:p>
+          <a:p>
+            <a:pPr marL="228600" indent="-227880">
+              <a:lnSpc>
+                <a:spcPct val="90000"/>
+              </a:lnSpc>
+              <a:buClr>
+                <a:srgbClr val="000000"/>
+              </a:buClr>
+              <a:buFont typeface="Arial"/>
+              <a:buChar char="•"/>
+            </a:pPr>
+            <a:r>
+              <a:rPr lang="pt-BR" sz="1600" b="0" strike="noStrike" spc="-1" dirty="0">
+                <a:solidFill>
+                  <a:srgbClr val="000000"/>
+                </a:solidFill>
+                <a:uFill>
+                  <a:solidFill>
+                    <a:srgbClr val="FFFFFF"/>
+                  </a:solidFill>
+                </a:uFill>
+                <a:latin typeface="Calibri" panose="020F0502020204030204" pitchFamily="34" charset="0"/>
+                <a:ea typeface="DejaVu Sans"/>
+                <a:cs typeface="Calibri" panose="020F0502020204030204" pitchFamily="34" charset="0"/>
+              </a:rPr>
+              <a:t>Cada </a:t>
+            </a:r>
+            <a:r>
+              <a:rPr lang="pt-BR" sz="1600" b="0" strike="noStrike" spc="-1" dirty="0" smtClean="0">
+                <a:solidFill>
+                  <a:srgbClr val="000000"/>
+                </a:solidFill>
+                <a:uFill>
+                  <a:solidFill>
+                    <a:srgbClr val="FFFFFF"/>
+                  </a:solidFill>
+                </a:uFill>
+                <a:latin typeface="Calibri" panose="020F0502020204030204" pitchFamily="34" charset="0"/>
+                <a:ea typeface="DejaVu Sans"/>
+                <a:cs typeface="Calibri" panose="020F0502020204030204" pitchFamily="34" charset="0"/>
+              </a:rPr>
+              <a:t>Place opera </a:t>
+            </a:r>
+            <a:r>
+              <a:rPr lang="pt-BR" sz="1600" b="0" strike="noStrike" spc="-1" dirty="0">
+                <a:solidFill>
+                  <a:srgbClr val="000000"/>
+                </a:solidFill>
+                <a:uFill>
+                  <a:solidFill>
+                    <a:srgbClr val="FFFFFF"/>
+                  </a:solidFill>
+                </a:uFill>
+                <a:latin typeface="Calibri" panose="020F0502020204030204" pitchFamily="34" charset="0"/>
+                <a:ea typeface="DejaVu Sans"/>
+                <a:cs typeface="Calibri" panose="020F0502020204030204" pitchFamily="34" charset="0"/>
+              </a:rPr>
+              <a:t>sobre sua pilha testando </a:t>
+            </a:r>
+            <a:r>
+              <a:rPr lang="pt-BR" sz="1600" spc="-1" dirty="0" smtClean="0">
+                <a:solidFill>
+                  <a:srgbClr val="000000"/>
+                </a:solidFill>
+                <a:uFill>
+                  <a:solidFill>
+                    <a:srgbClr val="FFFFFF"/>
+                  </a:solidFill>
+                </a:uFill>
+                <a:latin typeface="Calibri" panose="020F0502020204030204" pitchFamily="34" charset="0"/>
+                <a:ea typeface="DejaVu Sans"/>
+                <a:cs typeface="Calibri" panose="020F0502020204030204" pitchFamily="34" charset="0"/>
+              </a:rPr>
+              <a:t>a rota corrente</a:t>
+            </a:r>
+          </a:p>
+          <a:p>
+            <a:pPr marL="228600" indent="-227880">
+              <a:lnSpc>
+                <a:spcPct val="90000"/>
+              </a:lnSpc>
+              <a:buClr>
+                <a:srgbClr val="000000"/>
+              </a:buClr>
+              <a:buFont typeface="Arial"/>
+              <a:buChar char="•"/>
+            </a:pPr>
+            <a:endParaRPr lang="pt-BR" sz="1600" b="0" strike="noStrike" spc="-1" dirty="0" smtClean="0">
+              <a:solidFill>
+                <a:srgbClr val="000000"/>
+              </a:solidFill>
+              <a:uFill>
+                <a:solidFill>
+                  <a:srgbClr val="FFFFFF"/>
+                </a:solidFill>
+              </a:uFill>
+              <a:latin typeface="Calibri" panose="020F0502020204030204" pitchFamily="34" charset="0"/>
+              <a:ea typeface="DejaVu Sans"/>
+              <a:cs typeface="Calibri" panose="020F0502020204030204" pitchFamily="34" charset="0"/>
+            </a:endParaRPr>
+          </a:p>
+          <a:p>
+            <a:pPr marL="228600" indent="-227880">
+              <a:lnSpc>
+                <a:spcPct val="90000"/>
+              </a:lnSpc>
+              <a:buClr>
+                <a:srgbClr val="000000"/>
+              </a:buClr>
+              <a:buFont typeface="Arial"/>
+              <a:buChar char="•"/>
+            </a:pPr>
+            <a:r>
+              <a:rPr lang="pt-BR" sz="1600" b="0" strike="noStrike" spc="-1" dirty="0" smtClean="0">
+                <a:solidFill>
+                  <a:srgbClr val="000000"/>
+                </a:solidFill>
+                <a:uFill>
+                  <a:solidFill>
+                    <a:srgbClr val="FFFFFF"/>
+                  </a:solidFill>
+                </a:uFill>
+                <a:latin typeface="Calibri" panose="020F0502020204030204" pitchFamily="34" charset="0"/>
+                <a:ea typeface="DejaVu Sans"/>
+                <a:cs typeface="Calibri" panose="020F0502020204030204" pitchFamily="34" charset="0"/>
+              </a:rPr>
+              <a:t>A cada novo melhor custo global, transfere esse valor para todos os Places</a:t>
+            </a:r>
+          </a:p>
+          <a:p>
+            <a:pPr>
+              <a:lnSpc>
+                <a:spcPct val="90000"/>
+              </a:lnSpc>
+            </a:pPr>
+            <a:endParaRPr lang="pt-BR" sz="1600" b="0" strike="noStrike" spc="-1" dirty="0">
+              <a:solidFill>
+                <a:srgbClr val="000000"/>
+              </a:solidFill>
+              <a:uFill>
+                <a:solidFill>
+                  <a:srgbClr val="FFFFFF"/>
+                </a:solidFill>
+              </a:uFill>
+              <a:latin typeface="Calibri" panose="020F0502020204030204" pitchFamily="34" charset="0"/>
+              <a:cs typeface="Calibri" panose="020F0502020204030204" pitchFamily="34" charset="0"/>
+            </a:endParaRPr>
+          </a:p>
+          <a:p>
+            <a:pPr marL="228600" indent="-227880">
+              <a:lnSpc>
+                <a:spcPct val="90000"/>
+              </a:lnSpc>
+              <a:buClr>
+                <a:srgbClr val="000000"/>
+              </a:buClr>
+              <a:buFont typeface="Arial"/>
+              <a:buChar char="•"/>
+            </a:pPr>
+            <a:r>
+              <a:rPr lang="pt-BR" sz="1600" b="0" strike="noStrike" spc="-1" dirty="0">
+                <a:solidFill>
+                  <a:srgbClr val="000000"/>
+                </a:solidFill>
+                <a:uFill>
+                  <a:solidFill>
+                    <a:srgbClr val="FFFFFF"/>
+                  </a:solidFill>
+                </a:uFill>
+                <a:latin typeface="Calibri" panose="020F0502020204030204" pitchFamily="34" charset="0"/>
+                <a:ea typeface="DejaVu Sans"/>
+                <a:cs typeface="Calibri" panose="020F0502020204030204" pitchFamily="34" charset="0"/>
+              </a:rPr>
+              <a:t>Um objeto que esteja ocioso em um place deve requisitar a outro algum Tour para </a:t>
+            </a:r>
+            <a:r>
+              <a:rPr lang="pt-BR" sz="1600" b="0" strike="noStrike" spc="-1" dirty="0" smtClean="0">
+                <a:solidFill>
+                  <a:srgbClr val="000000"/>
+                </a:solidFill>
+                <a:uFill>
+                  <a:solidFill>
+                    <a:srgbClr val="FFFFFF"/>
+                  </a:solidFill>
+                </a:uFill>
+                <a:latin typeface="Calibri" panose="020F0502020204030204" pitchFamily="34" charset="0"/>
+                <a:ea typeface="DejaVu Sans"/>
+                <a:cs typeface="Calibri" panose="020F0502020204030204" pitchFamily="34" charset="0"/>
+              </a:rPr>
+              <a:t>operar, evitando desbalanceamento </a:t>
+            </a:r>
+            <a:r>
+              <a:rPr lang="pt-BR" sz="1600" b="0" strike="noStrike" spc="-1" dirty="0">
+                <a:solidFill>
+                  <a:srgbClr val="000000"/>
+                </a:solidFill>
+                <a:uFill>
+                  <a:solidFill>
+                    <a:srgbClr val="FFFFFF"/>
+                  </a:solidFill>
+                </a:uFill>
+                <a:latin typeface="Calibri" panose="020F0502020204030204" pitchFamily="34" charset="0"/>
+                <a:ea typeface="DejaVu Sans"/>
+                <a:cs typeface="Calibri" panose="020F0502020204030204" pitchFamily="34" charset="0"/>
+              </a:rPr>
+              <a:t>na busca onde o trabalho em um place pode terminar antes de </a:t>
+            </a:r>
+            <a:r>
+              <a:rPr lang="pt-BR" sz="1600" b="0" strike="noStrike" spc="-1" dirty="0" smtClean="0">
+                <a:solidFill>
+                  <a:srgbClr val="000000"/>
+                </a:solidFill>
+                <a:uFill>
+                  <a:solidFill>
+                    <a:srgbClr val="FFFFFF"/>
+                  </a:solidFill>
+                </a:uFill>
+                <a:latin typeface="Calibri" panose="020F0502020204030204" pitchFamily="34" charset="0"/>
+                <a:ea typeface="DejaVu Sans"/>
+                <a:cs typeface="Calibri" panose="020F0502020204030204" pitchFamily="34" charset="0"/>
+              </a:rPr>
+              <a:t>outro</a:t>
+            </a:r>
+            <a:endParaRPr lang="pt-BR" sz="1600" b="0" strike="noStrike" spc="-1" dirty="0">
+              <a:solidFill>
+                <a:srgbClr val="000000"/>
+              </a:solidFill>
+              <a:uFill>
+                <a:solidFill>
+                  <a:srgbClr val="FFFFFF"/>
+                </a:solidFill>
+              </a:uFill>
+              <a:latin typeface="Calibri" panose="020F0502020204030204" pitchFamily="34" charset="0"/>
+              <a:cs typeface="Calibri" panose="020F0502020204030204" pitchFamily="34" charset="0"/>
+            </a:endParaRPr>
+          </a:p>
+        </p:txBody>
+      </p:sp>
     </p:spTree>
     <p:extLst>
       <p:ext uri="{BB962C8B-B14F-4D97-AF65-F5344CB8AC3E}">
-        <p14:creationId xmlns:p14="http://schemas.microsoft.com/office/powerpoint/2010/main" val="708334027"/>
+        <p14:creationId xmlns:p14="http://schemas.microsoft.com/office/powerpoint/2010/main" val="837446532"/>
       </p:ext>
     </p:extLst>
   </p:cSld>
@@ -29543,7 +29847,7 @@
       </p:sp>
       <p:pic>
         <p:nvPicPr>
-          <p:cNvPr id="5123" name="Picture 3"/>
+          <p:cNvPr id="4" name="Picture 2"/>
           <p:cNvPicPr>
             <a:picLocks noChangeAspect="1" noChangeArrowheads="1"/>
           </p:cNvPicPr>
@@ -29564,8 +29868,8 @@
         </p:blipFill>
         <p:spPr bwMode="auto">
           <a:xfrm>
-            <a:off x="1273109" y="1340768"/>
-            <a:ext cx="5114925" cy="4400550"/>
+            <a:off x="1271464" y="2060848"/>
+            <a:ext cx="4391025" cy="3076575"/>
           </a:xfrm>
           <a:prstGeom prst="rect">
             <a:avLst/>
@@ -29595,64 +29899,10 @@
           </a:extLst>
         </p:spPr>
       </p:pic>
-      <p:pic>
-        <p:nvPicPr>
-          <p:cNvPr id="5124" name="Picture 4"/>
-          <p:cNvPicPr>
-            <a:picLocks noChangeAspect="1" noChangeArrowheads="1"/>
-          </p:cNvPicPr>
-          <p:nvPr/>
-        </p:nvPicPr>
-        <p:blipFill>
-          <a:blip r:embed="rId3">
-            <a:extLst>
-              <a:ext uri="{28A0092B-C50C-407E-A947-70E740481C1C}">
-                <a14:useLocalDpi xmlns:a14="http://schemas.microsoft.com/office/drawing/2010/main" val="0"/>
-              </a:ext>
-            </a:extLst>
-          </a:blip>
-          <a:srcRect/>
-          <a:stretch>
-            <a:fillRect/>
-          </a:stretch>
-        </p:blipFill>
-        <p:spPr bwMode="auto">
-          <a:xfrm>
-            <a:off x="6384032" y="3645024"/>
-            <a:ext cx="5114925" cy="3086100"/>
-          </a:xfrm>
-          <a:prstGeom prst="rect">
-            <a:avLst/>
-          </a:prstGeom>
-          <a:noFill/>
-          <a:ln>
-            <a:noFill/>
-          </a:ln>
-          <a:extLst>
-            <a:ext uri="{909E8E84-426E-40DD-AFC4-6F175D3DCCD1}">
-              <a14:hiddenFill xmlns:a14="http://schemas.microsoft.com/office/drawing/2010/main">
-                <a:solidFill>
-                  <a:schemeClr val="accent1"/>
-                </a:solidFill>
-              </a14:hiddenFill>
-            </a:ext>
-            <a:ext uri="{91240B29-F687-4F45-9708-019B960494DF}">
-              <a14:hiddenLine xmlns:a14="http://schemas.microsoft.com/office/drawing/2010/main" w="9525">
-                <a:solidFill>
-                  <a:schemeClr val="tx1"/>
-                </a:solidFill>
-                <a:miter lim="800000"/>
-                <a:headEnd/>
-                <a:tailEnd/>
-              </a14:hiddenLine>
-            </a:ext>
-          </a:extLst>
-        </p:spPr>
-      </p:pic>
     </p:spTree>
     <p:extLst>
       <p:ext uri="{BB962C8B-B14F-4D97-AF65-F5344CB8AC3E}">
-        <p14:creationId xmlns:p14="http://schemas.microsoft.com/office/powerpoint/2010/main" val="2977149072"/>
+        <p14:creationId xmlns:p14="http://schemas.microsoft.com/office/powerpoint/2010/main" val="708334027"/>
       </p:ext>
     </p:extLst>
   </p:cSld>
@@ -29777,7 +30027,7 @@
       </p:sp>
       <p:pic>
         <p:nvPicPr>
-          <p:cNvPr id="5" name="Picture 2"/>
+          <p:cNvPr id="5123" name="Picture 3"/>
           <p:cNvPicPr>
             <a:picLocks noChangeAspect="1" noChangeArrowheads="1"/>
           </p:cNvPicPr>
@@ -29798,8 +30048,8 @@
         </p:blipFill>
         <p:spPr bwMode="auto">
           <a:xfrm>
-            <a:off x="911424" y="2780928"/>
-            <a:ext cx="3352800" cy="1885950"/>
+            <a:off x="1273109" y="1340768"/>
+            <a:ext cx="5114925" cy="4400550"/>
           </a:xfrm>
           <a:prstGeom prst="rect">
             <a:avLst/>
@@ -29829,10 +30079,64 @@
           </a:extLst>
         </p:spPr>
       </p:pic>
+      <p:pic>
+        <p:nvPicPr>
+          <p:cNvPr id="5124" name="Picture 4"/>
+          <p:cNvPicPr>
+            <a:picLocks noChangeAspect="1" noChangeArrowheads="1"/>
+          </p:cNvPicPr>
+          <p:nvPr/>
+        </p:nvPicPr>
+        <p:blipFill>
+          <a:blip r:embed="rId3">
+            <a:extLst>
+              <a:ext uri="{28A0092B-C50C-407E-A947-70E740481C1C}">
+                <a14:useLocalDpi xmlns:a14="http://schemas.microsoft.com/office/drawing/2010/main" val="0"/>
+              </a:ext>
+            </a:extLst>
+          </a:blip>
+          <a:srcRect/>
+          <a:stretch>
+            <a:fillRect/>
+          </a:stretch>
+        </p:blipFill>
+        <p:spPr bwMode="auto">
+          <a:xfrm>
+            <a:off x="6384032" y="3645024"/>
+            <a:ext cx="5114925" cy="3086100"/>
+          </a:xfrm>
+          <a:prstGeom prst="rect">
+            <a:avLst/>
+          </a:prstGeom>
+          <a:noFill/>
+          <a:ln>
+            <a:noFill/>
+          </a:ln>
+          <a:extLst>
+            <a:ext uri="{909E8E84-426E-40DD-AFC4-6F175D3DCCD1}">
+              <a14:hiddenFill xmlns:a14="http://schemas.microsoft.com/office/drawing/2010/main">
+                <a:solidFill>
+                  <a:schemeClr val="accent1"/>
+                </a:solidFill>
+              </a14:hiddenFill>
+            </a:ext>
+            <a:ext uri="{91240B29-F687-4F45-9708-019B960494DF}">
+              <a14:hiddenLine xmlns:a14="http://schemas.microsoft.com/office/drawing/2010/main" w="9525">
+                <a:solidFill>
+                  <a:schemeClr val="tx1"/>
+                </a:solidFill>
+                <a:miter lim="800000"/>
+                <a:headEnd/>
+                <a:tailEnd/>
+              </a14:hiddenLine>
+            </a:ext>
+          </a:extLst>
+        </p:spPr>
+      </p:pic>
     </p:spTree>
     <p:extLst>
       <p:ext uri="{BB962C8B-B14F-4D97-AF65-F5344CB8AC3E}">
-        <p14:creationId xmlns:p14="http://schemas.microsoft.com/office/powerpoint/2010/main" val="1152425556"/>
+        <p14:creationId xmlns:p14="http://schemas.microsoft.com/office/powerpoint/2010/main" val="2977149072"/>
       </p:ext>
     </p:extLst>
   </p:cSld>
@@ -30612,56 +30916,62 @@
       </p:sp>
       <p:pic>
         <p:nvPicPr>
-          <p:cNvPr id="2" name="Picture 1"/>
+          <p:cNvPr id="5" name="Picture 2"/>
           <p:cNvPicPr>
-            <a:picLocks noChangeAspect="1"/>
+            <a:picLocks noChangeAspect="1" noChangeArrowheads="1"/>
           </p:cNvPicPr>
           <p:nvPr/>
         </p:nvPicPr>
         <p:blipFill>
-          <a:blip r:embed="rId2"/>
+          <a:blip r:embed="rId2">
+            <a:extLst>
+              <a:ext uri="{28A0092B-C50C-407E-A947-70E740481C1C}">
+                <a14:useLocalDpi xmlns:a14="http://schemas.microsoft.com/office/drawing/2010/main" val="0"/>
+              </a:ext>
+            </a:extLst>
+          </a:blip>
+          <a:srcRect/>
           <a:stretch>
             <a:fillRect/>
           </a:stretch>
         </p:blipFill>
-        <p:spPr>
-          <a:xfrm>
-            <a:off x="450723" y="1268760"/>
-            <a:ext cx="5619750" cy="3943350"/>
-          </a:xfrm>
-          <a:prstGeom prst="rect">
-            <a:avLst/>
-          </a:prstGeom>
-        </p:spPr>
-      </p:pic>
-      <p:pic>
-        <p:nvPicPr>
-          <p:cNvPr id="3" name="Picture 2"/>
-          <p:cNvPicPr>
-            <a:picLocks noChangeAspect="1"/>
-          </p:cNvPicPr>
-          <p:nvPr/>
-        </p:nvPicPr>
-        <p:blipFill>
-          <a:blip r:embed="rId3"/>
-          <a:stretch>
-            <a:fillRect/>
-          </a:stretch>
-        </p:blipFill>
-        <p:spPr>
-          <a:xfrm>
-            <a:off x="6384032" y="2348880"/>
-            <a:ext cx="5619750" cy="4429125"/>
-          </a:xfrm>
-          <a:prstGeom prst="rect">
-            <a:avLst/>
-          </a:prstGeom>
+        <p:spPr bwMode="auto">
+          <a:xfrm>
+            <a:off x="911424" y="2780928"/>
+            <a:ext cx="3352800" cy="1885950"/>
+          </a:xfrm>
+          <a:prstGeom prst="rect">
+            <a:avLst/>
+          </a:prstGeom>
+          <a:noFill/>
+          <a:ln>
+            <a:noFill/>
+          </a:ln>
+          <a:extLst>
+            <a:ext uri="{909E8E84-426E-40DD-AFC4-6F175D3DCCD1}">
+              <a14:hiddenFill xmlns:a14="http://schemas.microsoft.com/office/drawing/2010/main">
+                <a:solidFill>
+                  <a:schemeClr val="accent1"/>
+                </a:solidFill>
+              </a14:hiddenFill>
+            </a:ext>
+            <a:ext uri="{91240B29-F687-4F45-9708-019B960494DF}">
+              <a14:hiddenLine xmlns:a14="http://schemas.microsoft.com/office/drawing/2010/main" w="9525">
+                <a:solidFill>
+                  <a:schemeClr val="tx1"/>
+                </a:solidFill>
+                <a:miter lim="800000"/>
+                <a:headEnd/>
+                <a:tailEnd/>
+              </a14:hiddenLine>
+            </a:ext>
+          </a:extLst>
         </p:spPr>
       </p:pic>
     </p:spTree>
     <p:extLst>
       <p:ext uri="{BB962C8B-B14F-4D97-AF65-F5344CB8AC3E}">
-        <p14:creationId xmlns:p14="http://schemas.microsoft.com/office/powerpoint/2010/main" val="3547945407"/>
+        <p14:creationId xmlns:p14="http://schemas.microsoft.com/office/powerpoint/2010/main" val="1152425556"/>
       </p:ext>
     </p:extLst>
   </p:cSld>
@@ -30786,62 +31096,56 @@
       </p:sp>
       <p:pic>
         <p:nvPicPr>
-          <p:cNvPr id="8194" name="Picture 2"/>
+          <p:cNvPr id="2" name="Picture 1"/>
           <p:cNvPicPr>
-            <a:picLocks noChangeAspect="1" noChangeArrowheads="1"/>
+            <a:picLocks noChangeAspect="1"/>
           </p:cNvPicPr>
           <p:nvPr/>
         </p:nvPicPr>
         <p:blipFill>
-          <a:blip r:embed="rId2">
-            <a:extLst>
-              <a:ext uri="{28A0092B-C50C-407E-A947-70E740481C1C}">
-                <a14:useLocalDpi xmlns:a14="http://schemas.microsoft.com/office/drawing/2010/main" val="0"/>
-              </a:ext>
-            </a:extLst>
-          </a:blip>
-          <a:srcRect/>
+          <a:blip r:embed="rId2"/>
           <a:stretch>
             <a:fillRect/>
           </a:stretch>
         </p:blipFill>
-        <p:spPr bwMode="auto">
-          <a:xfrm>
-            <a:off x="876002" y="1772816"/>
-            <a:ext cx="5695950" cy="3657600"/>
-          </a:xfrm>
-          <a:prstGeom prst="rect">
-            <a:avLst/>
-          </a:prstGeom>
-          <a:noFill/>
-          <a:ln>
-            <a:noFill/>
-          </a:ln>
-          <a:extLst>
-            <a:ext uri="{909E8E84-426E-40DD-AFC4-6F175D3DCCD1}">
-              <a14:hiddenFill xmlns:a14="http://schemas.microsoft.com/office/drawing/2010/main">
-                <a:solidFill>
-                  <a:schemeClr val="accent1"/>
-                </a:solidFill>
-              </a14:hiddenFill>
-            </a:ext>
-            <a:ext uri="{91240B29-F687-4F45-9708-019B960494DF}">
-              <a14:hiddenLine xmlns:a14="http://schemas.microsoft.com/office/drawing/2010/main" w="9525">
-                <a:solidFill>
-                  <a:schemeClr val="tx1"/>
-                </a:solidFill>
-                <a:miter lim="800000"/>
-                <a:headEnd/>
-                <a:tailEnd/>
-              </a14:hiddenLine>
-            </a:ext>
-          </a:extLst>
+        <p:spPr>
+          <a:xfrm>
+            <a:off x="450723" y="1268760"/>
+            <a:ext cx="5619750" cy="3943350"/>
+          </a:xfrm>
+          <a:prstGeom prst="rect">
+            <a:avLst/>
+          </a:prstGeom>
+        </p:spPr>
+      </p:pic>
+      <p:pic>
+        <p:nvPicPr>
+          <p:cNvPr id="3" name="Picture 2"/>
+          <p:cNvPicPr>
+            <a:picLocks noChangeAspect="1"/>
+          </p:cNvPicPr>
+          <p:nvPr/>
+        </p:nvPicPr>
+        <p:blipFill>
+          <a:blip r:embed="rId3"/>
+          <a:stretch>
+            <a:fillRect/>
+          </a:stretch>
+        </p:blipFill>
+        <p:spPr>
+          <a:xfrm>
+            <a:off x="6384032" y="2348880"/>
+            <a:ext cx="5619750" cy="4429125"/>
+          </a:xfrm>
+          <a:prstGeom prst="rect">
+            <a:avLst/>
+          </a:prstGeom>
         </p:spPr>
       </p:pic>
     </p:spTree>
     <p:extLst>
       <p:ext uri="{BB962C8B-B14F-4D97-AF65-F5344CB8AC3E}">
-        <p14:creationId xmlns:p14="http://schemas.microsoft.com/office/powerpoint/2010/main" val="3532863421"/>
+        <p14:creationId xmlns:p14="http://schemas.microsoft.com/office/powerpoint/2010/main" val="3547945407"/>
       </p:ext>
     </p:extLst>
   </p:cSld>
@@ -30895,6 +31199,186 @@
           <a:chExt cx="0" cy="0"/>
         </a:xfrm>
       </p:grpSpPr>
+      <p:sp>
+        <p:nvSpPr>
+          <p:cNvPr id="422" name="CustomShape 1"/>
+          <p:cNvSpPr/>
+          <p:nvPr/>
+        </p:nvSpPr>
+        <p:spPr>
+          <a:xfrm>
+            <a:off x="609480" y="273600"/>
+            <a:ext cx="10971720" cy="1144080"/>
+          </a:xfrm>
+          <a:prstGeom prst="rect">
+            <a:avLst/>
+          </a:prstGeom>
+          <a:noFill/>
+          <a:ln>
+            <a:noFill/>
+          </a:ln>
+        </p:spPr>
+        <p:style>
+          <a:lnRef idx="0">
+            <a:scrgbClr r="0" g="0" b="0"/>
+          </a:lnRef>
+          <a:fillRef idx="0">
+            <a:scrgbClr r="0" g="0" b="0"/>
+          </a:fillRef>
+          <a:effectRef idx="0">
+            <a:scrgbClr r="0" g="0" b="0"/>
+          </a:effectRef>
+          <a:fontRef idx="minor"/>
+        </p:style>
+        <p:txBody>
+          <a:bodyPr lIns="0" tIns="0" rIns="0" bIns="0" anchor="ctr"/>
+          <a:lstStyle/>
+          <a:p>
+            <a:pPr>
+              <a:lnSpc>
+                <a:spcPct val="90000"/>
+              </a:lnSpc>
+            </a:pPr>
+            <a:r>
+              <a:rPr lang="pt-BR" sz="2400" b="0" strike="noStrike" spc="-1" dirty="0">
+                <a:solidFill>
+                  <a:srgbClr val="000000"/>
+                </a:solidFill>
+                <a:uFill>
+                  <a:solidFill>
+                    <a:srgbClr val="FFFFFF"/>
+                  </a:solidFill>
+                </a:uFill>
+                <a:latin typeface="Calibri"/>
+                <a:ea typeface="DejaVu Sans"/>
+              </a:rPr>
+              <a:t>Busca em árvore com x10</a:t>
+            </a:r>
+            <a:endParaRPr lang="pt-BR" sz="2400" b="0" strike="noStrike" spc="-1" dirty="0">
+              <a:solidFill>
+                <a:srgbClr val="000000"/>
+              </a:solidFill>
+              <a:uFill>
+                <a:solidFill>
+                  <a:srgbClr val="FFFFFF"/>
+                </a:solidFill>
+              </a:uFill>
+              <a:latin typeface="Arial"/>
+            </a:endParaRPr>
+          </a:p>
+        </p:txBody>
+      </p:sp>
+      <p:pic>
+        <p:nvPicPr>
+          <p:cNvPr id="8194" name="Picture 2"/>
+          <p:cNvPicPr>
+            <a:picLocks noChangeAspect="1" noChangeArrowheads="1"/>
+          </p:cNvPicPr>
+          <p:nvPr/>
+        </p:nvPicPr>
+        <p:blipFill>
+          <a:blip r:embed="rId2">
+            <a:extLst>
+              <a:ext uri="{28A0092B-C50C-407E-A947-70E740481C1C}">
+                <a14:useLocalDpi xmlns:a14="http://schemas.microsoft.com/office/drawing/2010/main" val="0"/>
+              </a:ext>
+            </a:extLst>
+          </a:blip>
+          <a:srcRect/>
+          <a:stretch>
+            <a:fillRect/>
+          </a:stretch>
+        </p:blipFill>
+        <p:spPr bwMode="auto">
+          <a:xfrm>
+            <a:off x="876002" y="1772816"/>
+            <a:ext cx="5695950" cy="3657600"/>
+          </a:xfrm>
+          <a:prstGeom prst="rect">
+            <a:avLst/>
+          </a:prstGeom>
+          <a:noFill/>
+          <a:ln>
+            <a:noFill/>
+          </a:ln>
+          <a:extLst>
+            <a:ext uri="{909E8E84-426E-40DD-AFC4-6F175D3DCCD1}">
+              <a14:hiddenFill xmlns:a14="http://schemas.microsoft.com/office/drawing/2010/main">
+                <a:solidFill>
+                  <a:schemeClr val="accent1"/>
+                </a:solidFill>
+              </a14:hiddenFill>
+            </a:ext>
+            <a:ext uri="{91240B29-F687-4F45-9708-019B960494DF}">
+              <a14:hiddenLine xmlns:a14="http://schemas.microsoft.com/office/drawing/2010/main" w="9525">
+                <a:solidFill>
+                  <a:schemeClr val="tx1"/>
+                </a:solidFill>
+                <a:miter lim="800000"/>
+                <a:headEnd/>
+                <a:tailEnd/>
+              </a14:hiddenLine>
+            </a:ext>
+          </a:extLst>
+        </p:spPr>
+      </p:pic>
+    </p:spTree>
+    <p:extLst>
+      <p:ext uri="{BB962C8B-B14F-4D97-AF65-F5344CB8AC3E}">
+        <p14:creationId xmlns:p14="http://schemas.microsoft.com/office/powerpoint/2010/main" val="3532863421"/>
+      </p:ext>
+    </p:extLst>
+  </p:cSld>
+  <p:clrMapOvr>
+    <a:masterClrMapping/>
+  </p:clrMapOvr>
+  <p:timing>
+    <p:tnLst>
+      <p:par>
+        <p:cTn id="1" dur="indefinite" restart="never" nodeType="tmRoot">
+          <p:childTnLst>
+            <p:seq>
+              <p:cTn id="2" nodeType="mainSeq"/>
+              <p:prevCondLst>
+                <p:cond evt="onPrev" delay="0">
+                  <p:tgtEl>
+                    <p:sldTgt/>
+                  </p:tgtEl>
+                </p:cond>
+              </p:prevCondLst>
+              <p:nextCondLst>
+                <p:cond evt="onNext" delay="0">
+                  <p:tgtEl>
+                    <p:sldTgt/>
+                  </p:tgtEl>
+                </p:cond>
+              </p:nextCondLst>
+            </p:seq>
+          </p:childTnLst>
+        </p:cTn>
+      </p:par>
+    </p:tnLst>
+  </p:timing>
+</p:sld>
+</file>
+
+<file path=ppt/slides/slide43.xml><?xml version="1.0" encoding="utf-8"?>
+<p:sld xmlns:a="http://schemas.openxmlformats.org/drawingml/2006/main" xmlns:r="http://schemas.openxmlformats.org/officeDocument/2006/relationships" xmlns:p="http://schemas.openxmlformats.org/presentationml/2006/main">
+  <p:cSld>
+    <p:spTree>
+      <p:nvGrpSpPr>
+        <p:cNvPr id="1" name=""/>
+        <p:cNvGrpSpPr/>
+        <p:nvPr/>
+      </p:nvGrpSpPr>
+      <p:grpSpPr>
+        <a:xfrm>
+          <a:off x="0" y="0"/>
+          <a:ext cx="0" cy="0"/>
+          <a:chOff x="0" y="0"/>
+          <a:chExt cx="0" cy="0"/>
+        </a:xfrm>
+      </p:grpSpPr>
       <p:pic>
         <p:nvPicPr>
           <p:cNvPr id="2052" name="Picture 4"/>
@@ -31050,7 +31534,7 @@
 </p:sld>
 </file>
 
-<file path=ppt/slides/slide43.xml><?xml version="1.0" encoding="utf-8"?>
+<file path=ppt/slides/slide44.xml><?xml version="1.0" encoding="utf-8"?>
 <p:sld xmlns:a="http://schemas.openxmlformats.org/drawingml/2006/main" xmlns:r="http://schemas.openxmlformats.org/officeDocument/2006/relationships" xmlns:p="http://schemas.openxmlformats.org/presentationml/2006/main">
   <p:cSld>
     <p:spTree>
@@ -31903,7 +32387,7 @@
 </p:sld>
 </file>
 
-<file path=ppt/slides/slide44.xml><?xml version="1.0" encoding="utf-8"?>
+<file path=ppt/slides/slide45.xml><?xml version="1.0" encoding="utf-8"?>
 <p:sld xmlns:a="http://schemas.openxmlformats.org/drawingml/2006/main" xmlns:r="http://schemas.openxmlformats.org/officeDocument/2006/relationships" xmlns:p="http://schemas.openxmlformats.org/presentationml/2006/main">
   <p:cSld>
     <p:spTree>
@@ -32228,7 +32712,7 @@
 </p:sld>
 </file>
 
-<file path=ppt/slides/slide45.xml><?xml version="1.0" encoding="utf-8"?>
+<file path=ppt/slides/slide46.xml><?xml version="1.0" encoding="utf-8"?>
 <p:sld xmlns:a="http://schemas.openxmlformats.org/drawingml/2006/main" xmlns:r="http://schemas.openxmlformats.org/officeDocument/2006/relationships" xmlns:p="http://schemas.openxmlformats.org/presentationml/2006/main">
   <p:cSld>
     <p:spTree>

--- a/x102.pptx
+++ b/x102.pptx
@@ -396,7 +396,7 @@
                 </a:uFill>
                 <a:latin typeface="Times New Roman"/>
               </a:rPr>
-              <a:t>‹#›</a:t>
+              <a:t>‹nº›</a:t>
             </a:fld>
             <a:endParaRPr lang="pt-BR" sz="1400" b="0" strike="noStrike" spc="-1">
               <a:solidFill>
@@ -25966,7 +25966,37 @@
                 <a:latin typeface="Calibri"/>
                 <a:ea typeface="DejaVu Sans"/>
               </a:rPr>
-              <a:t>O programa é dito que possui uma “visão global” quando todas as threads compartilham um único espaço de endereçamento (OpenMP), compartilham o mesmo dado, mal modelo para compartilhar dados causa condições de corrida.</a:t>
+              <a:t>O programa é dito que possui uma “visão global” quando todas as threads compartilham um único espaço de endereçamento (OpenMP), compartilham o mesmo dado, </a:t>
+            </a:r>
+            <a:r>
+              <a:rPr lang="pt-BR" sz="1600" b="0" strike="noStrike" spc="-1" dirty="0" smtClean="0">
+                <a:solidFill>
+                  <a:srgbClr val="000000"/>
+                </a:solidFill>
+                <a:uFill>
+                  <a:solidFill>
+                    <a:srgbClr val="FFFFFF"/>
+                  </a:solidFill>
+                </a:uFill>
+                <a:latin typeface="Calibri"/>
+                <a:ea typeface="DejaVu Sans"/>
+              </a:rPr>
+              <a:t>um mal </a:t>
+            </a:r>
+            <a:r>
+              <a:rPr lang="pt-BR" sz="1600" b="0" strike="noStrike" spc="-1" dirty="0">
+                <a:solidFill>
+                  <a:srgbClr val="000000"/>
+                </a:solidFill>
+                <a:uFill>
+                  <a:solidFill>
+                    <a:srgbClr val="FFFFFF"/>
+                  </a:solidFill>
+                </a:uFill>
+                <a:latin typeface="Calibri"/>
+                <a:ea typeface="DejaVu Sans"/>
+              </a:rPr>
+              <a:t>modelo para compartilhar dados causa condições de corrida.</a:t>
             </a:r>
             <a:endParaRPr lang="pt-BR" sz="1600" b="0" strike="noStrike" spc="-1" dirty="0">
               <a:solidFill>
@@ -30244,7 +30274,22 @@
                 <a:latin typeface="Calibri"/>
                 <a:ea typeface="DejaVu Sans"/>
               </a:rPr>
-              <a:t>:  Divide o espaço de endereçamento global para que o programador esteja ciente do compartilhamento de dados entre as threads</a:t>
+              <a:t>:  Divide o espaço de endereçamento global para que o programador esteja ciente do compartilhamento de </a:t>
+            </a:r>
+            <a:r>
+              <a:rPr lang="pt-BR" sz="1600" b="0" strike="noStrike" spc="-1" dirty="0" smtClean="0">
+                <a:solidFill>
+                  <a:srgbClr val="3F3D41"/>
+                </a:solidFill>
+                <a:uFill>
+                  <a:solidFill>
+                    <a:srgbClr val="FFFFFF"/>
+                  </a:solidFill>
+                </a:uFill>
+                <a:latin typeface="Calibri"/>
+                <a:ea typeface="DejaVu Sans"/>
+              </a:rPr>
+              <a:t>dados</a:t>
             </a:r>
             <a:endParaRPr lang="pt-BR" sz="1400" b="0" strike="noStrike" spc="-1" dirty="0">
               <a:solidFill>
@@ -31127,14 +31172,14 @@
           <p:nvPr>
             <p:extLst>
               <p:ext uri="{D42A27DB-BD31-4B8C-83A1-F6EECF244321}">
-                <p14:modId xmlns:p14="http://schemas.microsoft.com/office/powerpoint/2010/main" val="1379589917"/>
+                <p14:modId xmlns:p14="http://schemas.microsoft.com/office/powerpoint/2010/main" val="3529548770"/>
               </p:ext>
             </p:extLst>
           </p:nvPr>
         </p:nvGraphicFramePr>
         <p:xfrm>
           <a:off x="2279576" y="2492896"/>
-          <a:ext cx="7633329" cy="1944216"/>
+          <a:ext cx="7633329" cy="2917122"/>
         </p:xfrm>
         <a:graphic>
           <a:graphicData uri="http://schemas.openxmlformats.org/drawingml/2006/table">
@@ -31721,10 +31766,14 @@
                         <a:srgbClr val="FFFFFF"/>
                       </a:solidFill>
                     </a:lnT>
-                    <a:lnB w="720">
+                    <a:lnB w="720" cap="flat" cmpd="sng" algn="ctr">
                       <a:solidFill>
                         <a:srgbClr val="FFFFFF"/>
                       </a:solidFill>
+                      <a:prstDash val="solid"/>
+                      <a:round/>
+                      <a:headEnd type="none" w="med" len="med"/>
+                      <a:tailEnd type="none" w="med" len="med"/>
                     </a:lnB>
                     <a:solidFill>
                       <a:srgbClr val="E6E6E6"/>
@@ -31787,10 +31836,14 @@
                         <a:srgbClr val="FFFFFF"/>
                       </a:solidFill>
                     </a:lnT>
-                    <a:lnB w="720">
+                    <a:lnB w="720" cap="flat" cmpd="sng" algn="ctr">
                       <a:solidFill>
                         <a:srgbClr val="FFFFFF"/>
                       </a:solidFill>
+                      <a:prstDash val="solid"/>
+                      <a:round/>
+                      <a:headEnd type="none" w="med" len="med"/>
+                      <a:tailEnd type="none" w="med" len="med"/>
                     </a:lnB>
                     <a:solidFill>
                       <a:srgbClr val="E6E6E6"/>
@@ -31842,6 +31895,493 @@
                       <a:solidFill>
                         <a:srgbClr val="FFFFFF"/>
                       </a:solidFill>
+                    </a:lnL>
+                    <a:lnR w="720">
+                      <a:solidFill>
+                        <a:srgbClr val="FFFFFF"/>
+                      </a:solidFill>
+                    </a:lnR>
+                    <a:lnT w="720">
+                      <a:solidFill>
+                        <a:srgbClr val="FFFFFF"/>
+                      </a:solidFill>
+                    </a:lnT>
+                    <a:lnB w="720" cap="flat" cmpd="sng" algn="ctr">
+                      <a:solidFill>
+                        <a:srgbClr val="FFFFFF"/>
+                      </a:solidFill>
+                      <a:prstDash val="solid"/>
+                      <a:round/>
+                      <a:headEnd type="none" w="med" len="med"/>
+                      <a:tailEnd type="none" w="med" len="med"/>
+                    </a:lnB>
+                    <a:solidFill>
+                      <a:srgbClr val="E6E6E6"/>
+                    </a:solidFill>
+                  </a:tcPr>
+                </a:tc>
+              </a:tr>
+              <a:tr h="486453">
+                <a:tc>
+                  <a:txBody>
+                    <a:bodyPr/>
+                    <a:lstStyle/>
+                    <a:p>
+                      <a:pPr algn="ctr">
+                        <a:lnSpc>
+                          <a:spcPct val="100000"/>
+                        </a:lnSpc>
+                      </a:pPr>
+                      <a:r>
+                        <a:rPr lang="pt-BR" sz="1800" b="0" strike="noStrike" spc="-1" dirty="0" smtClean="0">
+                          <a:solidFill>
+                            <a:srgbClr val="000000"/>
+                          </a:solidFill>
+                          <a:uFill>
+                            <a:solidFill>
+                              <a:srgbClr val="FFFFFF"/>
+                            </a:solidFill>
+                          </a:uFill>
+                          <a:latin typeface="Calibri" panose="020F0502020204030204" pitchFamily="34" charset="0"/>
+                          <a:cs typeface="Calibri" panose="020F0502020204030204" pitchFamily="34" charset="0"/>
+                        </a:rPr>
+                        <a:t>15</a:t>
+                      </a:r>
+                      <a:endParaRPr lang="pt-BR" sz="1800" b="0" strike="noStrike" spc="-1" dirty="0">
+                        <a:solidFill>
+                          <a:srgbClr val="000000"/>
+                        </a:solidFill>
+                        <a:uFill>
+                          <a:solidFill>
+                            <a:srgbClr val="FFFFFF"/>
+                          </a:solidFill>
+                        </a:uFill>
+                        <a:latin typeface="Calibri" panose="020F0502020204030204" pitchFamily="34" charset="0"/>
+                        <a:cs typeface="Calibri" panose="020F0502020204030204" pitchFamily="34" charset="0"/>
+                      </a:endParaRPr>
+                    </a:p>
+                  </a:txBody>
+                  <a:tcPr marL="90000" marR="90000">
+                    <a:lnL w="720">
+                      <a:solidFill>
+                        <a:srgbClr val="FFFFFF"/>
+                      </a:solidFill>
+                    </a:lnL>
+                    <a:lnR w="720" cap="flat" cmpd="sng" algn="ctr">
+                      <a:solidFill>
+                        <a:srgbClr val="FFFFFF"/>
+                      </a:solidFill>
+                      <a:prstDash val="solid"/>
+                      <a:round/>
+                      <a:headEnd type="none" w="med" len="med"/>
+                      <a:tailEnd type="none" w="med" len="med"/>
+                    </a:lnR>
+                    <a:lnT w="720">
+                      <a:solidFill>
+                        <a:srgbClr val="FFFFFF"/>
+                      </a:solidFill>
+                    </a:lnT>
+                    <a:lnB w="720" cap="flat" cmpd="sng" algn="ctr">
+                      <a:solidFill>
+                        <a:srgbClr val="FFFFFF"/>
+                      </a:solidFill>
+                      <a:prstDash val="solid"/>
+                      <a:round/>
+                      <a:headEnd type="none" w="med" len="med"/>
+                      <a:tailEnd type="none" w="med" len="med"/>
+                    </a:lnB>
+                    <a:solidFill>
+                      <a:srgbClr val="E6E6E6"/>
+                    </a:solidFill>
+                  </a:tcPr>
+                </a:tc>
+                <a:tc>
+                  <a:txBody>
+                    <a:bodyPr/>
+                    <a:lstStyle/>
+                    <a:p>
+                      <a:pPr algn="ctr">
+                        <a:lnSpc>
+                          <a:spcPct val="100000"/>
+                        </a:lnSpc>
+                      </a:pPr>
+                      <a:r>
+                        <a:rPr lang="pt-BR" sz="1800" b="0" strike="noStrike" spc="-1" dirty="0" smtClean="0">
+                          <a:solidFill>
+                            <a:srgbClr val="000000"/>
+                          </a:solidFill>
+                          <a:uFill>
+                            <a:solidFill>
+                              <a:srgbClr val="FFFFFF"/>
+                            </a:solidFill>
+                          </a:uFill>
+                          <a:latin typeface="Calibri" panose="020F0502020204030204" pitchFamily="34" charset="0"/>
+                          <a:cs typeface="Calibri" panose="020F0502020204030204" pitchFamily="34" charset="0"/>
+                        </a:rPr>
+                        <a:t>12 - 15</a:t>
+                      </a:r>
+                      <a:r>
+                        <a:rPr lang="pt-BR" sz="1800" b="0" strike="noStrike" spc="-1" baseline="0" dirty="0" smtClean="0">
+                          <a:solidFill>
+                            <a:srgbClr val="000000"/>
+                          </a:solidFill>
+                          <a:uFill>
+                            <a:solidFill>
+                              <a:srgbClr val="FFFFFF"/>
+                            </a:solidFill>
+                          </a:uFill>
+                          <a:latin typeface="Calibri" panose="020F0502020204030204" pitchFamily="34" charset="0"/>
+                          <a:cs typeface="Calibri" panose="020F0502020204030204" pitchFamily="34" charset="0"/>
+                        </a:rPr>
+                        <a:t> minutos</a:t>
+                      </a:r>
+                      <a:endParaRPr lang="pt-BR" sz="1800" b="0" strike="noStrike" spc="-1" dirty="0">
+                        <a:solidFill>
+                          <a:srgbClr val="000000"/>
+                        </a:solidFill>
+                        <a:uFill>
+                          <a:solidFill>
+                            <a:srgbClr val="FFFFFF"/>
+                          </a:solidFill>
+                        </a:uFill>
+                        <a:latin typeface="Calibri" panose="020F0502020204030204" pitchFamily="34" charset="0"/>
+                        <a:cs typeface="Calibri" panose="020F0502020204030204" pitchFamily="34" charset="0"/>
+                      </a:endParaRPr>
+                    </a:p>
+                  </a:txBody>
+                  <a:tcPr marL="90000" marR="90000">
+                    <a:lnL w="720" cap="flat" cmpd="sng" algn="ctr">
+                      <a:solidFill>
+                        <a:srgbClr val="FFFFFF"/>
+                      </a:solidFill>
+                      <a:prstDash val="solid"/>
+                      <a:round/>
+                      <a:headEnd type="none" w="med" len="med"/>
+                      <a:tailEnd type="none" w="med" len="med"/>
+                    </a:lnL>
+                    <a:lnR w="720" cap="flat" cmpd="sng" algn="ctr">
+                      <a:solidFill>
+                        <a:srgbClr val="FFFFFF"/>
+                      </a:solidFill>
+                      <a:prstDash val="solid"/>
+                      <a:round/>
+                      <a:headEnd type="none" w="med" len="med"/>
+                      <a:tailEnd type="none" w="med" len="med"/>
+                    </a:lnR>
+                    <a:lnT w="720">
+                      <a:solidFill>
+                        <a:srgbClr val="FFFFFF"/>
+                      </a:solidFill>
+                    </a:lnT>
+                    <a:lnB w="720" cap="flat" cmpd="sng" algn="ctr">
+                      <a:solidFill>
+                        <a:srgbClr val="FFFFFF"/>
+                      </a:solidFill>
+                      <a:prstDash val="solid"/>
+                      <a:round/>
+                      <a:headEnd type="none" w="med" len="med"/>
+                      <a:tailEnd type="none" w="med" len="med"/>
+                    </a:lnB>
+                    <a:solidFill>
+                      <a:srgbClr val="E6E6E6"/>
+                    </a:solidFill>
+                  </a:tcPr>
+                </a:tc>
+                <a:tc>
+                  <a:txBody>
+                    <a:bodyPr/>
+                    <a:lstStyle/>
+                    <a:p>
+                      <a:pPr algn="ctr">
+                        <a:lnSpc>
+                          <a:spcPct val="100000"/>
+                        </a:lnSpc>
+                      </a:pPr>
+                      <a:r>
+                        <a:rPr lang="pt-BR" sz="1800" b="0" strike="noStrike" spc="-1" dirty="0" smtClean="0">
+                          <a:solidFill>
+                            <a:srgbClr val="000000"/>
+                          </a:solidFill>
+                          <a:uFill>
+                            <a:solidFill>
+                              <a:srgbClr val="FFFFFF"/>
+                            </a:solidFill>
+                          </a:uFill>
+                          <a:latin typeface="Calibri" panose="020F0502020204030204" pitchFamily="34" charset="0"/>
+                          <a:cs typeface="Calibri" panose="020F0502020204030204" pitchFamily="34" charset="0"/>
+                        </a:rPr>
+                        <a:t>200 a</a:t>
+                      </a:r>
+                      <a:r>
+                        <a:rPr lang="pt-BR" sz="1800" b="0" strike="noStrike" spc="-1" baseline="0" dirty="0" smtClean="0">
+                          <a:solidFill>
+                            <a:srgbClr val="000000"/>
+                          </a:solidFill>
+                          <a:uFill>
+                            <a:solidFill>
+                              <a:srgbClr val="FFFFFF"/>
+                            </a:solidFill>
+                          </a:uFill>
+                          <a:latin typeface="Calibri" panose="020F0502020204030204" pitchFamily="34" charset="0"/>
+                          <a:cs typeface="Calibri" panose="020F0502020204030204" pitchFamily="34" charset="0"/>
+                        </a:rPr>
+                        <a:t> 220 </a:t>
+                      </a:r>
+                      <a:r>
+                        <a:rPr lang="pt-BR" sz="1800" b="0" strike="noStrike" spc="-1" dirty="0" smtClean="0">
+                          <a:solidFill>
+                            <a:srgbClr val="000000"/>
+                          </a:solidFill>
+                          <a:uFill>
+                            <a:solidFill>
+                              <a:srgbClr val="FFFFFF"/>
+                            </a:solidFill>
+                          </a:uFill>
+                          <a:latin typeface="Calibri" panose="020F0502020204030204" pitchFamily="34" charset="0"/>
+                          <a:cs typeface="Calibri" panose="020F0502020204030204" pitchFamily="34" charset="0"/>
+                        </a:rPr>
+                        <a:t>segundos</a:t>
+                      </a:r>
+                      <a:endParaRPr lang="pt-BR" sz="1800" b="0" strike="noStrike" spc="-1" dirty="0">
+                        <a:solidFill>
+                          <a:srgbClr val="000000"/>
+                        </a:solidFill>
+                        <a:uFill>
+                          <a:solidFill>
+                            <a:srgbClr val="FFFFFF"/>
+                          </a:solidFill>
+                        </a:uFill>
+                        <a:latin typeface="Calibri" panose="020F0502020204030204" pitchFamily="34" charset="0"/>
+                        <a:cs typeface="Calibri" panose="020F0502020204030204" pitchFamily="34" charset="0"/>
+                      </a:endParaRPr>
+                    </a:p>
+                  </a:txBody>
+                  <a:tcPr marL="90000" marR="90000">
+                    <a:lnL w="720" cap="flat" cmpd="sng" algn="ctr">
+                      <a:solidFill>
+                        <a:srgbClr val="FFFFFF"/>
+                      </a:solidFill>
+                      <a:prstDash val="solid"/>
+                      <a:round/>
+                      <a:headEnd type="none" w="med" len="med"/>
+                      <a:tailEnd type="none" w="med" len="med"/>
+                    </a:lnL>
+                    <a:lnR w="720">
+                      <a:solidFill>
+                        <a:srgbClr val="FFFFFF"/>
+                      </a:solidFill>
+                    </a:lnR>
+                    <a:lnT w="720">
+                      <a:solidFill>
+                        <a:srgbClr val="FFFFFF"/>
+                      </a:solidFill>
+                    </a:lnT>
+                    <a:lnB w="720" cap="flat" cmpd="sng" algn="ctr">
+                      <a:solidFill>
+                        <a:srgbClr val="FFFFFF"/>
+                      </a:solidFill>
+                      <a:prstDash val="solid"/>
+                      <a:round/>
+                      <a:headEnd type="none" w="med" len="med"/>
+                      <a:tailEnd type="none" w="med" len="med"/>
+                    </a:lnB>
+                    <a:solidFill>
+                      <a:srgbClr val="E6E6E6"/>
+                    </a:solidFill>
+                  </a:tcPr>
+                </a:tc>
+              </a:tr>
+              <a:tr h="486453">
+                <a:tc>
+                  <a:txBody>
+                    <a:bodyPr/>
+                    <a:lstStyle/>
+                    <a:p>
+                      <a:pPr algn="ctr">
+                        <a:lnSpc>
+                          <a:spcPct val="100000"/>
+                        </a:lnSpc>
+                      </a:pPr>
+                      <a:r>
+                        <a:rPr lang="pt-BR" sz="1800" b="0" strike="noStrike" spc="-1" dirty="0" smtClean="0">
+                          <a:solidFill>
+                            <a:srgbClr val="000000"/>
+                          </a:solidFill>
+                          <a:uFill>
+                            <a:solidFill>
+                              <a:srgbClr val="FFFFFF"/>
+                            </a:solidFill>
+                          </a:uFill>
+                          <a:latin typeface="Calibri" panose="020F0502020204030204" pitchFamily="34" charset="0"/>
+                          <a:cs typeface="Calibri" panose="020F0502020204030204" pitchFamily="34" charset="0"/>
+                        </a:rPr>
+                        <a:t>20</a:t>
+                      </a:r>
+                      <a:endParaRPr lang="pt-BR" sz="1800" b="0" strike="noStrike" spc="-1" dirty="0">
+                        <a:solidFill>
+                          <a:srgbClr val="000000"/>
+                        </a:solidFill>
+                        <a:uFill>
+                          <a:solidFill>
+                            <a:srgbClr val="FFFFFF"/>
+                          </a:solidFill>
+                        </a:uFill>
+                        <a:latin typeface="Calibri" panose="020F0502020204030204" pitchFamily="34" charset="0"/>
+                        <a:cs typeface="Calibri" panose="020F0502020204030204" pitchFamily="34" charset="0"/>
+                      </a:endParaRPr>
+                    </a:p>
+                  </a:txBody>
+                  <a:tcPr marL="90000" marR="90000">
+                    <a:lnL w="720">
+                      <a:solidFill>
+                        <a:srgbClr val="FFFFFF"/>
+                      </a:solidFill>
+                    </a:lnL>
+                    <a:lnR w="720" cap="flat" cmpd="sng" algn="ctr">
+                      <a:solidFill>
+                        <a:srgbClr val="FFFFFF"/>
+                      </a:solidFill>
+                      <a:prstDash val="solid"/>
+                      <a:round/>
+                      <a:headEnd type="none" w="med" len="med"/>
+                      <a:tailEnd type="none" w="med" len="med"/>
+                    </a:lnR>
+                    <a:lnT w="720">
+                      <a:solidFill>
+                        <a:srgbClr val="FFFFFF"/>
+                      </a:solidFill>
+                    </a:lnT>
+                    <a:lnB w="720">
+                      <a:solidFill>
+                        <a:srgbClr val="FFFFFF"/>
+                      </a:solidFill>
+                    </a:lnB>
+                    <a:solidFill>
+                      <a:srgbClr val="E6E6E6"/>
+                    </a:solidFill>
+                  </a:tcPr>
+                </a:tc>
+                <a:tc>
+                  <a:txBody>
+                    <a:bodyPr/>
+                    <a:lstStyle/>
+                    <a:p>
+                      <a:pPr algn="ctr">
+                        <a:lnSpc>
+                          <a:spcPct val="100000"/>
+                        </a:lnSpc>
+                      </a:pPr>
+                      <a:r>
+                        <a:rPr lang="pt-BR" sz="1800" b="0" strike="noStrike" spc="-1" dirty="0" smtClean="0">
+                          <a:solidFill>
+                            <a:srgbClr val="000000"/>
+                          </a:solidFill>
+                          <a:uFill>
+                            <a:solidFill>
+                              <a:srgbClr val="FFFFFF"/>
+                            </a:solidFill>
+                          </a:uFill>
+                          <a:latin typeface="Calibri" panose="020F0502020204030204" pitchFamily="34" charset="0"/>
+                          <a:cs typeface="Calibri" panose="020F0502020204030204" pitchFamily="34" charset="0"/>
+                        </a:rPr>
+                        <a:t>&gt; 20 minutos</a:t>
+                      </a:r>
+                      <a:endParaRPr lang="pt-BR" sz="1800" b="0" strike="noStrike" spc="-1" dirty="0">
+                        <a:solidFill>
+                          <a:srgbClr val="000000"/>
+                        </a:solidFill>
+                        <a:uFill>
+                          <a:solidFill>
+                            <a:srgbClr val="FFFFFF"/>
+                          </a:solidFill>
+                        </a:uFill>
+                        <a:latin typeface="Calibri" panose="020F0502020204030204" pitchFamily="34" charset="0"/>
+                        <a:cs typeface="Calibri" panose="020F0502020204030204" pitchFamily="34" charset="0"/>
+                      </a:endParaRPr>
+                    </a:p>
+                  </a:txBody>
+                  <a:tcPr marL="90000" marR="90000">
+                    <a:lnL w="720" cap="flat" cmpd="sng" algn="ctr">
+                      <a:solidFill>
+                        <a:srgbClr val="FFFFFF"/>
+                      </a:solidFill>
+                      <a:prstDash val="solid"/>
+                      <a:round/>
+                      <a:headEnd type="none" w="med" len="med"/>
+                      <a:tailEnd type="none" w="med" len="med"/>
+                    </a:lnL>
+                    <a:lnR w="720" cap="flat" cmpd="sng" algn="ctr">
+                      <a:solidFill>
+                        <a:srgbClr val="FFFFFF"/>
+                      </a:solidFill>
+                      <a:prstDash val="solid"/>
+                      <a:round/>
+                      <a:headEnd type="none" w="med" len="med"/>
+                      <a:tailEnd type="none" w="med" len="med"/>
+                    </a:lnR>
+                    <a:lnT w="720">
+                      <a:solidFill>
+                        <a:srgbClr val="FFFFFF"/>
+                      </a:solidFill>
+                    </a:lnT>
+                    <a:lnB w="720">
+                      <a:solidFill>
+                        <a:srgbClr val="FFFFFF"/>
+                      </a:solidFill>
+                    </a:lnB>
+                    <a:solidFill>
+                      <a:srgbClr val="E6E6E6"/>
+                    </a:solidFill>
+                  </a:tcPr>
+                </a:tc>
+                <a:tc>
+                  <a:txBody>
+                    <a:bodyPr/>
+                    <a:lstStyle/>
+                    <a:p>
+                      <a:pPr algn="ctr">
+                        <a:lnSpc>
+                          <a:spcPct val="100000"/>
+                        </a:lnSpc>
+                      </a:pPr>
+                      <a:r>
+                        <a:rPr lang="pt-BR" sz="1800" b="0" strike="noStrike" spc="-1" dirty="0" smtClean="0">
+                          <a:solidFill>
+                            <a:srgbClr val="000000"/>
+                          </a:solidFill>
+                          <a:uFill>
+                            <a:solidFill>
+                              <a:srgbClr val="FFFFFF"/>
+                            </a:solidFill>
+                          </a:uFill>
+                          <a:latin typeface="Calibri" panose="020F0502020204030204" pitchFamily="34" charset="0"/>
+                          <a:cs typeface="Calibri" panose="020F0502020204030204" pitchFamily="34" charset="0"/>
+                        </a:rPr>
+                        <a:t>12 minutos</a:t>
+                      </a:r>
+                      <a:endParaRPr lang="pt-BR" sz="1800" b="0" strike="noStrike" spc="-1" dirty="0">
+                        <a:solidFill>
+                          <a:srgbClr val="000000"/>
+                        </a:solidFill>
+                        <a:uFill>
+                          <a:solidFill>
+                            <a:srgbClr val="FFFFFF"/>
+                          </a:solidFill>
+                        </a:uFill>
+                        <a:latin typeface="Calibri" panose="020F0502020204030204" pitchFamily="34" charset="0"/>
+                        <a:cs typeface="Calibri" panose="020F0502020204030204" pitchFamily="34" charset="0"/>
+                      </a:endParaRPr>
+                    </a:p>
+                  </a:txBody>
+                  <a:tcPr marL="90000" marR="90000">
+                    <a:lnL w="720" cap="flat" cmpd="sng" algn="ctr">
+                      <a:solidFill>
+                        <a:srgbClr val="FFFFFF"/>
+                      </a:solidFill>
+                      <a:prstDash val="solid"/>
+                      <a:round/>
+                      <a:headEnd type="none" w="med" len="med"/>
+                      <a:tailEnd type="none" w="med" len="med"/>
                     </a:lnL>
                     <a:lnR w="720">
                       <a:solidFill>
@@ -33554,7 +34094,55 @@
                 <a:ea typeface="DejaVu Sans"/>
                 <a:cs typeface="Calibri" panose="020F0502020204030204" pitchFamily="34" charset="0"/>
               </a:rPr>
-              <a:t>Armazena um conjunto de dados e roda 1 ou mais activiteis (threads)</a:t>
+              <a:t>Armazena um conjunto de dados e roda 1 ou mais </a:t>
+            </a:r>
+            <a:r>
+              <a:rPr lang="pt-BR" sz="1400" b="0" strike="noStrike" spc="-1" dirty="0" err="1" smtClean="0">
+                <a:solidFill>
+                  <a:srgbClr val="000000"/>
+                </a:solidFill>
+                <a:uFill>
+                  <a:solidFill>
+                    <a:srgbClr val="FFFFFF"/>
+                  </a:solidFill>
+                </a:uFill>
+                <a:latin typeface="Calibri" panose="020F0502020204030204" pitchFamily="34" charset="0"/>
+                <a:ea typeface="DejaVu Sans"/>
+                <a:cs typeface="Calibri" panose="020F0502020204030204" pitchFamily="34" charset="0"/>
+              </a:rPr>
+              <a:t>activities</a:t>
+            </a:r>
+            <a:r>
+              <a:rPr lang="pt-BR" sz="1400" b="0" strike="noStrike" spc="-1" dirty="0" smtClean="0">
+                <a:solidFill>
+                  <a:srgbClr val="000000"/>
+                </a:solidFill>
+                <a:uFill>
+                  <a:solidFill>
+                    <a:srgbClr val="FFFFFF"/>
+                  </a:solidFill>
+                </a:uFill>
+                <a:latin typeface="Calibri" panose="020F0502020204030204" pitchFamily="34" charset="0"/>
+                <a:ea typeface="DejaVu Sans"/>
+                <a:cs typeface="Calibri" panose="020F0502020204030204" pitchFamily="34" charset="0"/>
+              </a:rPr>
+              <a:t> </a:t>
+            </a:r>
+            <a:r>
+              <a:rPr lang="pt-BR" sz="1400" b="0" strike="noStrike" spc="-1" dirty="0">
+                <a:solidFill>
+                  <a:srgbClr val="000000"/>
+                </a:solidFill>
+                <a:uFill>
+                  <a:solidFill>
+                    <a:srgbClr val="FFFFFF"/>
+                  </a:solidFill>
+                </a:uFill>
+                <a:latin typeface="Calibri" panose="020F0502020204030204" pitchFamily="34" charset="0"/>
+                <a:ea typeface="DejaVu Sans"/>
+                <a:cs typeface="Calibri" panose="020F0502020204030204" pitchFamily="34" charset="0"/>
+              </a:rPr>
+              <a:t>(threads)</a:t>
             </a:r>
             <a:endParaRPr lang="pt-BR" sz="1800" b="0" strike="noStrike" spc="-1" dirty="0">
               <a:solidFill>
@@ -33570,15 +34158,13 @@
             </a:endParaRPr>
           </a:p>
           <a:p>
-            <a:pPr marL="743040" lvl="1" indent="-284400">
+            <a:pPr marL="458640" lvl="1">
               <a:lnSpc>
                 <a:spcPct val="80000"/>
               </a:lnSpc>
               <a:buClr>
                 <a:srgbClr val="000000"/>
               </a:buClr>
-              <a:buFont typeface="Arial"/>
-              <a:buChar char="–"/>
             </a:pPr>
             <a:endParaRPr lang="pt-BR" sz="1800" b="0" strike="noStrike" spc="-1" dirty="0">
               <a:solidFill>
@@ -35204,7 +35790,71 @@
                 <a:ea typeface="DejaVu Sans"/>
                 <a:cs typeface="Calibri" panose="020F0502020204030204" pitchFamily="34" charset="0"/>
               </a:rPr>
-              <a:t>Comunicação entre processo é cara!</a:t>
+              <a:t>Comunicação entre </a:t>
+            </a:r>
+            <a:r>
+              <a:rPr lang="pt-BR" b="0" strike="noStrike" spc="-1" dirty="0" smtClean="0">
+                <a:solidFill>
+                  <a:srgbClr val="3F3D41"/>
+                </a:solidFill>
+                <a:uFill>
+                  <a:solidFill>
+                    <a:srgbClr val="FFFFFF"/>
+                  </a:solidFill>
+                </a:uFill>
+                <a:latin typeface="Calibri" panose="020F0502020204030204" pitchFamily="34" charset="0"/>
+                <a:ea typeface="DejaVu Sans"/>
+                <a:cs typeface="Calibri" panose="020F0502020204030204" pitchFamily="34" charset="0"/>
+              </a:rPr>
+              <a:t>processos </a:t>
+            </a:r>
+            <a:r>
+              <a:rPr lang="pt-BR" spc="-1" dirty="0" smtClean="0">
+                <a:solidFill>
+                  <a:srgbClr val="3F3D41"/>
+                </a:solidFill>
+                <a:uFill>
+                  <a:solidFill>
+                    <a:srgbClr val="FFFFFF"/>
+                  </a:solidFill>
+                </a:uFill>
+                <a:latin typeface="Calibri" panose="020F0502020204030204" pitchFamily="34" charset="0"/>
+                <a:ea typeface="DejaVu Sans"/>
+                <a:cs typeface="Calibri" panose="020F0502020204030204" pitchFamily="34" charset="0"/>
+              </a:rPr>
+              <a:t>pode ser</a:t>
+            </a:r>
+            <a:r>
+              <a:rPr lang="pt-BR" b="0" strike="noStrike" spc="-1" dirty="0" smtClean="0">
+                <a:solidFill>
+                  <a:srgbClr val="3F3D41"/>
+                </a:solidFill>
+                <a:uFill>
+                  <a:solidFill>
+                    <a:srgbClr val="FFFFFF"/>
+                  </a:solidFill>
+                </a:uFill>
+                <a:latin typeface="Calibri" panose="020F0502020204030204" pitchFamily="34" charset="0"/>
+                <a:ea typeface="DejaVu Sans"/>
+                <a:cs typeface="Calibri" panose="020F0502020204030204" pitchFamily="34" charset="0"/>
+              </a:rPr>
+              <a:t> </a:t>
+            </a:r>
+            <a:r>
+              <a:rPr lang="pt-BR" b="0" strike="noStrike" spc="-1" dirty="0">
+                <a:solidFill>
+                  <a:srgbClr val="3F3D41"/>
+                </a:solidFill>
+                <a:uFill>
+                  <a:solidFill>
+                    <a:srgbClr val="FFFFFF"/>
+                  </a:solidFill>
+                </a:uFill>
+                <a:latin typeface="Calibri" panose="020F0502020204030204" pitchFamily="34" charset="0"/>
+                <a:ea typeface="DejaVu Sans"/>
+                <a:cs typeface="Calibri" panose="020F0502020204030204" pitchFamily="34" charset="0"/>
+              </a:rPr>
+              <a:t>cara!</a:t>
             </a:r>
             <a:endParaRPr lang="pt-BR" sz="1400" b="0" strike="noStrike" spc="-1" dirty="0">
               <a:solidFill>

--- a/x102.pptx
+++ b/x102.pptx
@@ -12,7 +12,7 @@
     <p:sldMasterId id="2147483739" r:id="rId8"/>
   </p:sldMasterIdLst>
   <p:notesMasterIdLst>
-    <p:notesMasterId r:id="rId54"/>
+    <p:notesMasterId r:id="rId55"/>
   </p:notesMasterIdLst>
   <p:sldIdLst>
     <p:sldId id="256" r:id="rId9"/>
@@ -51,15 +51,16 @@
     <p:sldId id="290" r:id="rId42"/>
     <p:sldId id="291" r:id="rId43"/>
     <p:sldId id="299" r:id="rId44"/>
-    <p:sldId id="300" r:id="rId45"/>
-    <p:sldId id="301" r:id="rId46"/>
-    <p:sldId id="302" r:id="rId47"/>
-    <p:sldId id="303" r:id="rId48"/>
-    <p:sldId id="304" r:id="rId49"/>
-    <p:sldId id="305" r:id="rId50"/>
-    <p:sldId id="295" r:id="rId51"/>
-    <p:sldId id="296" r:id="rId52"/>
-    <p:sldId id="297" r:id="rId53"/>
+    <p:sldId id="307" r:id="rId45"/>
+    <p:sldId id="300" r:id="rId46"/>
+    <p:sldId id="301" r:id="rId47"/>
+    <p:sldId id="302" r:id="rId48"/>
+    <p:sldId id="303" r:id="rId49"/>
+    <p:sldId id="304" r:id="rId50"/>
+    <p:sldId id="305" r:id="rId51"/>
+    <p:sldId id="295" r:id="rId52"/>
+    <p:sldId id="296" r:id="rId53"/>
+    <p:sldId id="297" r:id="rId54"/>
   </p:sldIdLst>
   <p:sldSz cx="12192000" cy="6858000"/>
   <p:notesSz cx="6858000" cy="9144000"/>
@@ -396,7 +397,7 @@
                 </a:uFill>
                 <a:latin typeface="Times New Roman"/>
               </a:rPr>
-              <a:t>‹nº›</a:t>
+              <a:t>‹#›</a:t>
             </a:fld>
             <a:endParaRPr lang="pt-BR" sz="1400" b="0" strike="noStrike" spc="-1">
               <a:solidFill>
@@ -29324,7 +29325,7 @@
       </p:grpSpPr>
       <p:sp>
         <p:nvSpPr>
-          <p:cNvPr id="422" name="CustomShape 1"/>
+          <p:cNvPr id="420" name="CustomShape 1"/>
           <p:cNvSpPr/>
           <p:nvPr/>
         </p:nvSpPr>
@@ -29357,11 +29358,6 @@
           <a:bodyPr lIns="0" tIns="0" rIns="0" bIns="0" anchor="ctr"/>
           <a:lstStyle/>
           <a:p>
-            <a:pPr>
-              <a:lnSpc>
-                <a:spcPct val="90000"/>
-              </a:lnSpc>
-            </a:pPr>
             <a:r>
               <a:rPr lang="pt-BR" sz="2400" b="0" strike="noStrike" spc="-1" dirty="0">
                 <a:solidFill>
@@ -29375,7 +29371,22 @@
                 <a:latin typeface="Calibri"/>
                 <a:ea typeface="DejaVu Sans"/>
               </a:rPr>
-              <a:t>Busca em árvore com x10</a:t>
+              <a:t>Busca em árvore com </a:t>
+            </a:r>
+            <a:r>
+              <a:rPr lang="pt-BR" sz="2400" b="0" strike="noStrike" spc="-1" dirty="0" smtClean="0">
+                <a:solidFill>
+                  <a:srgbClr val="000000"/>
+                </a:solidFill>
+                <a:uFill>
+                  <a:solidFill>
+                    <a:srgbClr val="FFFFFF"/>
+                  </a:solidFill>
+                </a:uFill>
+                <a:latin typeface="Calibri"/>
+                <a:ea typeface="DejaVu Sans"/>
+              </a:rPr>
+              <a:t>x10</a:t>
             </a:r>
             <a:endParaRPr lang="pt-BR" sz="2400" b="0" strike="noStrike" spc="-1" dirty="0">
               <a:solidFill>
@@ -29387,68 +29398,122 @@
                 </a:solidFill>
               </a:uFill>
               <a:latin typeface="Arial"/>
+            </a:endParaRPr>
+          </a:p>
+        </p:txBody>
+      </p:sp>
+      <p:sp>
+        <p:nvSpPr>
+          <p:cNvPr id="421" name="CustomShape 2"/>
+          <p:cNvSpPr/>
+          <p:nvPr/>
+        </p:nvSpPr>
+        <p:spPr>
+          <a:xfrm>
+            <a:off x="609480" y="1604520"/>
+            <a:ext cx="10971720" cy="4560784"/>
+          </a:xfrm>
+          <a:prstGeom prst="rect">
+            <a:avLst/>
+          </a:prstGeom>
+          <a:noFill/>
+          <a:ln>
+            <a:noFill/>
+          </a:ln>
+        </p:spPr>
+        <p:style>
+          <a:lnRef idx="0">
+            <a:scrgbClr r="0" g="0" b="0"/>
+          </a:lnRef>
+          <a:fillRef idx="0">
+            <a:scrgbClr r="0" g="0" b="0"/>
+          </a:fillRef>
+          <a:effectRef idx="0">
+            <a:scrgbClr r="0" g="0" b="0"/>
+          </a:effectRef>
+          <a:fontRef idx="minor"/>
+        </p:style>
+        <p:txBody>
+          <a:bodyPr lIns="0" tIns="0" rIns="0" bIns="0" anchor="t"/>
+          <a:lstStyle/>
+          <a:p>
+            <a:pPr marL="228600" indent="-227880">
+              <a:lnSpc>
+                <a:spcPct val="90000"/>
+              </a:lnSpc>
+              <a:buClr>
+                <a:srgbClr val="000000"/>
+              </a:buClr>
+              <a:buFont typeface="Arial"/>
+              <a:buChar char="•"/>
+            </a:pPr>
+            <a:endParaRPr lang="pt-BR" sz="1600" b="0" strike="noStrike" spc="-1" dirty="0">
+              <a:solidFill>
+                <a:srgbClr val="000000"/>
+              </a:solidFill>
+              <a:uFill>
+                <a:solidFill>
+                  <a:srgbClr val="FFFFFF"/>
+                </a:solidFill>
+              </a:uFill>
+              <a:latin typeface="Calibri" panose="020F0502020204030204" pitchFamily="34" charset="0"/>
+              <a:cs typeface="Calibri" panose="020F0502020204030204" pitchFamily="34" charset="0"/>
             </a:endParaRPr>
           </a:p>
         </p:txBody>
       </p:sp>
       <p:pic>
         <p:nvPicPr>
-          <p:cNvPr id="4" name="Picture 2"/>
+          <p:cNvPr id="4" name="Picture 3"/>
           <p:cNvPicPr>
-            <a:picLocks noChangeAspect="1" noChangeArrowheads="1"/>
+            <a:picLocks noChangeAspect="1"/>
           </p:cNvPicPr>
           <p:nvPr/>
         </p:nvPicPr>
         <p:blipFill>
-          <a:blip r:embed="rId2">
-            <a:extLst>
-              <a:ext uri="{28A0092B-C50C-407E-A947-70E740481C1C}">
-                <a14:useLocalDpi xmlns:a14="http://schemas.microsoft.com/office/drawing/2010/main" val="0"/>
-              </a:ext>
-            </a:extLst>
-          </a:blip>
-          <a:srcRect/>
+          <a:blip r:embed="rId2"/>
           <a:stretch>
             <a:fillRect/>
           </a:stretch>
         </p:blipFill>
-        <p:spPr bwMode="auto">
-          <a:xfrm>
-            <a:off x="1271464" y="2060848"/>
-            <a:ext cx="4391025" cy="3076575"/>
-          </a:xfrm>
-          <a:prstGeom prst="rect">
-            <a:avLst/>
-          </a:prstGeom>
-          <a:noFill/>
-          <a:ln>
-            <a:noFill/>
-          </a:ln>
-          <a:extLst>
-            <a:ext uri="{909E8E84-426E-40DD-AFC4-6F175D3DCCD1}">
-              <a14:hiddenFill xmlns:a14="http://schemas.microsoft.com/office/drawing/2010/main">
-                <a:solidFill>
-                  <a:schemeClr val="accent1"/>
-                </a:solidFill>
-              </a14:hiddenFill>
-            </a:ext>
-            <a:ext uri="{91240B29-F687-4F45-9708-019B960494DF}">
-              <a14:hiddenLine xmlns:a14="http://schemas.microsoft.com/office/drawing/2010/main" w="9525">
-                <a:solidFill>
-                  <a:schemeClr val="tx1"/>
-                </a:solidFill>
-                <a:miter lim="800000"/>
-                <a:headEnd/>
-                <a:tailEnd/>
-              </a14:hiddenLine>
-            </a:ext>
-          </a:extLst>
+        <p:spPr>
+          <a:xfrm>
+            <a:off x="609480" y="3578043"/>
+            <a:ext cx="5753100" cy="1171575"/>
+          </a:xfrm>
+          <a:prstGeom prst="rect">
+            <a:avLst/>
+          </a:prstGeom>
+        </p:spPr>
+      </p:pic>
+      <p:pic>
+        <p:nvPicPr>
+          <p:cNvPr id="2" name="Picture 1"/>
+          <p:cNvPicPr>
+            <a:picLocks noChangeAspect="1"/>
+          </p:cNvPicPr>
+          <p:nvPr/>
+        </p:nvPicPr>
+        <p:blipFill>
+          <a:blip r:embed="rId3"/>
+          <a:stretch>
+            <a:fillRect/>
+          </a:stretch>
+        </p:blipFill>
+        <p:spPr>
+          <a:xfrm>
+            <a:off x="609480" y="1590858"/>
+            <a:ext cx="8839200" cy="1743075"/>
+          </a:xfrm>
+          <a:prstGeom prst="rect">
+            <a:avLst/>
+          </a:prstGeom>
         </p:spPr>
       </p:pic>
     </p:spTree>
     <p:extLst>
       <p:ext uri="{BB962C8B-B14F-4D97-AF65-F5344CB8AC3E}">
-        <p14:creationId xmlns:p14="http://schemas.microsoft.com/office/powerpoint/2010/main" val="708334027"/>
+        <p14:creationId xmlns:p14="http://schemas.microsoft.com/office/powerpoint/2010/main" val="1636166269"/>
       </p:ext>
     </p:extLst>
   </p:cSld>
@@ -29573,7 +29638,7 @@
       </p:sp>
       <p:pic>
         <p:nvPicPr>
-          <p:cNvPr id="5123" name="Picture 3"/>
+          <p:cNvPr id="4" name="Picture 2"/>
           <p:cNvPicPr>
             <a:picLocks noChangeAspect="1" noChangeArrowheads="1"/>
           </p:cNvPicPr>
@@ -29594,8 +29659,8 @@
         </p:blipFill>
         <p:spPr bwMode="auto">
           <a:xfrm>
-            <a:off x="1273109" y="1340768"/>
-            <a:ext cx="5114925" cy="4400550"/>
+            <a:off x="1271464" y="2060848"/>
+            <a:ext cx="4391025" cy="3076575"/>
           </a:xfrm>
           <a:prstGeom prst="rect">
             <a:avLst/>
@@ -29625,64 +29690,10 @@
           </a:extLst>
         </p:spPr>
       </p:pic>
-      <p:pic>
-        <p:nvPicPr>
-          <p:cNvPr id="5124" name="Picture 4"/>
-          <p:cNvPicPr>
-            <a:picLocks noChangeAspect="1" noChangeArrowheads="1"/>
-          </p:cNvPicPr>
-          <p:nvPr/>
-        </p:nvPicPr>
-        <p:blipFill>
-          <a:blip r:embed="rId3">
-            <a:extLst>
-              <a:ext uri="{28A0092B-C50C-407E-A947-70E740481C1C}">
-                <a14:useLocalDpi xmlns:a14="http://schemas.microsoft.com/office/drawing/2010/main" val="0"/>
-              </a:ext>
-            </a:extLst>
-          </a:blip>
-          <a:srcRect/>
-          <a:stretch>
-            <a:fillRect/>
-          </a:stretch>
-        </p:blipFill>
-        <p:spPr bwMode="auto">
-          <a:xfrm>
-            <a:off x="6384032" y="3645024"/>
-            <a:ext cx="5114925" cy="3086100"/>
-          </a:xfrm>
-          <a:prstGeom prst="rect">
-            <a:avLst/>
-          </a:prstGeom>
-          <a:noFill/>
-          <a:ln>
-            <a:noFill/>
-          </a:ln>
-          <a:extLst>
-            <a:ext uri="{909E8E84-426E-40DD-AFC4-6F175D3DCCD1}">
-              <a14:hiddenFill xmlns:a14="http://schemas.microsoft.com/office/drawing/2010/main">
-                <a:solidFill>
-                  <a:schemeClr val="accent1"/>
-                </a:solidFill>
-              </a14:hiddenFill>
-            </a:ext>
-            <a:ext uri="{91240B29-F687-4F45-9708-019B960494DF}">
-              <a14:hiddenLine xmlns:a14="http://schemas.microsoft.com/office/drawing/2010/main" w="9525">
-                <a:solidFill>
-                  <a:schemeClr val="tx1"/>
-                </a:solidFill>
-                <a:miter lim="800000"/>
-                <a:headEnd/>
-                <a:tailEnd/>
-              </a14:hiddenLine>
-            </a:ext>
-          </a:extLst>
-        </p:spPr>
-      </p:pic>
     </p:spTree>
     <p:extLst>
       <p:ext uri="{BB962C8B-B14F-4D97-AF65-F5344CB8AC3E}">
-        <p14:creationId xmlns:p14="http://schemas.microsoft.com/office/powerpoint/2010/main" val="2977149072"/>
+        <p14:creationId xmlns:p14="http://schemas.microsoft.com/office/powerpoint/2010/main" val="708334027"/>
       </p:ext>
     </p:extLst>
   </p:cSld>
@@ -29807,7 +29818,7 @@
       </p:sp>
       <p:pic>
         <p:nvPicPr>
-          <p:cNvPr id="5" name="Picture 2"/>
+          <p:cNvPr id="5123" name="Picture 3"/>
           <p:cNvPicPr>
             <a:picLocks noChangeAspect="1" noChangeArrowheads="1"/>
           </p:cNvPicPr>
@@ -29828,8 +29839,8 @@
         </p:blipFill>
         <p:spPr bwMode="auto">
           <a:xfrm>
-            <a:off x="911424" y="2780928"/>
-            <a:ext cx="3352800" cy="1885950"/>
+            <a:off x="1273109" y="1340768"/>
+            <a:ext cx="5114925" cy="4400550"/>
           </a:xfrm>
           <a:prstGeom prst="rect">
             <a:avLst/>
@@ -29859,10 +29870,64 @@
           </a:extLst>
         </p:spPr>
       </p:pic>
+      <p:pic>
+        <p:nvPicPr>
+          <p:cNvPr id="5124" name="Picture 4"/>
+          <p:cNvPicPr>
+            <a:picLocks noChangeAspect="1" noChangeArrowheads="1"/>
+          </p:cNvPicPr>
+          <p:nvPr/>
+        </p:nvPicPr>
+        <p:blipFill>
+          <a:blip r:embed="rId3">
+            <a:extLst>
+              <a:ext uri="{28A0092B-C50C-407E-A947-70E740481C1C}">
+                <a14:useLocalDpi xmlns:a14="http://schemas.microsoft.com/office/drawing/2010/main" val="0"/>
+              </a:ext>
+            </a:extLst>
+          </a:blip>
+          <a:srcRect/>
+          <a:stretch>
+            <a:fillRect/>
+          </a:stretch>
+        </p:blipFill>
+        <p:spPr bwMode="auto">
+          <a:xfrm>
+            <a:off x="6384032" y="3645024"/>
+            <a:ext cx="5114925" cy="3086100"/>
+          </a:xfrm>
+          <a:prstGeom prst="rect">
+            <a:avLst/>
+          </a:prstGeom>
+          <a:noFill/>
+          <a:ln>
+            <a:noFill/>
+          </a:ln>
+          <a:extLst>
+            <a:ext uri="{909E8E84-426E-40DD-AFC4-6F175D3DCCD1}">
+              <a14:hiddenFill xmlns:a14="http://schemas.microsoft.com/office/drawing/2010/main">
+                <a:solidFill>
+                  <a:schemeClr val="accent1"/>
+                </a:solidFill>
+              </a14:hiddenFill>
+            </a:ext>
+            <a:ext uri="{91240B29-F687-4F45-9708-019B960494DF}">
+              <a14:hiddenLine xmlns:a14="http://schemas.microsoft.com/office/drawing/2010/main" w="9525">
+                <a:solidFill>
+                  <a:schemeClr val="tx1"/>
+                </a:solidFill>
+                <a:miter lim="800000"/>
+                <a:headEnd/>
+                <a:tailEnd/>
+              </a14:hiddenLine>
+            </a:ext>
+          </a:extLst>
+        </p:spPr>
+      </p:pic>
     </p:spTree>
     <p:extLst>
       <p:ext uri="{BB962C8B-B14F-4D97-AF65-F5344CB8AC3E}">
-        <p14:creationId xmlns:p14="http://schemas.microsoft.com/office/powerpoint/2010/main" val="1152425556"/>
+        <p14:creationId xmlns:p14="http://schemas.microsoft.com/office/powerpoint/2010/main" val="2977149072"/>
       </p:ext>
     </p:extLst>
   </p:cSld>
@@ -30657,56 +30722,62 @@
       </p:sp>
       <p:pic>
         <p:nvPicPr>
-          <p:cNvPr id="2" name="Picture 1"/>
+          <p:cNvPr id="5" name="Picture 2"/>
           <p:cNvPicPr>
-            <a:picLocks noChangeAspect="1"/>
+            <a:picLocks noChangeAspect="1" noChangeArrowheads="1"/>
           </p:cNvPicPr>
           <p:nvPr/>
         </p:nvPicPr>
         <p:blipFill>
-          <a:blip r:embed="rId2"/>
+          <a:blip r:embed="rId2">
+            <a:extLst>
+              <a:ext uri="{28A0092B-C50C-407E-A947-70E740481C1C}">
+                <a14:useLocalDpi xmlns:a14="http://schemas.microsoft.com/office/drawing/2010/main" val="0"/>
+              </a:ext>
+            </a:extLst>
+          </a:blip>
+          <a:srcRect/>
           <a:stretch>
             <a:fillRect/>
           </a:stretch>
         </p:blipFill>
-        <p:spPr>
-          <a:xfrm>
-            <a:off x="450723" y="1268760"/>
-            <a:ext cx="5619750" cy="3943350"/>
-          </a:xfrm>
-          <a:prstGeom prst="rect">
-            <a:avLst/>
-          </a:prstGeom>
-        </p:spPr>
-      </p:pic>
-      <p:pic>
-        <p:nvPicPr>
-          <p:cNvPr id="3" name="Picture 2"/>
-          <p:cNvPicPr>
-            <a:picLocks noChangeAspect="1"/>
-          </p:cNvPicPr>
-          <p:nvPr/>
-        </p:nvPicPr>
-        <p:blipFill>
-          <a:blip r:embed="rId3"/>
-          <a:stretch>
-            <a:fillRect/>
-          </a:stretch>
-        </p:blipFill>
-        <p:spPr>
-          <a:xfrm>
-            <a:off x="6384032" y="2348880"/>
-            <a:ext cx="5619750" cy="4429125"/>
-          </a:xfrm>
-          <a:prstGeom prst="rect">
-            <a:avLst/>
-          </a:prstGeom>
+        <p:spPr bwMode="auto">
+          <a:xfrm>
+            <a:off x="911424" y="2780928"/>
+            <a:ext cx="3352800" cy="1885950"/>
+          </a:xfrm>
+          <a:prstGeom prst="rect">
+            <a:avLst/>
+          </a:prstGeom>
+          <a:noFill/>
+          <a:ln>
+            <a:noFill/>
+          </a:ln>
+          <a:extLst>
+            <a:ext uri="{909E8E84-426E-40DD-AFC4-6F175D3DCCD1}">
+              <a14:hiddenFill xmlns:a14="http://schemas.microsoft.com/office/drawing/2010/main">
+                <a:solidFill>
+                  <a:schemeClr val="accent1"/>
+                </a:solidFill>
+              </a14:hiddenFill>
+            </a:ext>
+            <a:ext uri="{91240B29-F687-4F45-9708-019B960494DF}">
+              <a14:hiddenLine xmlns:a14="http://schemas.microsoft.com/office/drawing/2010/main" w="9525">
+                <a:solidFill>
+                  <a:schemeClr val="tx1"/>
+                </a:solidFill>
+                <a:miter lim="800000"/>
+                <a:headEnd/>
+                <a:tailEnd/>
+              </a14:hiddenLine>
+            </a:ext>
+          </a:extLst>
         </p:spPr>
       </p:pic>
     </p:spTree>
     <p:extLst>
       <p:ext uri="{BB962C8B-B14F-4D97-AF65-F5344CB8AC3E}">
-        <p14:creationId xmlns:p14="http://schemas.microsoft.com/office/powerpoint/2010/main" val="3547945407"/>
+        <p14:creationId xmlns:p14="http://schemas.microsoft.com/office/powerpoint/2010/main" val="1152425556"/>
       </p:ext>
     </p:extLst>
   </p:cSld>
@@ -30831,62 +30902,56 @@
       </p:sp>
       <p:pic>
         <p:nvPicPr>
-          <p:cNvPr id="8194" name="Picture 2"/>
+          <p:cNvPr id="2" name="Picture 1"/>
           <p:cNvPicPr>
-            <a:picLocks noChangeAspect="1" noChangeArrowheads="1"/>
+            <a:picLocks noChangeAspect="1"/>
           </p:cNvPicPr>
           <p:nvPr/>
         </p:nvPicPr>
         <p:blipFill>
-          <a:blip r:embed="rId2">
-            <a:extLst>
-              <a:ext uri="{28A0092B-C50C-407E-A947-70E740481C1C}">
-                <a14:useLocalDpi xmlns:a14="http://schemas.microsoft.com/office/drawing/2010/main" val="0"/>
-              </a:ext>
-            </a:extLst>
-          </a:blip>
-          <a:srcRect/>
+          <a:blip r:embed="rId2"/>
           <a:stretch>
             <a:fillRect/>
           </a:stretch>
         </p:blipFill>
-        <p:spPr bwMode="auto">
-          <a:xfrm>
-            <a:off x="876002" y="1772816"/>
-            <a:ext cx="5695950" cy="3657600"/>
-          </a:xfrm>
-          <a:prstGeom prst="rect">
-            <a:avLst/>
-          </a:prstGeom>
-          <a:noFill/>
-          <a:ln>
-            <a:noFill/>
-          </a:ln>
-          <a:extLst>
-            <a:ext uri="{909E8E84-426E-40DD-AFC4-6F175D3DCCD1}">
-              <a14:hiddenFill xmlns:a14="http://schemas.microsoft.com/office/drawing/2010/main">
-                <a:solidFill>
-                  <a:schemeClr val="accent1"/>
-                </a:solidFill>
-              </a14:hiddenFill>
-            </a:ext>
-            <a:ext uri="{91240B29-F687-4F45-9708-019B960494DF}">
-              <a14:hiddenLine xmlns:a14="http://schemas.microsoft.com/office/drawing/2010/main" w="9525">
-                <a:solidFill>
-                  <a:schemeClr val="tx1"/>
-                </a:solidFill>
-                <a:miter lim="800000"/>
-                <a:headEnd/>
-                <a:tailEnd/>
-              </a14:hiddenLine>
-            </a:ext>
-          </a:extLst>
+        <p:spPr>
+          <a:xfrm>
+            <a:off x="450723" y="1268760"/>
+            <a:ext cx="5619750" cy="3943350"/>
+          </a:xfrm>
+          <a:prstGeom prst="rect">
+            <a:avLst/>
+          </a:prstGeom>
+        </p:spPr>
+      </p:pic>
+      <p:pic>
+        <p:nvPicPr>
+          <p:cNvPr id="3" name="Picture 2"/>
+          <p:cNvPicPr>
+            <a:picLocks noChangeAspect="1"/>
+          </p:cNvPicPr>
+          <p:nvPr/>
+        </p:nvPicPr>
+        <p:blipFill>
+          <a:blip r:embed="rId3"/>
+          <a:stretch>
+            <a:fillRect/>
+          </a:stretch>
+        </p:blipFill>
+        <p:spPr>
+          <a:xfrm>
+            <a:off x="6384032" y="2348880"/>
+            <a:ext cx="5619750" cy="4429125"/>
+          </a:xfrm>
+          <a:prstGeom prst="rect">
+            <a:avLst/>
+          </a:prstGeom>
         </p:spPr>
       </p:pic>
     </p:spTree>
     <p:extLst>
       <p:ext uri="{BB962C8B-B14F-4D97-AF65-F5344CB8AC3E}">
-        <p14:creationId xmlns:p14="http://schemas.microsoft.com/office/powerpoint/2010/main" val="3532863421"/>
+        <p14:creationId xmlns:p14="http://schemas.microsoft.com/office/powerpoint/2010/main" val="3547945407"/>
       </p:ext>
     </p:extLst>
   </p:cSld>
@@ -30940,6 +31005,186 @@
           <a:chExt cx="0" cy="0"/>
         </a:xfrm>
       </p:grpSpPr>
+      <p:sp>
+        <p:nvSpPr>
+          <p:cNvPr id="422" name="CustomShape 1"/>
+          <p:cNvSpPr/>
+          <p:nvPr/>
+        </p:nvSpPr>
+        <p:spPr>
+          <a:xfrm>
+            <a:off x="609480" y="273600"/>
+            <a:ext cx="10971720" cy="1144080"/>
+          </a:xfrm>
+          <a:prstGeom prst="rect">
+            <a:avLst/>
+          </a:prstGeom>
+          <a:noFill/>
+          <a:ln>
+            <a:noFill/>
+          </a:ln>
+        </p:spPr>
+        <p:style>
+          <a:lnRef idx="0">
+            <a:scrgbClr r="0" g="0" b="0"/>
+          </a:lnRef>
+          <a:fillRef idx="0">
+            <a:scrgbClr r="0" g="0" b="0"/>
+          </a:fillRef>
+          <a:effectRef idx="0">
+            <a:scrgbClr r="0" g="0" b="0"/>
+          </a:effectRef>
+          <a:fontRef idx="minor"/>
+        </p:style>
+        <p:txBody>
+          <a:bodyPr lIns="0" tIns="0" rIns="0" bIns="0" anchor="ctr"/>
+          <a:lstStyle/>
+          <a:p>
+            <a:pPr>
+              <a:lnSpc>
+                <a:spcPct val="90000"/>
+              </a:lnSpc>
+            </a:pPr>
+            <a:r>
+              <a:rPr lang="pt-BR" sz="2400" b="0" strike="noStrike" spc="-1" dirty="0">
+                <a:solidFill>
+                  <a:srgbClr val="000000"/>
+                </a:solidFill>
+                <a:uFill>
+                  <a:solidFill>
+                    <a:srgbClr val="FFFFFF"/>
+                  </a:solidFill>
+                </a:uFill>
+                <a:latin typeface="Calibri"/>
+                <a:ea typeface="DejaVu Sans"/>
+              </a:rPr>
+              <a:t>Busca em árvore com x10</a:t>
+            </a:r>
+            <a:endParaRPr lang="pt-BR" sz="2400" b="0" strike="noStrike" spc="-1" dirty="0">
+              <a:solidFill>
+                <a:srgbClr val="000000"/>
+              </a:solidFill>
+              <a:uFill>
+                <a:solidFill>
+                  <a:srgbClr val="FFFFFF"/>
+                </a:solidFill>
+              </a:uFill>
+              <a:latin typeface="Arial"/>
+            </a:endParaRPr>
+          </a:p>
+        </p:txBody>
+      </p:sp>
+      <p:pic>
+        <p:nvPicPr>
+          <p:cNvPr id="8194" name="Picture 2"/>
+          <p:cNvPicPr>
+            <a:picLocks noChangeAspect="1" noChangeArrowheads="1"/>
+          </p:cNvPicPr>
+          <p:nvPr/>
+        </p:nvPicPr>
+        <p:blipFill>
+          <a:blip r:embed="rId2">
+            <a:extLst>
+              <a:ext uri="{28A0092B-C50C-407E-A947-70E740481C1C}">
+                <a14:useLocalDpi xmlns:a14="http://schemas.microsoft.com/office/drawing/2010/main" val="0"/>
+              </a:ext>
+            </a:extLst>
+          </a:blip>
+          <a:srcRect/>
+          <a:stretch>
+            <a:fillRect/>
+          </a:stretch>
+        </p:blipFill>
+        <p:spPr bwMode="auto">
+          <a:xfrm>
+            <a:off x="876002" y="1772816"/>
+            <a:ext cx="5695950" cy="3657600"/>
+          </a:xfrm>
+          <a:prstGeom prst="rect">
+            <a:avLst/>
+          </a:prstGeom>
+          <a:noFill/>
+          <a:ln>
+            <a:noFill/>
+          </a:ln>
+          <a:extLst>
+            <a:ext uri="{909E8E84-426E-40DD-AFC4-6F175D3DCCD1}">
+              <a14:hiddenFill xmlns:a14="http://schemas.microsoft.com/office/drawing/2010/main">
+                <a:solidFill>
+                  <a:schemeClr val="accent1"/>
+                </a:solidFill>
+              </a14:hiddenFill>
+            </a:ext>
+            <a:ext uri="{91240B29-F687-4F45-9708-019B960494DF}">
+              <a14:hiddenLine xmlns:a14="http://schemas.microsoft.com/office/drawing/2010/main" w="9525">
+                <a:solidFill>
+                  <a:schemeClr val="tx1"/>
+                </a:solidFill>
+                <a:miter lim="800000"/>
+                <a:headEnd/>
+                <a:tailEnd/>
+              </a14:hiddenLine>
+            </a:ext>
+          </a:extLst>
+        </p:spPr>
+      </p:pic>
+    </p:spTree>
+    <p:extLst>
+      <p:ext uri="{BB962C8B-B14F-4D97-AF65-F5344CB8AC3E}">
+        <p14:creationId xmlns:p14="http://schemas.microsoft.com/office/powerpoint/2010/main" val="3532863421"/>
+      </p:ext>
+    </p:extLst>
+  </p:cSld>
+  <p:clrMapOvr>
+    <a:masterClrMapping/>
+  </p:clrMapOvr>
+  <p:timing>
+    <p:tnLst>
+      <p:par>
+        <p:cTn id="1" dur="indefinite" restart="never" nodeType="tmRoot">
+          <p:childTnLst>
+            <p:seq>
+              <p:cTn id="2" nodeType="mainSeq"/>
+              <p:prevCondLst>
+                <p:cond evt="onPrev" delay="0">
+                  <p:tgtEl>
+                    <p:sldTgt/>
+                  </p:tgtEl>
+                </p:cond>
+              </p:prevCondLst>
+              <p:nextCondLst>
+                <p:cond evt="onNext" delay="0">
+                  <p:tgtEl>
+                    <p:sldTgt/>
+                  </p:tgtEl>
+                </p:cond>
+              </p:nextCondLst>
+            </p:seq>
+          </p:childTnLst>
+        </p:cTn>
+      </p:par>
+    </p:tnLst>
+  </p:timing>
+</p:sld>
+</file>
+
+<file path=ppt/slides/slide43.xml><?xml version="1.0" encoding="utf-8"?>
+<p:sld xmlns:a="http://schemas.openxmlformats.org/drawingml/2006/main" xmlns:r="http://schemas.openxmlformats.org/officeDocument/2006/relationships" xmlns:p="http://schemas.openxmlformats.org/presentationml/2006/main">
+  <p:cSld>
+    <p:spTree>
+      <p:nvGrpSpPr>
+        <p:cNvPr id="1" name=""/>
+        <p:cNvGrpSpPr/>
+        <p:nvPr/>
+      </p:nvGrpSpPr>
+      <p:grpSpPr>
+        <a:xfrm>
+          <a:off x="0" y="0"/>
+          <a:ext cx="0" cy="0"/>
+          <a:chOff x="0" y="0"/>
+          <a:chExt cx="0" cy="0"/>
+        </a:xfrm>
+      </p:grpSpPr>
       <p:pic>
         <p:nvPicPr>
           <p:cNvPr id="2052" name="Picture 4"/>
@@ -31095,7 +31340,7 @@
 </p:sld>
 </file>
 
-<file path=ppt/slides/slide43.xml><?xml version="1.0" encoding="utf-8"?>
+<file path=ppt/slides/slide44.xml><?xml version="1.0" encoding="utf-8"?>
 <p:sld xmlns:a="http://schemas.openxmlformats.org/drawingml/2006/main" xmlns:r="http://schemas.openxmlformats.org/officeDocument/2006/relationships" xmlns:p="http://schemas.openxmlformats.org/presentationml/2006/main">
   <p:cSld>
     <p:spTree>
@@ -32443,7 +32688,7 @@
 </p:sld>
 </file>
 
-<file path=ppt/slides/slide44.xml><?xml version="1.0" encoding="utf-8"?>
+<file path=ppt/slides/slide45.xml><?xml version="1.0" encoding="utf-8"?>
 <p:sld xmlns:a="http://schemas.openxmlformats.org/drawingml/2006/main" xmlns:r="http://schemas.openxmlformats.org/officeDocument/2006/relationships" xmlns:p="http://schemas.openxmlformats.org/presentationml/2006/main">
   <p:cSld>
     <p:spTree>
@@ -32768,7 +33013,7 @@
 </p:sld>
 </file>
 
-<file path=ppt/slides/slide45.xml><?xml version="1.0" encoding="utf-8"?>
+<file path=ppt/slides/slide46.xml><?xml version="1.0" encoding="utf-8"?>
 <p:sld xmlns:a="http://schemas.openxmlformats.org/drawingml/2006/main" xmlns:r="http://schemas.openxmlformats.org/officeDocument/2006/relationships" xmlns:p="http://schemas.openxmlformats.org/presentationml/2006/main">
   <p:cSld>
     <p:spTree>
